--- a/slides/WebAppDevelopmentWithJavaScript.pptx
+++ b/slides/WebAppDevelopmentWithJavaScript.pptx
@@ -3,35 +3,37 @@
 <p:presentation xmlns:a="http://schemas.openxmlformats.org/drawingml/2006/main" xmlns:r="http://schemas.openxmlformats.org/officeDocument/2006/relationships" xmlns:p="http://schemas.openxmlformats.org/presentationml/2006/main" saveSubsetFonts="1">
   <p:sldMasterIdLst>
     <p:sldMasterId id="2147483648" r:id="rId1"/>
+    <p:sldMasterId id="2147483664" r:id="rId2"/>
   </p:sldMasterIdLst>
   <p:notesMasterIdLst>
-    <p:notesMasterId r:id="rId26"/>
+    <p:notesMasterId r:id="rId28"/>
   </p:notesMasterIdLst>
   <p:sldIdLst>
-    <p:sldId id="257" r:id="rId2"/>
-    <p:sldId id="261" r:id="rId3"/>
-    <p:sldId id="262" r:id="rId4"/>
-    <p:sldId id="263" r:id="rId5"/>
-    <p:sldId id="264" r:id="rId6"/>
-    <p:sldId id="265" r:id="rId7"/>
-    <p:sldId id="266" r:id="rId8"/>
-    <p:sldId id="267" r:id="rId9"/>
-    <p:sldId id="268" r:id="rId10"/>
-    <p:sldId id="269" r:id="rId11"/>
-    <p:sldId id="270" r:id="rId12"/>
-    <p:sldId id="271" r:id="rId13"/>
-    <p:sldId id="272" r:id="rId14"/>
-    <p:sldId id="273" r:id="rId15"/>
-    <p:sldId id="274" r:id="rId16"/>
-    <p:sldId id="275" r:id="rId17"/>
-    <p:sldId id="276" r:id="rId18"/>
-    <p:sldId id="277" r:id="rId19"/>
-    <p:sldId id="278" r:id="rId20"/>
-    <p:sldId id="279" r:id="rId21"/>
-    <p:sldId id="280" r:id="rId22"/>
-    <p:sldId id="281" r:id="rId23"/>
-    <p:sldId id="259" r:id="rId24"/>
-    <p:sldId id="258" r:id="rId25"/>
+    <p:sldId id="257" r:id="rId3"/>
+    <p:sldId id="284" r:id="rId4"/>
+    <p:sldId id="261" r:id="rId5"/>
+    <p:sldId id="262" r:id="rId6"/>
+    <p:sldId id="283" r:id="rId7"/>
+    <p:sldId id="263" r:id="rId8"/>
+    <p:sldId id="282" r:id="rId9"/>
+    <p:sldId id="264" r:id="rId10"/>
+    <p:sldId id="265" r:id="rId11"/>
+    <p:sldId id="266" r:id="rId12"/>
+    <p:sldId id="268" r:id="rId13"/>
+    <p:sldId id="269" r:id="rId14"/>
+    <p:sldId id="270" r:id="rId15"/>
+    <p:sldId id="271" r:id="rId16"/>
+    <p:sldId id="272" r:id="rId17"/>
+    <p:sldId id="273" r:id="rId18"/>
+    <p:sldId id="274" r:id="rId19"/>
+    <p:sldId id="275" r:id="rId20"/>
+    <p:sldId id="276" r:id="rId21"/>
+    <p:sldId id="277" r:id="rId22"/>
+    <p:sldId id="278" r:id="rId23"/>
+    <p:sldId id="279" r:id="rId24"/>
+    <p:sldId id="280" r:id="rId25"/>
+    <p:sldId id="281" r:id="rId26"/>
+    <p:sldId id="258" r:id="rId27"/>
   </p:sldIdLst>
   <p:sldSz cx="9144000" cy="6858000" type="screen4x3"/>
   <p:notesSz cx="6858000" cy="9144000"/>
@@ -488,7 +490,7 @@
   <p:cSld>
     <p:spTree>
       <p:nvGrpSpPr>
-        <p:cNvPr id="1" name="Shape 31"/>
+        <p:cNvPr id="1" name="Shape 67"/>
         <p:cNvGrpSpPr/>
         <p:nvPr/>
       </p:nvGrpSpPr>
@@ -502,7 +504,7 @@
       </p:grpSpPr>
       <p:sp>
         <p:nvSpPr>
-          <p:cNvPr id="32" name="Shape 32"/>
+          <p:cNvPr id="68" name="Shape 68"/>
           <p:cNvSpPr>
             <a:spLocks noGrp="1" noRot="1" noChangeAspect="1"/>
           </p:cNvSpPr>
@@ -543,7 +545,7 @@
       </p:sp>
       <p:sp>
         <p:nvSpPr>
-          <p:cNvPr id="33" name="Shape 33"/>
+          <p:cNvPr id="69" name="Shape 69"/>
           <p:cNvSpPr txBox="1">
             <a:spLocks noGrp="1"/>
           </p:cNvSpPr>
@@ -583,7 +585,7 @@
   <p:cSld>
     <p:spTree>
       <p:nvGrpSpPr>
-        <p:cNvPr id="1" name="Shape 85"/>
+        <p:cNvPr id="1" name="Shape 79"/>
         <p:cNvGrpSpPr/>
         <p:nvPr/>
       </p:nvGrpSpPr>
@@ -597,7 +599,7 @@
       </p:grpSpPr>
       <p:sp>
         <p:nvSpPr>
-          <p:cNvPr id="86" name="Shape 86"/>
+          <p:cNvPr id="80" name="Shape 80"/>
           <p:cNvSpPr>
             <a:spLocks noGrp="1" noRot="1" noChangeAspect="1"/>
           </p:cNvSpPr>
@@ -638,7 +640,7 @@
       </p:sp>
       <p:sp>
         <p:nvSpPr>
-          <p:cNvPr id="87" name="Shape 87"/>
+          <p:cNvPr id="81" name="Shape 81"/>
           <p:cNvSpPr txBox="1">
             <a:spLocks noGrp="1"/>
           </p:cNvSpPr>
@@ -678,7 +680,7 @@
   <p:cSld>
     <p:spTree>
       <p:nvGrpSpPr>
-        <p:cNvPr id="1" name="Shape 91"/>
+        <p:cNvPr id="1" name="Shape 85"/>
         <p:cNvGrpSpPr/>
         <p:nvPr/>
       </p:nvGrpSpPr>
@@ -692,7 +694,7 @@
       </p:grpSpPr>
       <p:sp>
         <p:nvSpPr>
-          <p:cNvPr id="92" name="Shape 92"/>
+          <p:cNvPr id="86" name="Shape 86"/>
           <p:cNvSpPr>
             <a:spLocks noGrp="1" noRot="1" noChangeAspect="1"/>
           </p:cNvSpPr>
@@ -733,7 +735,7 @@
       </p:sp>
       <p:sp>
         <p:nvSpPr>
-          <p:cNvPr id="93" name="Shape 93"/>
+          <p:cNvPr id="87" name="Shape 87"/>
           <p:cNvSpPr txBox="1">
             <a:spLocks noGrp="1"/>
           </p:cNvSpPr>
@@ -773,7 +775,7 @@
   <p:cSld>
     <p:spTree>
       <p:nvGrpSpPr>
-        <p:cNvPr id="1" name="Shape 97"/>
+        <p:cNvPr id="1" name="Shape 91"/>
         <p:cNvGrpSpPr/>
         <p:nvPr/>
       </p:nvGrpSpPr>
@@ -787,7 +789,7 @@
       </p:grpSpPr>
       <p:sp>
         <p:nvSpPr>
-          <p:cNvPr id="98" name="Shape 98"/>
+          <p:cNvPr id="92" name="Shape 92"/>
           <p:cNvSpPr>
             <a:spLocks noGrp="1" noRot="1" noChangeAspect="1"/>
           </p:cNvSpPr>
@@ -828,7 +830,7 @@
       </p:sp>
       <p:sp>
         <p:nvSpPr>
-          <p:cNvPr id="99" name="Shape 99"/>
+          <p:cNvPr id="93" name="Shape 93"/>
           <p:cNvSpPr txBox="1">
             <a:spLocks noGrp="1"/>
           </p:cNvSpPr>
@@ -868,7 +870,7 @@
   <p:cSld>
     <p:spTree>
       <p:nvGrpSpPr>
-        <p:cNvPr id="1" name="Shape 103"/>
+        <p:cNvPr id="1" name="Shape 97"/>
         <p:cNvGrpSpPr/>
         <p:nvPr/>
       </p:nvGrpSpPr>
@@ -882,7 +884,7 @@
       </p:grpSpPr>
       <p:sp>
         <p:nvSpPr>
-          <p:cNvPr id="104" name="Shape 104"/>
+          <p:cNvPr id="98" name="Shape 98"/>
           <p:cNvSpPr>
             <a:spLocks noGrp="1" noRot="1" noChangeAspect="1"/>
           </p:cNvSpPr>
@@ -923,7 +925,7 @@
       </p:sp>
       <p:sp>
         <p:nvSpPr>
-          <p:cNvPr id="105" name="Shape 105"/>
+          <p:cNvPr id="99" name="Shape 99"/>
           <p:cNvSpPr txBox="1">
             <a:spLocks noGrp="1"/>
           </p:cNvSpPr>
@@ -963,7 +965,7 @@
   <p:cSld>
     <p:spTree>
       <p:nvGrpSpPr>
-        <p:cNvPr id="1" name="Shape 109"/>
+        <p:cNvPr id="1" name="Shape 103"/>
         <p:cNvGrpSpPr/>
         <p:nvPr/>
       </p:nvGrpSpPr>
@@ -977,7 +979,7 @@
       </p:grpSpPr>
       <p:sp>
         <p:nvSpPr>
-          <p:cNvPr id="110" name="Shape 110"/>
+          <p:cNvPr id="104" name="Shape 104"/>
           <p:cNvSpPr>
             <a:spLocks noGrp="1" noRot="1" noChangeAspect="1"/>
           </p:cNvSpPr>
@@ -1018,7 +1020,7 @@
       </p:sp>
       <p:sp>
         <p:nvSpPr>
-          <p:cNvPr id="111" name="Shape 111"/>
+          <p:cNvPr id="105" name="Shape 105"/>
           <p:cNvSpPr txBox="1">
             <a:spLocks noGrp="1"/>
           </p:cNvSpPr>
@@ -1058,7 +1060,7 @@
   <p:cSld>
     <p:spTree>
       <p:nvGrpSpPr>
-        <p:cNvPr id="1" name="Shape 115"/>
+        <p:cNvPr id="1" name="Shape 109"/>
         <p:cNvGrpSpPr/>
         <p:nvPr/>
       </p:nvGrpSpPr>
@@ -1072,7 +1074,7 @@
       </p:grpSpPr>
       <p:sp>
         <p:nvSpPr>
-          <p:cNvPr id="116" name="Shape 116"/>
+          <p:cNvPr id="110" name="Shape 110"/>
           <p:cNvSpPr>
             <a:spLocks noGrp="1" noRot="1" noChangeAspect="1"/>
           </p:cNvSpPr>
@@ -1113,7 +1115,7 @@
       </p:sp>
       <p:sp>
         <p:nvSpPr>
-          <p:cNvPr id="117" name="Shape 117"/>
+          <p:cNvPr id="111" name="Shape 111"/>
           <p:cNvSpPr txBox="1">
             <a:spLocks noGrp="1"/>
           </p:cNvSpPr>
@@ -1153,7 +1155,7 @@
   <p:cSld>
     <p:spTree>
       <p:nvGrpSpPr>
-        <p:cNvPr id="1" name="Shape 121"/>
+        <p:cNvPr id="1" name="Shape 115"/>
         <p:cNvGrpSpPr/>
         <p:nvPr/>
       </p:nvGrpSpPr>
@@ -1167,7 +1169,7 @@
       </p:grpSpPr>
       <p:sp>
         <p:nvSpPr>
-          <p:cNvPr id="122" name="Shape 122"/>
+          <p:cNvPr id="116" name="Shape 116"/>
           <p:cNvSpPr>
             <a:spLocks noGrp="1" noRot="1" noChangeAspect="1"/>
           </p:cNvSpPr>
@@ -1208,7 +1210,7 @@
       </p:sp>
       <p:sp>
         <p:nvSpPr>
-          <p:cNvPr id="123" name="Shape 123"/>
+          <p:cNvPr id="117" name="Shape 117"/>
           <p:cNvSpPr txBox="1">
             <a:spLocks noGrp="1"/>
           </p:cNvSpPr>
@@ -1248,7 +1250,7 @@
   <p:cSld>
     <p:spTree>
       <p:nvGrpSpPr>
-        <p:cNvPr id="1" name="Shape 127"/>
+        <p:cNvPr id="1" name="Shape 121"/>
         <p:cNvGrpSpPr/>
         <p:nvPr/>
       </p:nvGrpSpPr>
@@ -1262,7 +1264,7 @@
       </p:grpSpPr>
       <p:sp>
         <p:nvSpPr>
-          <p:cNvPr id="128" name="Shape 128"/>
+          <p:cNvPr id="122" name="Shape 122"/>
           <p:cNvSpPr>
             <a:spLocks noGrp="1" noRot="1" noChangeAspect="1"/>
           </p:cNvSpPr>
@@ -1303,7 +1305,7 @@
       </p:sp>
       <p:sp>
         <p:nvSpPr>
-          <p:cNvPr id="129" name="Shape 129"/>
+          <p:cNvPr id="123" name="Shape 123"/>
           <p:cNvSpPr txBox="1">
             <a:spLocks noGrp="1"/>
           </p:cNvSpPr>
@@ -1343,7 +1345,7 @@
   <p:cSld>
     <p:spTree>
       <p:nvGrpSpPr>
-        <p:cNvPr id="1" name="Shape 133"/>
+        <p:cNvPr id="1" name="Shape 127"/>
         <p:cNvGrpSpPr/>
         <p:nvPr/>
       </p:nvGrpSpPr>
@@ -1357,7 +1359,7 @@
       </p:grpSpPr>
       <p:sp>
         <p:nvSpPr>
-          <p:cNvPr id="134" name="Shape 134"/>
+          <p:cNvPr id="128" name="Shape 128"/>
           <p:cNvSpPr>
             <a:spLocks noGrp="1" noRot="1" noChangeAspect="1"/>
           </p:cNvSpPr>
@@ -1398,7 +1400,7 @@
       </p:sp>
       <p:sp>
         <p:nvSpPr>
-          <p:cNvPr id="135" name="Shape 135"/>
+          <p:cNvPr id="129" name="Shape 129"/>
           <p:cNvSpPr txBox="1">
             <a:spLocks noGrp="1"/>
           </p:cNvSpPr>
@@ -1438,7 +1440,7 @@
   <p:cSld>
     <p:spTree>
       <p:nvGrpSpPr>
-        <p:cNvPr id="1" name="Shape 139"/>
+        <p:cNvPr id="1" name="Shape 133"/>
         <p:cNvGrpSpPr/>
         <p:nvPr/>
       </p:nvGrpSpPr>
@@ -1452,7 +1454,7 @@
       </p:grpSpPr>
       <p:sp>
         <p:nvSpPr>
-          <p:cNvPr id="140" name="Shape 140"/>
+          <p:cNvPr id="134" name="Shape 134"/>
           <p:cNvSpPr>
             <a:spLocks noGrp="1" noRot="1" noChangeAspect="1"/>
           </p:cNvSpPr>
@@ -1493,7 +1495,7 @@
       </p:sp>
       <p:sp>
         <p:nvSpPr>
-          <p:cNvPr id="141" name="Shape 141"/>
+          <p:cNvPr id="135" name="Shape 135"/>
           <p:cNvSpPr txBox="1">
             <a:spLocks noGrp="1"/>
           </p:cNvSpPr>
@@ -1533,7 +1535,7 @@
   <p:cSld>
     <p:spTree>
       <p:nvGrpSpPr>
-        <p:cNvPr id="1" name="Shape 37"/>
+        <p:cNvPr id="1" name="Shape 31"/>
         <p:cNvGrpSpPr/>
         <p:nvPr/>
       </p:nvGrpSpPr>
@@ -1547,7 +1549,7 @@
       </p:grpSpPr>
       <p:sp>
         <p:nvSpPr>
-          <p:cNvPr id="38" name="Shape 38"/>
+          <p:cNvPr id="32" name="Shape 32"/>
           <p:cNvSpPr>
             <a:spLocks noGrp="1" noRot="1" noChangeAspect="1"/>
           </p:cNvSpPr>
@@ -1588,7 +1590,7 @@
       </p:sp>
       <p:sp>
         <p:nvSpPr>
-          <p:cNvPr id="39" name="Shape 39"/>
+          <p:cNvPr id="33" name="Shape 33"/>
           <p:cNvSpPr txBox="1">
             <a:spLocks noGrp="1"/>
           </p:cNvSpPr>
@@ -1628,7 +1630,7 @@
   <p:cSld>
     <p:spTree>
       <p:nvGrpSpPr>
-        <p:cNvPr id="1" name="Shape 145"/>
+        <p:cNvPr id="1" name="Shape 139"/>
         <p:cNvGrpSpPr/>
         <p:nvPr/>
       </p:nvGrpSpPr>
@@ -1642,7 +1644,7 @@
       </p:grpSpPr>
       <p:sp>
         <p:nvSpPr>
-          <p:cNvPr id="146" name="Shape 146"/>
+          <p:cNvPr id="140" name="Shape 140"/>
           <p:cNvSpPr>
             <a:spLocks noGrp="1" noRot="1" noChangeAspect="1"/>
           </p:cNvSpPr>
@@ -1683,7 +1685,7 @@
       </p:sp>
       <p:sp>
         <p:nvSpPr>
-          <p:cNvPr id="147" name="Shape 147"/>
+          <p:cNvPr id="141" name="Shape 141"/>
           <p:cNvSpPr txBox="1">
             <a:spLocks noGrp="1"/>
           </p:cNvSpPr>
@@ -1723,7 +1725,7 @@
   <p:cSld>
     <p:spTree>
       <p:nvGrpSpPr>
-        <p:cNvPr id="1" name="Shape 151"/>
+        <p:cNvPr id="1" name="Shape 145"/>
         <p:cNvGrpSpPr/>
         <p:nvPr/>
       </p:nvGrpSpPr>
@@ -1737,7 +1739,7 @@
       </p:grpSpPr>
       <p:sp>
         <p:nvSpPr>
-          <p:cNvPr id="152" name="Shape 152"/>
+          <p:cNvPr id="146" name="Shape 146"/>
           <p:cNvSpPr>
             <a:spLocks noGrp="1" noRot="1" noChangeAspect="1"/>
           </p:cNvSpPr>
@@ -1778,7 +1780,7 @@
       </p:sp>
       <p:sp>
         <p:nvSpPr>
-          <p:cNvPr id="153" name="Shape 153"/>
+          <p:cNvPr id="147" name="Shape 147"/>
           <p:cNvSpPr txBox="1">
             <a:spLocks noGrp="1"/>
           </p:cNvSpPr>
@@ -1813,12 +1815,12 @@
 </p:notes>
 </file>
 
-<file path=ppt/notesSlides/notesSlide3.xml><?xml version="1.0" encoding="utf-8"?>
+<file path=ppt/notesSlides/notesSlide22.xml><?xml version="1.0" encoding="utf-8"?>
 <p:notes xmlns:a="http://schemas.openxmlformats.org/drawingml/2006/main" xmlns:r="http://schemas.openxmlformats.org/officeDocument/2006/relationships" xmlns:p="http://schemas.openxmlformats.org/presentationml/2006/main" showMasterSp="0" showMasterPhAnim="0">
   <p:cSld>
     <p:spTree>
       <p:nvGrpSpPr>
-        <p:cNvPr id="1" name="Shape 43"/>
+        <p:cNvPr id="1" name="Shape 151"/>
         <p:cNvGrpSpPr/>
         <p:nvPr/>
       </p:nvGrpSpPr>
@@ -1832,7 +1834,7 @@
       </p:grpSpPr>
       <p:sp>
         <p:nvSpPr>
-          <p:cNvPr id="44" name="Shape 44"/>
+          <p:cNvPr id="152" name="Shape 152"/>
           <p:cNvSpPr>
             <a:spLocks noGrp="1" noRot="1" noChangeAspect="1"/>
           </p:cNvSpPr>
@@ -1873,7 +1875,7 @@
       </p:sp>
       <p:sp>
         <p:nvSpPr>
-          <p:cNvPr id="45" name="Shape 45"/>
+          <p:cNvPr id="153" name="Shape 153"/>
           <p:cNvSpPr txBox="1">
             <a:spLocks noGrp="1"/>
           </p:cNvSpPr>
@@ -1908,12 +1910,12 @@
 </p:notes>
 </file>
 
-<file path=ppt/notesSlides/notesSlide4.xml><?xml version="1.0" encoding="utf-8"?>
+<file path=ppt/notesSlides/notesSlide3.xml><?xml version="1.0" encoding="utf-8"?>
 <p:notes xmlns:a="http://schemas.openxmlformats.org/drawingml/2006/main" xmlns:r="http://schemas.openxmlformats.org/officeDocument/2006/relationships" xmlns:p="http://schemas.openxmlformats.org/presentationml/2006/main" showMasterSp="0" showMasterPhAnim="0">
   <p:cSld>
     <p:spTree>
       <p:nvGrpSpPr>
-        <p:cNvPr id="1" name="Shape 49"/>
+        <p:cNvPr id="1" name="Shape 37"/>
         <p:cNvGrpSpPr/>
         <p:nvPr/>
       </p:nvGrpSpPr>
@@ -1927,7 +1929,7 @@
       </p:grpSpPr>
       <p:sp>
         <p:nvSpPr>
-          <p:cNvPr id="50" name="Shape 50"/>
+          <p:cNvPr id="38" name="Shape 38"/>
           <p:cNvSpPr>
             <a:spLocks noGrp="1" noRot="1" noChangeAspect="1"/>
           </p:cNvSpPr>
@@ -1968,7 +1970,7 @@
       </p:sp>
       <p:sp>
         <p:nvSpPr>
-          <p:cNvPr id="51" name="Shape 51"/>
+          <p:cNvPr id="39" name="Shape 39"/>
           <p:cNvSpPr txBox="1">
             <a:spLocks noGrp="1"/>
           </p:cNvSpPr>
@@ -2003,12 +2005,12 @@
 </p:notes>
 </file>
 
-<file path=ppt/notesSlides/notesSlide5.xml><?xml version="1.0" encoding="utf-8"?>
+<file path=ppt/notesSlides/notesSlide4.xml><?xml version="1.0" encoding="utf-8"?>
 <p:notes xmlns:a="http://schemas.openxmlformats.org/drawingml/2006/main" xmlns:r="http://schemas.openxmlformats.org/officeDocument/2006/relationships" xmlns:p="http://schemas.openxmlformats.org/presentationml/2006/main" showMasterSp="0" showMasterPhAnim="0">
   <p:cSld>
     <p:spTree>
       <p:nvGrpSpPr>
-        <p:cNvPr id="1" name="Shape 55"/>
+        <p:cNvPr id="1" name="Shape 67"/>
         <p:cNvGrpSpPr/>
         <p:nvPr/>
       </p:nvGrpSpPr>
@@ -2022,7 +2024,7 @@
       </p:grpSpPr>
       <p:sp>
         <p:nvSpPr>
-          <p:cNvPr id="56" name="Shape 56"/>
+          <p:cNvPr id="68" name="Shape 68"/>
           <p:cNvSpPr>
             <a:spLocks noGrp="1" noRot="1" noChangeAspect="1"/>
           </p:cNvSpPr>
@@ -2063,7 +2065,7 @@
       </p:sp>
       <p:sp>
         <p:nvSpPr>
-          <p:cNvPr id="57" name="Shape 57"/>
+          <p:cNvPr id="69" name="Shape 69"/>
           <p:cNvSpPr txBox="1">
             <a:spLocks noGrp="1"/>
           </p:cNvSpPr>
@@ -2098,12 +2100,12 @@
 </p:notes>
 </file>
 
-<file path=ppt/notesSlides/notesSlide6.xml><?xml version="1.0" encoding="utf-8"?>
+<file path=ppt/notesSlides/notesSlide5.xml><?xml version="1.0" encoding="utf-8"?>
 <p:notes xmlns:a="http://schemas.openxmlformats.org/drawingml/2006/main" xmlns:r="http://schemas.openxmlformats.org/officeDocument/2006/relationships" xmlns:p="http://schemas.openxmlformats.org/presentationml/2006/main" showMasterSp="0" showMasterPhAnim="0">
   <p:cSld>
     <p:spTree>
       <p:nvGrpSpPr>
-        <p:cNvPr id="1" name="Shape 61"/>
+        <p:cNvPr id="1" name="Shape 43"/>
         <p:cNvGrpSpPr/>
         <p:nvPr/>
       </p:nvGrpSpPr>
@@ -2117,7 +2119,7 @@
       </p:grpSpPr>
       <p:sp>
         <p:nvSpPr>
-          <p:cNvPr id="62" name="Shape 62"/>
+          <p:cNvPr id="44" name="Shape 44"/>
           <p:cNvSpPr>
             <a:spLocks noGrp="1" noRot="1" noChangeAspect="1"/>
           </p:cNvSpPr>
@@ -2158,7 +2160,7 @@
       </p:sp>
       <p:sp>
         <p:nvSpPr>
-          <p:cNvPr id="63" name="Shape 63"/>
+          <p:cNvPr id="45" name="Shape 45"/>
           <p:cNvSpPr txBox="1">
             <a:spLocks noGrp="1"/>
           </p:cNvSpPr>
@@ -2193,12 +2195,12 @@
 </p:notes>
 </file>
 
-<file path=ppt/notesSlides/notesSlide7.xml><?xml version="1.0" encoding="utf-8"?>
+<file path=ppt/notesSlides/notesSlide6.xml><?xml version="1.0" encoding="utf-8"?>
 <p:notes xmlns:a="http://schemas.openxmlformats.org/drawingml/2006/main" xmlns:r="http://schemas.openxmlformats.org/officeDocument/2006/relationships" xmlns:p="http://schemas.openxmlformats.org/presentationml/2006/main" showMasterSp="0" showMasterPhAnim="0">
   <p:cSld>
     <p:spTree>
       <p:nvGrpSpPr>
-        <p:cNvPr id="1" name="Shape 67"/>
+        <p:cNvPr id="1" name="Shape 49"/>
         <p:cNvGrpSpPr/>
         <p:nvPr/>
       </p:nvGrpSpPr>
@@ -2212,7 +2214,7 @@
       </p:grpSpPr>
       <p:sp>
         <p:nvSpPr>
-          <p:cNvPr id="68" name="Shape 68"/>
+          <p:cNvPr id="50" name="Shape 50"/>
           <p:cNvSpPr>
             <a:spLocks noGrp="1" noRot="1" noChangeAspect="1"/>
           </p:cNvSpPr>
@@ -2253,7 +2255,7 @@
       </p:sp>
       <p:sp>
         <p:nvSpPr>
-          <p:cNvPr id="69" name="Shape 69"/>
+          <p:cNvPr id="51" name="Shape 51"/>
           <p:cNvSpPr txBox="1">
             <a:spLocks noGrp="1"/>
           </p:cNvSpPr>
@@ -2288,12 +2290,12 @@
 </p:notes>
 </file>
 
-<file path=ppt/notesSlides/notesSlide8.xml><?xml version="1.0" encoding="utf-8"?>
+<file path=ppt/notesSlides/notesSlide7.xml><?xml version="1.0" encoding="utf-8"?>
 <p:notes xmlns:a="http://schemas.openxmlformats.org/drawingml/2006/main" xmlns:r="http://schemas.openxmlformats.org/officeDocument/2006/relationships" xmlns:p="http://schemas.openxmlformats.org/presentationml/2006/main" showMasterSp="0" showMasterPhAnim="0">
   <p:cSld>
     <p:spTree>
       <p:nvGrpSpPr>
-        <p:cNvPr id="1" name="Shape 73"/>
+        <p:cNvPr id="1" name="Shape 55"/>
         <p:cNvGrpSpPr/>
         <p:nvPr/>
       </p:nvGrpSpPr>
@@ -2307,7 +2309,7 @@
       </p:grpSpPr>
       <p:sp>
         <p:nvSpPr>
-          <p:cNvPr id="74" name="Shape 74"/>
+          <p:cNvPr id="56" name="Shape 56"/>
           <p:cNvSpPr>
             <a:spLocks noGrp="1" noRot="1" noChangeAspect="1"/>
           </p:cNvSpPr>
@@ -2348,7 +2350,7 @@
       </p:sp>
       <p:sp>
         <p:nvSpPr>
-          <p:cNvPr id="75" name="Shape 75"/>
+          <p:cNvPr id="57" name="Shape 57"/>
           <p:cNvSpPr txBox="1">
             <a:spLocks noGrp="1"/>
           </p:cNvSpPr>
@@ -2383,12 +2385,12 @@
 </p:notes>
 </file>
 
-<file path=ppt/notesSlides/notesSlide9.xml><?xml version="1.0" encoding="utf-8"?>
+<file path=ppt/notesSlides/notesSlide8.xml><?xml version="1.0" encoding="utf-8"?>
 <p:notes xmlns:a="http://schemas.openxmlformats.org/drawingml/2006/main" xmlns:r="http://schemas.openxmlformats.org/officeDocument/2006/relationships" xmlns:p="http://schemas.openxmlformats.org/presentationml/2006/main" showMasterSp="0" showMasterPhAnim="0">
   <p:cSld>
     <p:spTree>
       <p:nvGrpSpPr>
-        <p:cNvPr id="1" name="Shape 79"/>
+        <p:cNvPr id="1" name="Shape 61"/>
         <p:cNvGrpSpPr/>
         <p:nvPr/>
       </p:nvGrpSpPr>
@@ -2402,7 +2404,7 @@
       </p:grpSpPr>
       <p:sp>
         <p:nvSpPr>
-          <p:cNvPr id="80" name="Shape 80"/>
+          <p:cNvPr id="62" name="Shape 62"/>
           <p:cNvSpPr>
             <a:spLocks noGrp="1" noRot="1" noChangeAspect="1"/>
           </p:cNvSpPr>
@@ -2443,7 +2445,102 @@
       </p:sp>
       <p:sp>
         <p:nvSpPr>
-          <p:cNvPr id="81" name="Shape 81"/>
+          <p:cNvPr id="63" name="Shape 63"/>
+          <p:cNvSpPr txBox="1">
+            <a:spLocks noGrp="1"/>
+          </p:cNvSpPr>
+          <p:nvPr>
+            <p:ph type="body" idx="1"/>
+          </p:nvPr>
+        </p:nvSpPr>
+        <p:spPr>
+          <a:xfrm>
+            <a:off x="685800" y="4343400"/>
+            <a:ext cx="5486399" cy="4114800"/>
+          </a:xfrm>
+          <a:prstGeom prst="rect">
+            <a:avLst/>
+          </a:prstGeom>
+        </p:spPr>
+        <p:txBody>
+          <a:bodyPr lIns="91425" tIns="91425" rIns="91425" bIns="91425" anchor="t" anchorCtr="0">
+            <a:noAutofit/>
+          </a:bodyPr>
+          <a:lstStyle/>
+          <a:p>
+            <a:endParaRPr/>
+          </a:p>
+        </p:txBody>
+      </p:sp>
+    </p:spTree>
+  </p:cSld>
+  <p:clrMapOvr>
+    <a:masterClrMapping/>
+  </p:clrMapOvr>
+</p:notes>
+</file>
+
+<file path=ppt/notesSlides/notesSlide9.xml><?xml version="1.0" encoding="utf-8"?>
+<p:notes xmlns:a="http://schemas.openxmlformats.org/drawingml/2006/main" xmlns:r="http://schemas.openxmlformats.org/officeDocument/2006/relationships" xmlns:p="http://schemas.openxmlformats.org/presentationml/2006/main" showMasterSp="0" showMasterPhAnim="0">
+  <p:cSld>
+    <p:spTree>
+      <p:nvGrpSpPr>
+        <p:cNvPr id="1" name="Shape 73"/>
+        <p:cNvGrpSpPr/>
+        <p:nvPr/>
+      </p:nvGrpSpPr>
+      <p:grpSpPr>
+        <a:xfrm>
+          <a:off x="0" y="0"/>
+          <a:ext cx="0" cy="0"/>
+          <a:chOff x="0" y="0"/>
+          <a:chExt cx="0" cy="0"/>
+        </a:xfrm>
+      </p:grpSpPr>
+      <p:sp>
+        <p:nvSpPr>
+          <p:cNvPr id="74" name="Shape 74"/>
+          <p:cNvSpPr>
+            <a:spLocks noGrp="1" noRot="1" noChangeAspect="1"/>
+          </p:cNvSpPr>
+          <p:nvPr>
+            <p:ph type="sldImg" idx="2"/>
+          </p:nvPr>
+        </p:nvSpPr>
+        <p:spPr>
+          <a:xfrm>
+            <a:off x="1143000" y="685800"/>
+            <a:ext cx="4572000" cy="3429000"/>
+          </a:xfrm>
+          <a:custGeom>
+            <a:avLst/>
+            <a:gdLst/>
+            <a:ahLst/>
+            <a:cxnLst/>
+            <a:rect l="0" t="0" r="0" b="0"/>
+            <a:pathLst>
+              <a:path w="120000" h="120000" extrusionOk="0">
+                <a:moveTo>
+                  <a:pt x="0" y="0"/>
+                </a:moveTo>
+                <a:lnTo>
+                  <a:pt x="120000" y="0"/>
+                </a:lnTo>
+                <a:lnTo>
+                  <a:pt x="120000" y="120000"/>
+                </a:lnTo>
+                <a:lnTo>
+                  <a:pt x="0" y="120000"/>
+                </a:lnTo>
+                <a:close/>
+              </a:path>
+            </a:pathLst>
+          </a:custGeom>
+        </p:spPr>
+      </p:sp>
+      <p:sp>
+        <p:nvSpPr>
+          <p:cNvPr id="75" name="Shape 75"/>
           <p:cNvSpPr txBox="1">
             <a:spLocks noGrp="1"/>
           </p:cNvSpPr>
@@ -3485,6 +3582,868 @@
     <p:extLst>
       <p:ext uri="{BB962C8B-B14F-4D97-AF65-F5344CB8AC3E}">
         <p14:creationId xmlns:p14="http://schemas.microsoft.com/office/powerpoint/2010/main" val="3098870267"/>
+      </p:ext>
+    </p:extLst>
+  </p:cSld>
+  <p:clrMapOvr>
+    <a:masterClrMapping/>
+  </p:clrMapOvr>
+</p:sldLayout>
+</file>
+
+<file path=ppt/slideLayouts/slideLayout15.xml><?xml version="1.0" encoding="utf-8"?>
+<p:sldLayout xmlns:a="http://schemas.openxmlformats.org/drawingml/2006/main" xmlns:r="http://schemas.openxmlformats.org/officeDocument/2006/relationships" xmlns:p="http://schemas.openxmlformats.org/presentationml/2006/main" type="title" preserve="1">
+  <p:cSld name="Title Slide">
+    <p:spTree>
+      <p:nvGrpSpPr>
+        <p:cNvPr id="1" name=""/>
+        <p:cNvGrpSpPr/>
+        <p:nvPr/>
+      </p:nvGrpSpPr>
+      <p:grpSpPr>
+        <a:xfrm>
+          <a:off x="0" y="0"/>
+          <a:ext cx="0" cy="0"/>
+          <a:chOff x="0" y="0"/>
+          <a:chExt cx="0" cy="0"/>
+        </a:xfrm>
+      </p:grpSpPr>
+      <p:sp>
+        <p:nvSpPr>
+          <p:cNvPr id="2" name="Title 1"/>
+          <p:cNvSpPr>
+            <a:spLocks noGrp="1"/>
+          </p:cNvSpPr>
+          <p:nvPr>
+            <p:ph type="ctrTitle"/>
+          </p:nvPr>
+        </p:nvSpPr>
+        <p:spPr>
+          <a:xfrm>
+            <a:off x="1371600" y="2130427"/>
+            <a:ext cx="7086600" cy="1470026"/>
+          </a:xfrm>
+        </p:spPr>
+        <p:txBody>
+          <a:bodyPr/>
+          <a:lstStyle/>
+          <a:p>
+            <a:r>
+              <a:rPr lang="en-US" smtClean="0"/>
+              <a:t>Click to edit Master title style</a:t>
+            </a:r>
+            <a:endParaRPr lang="en-US" dirty="0"/>
+          </a:p>
+        </p:txBody>
+      </p:sp>
+      <p:sp>
+        <p:nvSpPr>
+          <p:cNvPr id="3" name="Subtitle 2"/>
+          <p:cNvSpPr>
+            <a:spLocks noGrp="1"/>
+          </p:cNvSpPr>
+          <p:nvPr>
+            <p:ph type="subTitle" idx="1"/>
+          </p:nvPr>
+        </p:nvSpPr>
+        <p:spPr>
+          <a:xfrm>
+            <a:off x="1371600" y="3886200"/>
+            <a:ext cx="6400800" cy="1752600"/>
+          </a:xfrm>
+        </p:spPr>
+        <p:txBody>
+          <a:bodyPr/>
+          <a:lstStyle>
+            <a:lvl1pPr marL="0" indent="0" algn="l">
+              <a:buNone/>
+              <a:defRPr>
+                <a:solidFill>
+                  <a:schemeClr val="bg1"/>
+                </a:solidFill>
+              </a:defRPr>
+            </a:lvl1pPr>
+            <a:lvl2pPr marL="457200" indent="0" algn="ctr">
+              <a:buNone/>
+              <a:defRPr>
+                <a:solidFill>
+                  <a:schemeClr val="tx1">
+                    <a:tint val="75000"/>
+                  </a:schemeClr>
+                </a:solidFill>
+              </a:defRPr>
+            </a:lvl2pPr>
+            <a:lvl3pPr marL="914400" indent="0" algn="ctr">
+              <a:buNone/>
+              <a:defRPr>
+                <a:solidFill>
+                  <a:schemeClr val="tx1">
+                    <a:tint val="75000"/>
+                  </a:schemeClr>
+                </a:solidFill>
+              </a:defRPr>
+            </a:lvl3pPr>
+            <a:lvl4pPr marL="1371600" indent="0" algn="ctr">
+              <a:buNone/>
+              <a:defRPr>
+                <a:solidFill>
+                  <a:schemeClr val="tx1">
+                    <a:tint val="75000"/>
+                  </a:schemeClr>
+                </a:solidFill>
+              </a:defRPr>
+            </a:lvl4pPr>
+            <a:lvl5pPr marL="1828800" indent="0" algn="ctr">
+              <a:buNone/>
+              <a:defRPr>
+                <a:solidFill>
+                  <a:schemeClr val="tx1">
+                    <a:tint val="75000"/>
+                  </a:schemeClr>
+                </a:solidFill>
+              </a:defRPr>
+            </a:lvl5pPr>
+            <a:lvl6pPr marL="2286000" indent="0" algn="ctr">
+              <a:buNone/>
+              <a:defRPr>
+                <a:solidFill>
+                  <a:schemeClr val="tx1">
+                    <a:tint val="75000"/>
+                  </a:schemeClr>
+                </a:solidFill>
+              </a:defRPr>
+            </a:lvl6pPr>
+            <a:lvl7pPr marL="2743200" indent="0" algn="ctr">
+              <a:buNone/>
+              <a:defRPr>
+                <a:solidFill>
+                  <a:schemeClr val="tx1">
+                    <a:tint val="75000"/>
+                  </a:schemeClr>
+                </a:solidFill>
+              </a:defRPr>
+            </a:lvl7pPr>
+            <a:lvl8pPr marL="3200400" indent="0" algn="ctr">
+              <a:buNone/>
+              <a:defRPr>
+                <a:solidFill>
+                  <a:schemeClr val="tx1">
+                    <a:tint val="75000"/>
+                  </a:schemeClr>
+                </a:solidFill>
+              </a:defRPr>
+            </a:lvl8pPr>
+            <a:lvl9pPr marL="3657600" indent="0" algn="ctr">
+              <a:buNone/>
+              <a:defRPr>
+                <a:solidFill>
+                  <a:schemeClr val="tx1">
+                    <a:tint val="75000"/>
+                  </a:schemeClr>
+                </a:solidFill>
+              </a:defRPr>
+            </a:lvl9pPr>
+          </a:lstStyle>
+          <a:p>
+            <a:r>
+              <a:rPr lang="en-US" smtClean="0"/>
+              <a:t>Click to edit Master subtitle style</a:t>
+            </a:r>
+            <a:endParaRPr lang="en-US" dirty="0"/>
+          </a:p>
+        </p:txBody>
+      </p:sp>
+      <p:sp>
+        <p:nvSpPr>
+          <p:cNvPr id="4" name="Date Placeholder 3"/>
+          <p:cNvSpPr>
+            <a:spLocks noGrp="1"/>
+          </p:cNvSpPr>
+          <p:nvPr>
+            <p:ph type="dt" sz="half" idx="10"/>
+          </p:nvPr>
+        </p:nvSpPr>
+        <p:spPr>
+          <a:xfrm>
+            <a:off x="457200" y="6356351"/>
+            <a:ext cx="2133600" cy="365126"/>
+          </a:xfrm>
+          <a:prstGeom prst="rect">
+            <a:avLst/>
+          </a:prstGeom>
+        </p:spPr>
+        <p:txBody>
+          <a:bodyPr/>
+          <a:lstStyle>
+            <a:lvl1pPr>
+              <a:defRPr sz="1400">
+                <a:solidFill>
+                  <a:schemeClr val="bg1"/>
+                </a:solidFill>
+              </a:defRPr>
+            </a:lvl1pPr>
+          </a:lstStyle>
+          <a:p>
+            <a:fld id="{D7687376-0FDE-4161-992A-50C1D01EF749}" type="datetimeFigureOut">
+              <a:rPr lang="en-US" smtClean="0"/>
+              <a:pPr/>
+              <a:t>10/29/13</a:t>
+            </a:fld>
+            <a:endParaRPr lang="en-US" dirty="0"/>
+          </a:p>
+        </p:txBody>
+      </p:sp>
+      <p:sp>
+        <p:nvSpPr>
+          <p:cNvPr id="5" name="Footer Placeholder 4"/>
+          <p:cNvSpPr>
+            <a:spLocks noGrp="1"/>
+          </p:cNvSpPr>
+          <p:nvPr>
+            <p:ph type="ftr" sz="quarter" idx="11"/>
+          </p:nvPr>
+        </p:nvSpPr>
+        <p:spPr>
+          <a:xfrm>
+            <a:off x="3124200" y="6356351"/>
+            <a:ext cx="2895600" cy="365126"/>
+          </a:xfrm>
+          <a:prstGeom prst="rect">
+            <a:avLst/>
+          </a:prstGeom>
+        </p:spPr>
+        <p:txBody>
+          <a:bodyPr/>
+          <a:lstStyle>
+            <a:lvl1pPr>
+              <a:defRPr sz="1400">
+                <a:solidFill>
+                  <a:schemeClr val="bg1"/>
+                </a:solidFill>
+              </a:defRPr>
+            </a:lvl1pPr>
+          </a:lstStyle>
+          <a:p>
+            <a:endParaRPr lang="en-US" dirty="0"/>
+          </a:p>
+        </p:txBody>
+      </p:sp>
+    </p:spTree>
+    <p:extLst>
+      <p:ext uri="{BB962C8B-B14F-4D97-AF65-F5344CB8AC3E}">
+        <p14:creationId xmlns:p14="http://schemas.microsoft.com/office/powerpoint/2010/main" val="3561403782"/>
+      </p:ext>
+    </p:extLst>
+  </p:cSld>
+  <p:clrMapOvr>
+    <a:masterClrMapping/>
+  </p:clrMapOvr>
+</p:sldLayout>
+</file>
+
+<file path=ppt/slideLayouts/slideLayout16.xml><?xml version="1.0" encoding="utf-8"?>
+<p:sldLayout xmlns:a="http://schemas.openxmlformats.org/drawingml/2006/main" xmlns:r="http://schemas.openxmlformats.org/officeDocument/2006/relationships" xmlns:p="http://schemas.openxmlformats.org/presentationml/2006/main" type="title" preserve="1">
+  <p:cSld name="1_Title Slide">
+    <p:bg>
+      <p:bgPr>
+        <a:blipFill dpi="0" rotWithShape="1">
+          <a:blip r:embed="rId2">
+            <a:lum/>
+          </a:blip>
+          <a:srcRect/>
+          <a:stretch>
+            <a:fillRect/>
+          </a:stretch>
+        </a:blipFill>
+        <a:effectLst/>
+      </p:bgPr>
+    </p:bg>
+    <p:spTree>
+      <p:nvGrpSpPr>
+        <p:cNvPr id="1" name=""/>
+        <p:cNvGrpSpPr/>
+        <p:nvPr/>
+      </p:nvGrpSpPr>
+      <p:grpSpPr>
+        <a:xfrm>
+          <a:off x="0" y="0"/>
+          <a:ext cx="0" cy="0"/>
+          <a:chOff x="0" y="0"/>
+          <a:chExt cx="0" cy="0"/>
+        </a:xfrm>
+      </p:grpSpPr>
+      <p:sp>
+        <p:nvSpPr>
+          <p:cNvPr id="2" name="Title 1"/>
+          <p:cNvSpPr>
+            <a:spLocks noGrp="1"/>
+          </p:cNvSpPr>
+          <p:nvPr>
+            <p:ph type="ctrTitle" hasCustomPrompt="1"/>
+          </p:nvPr>
+        </p:nvSpPr>
+        <p:spPr>
+          <a:xfrm>
+            <a:off x="4114800" y="2743200"/>
+            <a:ext cx="4419600" cy="1470026"/>
+          </a:xfrm>
+        </p:spPr>
+        <p:txBody>
+          <a:bodyPr>
+            <a:normAutofit/>
+          </a:bodyPr>
+          <a:lstStyle>
+            <a:lvl1pPr algn="r">
+              <a:defRPr sz="2400" baseline="0"/>
+            </a:lvl1pPr>
+          </a:lstStyle>
+          <a:p>
+            <a:r>
+              <a:rPr lang="en-US" dirty="0" smtClean="0"/>
+              <a:t>Title Line 01</a:t>
+            </a:r>
+            <a:br>
+              <a:rPr lang="en-US" dirty="0" smtClean="0"/>
+            </a:br>
+            <a:r>
+              <a:rPr lang="en-US" dirty="0" smtClean="0"/>
+              <a:t>Title Line 02</a:t>
+            </a:r>
+            <a:br>
+              <a:rPr lang="en-US" dirty="0" smtClean="0"/>
+            </a:br>
+            <a:r>
+              <a:rPr lang="en-US" dirty="0" smtClean="0"/>
+              <a:t>Title Line 03</a:t>
+            </a:r>
+            <a:endParaRPr lang="en-US" dirty="0"/>
+          </a:p>
+        </p:txBody>
+      </p:sp>
+      <p:sp>
+        <p:nvSpPr>
+          <p:cNvPr id="3" name="Subtitle 2"/>
+          <p:cNvSpPr>
+            <a:spLocks noGrp="1"/>
+          </p:cNvSpPr>
+          <p:nvPr>
+            <p:ph type="subTitle" idx="1" hasCustomPrompt="1"/>
+          </p:nvPr>
+        </p:nvSpPr>
+        <p:spPr>
+          <a:xfrm>
+            <a:off x="2133600" y="4648200"/>
+            <a:ext cx="6400800" cy="1752600"/>
+          </a:xfrm>
+        </p:spPr>
+        <p:txBody>
+          <a:bodyPr/>
+          <a:lstStyle>
+            <a:lvl1pPr marL="0" marR="0" indent="0" algn="r" defTabSz="914400" rtl="0" eaLnBrk="1" fontAlgn="auto" latinLnBrk="0" hangingPunct="1">
+              <a:lnSpc>
+                <a:spcPct val="100000"/>
+              </a:lnSpc>
+              <a:spcBef>
+                <a:spcPct val="20000"/>
+              </a:spcBef>
+              <a:spcAft>
+                <a:spcPts val="0"/>
+              </a:spcAft>
+              <a:buClrTx/>
+              <a:buSzTx/>
+              <a:buFont typeface="Arial" pitchFamily="34" charset="0"/>
+              <a:buNone/>
+              <a:tabLst/>
+              <a:defRPr sz="1800" baseline="0">
+                <a:solidFill>
+                  <a:sysClr val="windowText" lastClr="000000"/>
+                </a:solidFill>
+              </a:defRPr>
+            </a:lvl1pPr>
+            <a:lvl2pPr marL="457200" indent="0" algn="ctr">
+              <a:buNone/>
+              <a:defRPr>
+                <a:solidFill>
+                  <a:schemeClr val="tx1">
+                    <a:tint val="75000"/>
+                  </a:schemeClr>
+                </a:solidFill>
+              </a:defRPr>
+            </a:lvl2pPr>
+            <a:lvl3pPr marL="914400" indent="0" algn="ctr">
+              <a:buNone/>
+              <a:defRPr>
+                <a:solidFill>
+                  <a:schemeClr val="tx1">
+                    <a:tint val="75000"/>
+                  </a:schemeClr>
+                </a:solidFill>
+              </a:defRPr>
+            </a:lvl3pPr>
+            <a:lvl4pPr marL="1371600" indent="0" algn="ctr">
+              <a:buNone/>
+              <a:defRPr>
+                <a:solidFill>
+                  <a:schemeClr val="tx1">
+                    <a:tint val="75000"/>
+                  </a:schemeClr>
+                </a:solidFill>
+              </a:defRPr>
+            </a:lvl4pPr>
+            <a:lvl5pPr marL="1828800" indent="0" algn="ctr">
+              <a:buNone/>
+              <a:defRPr>
+                <a:solidFill>
+                  <a:schemeClr val="tx1">
+                    <a:tint val="75000"/>
+                  </a:schemeClr>
+                </a:solidFill>
+              </a:defRPr>
+            </a:lvl5pPr>
+            <a:lvl6pPr marL="2286000" indent="0" algn="ctr">
+              <a:buNone/>
+              <a:defRPr>
+                <a:solidFill>
+                  <a:schemeClr val="tx1">
+                    <a:tint val="75000"/>
+                  </a:schemeClr>
+                </a:solidFill>
+              </a:defRPr>
+            </a:lvl6pPr>
+            <a:lvl7pPr marL="2743200" indent="0" algn="ctr">
+              <a:buNone/>
+              <a:defRPr>
+                <a:solidFill>
+                  <a:schemeClr val="tx1">
+                    <a:tint val="75000"/>
+                  </a:schemeClr>
+                </a:solidFill>
+              </a:defRPr>
+            </a:lvl7pPr>
+            <a:lvl8pPr marL="3200400" indent="0" algn="ctr">
+              <a:buNone/>
+              <a:defRPr>
+                <a:solidFill>
+                  <a:schemeClr val="tx1">
+                    <a:tint val="75000"/>
+                  </a:schemeClr>
+                </a:solidFill>
+              </a:defRPr>
+            </a:lvl8pPr>
+            <a:lvl9pPr marL="3657600" indent="0" algn="ctr">
+              <a:buNone/>
+              <a:defRPr>
+                <a:solidFill>
+                  <a:schemeClr val="tx1">
+                    <a:tint val="75000"/>
+                  </a:schemeClr>
+                </a:solidFill>
+              </a:defRPr>
+            </a:lvl9pPr>
+          </a:lstStyle>
+          <a:p>
+            <a:r>
+              <a:rPr lang="en-US" dirty="0" smtClean="0"/>
+              <a:t>&lt;Name&gt;</a:t>
+            </a:r>
+          </a:p>
+          <a:p>
+            <a:r>
+              <a:rPr lang="en-US" dirty="0" smtClean="0"/>
+              <a:t>&lt;Company Name&gt;</a:t>
+            </a:r>
+          </a:p>
+          <a:p>
+            <a:r>
+              <a:rPr lang="en-US" dirty="0" smtClean="0"/>
+              <a:t>&lt;Designation&gt;</a:t>
+            </a:r>
+          </a:p>
+          <a:p>
+            <a:endParaRPr lang="en-US" dirty="0" smtClean="0"/>
+          </a:p>
+          <a:p>
+            <a:endParaRPr lang="en-US" dirty="0"/>
+          </a:p>
+        </p:txBody>
+      </p:sp>
+    </p:spTree>
+    <p:extLst>
+      <p:ext uri="{BB962C8B-B14F-4D97-AF65-F5344CB8AC3E}">
+        <p14:creationId xmlns:p14="http://schemas.microsoft.com/office/powerpoint/2010/main" val="3794865126"/>
+      </p:ext>
+    </p:extLst>
+  </p:cSld>
+  <p:clrMapOvr>
+    <a:masterClrMapping/>
+  </p:clrMapOvr>
+</p:sldLayout>
+</file>
+
+<file path=ppt/slideLayouts/slideLayout17.xml><?xml version="1.0" encoding="utf-8"?>
+<p:sldLayout xmlns:a="http://schemas.openxmlformats.org/drawingml/2006/main" xmlns:r="http://schemas.openxmlformats.org/officeDocument/2006/relationships" xmlns:p="http://schemas.openxmlformats.org/presentationml/2006/main" type="obj" preserve="1">
+  <p:cSld name="Title and Content">
+    <p:spTree>
+      <p:nvGrpSpPr>
+        <p:cNvPr id="1" name=""/>
+        <p:cNvGrpSpPr/>
+        <p:nvPr/>
+      </p:nvGrpSpPr>
+      <p:grpSpPr>
+        <a:xfrm>
+          <a:off x="0" y="0"/>
+          <a:ext cx="0" cy="0"/>
+          <a:chOff x="0" y="0"/>
+          <a:chExt cx="0" cy="0"/>
+        </a:xfrm>
+      </p:grpSpPr>
+      <p:sp>
+        <p:nvSpPr>
+          <p:cNvPr id="2" name="Title 1"/>
+          <p:cNvSpPr>
+            <a:spLocks noGrp="1"/>
+          </p:cNvSpPr>
+          <p:nvPr>
+            <p:ph type="title"/>
+          </p:nvPr>
+        </p:nvSpPr>
+        <p:spPr/>
+        <p:txBody>
+          <a:bodyPr/>
+          <a:lstStyle/>
+          <a:p>
+            <a:r>
+              <a:rPr lang="en-US" smtClean="0"/>
+              <a:t>Click to edit Master title style</a:t>
+            </a:r>
+            <a:endParaRPr lang="en-US"/>
+          </a:p>
+        </p:txBody>
+      </p:sp>
+      <p:sp>
+        <p:nvSpPr>
+          <p:cNvPr id="3" name="Content Placeholder 2"/>
+          <p:cNvSpPr>
+            <a:spLocks noGrp="1"/>
+          </p:cNvSpPr>
+          <p:nvPr>
+            <p:ph idx="1"/>
+          </p:nvPr>
+        </p:nvSpPr>
+        <p:spPr/>
+        <p:txBody>
+          <a:bodyPr/>
+          <a:lstStyle/>
+          <a:p>
+            <a:pPr lvl="0"/>
+            <a:r>
+              <a:rPr lang="en-US" smtClean="0"/>
+              <a:t>Click to edit Master text styles</a:t>
+            </a:r>
+          </a:p>
+          <a:p>
+            <a:pPr lvl="1"/>
+            <a:r>
+              <a:rPr lang="en-US" smtClean="0"/>
+              <a:t>Second level</a:t>
+            </a:r>
+          </a:p>
+          <a:p>
+            <a:pPr lvl="2"/>
+            <a:r>
+              <a:rPr lang="en-US" smtClean="0"/>
+              <a:t>Third level</a:t>
+            </a:r>
+          </a:p>
+          <a:p>
+            <a:pPr lvl="3"/>
+            <a:r>
+              <a:rPr lang="en-US" smtClean="0"/>
+              <a:t>Fourth level</a:t>
+            </a:r>
+          </a:p>
+          <a:p>
+            <a:pPr lvl="4"/>
+            <a:r>
+              <a:rPr lang="en-US" smtClean="0"/>
+              <a:t>Fifth level</a:t>
+            </a:r>
+            <a:endParaRPr lang="en-US" dirty="0"/>
+          </a:p>
+        </p:txBody>
+      </p:sp>
+    </p:spTree>
+    <p:extLst>
+      <p:ext uri="{BB962C8B-B14F-4D97-AF65-F5344CB8AC3E}">
+        <p14:creationId xmlns:p14="http://schemas.microsoft.com/office/powerpoint/2010/main" val="2988273358"/>
+      </p:ext>
+    </p:extLst>
+  </p:cSld>
+  <p:clrMapOvr>
+    <a:masterClrMapping/>
+  </p:clrMapOvr>
+</p:sldLayout>
+</file>
+
+<file path=ppt/slideLayouts/slideLayout18.xml><?xml version="1.0" encoding="utf-8"?>
+<p:sldLayout xmlns:a="http://schemas.openxmlformats.org/drawingml/2006/main" xmlns:r="http://schemas.openxmlformats.org/officeDocument/2006/relationships" xmlns:p="http://schemas.openxmlformats.org/presentationml/2006/main" type="obj" preserve="1">
+  <p:cSld name="1_Title and Content">
+    <p:spTree>
+      <p:nvGrpSpPr>
+        <p:cNvPr id="1" name=""/>
+        <p:cNvGrpSpPr/>
+        <p:nvPr/>
+      </p:nvGrpSpPr>
+      <p:grpSpPr>
+        <a:xfrm>
+          <a:off x="0" y="0"/>
+          <a:ext cx="0" cy="0"/>
+          <a:chOff x="0" y="0"/>
+          <a:chExt cx="0" cy="0"/>
+        </a:xfrm>
+      </p:grpSpPr>
+      <p:sp>
+        <p:nvSpPr>
+          <p:cNvPr id="2" name="Title 1"/>
+          <p:cNvSpPr>
+            <a:spLocks noGrp="1"/>
+          </p:cNvSpPr>
+          <p:nvPr>
+            <p:ph type="title"/>
+          </p:nvPr>
+        </p:nvSpPr>
+        <p:spPr/>
+        <p:txBody>
+          <a:bodyPr/>
+          <a:lstStyle/>
+          <a:p>
+            <a:r>
+              <a:rPr lang="en-US" smtClean="0"/>
+              <a:t>Click to edit Master title style</a:t>
+            </a:r>
+            <a:endParaRPr lang="en-US"/>
+          </a:p>
+        </p:txBody>
+      </p:sp>
+      <p:sp>
+        <p:nvSpPr>
+          <p:cNvPr id="3" name="Content Placeholder 2"/>
+          <p:cNvSpPr>
+            <a:spLocks noGrp="1"/>
+          </p:cNvSpPr>
+          <p:nvPr>
+            <p:ph idx="1"/>
+          </p:nvPr>
+        </p:nvSpPr>
+        <p:spPr/>
+        <p:txBody>
+          <a:bodyPr/>
+          <a:lstStyle>
+            <a:lvl1pPr>
+              <a:defRPr/>
+            </a:lvl1pPr>
+            <a:lvl2pPr marL="457200" indent="0">
+              <a:buNone/>
+              <a:defRPr/>
+            </a:lvl2pPr>
+            <a:lvl3pPr marL="914400" indent="0">
+              <a:buNone/>
+              <a:defRPr/>
+            </a:lvl3pPr>
+            <a:lvl4pPr marL="1371600" indent="0">
+              <a:buNone/>
+              <a:defRPr/>
+            </a:lvl4pPr>
+            <a:lvl5pPr marL="1828800" indent="0">
+              <a:buNone/>
+              <a:defRPr/>
+            </a:lvl5pPr>
+          </a:lstStyle>
+          <a:p>
+            <a:pPr lvl="0"/>
+            <a:r>
+              <a:rPr lang="en-US" smtClean="0"/>
+              <a:t>Click to edit Master text styles</a:t>
+            </a:r>
+          </a:p>
+          <a:p>
+            <a:pPr lvl="1"/>
+            <a:r>
+              <a:rPr lang="en-US" smtClean="0"/>
+              <a:t>Second level</a:t>
+            </a:r>
+          </a:p>
+          <a:p>
+            <a:pPr lvl="2"/>
+            <a:r>
+              <a:rPr lang="en-US" smtClean="0"/>
+              <a:t>Third level</a:t>
+            </a:r>
+          </a:p>
+          <a:p>
+            <a:pPr lvl="3"/>
+            <a:r>
+              <a:rPr lang="en-US" smtClean="0"/>
+              <a:t>Fourth level</a:t>
+            </a:r>
+          </a:p>
+          <a:p>
+            <a:pPr lvl="4"/>
+            <a:r>
+              <a:rPr lang="en-US" smtClean="0"/>
+              <a:t>Fifth level</a:t>
+            </a:r>
+            <a:endParaRPr lang="en-US" dirty="0"/>
+          </a:p>
+        </p:txBody>
+      </p:sp>
+    </p:spTree>
+    <p:extLst>
+      <p:ext uri="{BB962C8B-B14F-4D97-AF65-F5344CB8AC3E}">
+        <p14:creationId xmlns:p14="http://schemas.microsoft.com/office/powerpoint/2010/main" val="3992753838"/>
+      </p:ext>
+    </p:extLst>
+  </p:cSld>
+  <p:clrMapOvr>
+    <a:masterClrMapping/>
+  </p:clrMapOvr>
+</p:sldLayout>
+</file>
+
+<file path=ppt/slideLayouts/slideLayout19.xml><?xml version="1.0" encoding="utf-8"?>
+<p:sldLayout xmlns:a="http://schemas.openxmlformats.org/drawingml/2006/main" xmlns:r="http://schemas.openxmlformats.org/officeDocument/2006/relationships" xmlns:p="http://schemas.openxmlformats.org/presentationml/2006/main" type="obj" preserve="1">
+  <p:cSld name="2_Title and Content">
+    <p:bg>
+      <p:bgPr>
+        <a:solidFill>
+          <a:schemeClr val="bg1"/>
+        </a:solidFill>
+        <a:effectLst/>
+      </p:bgPr>
+    </p:bg>
+    <p:spTree>
+      <p:nvGrpSpPr>
+        <p:cNvPr id="1" name=""/>
+        <p:cNvGrpSpPr/>
+        <p:nvPr/>
+      </p:nvGrpSpPr>
+      <p:grpSpPr>
+        <a:xfrm>
+          <a:off x="0" y="0"/>
+          <a:ext cx="0" cy="0"/>
+          <a:chOff x="0" y="0"/>
+          <a:chExt cx="0" cy="0"/>
+        </a:xfrm>
+      </p:grpSpPr>
+      <p:sp>
+        <p:nvSpPr>
+          <p:cNvPr id="2" name="Title 1"/>
+          <p:cNvSpPr>
+            <a:spLocks noGrp="1"/>
+          </p:cNvSpPr>
+          <p:nvPr>
+            <p:ph type="title"/>
+          </p:nvPr>
+        </p:nvSpPr>
+        <p:spPr>
+          <a:xfrm>
+            <a:off x="609600" y="228600"/>
+            <a:ext cx="8077200" cy="1143000"/>
+          </a:xfrm>
+        </p:spPr>
+        <p:txBody>
+          <a:bodyPr/>
+          <a:lstStyle/>
+          <a:p>
+            <a:r>
+              <a:rPr lang="en-US" dirty="0" smtClean="0"/>
+              <a:t>Click to edit Master title style</a:t>
+            </a:r>
+            <a:endParaRPr lang="en-US" dirty="0"/>
+          </a:p>
+        </p:txBody>
+      </p:sp>
+      <p:sp>
+        <p:nvSpPr>
+          <p:cNvPr id="3" name="Content Placeholder 2"/>
+          <p:cNvSpPr>
+            <a:spLocks noGrp="1"/>
+          </p:cNvSpPr>
+          <p:nvPr>
+            <p:ph idx="1"/>
+          </p:nvPr>
+        </p:nvSpPr>
+        <p:spPr>
+          <a:xfrm>
+            <a:off x="533400" y="1600201"/>
+            <a:ext cx="8153400" cy="4525964"/>
+          </a:xfrm>
+        </p:spPr>
+        <p:txBody>
+          <a:bodyPr/>
+          <a:lstStyle>
+            <a:lvl1pPr>
+              <a:defRPr/>
+            </a:lvl1pPr>
+            <a:lvl2pPr marL="457200" indent="0">
+              <a:buNone/>
+              <a:defRPr/>
+            </a:lvl2pPr>
+            <a:lvl3pPr marL="914400" indent="0">
+              <a:buNone/>
+              <a:defRPr/>
+            </a:lvl3pPr>
+            <a:lvl4pPr marL="1371600" indent="0">
+              <a:buNone/>
+              <a:defRPr/>
+            </a:lvl4pPr>
+            <a:lvl5pPr marL="1828800" indent="0">
+              <a:buNone/>
+              <a:defRPr/>
+            </a:lvl5pPr>
+          </a:lstStyle>
+          <a:p>
+            <a:pPr lvl="0"/>
+            <a:r>
+              <a:rPr lang="en-US" dirty="0" smtClean="0"/>
+              <a:t>Click to edit Master text styles</a:t>
+            </a:r>
+          </a:p>
+          <a:p>
+            <a:pPr lvl="1"/>
+            <a:r>
+              <a:rPr lang="en-US" dirty="0" smtClean="0"/>
+              <a:t>Second level</a:t>
+            </a:r>
+          </a:p>
+          <a:p>
+            <a:pPr lvl="2"/>
+            <a:r>
+              <a:rPr lang="en-US" dirty="0" smtClean="0"/>
+              <a:t>Third level</a:t>
+            </a:r>
+          </a:p>
+          <a:p>
+            <a:pPr lvl="3"/>
+            <a:r>
+              <a:rPr lang="en-US" dirty="0" smtClean="0"/>
+              <a:t>Fourth level</a:t>
+            </a:r>
+          </a:p>
+          <a:p>
+            <a:pPr lvl="4"/>
+            <a:r>
+              <a:rPr lang="en-US" dirty="0" smtClean="0"/>
+              <a:t>Fifth level</a:t>
+            </a:r>
+            <a:endParaRPr lang="en-US" dirty="0"/>
+          </a:p>
+        </p:txBody>
+      </p:sp>
+    </p:spTree>
+    <p:extLst>
+      <p:ext uri="{BB962C8B-B14F-4D97-AF65-F5344CB8AC3E}">
+        <p14:creationId xmlns:p14="http://schemas.microsoft.com/office/powerpoint/2010/main" val="2920131869"/>
       </p:ext>
     </p:extLst>
   </p:cSld>
@@ -3733,6 +4692,1589 @@
 </p:sldLayout>
 </file>
 
+<file path=ppt/slideLayouts/slideLayout20.xml><?xml version="1.0" encoding="utf-8"?>
+<p:sldLayout xmlns:a="http://schemas.openxmlformats.org/drawingml/2006/main" xmlns:r="http://schemas.openxmlformats.org/officeDocument/2006/relationships" xmlns:p="http://schemas.openxmlformats.org/presentationml/2006/main" preserve="1" userDrawn="1">
+  <p:cSld name="Section Header">
+    <p:spTree>
+      <p:nvGrpSpPr>
+        <p:cNvPr id="1" name=""/>
+        <p:cNvGrpSpPr/>
+        <p:nvPr/>
+      </p:nvGrpSpPr>
+      <p:grpSpPr>
+        <a:xfrm>
+          <a:off x="0" y="0"/>
+          <a:ext cx="0" cy="0"/>
+          <a:chOff x="0" y="0"/>
+          <a:chExt cx="0" cy="0"/>
+        </a:xfrm>
+      </p:grpSpPr>
+    </p:spTree>
+    <p:extLst>
+      <p:ext uri="{BB962C8B-B14F-4D97-AF65-F5344CB8AC3E}">
+        <p14:creationId xmlns:p14="http://schemas.microsoft.com/office/powerpoint/2010/main" val="4179463190"/>
+      </p:ext>
+    </p:extLst>
+  </p:cSld>
+  <p:clrMapOvr>
+    <a:masterClrMapping/>
+  </p:clrMapOvr>
+</p:sldLayout>
+</file>
+
+<file path=ppt/slideLayouts/slideLayout21.xml><?xml version="1.0" encoding="utf-8"?>
+<p:sldLayout xmlns:a="http://schemas.openxmlformats.org/drawingml/2006/main" xmlns:r="http://schemas.openxmlformats.org/officeDocument/2006/relationships" xmlns:p="http://schemas.openxmlformats.org/presentationml/2006/main" preserve="1" userDrawn="1">
+  <p:cSld name="1_Section Header">
+    <p:bg>
+      <p:bgPr>
+        <a:blipFill dpi="0" rotWithShape="1">
+          <a:blip r:embed="rId2">
+            <a:lum/>
+          </a:blip>
+          <a:srcRect/>
+          <a:stretch>
+            <a:fillRect/>
+          </a:stretch>
+        </a:blipFill>
+        <a:effectLst/>
+      </p:bgPr>
+    </p:bg>
+    <p:spTree>
+      <p:nvGrpSpPr>
+        <p:cNvPr id="1" name=""/>
+        <p:cNvGrpSpPr/>
+        <p:nvPr/>
+      </p:nvGrpSpPr>
+      <p:grpSpPr>
+        <a:xfrm>
+          <a:off x="0" y="0"/>
+          <a:ext cx="0" cy="0"/>
+          <a:chOff x="0" y="0"/>
+          <a:chExt cx="0" cy="0"/>
+        </a:xfrm>
+      </p:grpSpPr>
+      <p:sp>
+        <p:nvSpPr>
+          <p:cNvPr id="3" name="TextBox 2"/>
+          <p:cNvSpPr txBox="1"/>
+          <p:nvPr userDrawn="1"/>
+        </p:nvSpPr>
+        <p:spPr>
+          <a:xfrm>
+            <a:off x="4876800" y="3429000"/>
+            <a:ext cx="3657600" cy="584775"/>
+          </a:xfrm>
+          <a:prstGeom prst="rect">
+            <a:avLst/>
+          </a:prstGeom>
+          <a:noFill/>
+        </p:spPr>
+        <p:txBody>
+          <a:bodyPr wrap="square" rtlCol="0">
+            <a:spAutoFit/>
+          </a:bodyPr>
+          <a:lstStyle/>
+          <a:p>
+            <a:pPr algn="r"/>
+            <a:r>
+              <a:rPr lang="en-US" sz="3200" dirty="0" smtClean="0"/>
+              <a:t>Thank You</a:t>
+            </a:r>
+            <a:endParaRPr lang="en-US" sz="3200" dirty="0"/>
+          </a:p>
+        </p:txBody>
+      </p:sp>
+    </p:spTree>
+    <p:extLst>
+      <p:ext uri="{BB962C8B-B14F-4D97-AF65-F5344CB8AC3E}">
+        <p14:creationId xmlns:p14="http://schemas.microsoft.com/office/powerpoint/2010/main" val="2813875511"/>
+      </p:ext>
+    </p:extLst>
+  </p:cSld>
+  <p:clrMapOvr>
+    <a:masterClrMapping/>
+  </p:clrMapOvr>
+</p:sldLayout>
+</file>
+
+<file path=ppt/slideLayouts/slideLayout22.xml><?xml version="1.0" encoding="utf-8"?>
+<p:sldLayout xmlns:a="http://schemas.openxmlformats.org/drawingml/2006/main" xmlns:r="http://schemas.openxmlformats.org/officeDocument/2006/relationships" xmlns:p="http://schemas.openxmlformats.org/presentationml/2006/main" type="twoObj" preserve="1">
+  <p:cSld name="Two Content">
+    <p:spTree>
+      <p:nvGrpSpPr>
+        <p:cNvPr id="1" name=""/>
+        <p:cNvGrpSpPr/>
+        <p:nvPr/>
+      </p:nvGrpSpPr>
+      <p:grpSpPr>
+        <a:xfrm>
+          <a:off x="0" y="0"/>
+          <a:ext cx="0" cy="0"/>
+          <a:chOff x="0" y="0"/>
+          <a:chExt cx="0" cy="0"/>
+        </a:xfrm>
+      </p:grpSpPr>
+      <p:sp>
+        <p:nvSpPr>
+          <p:cNvPr id="2" name="Title 1"/>
+          <p:cNvSpPr>
+            <a:spLocks noGrp="1"/>
+          </p:cNvSpPr>
+          <p:nvPr>
+            <p:ph type="title"/>
+          </p:nvPr>
+        </p:nvSpPr>
+        <p:spPr/>
+        <p:txBody>
+          <a:bodyPr/>
+          <a:lstStyle/>
+          <a:p>
+            <a:r>
+              <a:rPr lang="en-US" smtClean="0"/>
+              <a:t>Click to edit Master title style</a:t>
+            </a:r>
+            <a:endParaRPr lang="en-US"/>
+          </a:p>
+        </p:txBody>
+      </p:sp>
+      <p:sp>
+        <p:nvSpPr>
+          <p:cNvPr id="3" name="Content Placeholder 2"/>
+          <p:cNvSpPr>
+            <a:spLocks noGrp="1"/>
+          </p:cNvSpPr>
+          <p:nvPr>
+            <p:ph sz="half" idx="1"/>
+          </p:nvPr>
+        </p:nvSpPr>
+        <p:spPr>
+          <a:xfrm>
+            <a:off x="1600200" y="1600201"/>
+            <a:ext cx="3581400" cy="4525964"/>
+          </a:xfrm>
+        </p:spPr>
+        <p:txBody>
+          <a:bodyPr/>
+          <a:lstStyle>
+            <a:lvl1pPr>
+              <a:defRPr sz="2400"/>
+            </a:lvl1pPr>
+            <a:lvl2pPr>
+              <a:defRPr sz="2400"/>
+            </a:lvl2pPr>
+            <a:lvl3pPr>
+              <a:defRPr sz="2000"/>
+            </a:lvl3pPr>
+            <a:lvl4pPr>
+              <a:defRPr sz="1800"/>
+            </a:lvl4pPr>
+            <a:lvl5pPr>
+              <a:defRPr sz="1800"/>
+            </a:lvl5pPr>
+            <a:lvl6pPr>
+              <a:defRPr sz="1800"/>
+            </a:lvl6pPr>
+            <a:lvl7pPr>
+              <a:defRPr sz="1800"/>
+            </a:lvl7pPr>
+            <a:lvl8pPr>
+              <a:defRPr sz="1800"/>
+            </a:lvl8pPr>
+            <a:lvl9pPr>
+              <a:defRPr sz="1800"/>
+            </a:lvl9pPr>
+          </a:lstStyle>
+          <a:p>
+            <a:pPr lvl="0"/>
+            <a:r>
+              <a:rPr lang="en-US" smtClean="0"/>
+              <a:t>Click to edit Master text styles</a:t>
+            </a:r>
+          </a:p>
+          <a:p>
+            <a:pPr lvl="1"/>
+            <a:r>
+              <a:rPr lang="en-US" smtClean="0"/>
+              <a:t>Second level</a:t>
+            </a:r>
+          </a:p>
+          <a:p>
+            <a:pPr lvl="2"/>
+            <a:r>
+              <a:rPr lang="en-US" smtClean="0"/>
+              <a:t>Third level</a:t>
+            </a:r>
+          </a:p>
+          <a:p>
+            <a:pPr lvl="3"/>
+            <a:r>
+              <a:rPr lang="en-US" smtClean="0"/>
+              <a:t>Fourth level</a:t>
+            </a:r>
+          </a:p>
+          <a:p>
+            <a:pPr lvl="4"/>
+            <a:r>
+              <a:rPr lang="en-US" smtClean="0"/>
+              <a:t>Fifth level</a:t>
+            </a:r>
+            <a:endParaRPr lang="en-US" dirty="0"/>
+          </a:p>
+        </p:txBody>
+      </p:sp>
+      <p:sp>
+        <p:nvSpPr>
+          <p:cNvPr id="4" name="Content Placeholder 3"/>
+          <p:cNvSpPr>
+            <a:spLocks noGrp="1"/>
+          </p:cNvSpPr>
+          <p:nvPr>
+            <p:ph sz="half" idx="2"/>
+          </p:nvPr>
+        </p:nvSpPr>
+        <p:spPr>
+          <a:xfrm>
+            <a:off x="5334000" y="1600201"/>
+            <a:ext cx="3352800" cy="4525964"/>
+          </a:xfrm>
+        </p:spPr>
+        <p:txBody>
+          <a:bodyPr/>
+          <a:lstStyle>
+            <a:lvl1pPr>
+              <a:defRPr sz="2400"/>
+            </a:lvl1pPr>
+            <a:lvl2pPr>
+              <a:defRPr sz="2400"/>
+            </a:lvl2pPr>
+            <a:lvl3pPr>
+              <a:defRPr sz="2000"/>
+            </a:lvl3pPr>
+            <a:lvl4pPr>
+              <a:defRPr sz="1800"/>
+            </a:lvl4pPr>
+            <a:lvl5pPr>
+              <a:defRPr sz="1800"/>
+            </a:lvl5pPr>
+            <a:lvl6pPr>
+              <a:defRPr sz="1800"/>
+            </a:lvl6pPr>
+            <a:lvl7pPr>
+              <a:defRPr sz="1800"/>
+            </a:lvl7pPr>
+            <a:lvl8pPr>
+              <a:defRPr sz="1800"/>
+            </a:lvl8pPr>
+            <a:lvl9pPr>
+              <a:defRPr sz="1800"/>
+            </a:lvl9pPr>
+          </a:lstStyle>
+          <a:p>
+            <a:pPr lvl="0"/>
+            <a:r>
+              <a:rPr lang="en-US" smtClean="0"/>
+              <a:t>Click to edit Master text styles</a:t>
+            </a:r>
+          </a:p>
+          <a:p>
+            <a:pPr lvl="1"/>
+            <a:r>
+              <a:rPr lang="en-US" smtClean="0"/>
+              <a:t>Second level</a:t>
+            </a:r>
+          </a:p>
+          <a:p>
+            <a:pPr lvl="2"/>
+            <a:r>
+              <a:rPr lang="en-US" smtClean="0"/>
+              <a:t>Third level</a:t>
+            </a:r>
+          </a:p>
+          <a:p>
+            <a:pPr lvl="3"/>
+            <a:r>
+              <a:rPr lang="en-US" smtClean="0"/>
+              <a:t>Fourth level</a:t>
+            </a:r>
+          </a:p>
+          <a:p>
+            <a:pPr lvl="4"/>
+            <a:r>
+              <a:rPr lang="en-US" smtClean="0"/>
+              <a:t>Fifth level</a:t>
+            </a:r>
+            <a:endParaRPr lang="en-US" dirty="0"/>
+          </a:p>
+        </p:txBody>
+      </p:sp>
+    </p:spTree>
+    <p:extLst>
+      <p:ext uri="{BB962C8B-B14F-4D97-AF65-F5344CB8AC3E}">
+        <p14:creationId xmlns:p14="http://schemas.microsoft.com/office/powerpoint/2010/main" val="3881908730"/>
+      </p:ext>
+    </p:extLst>
+  </p:cSld>
+  <p:clrMapOvr>
+    <a:masterClrMapping/>
+  </p:clrMapOvr>
+</p:sldLayout>
+</file>
+
+<file path=ppt/slideLayouts/slideLayout23.xml><?xml version="1.0" encoding="utf-8"?>
+<p:sldLayout xmlns:a="http://schemas.openxmlformats.org/drawingml/2006/main" xmlns:r="http://schemas.openxmlformats.org/officeDocument/2006/relationships" xmlns:p="http://schemas.openxmlformats.org/presentationml/2006/main" type="twoTxTwoObj" preserve="1">
+  <p:cSld name="Comparison">
+    <p:spTree>
+      <p:nvGrpSpPr>
+        <p:cNvPr id="1" name=""/>
+        <p:cNvGrpSpPr/>
+        <p:nvPr/>
+      </p:nvGrpSpPr>
+      <p:grpSpPr>
+        <a:xfrm>
+          <a:off x="0" y="0"/>
+          <a:ext cx="0" cy="0"/>
+          <a:chOff x="0" y="0"/>
+          <a:chExt cx="0" cy="0"/>
+        </a:xfrm>
+      </p:grpSpPr>
+      <p:sp>
+        <p:nvSpPr>
+          <p:cNvPr id="2" name="Title 1"/>
+          <p:cNvSpPr>
+            <a:spLocks noGrp="1"/>
+          </p:cNvSpPr>
+          <p:nvPr>
+            <p:ph type="title"/>
+          </p:nvPr>
+        </p:nvSpPr>
+        <p:spPr/>
+        <p:txBody>
+          <a:bodyPr/>
+          <a:lstStyle>
+            <a:lvl1pPr>
+              <a:defRPr/>
+            </a:lvl1pPr>
+          </a:lstStyle>
+          <a:p>
+            <a:r>
+              <a:rPr lang="en-US" smtClean="0"/>
+              <a:t>Click to edit Master title style</a:t>
+            </a:r>
+            <a:endParaRPr lang="en-US" dirty="0"/>
+          </a:p>
+        </p:txBody>
+      </p:sp>
+      <p:sp>
+        <p:nvSpPr>
+          <p:cNvPr id="3" name="Text Placeholder 2"/>
+          <p:cNvSpPr>
+            <a:spLocks noGrp="1"/>
+          </p:cNvSpPr>
+          <p:nvPr>
+            <p:ph type="body" idx="1"/>
+          </p:nvPr>
+        </p:nvSpPr>
+        <p:spPr>
+          <a:xfrm>
+            <a:off x="1600200" y="1581150"/>
+            <a:ext cx="3506788" cy="639762"/>
+          </a:xfrm>
+        </p:spPr>
+        <p:txBody>
+          <a:bodyPr anchor="b">
+            <a:normAutofit/>
+          </a:bodyPr>
+          <a:lstStyle>
+            <a:lvl1pPr marL="0" indent="0">
+              <a:buNone/>
+              <a:defRPr sz="2000" b="1"/>
+            </a:lvl1pPr>
+            <a:lvl2pPr marL="457200" indent="0">
+              <a:buNone/>
+              <a:defRPr sz="2000" b="1"/>
+            </a:lvl2pPr>
+            <a:lvl3pPr marL="914400" indent="0">
+              <a:buNone/>
+              <a:defRPr sz="1800" b="1"/>
+            </a:lvl3pPr>
+            <a:lvl4pPr marL="1371600" indent="0">
+              <a:buNone/>
+              <a:defRPr sz="1600" b="1"/>
+            </a:lvl4pPr>
+            <a:lvl5pPr marL="1828800" indent="0">
+              <a:buNone/>
+              <a:defRPr sz="1600" b="1"/>
+            </a:lvl5pPr>
+            <a:lvl6pPr marL="2286000" indent="0">
+              <a:buNone/>
+              <a:defRPr sz="1600" b="1"/>
+            </a:lvl6pPr>
+            <a:lvl7pPr marL="2743200" indent="0">
+              <a:buNone/>
+              <a:defRPr sz="1600" b="1"/>
+            </a:lvl7pPr>
+            <a:lvl8pPr marL="3200400" indent="0">
+              <a:buNone/>
+              <a:defRPr sz="1600" b="1"/>
+            </a:lvl8pPr>
+            <a:lvl9pPr marL="3657600" indent="0">
+              <a:buNone/>
+              <a:defRPr sz="1600" b="1"/>
+            </a:lvl9pPr>
+          </a:lstStyle>
+          <a:p>
+            <a:pPr lvl="0"/>
+            <a:r>
+              <a:rPr lang="en-US" smtClean="0"/>
+              <a:t>Click to edit Master text styles</a:t>
+            </a:r>
+          </a:p>
+        </p:txBody>
+      </p:sp>
+      <p:sp>
+        <p:nvSpPr>
+          <p:cNvPr id="4" name="Content Placeholder 3"/>
+          <p:cNvSpPr>
+            <a:spLocks noGrp="1"/>
+          </p:cNvSpPr>
+          <p:nvPr>
+            <p:ph sz="half" idx="2"/>
+          </p:nvPr>
+        </p:nvSpPr>
+        <p:spPr>
+          <a:xfrm>
+            <a:off x="1600200" y="2220912"/>
+            <a:ext cx="3506788" cy="3951288"/>
+          </a:xfrm>
+        </p:spPr>
+        <p:txBody>
+          <a:bodyPr/>
+          <a:lstStyle>
+            <a:lvl1pPr>
+              <a:defRPr sz="2400"/>
+            </a:lvl1pPr>
+            <a:lvl2pPr>
+              <a:defRPr sz="2000"/>
+            </a:lvl2pPr>
+            <a:lvl3pPr>
+              <a:defRPr sz="1800"/>
+            </a:lvl3pPr>
+            <a:lvl4pPr>
+              <a:defRPr sz="1600"/>
+            </a:lvl4pPr>
+            <a:lvl5pPr>
+              <a:defRPr sz="1600"/>
+            </a:lvl5pPr>
+            <a:lvl6pPr>
+              <a:defRPr sz="1600"/>
+            </a:lvl6pPr>
+            <a:lvl7pPr>
+              <a:defRPr sz="1600"/>
+            </a:lvl7pPr>
+            <a:lvl8pPr>
+              <a:defRPr sz="1600"/>
+            </a:lvl8pPr>
+            <a:lvl9pPr>
+              <a:defRPr sz="1600"/>
+            </a:lvl9pPr>
+          </a:lstStyle>
+          <a:p>
+            <a:pPr lvl="0"/>
+            <a:r>
+              <a:rPr lang="en-US" smtClean="0"/>
+              <a:t>Click to edit Master text styles</a:t>
+            </a:r>
+          </a:p>
+          <a:p>
+            <a:pPr lvl="1"/>
+            <a:r>
+              <a:rPr lang="en-US" smtClean="0"/>
+              <a:t>Second level</a:t>
+            </a:r>
+          </a:p>
+          <a:p>
+            <a:pPr lvl="2"/>
+            <a:r>
+              <a:rPr lang="en-US" smtClean="0"/>
+              <a:t>Third level</a:t>
+            </a:r>
+          </a:p>
+          <a:p>
+            <a:pPr lvl="3"/>
+            <a:r>
+              <a:rPr lang="en-US" smtClean="0"/>
+              <a:t>Fourth level</a:t>
+            </a:r>
+          </a:p>
+          <a:p>
+            <a:pPr lvl="4"/>
+            <a:r>
+              <a:rPr lang="en-US" smtClean="0"/>
+              <a:t>Fifth level</a:t>
+            </a:r>
+            <a:endParaRPr lang="en-US"/>
+          </a:p>
+        </p:txBody>
+      </p:sp>
+      <p:sp>
+        <p:nvSpPr>
+          <p:cNvPr id="5" name="Text Placeholder 4"/>
+          <p:cNvSpPr>
+            <a:spLocks noGrp="1"/>
+          </p:cNvSpPr>
+          <p:nvPr>
+            <p:ph type="body" sz="quarter" idx="3"/>
+          </p:nvPr>
+        </p:nvSpPr>
+        <p:spPr>
+          <a:xfrm>
+            <a:off x="5257801" y="1535113"/>
+            <a:ext cx="3429001" cy="639762"/>
+          </a:xfrm>
+        </p:spPr>
+        <p:txBody>
+          <a:bodyPr anchor="b">
+            <a:normAutofit/>
+          </a:bodyPr>
+          <a:lstStyle>
+            <a:lvl1pPr marL="0" indent="0">
+              <a:buNone/>
+              <a:defRPr sz="2000" b="1"/>
+            </a:lvl1pPr>
+            <a:lvl2pPr marL="457200" indent="0">
+              <a:buNone/>
+              <a:defRPr sz="2000" b="1"/>
+            </a:lvl2pPr>
+            <a:lvl3pPr marL="914400" indent="0">
+              <a:buNone/>
+              <a:defRPr sz="1800" b="1"/>
+            </a:lvl3pPr>
+            <a:lvl4pPr marL="1371600" indent="0">
+              <a:buNone/>
+              <a:defRPr sz="1600" b="1"/>
+            </a:lvl4pPr>
+            <a:lvl5pPr marL="1828800" indent="0">
+              <a:buNone/>
+              <a:defRPr sz="1600" b="1"/>
+            </a:lvl5pPr>
+            <a:lvl6pPr marL="2286000" indent="0">
+              <a:buNone/>
+              <a:defRPr sz="1600" b="1"/>
+            </a:lvl6pPr>
+            <a:lvl7pPr marL="2743200" indent="0">
+              <a:buNone/>
+              <a:defRPr sz="1600" b="1"/>
+            </a:lvl7pPr>
+            <a:lvl8pPr marL="3200400" indent="0">
+              <a:buNone/>
+              <a:defRPr sz="1600" b="1"/>
+            </a:lvl8pPr>
+            <a:lvl9pPr marL="3657600" indent="0">
+              <a:buNone/>
+              <a:defRPr sz="1600" b="1"/>
+            </a:lvl9pPr>
+          </a:lstStyle>
+          <a:p>
+            <a:pPr lvl="0"/>
+            <a:r>
+              <a:rPr lang="en-US" smtClean="0"/>
+              <a:t>Click to edit Master text styles</a:t>
+            </a:r>
+          </a:p>
+        </p:txBody>
+      </p:sp>
+      <p:sp>
+        <p:nvSpPr>
+          <p:cNvPr id="6" name="Content Placeholder 5"/>
+          <p:cNvSpPr>
+            <a:spLocks noGrp="1"/>
+          </p:cNvSpPr>
+          <p:nvPr>
+            <p:ph sz="quarter" idx="4"/>
+          </p:nvPr>
+        </p:nvSpPr>
+        <p:spPr>
+          <a:xfrm>
+            <a:off x="5257801" y="2174875"/>
+            <a:ext cx="3429001" cy="3951288"/>
+          </a:xfrm>
+        </p:spPr>
+        <p:txBody>
+          <a:bodyPr/>
+          <a:lstStyle>
+            <a:lvl1pPr>
+              <a:defRPr sz="2400"/>
+            </a:lvl1pPr>
+            <a:lvl2pPr>
+              <a:defRPr sz="2000"/>
+            </a:lvl2pPr>
+            <a:lvl3pPr>
+              <a:defRPr sz="1800"/>
+            </a:lvl3pPr>
+            <a:lvl4pPr>
+              <a:defRPr sz="1600"/>
+            </a:lvl4pPr>
+            <a:lvl5pPr>
+              <a:defRPr sz="1600"/>
+            </a:lvl5pPr>
+            <a:lvl6pPr>
+              <a:defRPr sz="1600"/>
+            </a:lvl6pPr>
+            <a:lvl7pPr>
+              <a:defRPr sz="1600"/>
+            </a:lvl7pPr>
+            <a:lvl8pPr>
+              <a:defRPr sz="1600"/>
+            </a:lvl8pPr>
+            <a:lvl9pPr>
+              <a:defRPr sz="1600"/>
+            </a:lvl9pPr>
+          </a:lstStyle>
+          <a:p>
+            <a:pPr lvl="0"/>
+            <a:r>
+              <a:rPr lang="en-US" smtClean="0"/>
+              <a:t>Click to edit Master text styles</a:t>
+            </a:r>
+          </a:p>
+          <a:p>
+            <a:pPr lvl="1"/>
+            <a:r>
+              <a:rPr lang="en-US" smtClean="0"/>
+              <a:t>Second level</a:t>
+            </a:r>
+          </a:p>
+          <a:p>
+            <a:pPr lvl="2"/>
+            <a:r>
+              <a:rPr lang="en-US" smtClean="0"/>
+              <a:t>Third level</a:t>
+            </a:r>
+          </a:p>
+          <a:p>
+            <a:pPr lvl="3"/>
+            <a:r>
+              <a:rPr lang="en-US" smtClean="0"/>
+              <a:t>Fourth level</a:t>
+            </a:r>
+          </a:p>
+          <a:p>
+            <a:pPr lvl="4"/>
+            <a:r>
+              <a:rPr lang="en-US" smtClean="0"/>
+              <a:t>Fifth level</a:t>
+            </a:r>
+            <a:endParaRPr lang="en-US"/>
+          </a:p>
+        </p:txBody>
+      </p:sp>
+    </p:spTree>
+    <p:extLst>
+      <p:ext uri="{BB962C8B-B14F-4D97-AF65-F5344CB8AC3E}">
+        <p14:creationId xmlns:p14="http://schemas.microsoft.com/office/powerpoint/2010/main" val="3794606094"/>
+      </p:ext>
+    </p:extLst>
+  </p:cSld>
+  <p:clrMapOvr>
+    <a:masterClrMapping/>
+  </p:clrMapOvr>
+</p:sldLayout>
+</file>
+
+<file path=ppt/slideLayouts/slideLayout24.xml><?xml version="1.0" encoding="utf-8"?>
+<p:sldLayout xmlns:a="http://schemas.openxmlformats.org/drawingml/2006/main" xmlns:r="http://schemas.openxmlformats.org/officeDocument/2006/relationships" xmlns:p="http://schemas.openxmlformats.org/presentationml/2006/main" type="titleOnly" preserve="1">
+  <p:cSld name="Title Only">
+    <p:spTree>
+      <p:nvGrpSpPr>
+        <p:cNvPr id="1" name=""/>
+        <p:cNvGrpSpPr/>
+        <p:nvPr/>
+      </p:nvGrpSpPr>
+      <p:grpSpPr>
+        <a:xfrm>
+          <a:off x="0" y="0"/>
+          <a:ext cx="0" cy="0"/>
+          <a:chOff x="0" y="0"/>
+          <a:chExt cx="0" cy="0"/>
+        </a:xfrm>
+      </p:grpSpPr>
+      <p:sp>
+        <p:nvSpPr>
+          <p:cNvPr id="2" name="Title 1"/>
+          <p:cNvSpPr>
+            <a:spLocks noGrp="1"/>
+          </p:cNvSpPr>
+          <p:nvPr>
+            <p:ph type="title"/>
+          </p:nvPr>
+        </p:nvSpPr>
+        <p:spPr/>
+        <p:txBody>
+          <a:bodyPr/>
+          <a:lstStyle/>
+          <a:p>
+            <a:r>
+              <a:rPr lang="en-US" smtClean="0"/>
+              <a:t>Click to edit Master title style</a:t>
+            </a:r>
+            <a:endParaRPr lang="en-US" dirty="0"/>
+          </a:p>
+        </p:txBody>
+      </p:sp>
+      <p:sp>
+        <p:nvSpPr>
+          <p:cNvPr id="3" name="Date Placeholder 2"/>
+          <p:cNvSpPr>
+            <a:spLocks noGrp="1"/>
+          </p:cNvSpPr>
+          <p:nvPr>
+            <p:ph type="dt" sz="half" idx="10"/>
+          </p:nvPr>
+        </p:nvSpPr>
+        <p:spPr>
+          <a:xfrm>
+            <a:off x="457200" y="6356351"/>
+            <a:ext cx="2133600" cy="365126"/>
+          </a:xfrm>
+          <a:prstGeom prst="rect">
+            <a:avLst/>
+          </a:prstGeom>
+        </p:spPr>
+        <p:txBody>
+          <a:bodyPr/>
+          <a:lstStyle>
+            <a:lvl1pPr>
+              <a:defRPr sz="1400">
+                <a:solidFill>
+                  <a:schemeClr val="bg1"/>
+                </a:solidFill>
+              </a:defRPr>
+            </a:lvl1pPr>
+          </a:lstStyle>
+          <a:p>
+            <a:fld id="{D7687376-0FDE-4161-992A-50C1D01EF749}" type="datetimeFigureOut">
+              <a:rPr lang="en-US" smtClean="0"/>
+              <a:pPr/>
+              <a:t>10/29/13</a:t>
+            </a:fld>
+            <a:endParaRPr lang="en-US"/>
+          </a:p>
+        </p:txBody>
+      </p:sp>
+      <p:sp>
+        <p:nvSpPr>
+          <p:cNvPr id="4" name="Footer Placeholder 3"/>
+          <p:cNvSpPr>
+            <a:spLocks noGrp="1"/>
+          </p:cNvSpPr>
+          <p:nvPr>
+            <p:ph type="ftr" sz="quarter" idx="11"/>
+          </p:nvPr>
+        </p:nvSpPr>
+        <p:spPr>
+          <a:xfrm>
+            <a:off x="3124200" y="6356351"/>
+            <a:ext cx="2895600" cy="365126"/>
+          </a:xfrm>
+          <a:prstGeom prst="rect">
+            <a:avLst/>
+          </a:prstGeom>
+        </p:spPr>
+        <p:txBody>
+          <a:bodyPr/>
+          <a:lstStyle>
+            <a:lvl1pPr>
+              <a:defRPr sz="1400">
+                <a:solidFill>
+                  <a:schemeClr val="bg1"/>
+                </a:solidFill>
+              </a:defRPr>
+            </a:lvl1pPr>
+          </a:lstStyle>
+          <a:p>
+            <a:endParaRPr lang="en-US"/>
+          </a:p>
+        </p:txBody>
+      </p:sp>
+    </p:spTree>
+    <p:extLst>
+      <p:ext uri="{BB962C8B-B14F-4D97-AF65-F5344CB8AC3E}">
+        <p14:creationId xmlns:p14="http://schemas.microsoft.com/office/powerpoint/2010/main" val="2494537492"/>
+      </p:ext>
+    </p:extLst>
+  </p:cSld>
+  <p:clrMapOvr>
+    <a:masterClrMapping/>
+  </p:clrMapOvr>
+</p:sldLayout>
+</file>
+
+<file path=ppt/slideLayouts/slideLayout25.xml><?xml version="1.0" encoding="utf-8"?>
+<p:sldLayout xmlns:a="http://schemas.openxmlformats.org/drawingml/2006/main" xmlns:r="http://schemas.openxmlformats.org/officeDocument/2006/relationships" xmlns:p="http://schemas.openxmlformats.org/presentationml/2006/main" type="objTx" preserve="1">
+  <p:cSld name="Content with Caption">
+    <p:spTree>
+      <p:nvGrpSpPr>
+        <p:cNvPr id="1" name=""/>
+        <p:cNvGrpSpPr/>
+        <p:nvPr/>
+      </p:nvGrpSpPr>
+      <p:grpSpPr>
+        <a:xfrm>
+          <a:off x="0" y="0"/>
+          <a:ext cx="0" cy="0"/>
+          <a:chOff x="0" y="0"/>
+          <a:chExt cx="0" cy="0"/>
+        </a:xfrm>
+      </p:grpSpPr>
+      <p:sp>
+        <p:nvSpPr>
+          <p:cNvPr id="2" name="Title 1"/>
+          <p:cNvSpPr>
+            <a:spLocks noGrp="1"/>
+          </p:cNvSpPr>
+          <p:nvPr>
+            <p:ph type="title"/>
+          </p:nvPr>
+        </p:nvSpPr>
+        <p:spPr>
+          <a:xfrm>
+            <a:off x="1828801" y="319086"/>
+            <a:ext cx="3008313" cy="1162050"/>
+          </a:xfrm>
+        </p:spPr>
+        <p:txBody>
+          <a:bodyPr anchor="b">
+            <a:normAutofit/>
+          </a:bodyPr>
+          <a:lstStyle>
+            <a:lvl1pPr algn="l">
+              <a:defRPr sz="1800" b="1"/>
+            </a:lvl1pPr>
+          </a:lstStyle>
+          <a:p>
+            <a:r>
+              <a:rPr lang="en-US" smtClean="0"/>
+              <a:t>Click to edit Master title style</a:t>
+            </a:r>
+            <a:endParaRPr lang="en-US" dirty="0"/>
+          </a:p>
+        </p:txBody>
+      </p:sp>
+      <p:sp>
+        <p:nvSpPr>
+          <p:cNvPr id="3" name="Content Placeholder 2"/>
+          <p:cNvSpPr>
+            <a:spLocks noGrp="1"/>
+          </p:cNvSpPr>
+          <p:nvPr>
+            <p:ph idx="1"/>
+          </p:nvPr>
+        </p:nvSpPr>
+        <p:spPr>
+          <a:xfrm>
+            <a:off x="4953000" y="319088"/>
+            <a:ext cx="3733800" cy="5853113"/>
+          </a:xfrm>
+        </p:spPr>
+        <p:txBody>
+          <a:bodyPr/>
+          <a:lstStyle>
+            <a:lvl1pPr>
+              <a:defRPr sz="2400"/>
+            </a:lvl1pPr>
+            <a:lvl2pPr>
+              <a:defRPr sz="2800"/>
+            </a:lvl2pPr>
+            <a:lvl3pPr>
+              <a:defRPr sz="2400"/>
+            </a:lvl3pPr>
+            <a:lvl4pPr>
+              <a:defRPr sz="2000"/>
+            </a:lvl4pPr>
+            <a:lvl5pPr>
+              <a:defRPr sz="2000"/>
+            </a:lvl5pPr>
+            <a:lvl6pPr>
+              <a:defRPr sz="2000"/>
+            </a:lvl6pPr>
+            <a:lvl7pPr>
+              <a:defRPr sz="2000"/>
+            </a:lvl7pPr>
+            <a:lvl8pPr>
+              <a:defRPr sz="2000"/>
+            </a:lvl8pPr>
+            <a:lvl9pPr>
+              <a:defRPr sz="2000"/>
+            </a:lvl9pPr>
+          </a:lstStyle>
+          <a:p>
+            <a:pPr lvl="0"/>
+            <a:r>
+              <a:rPr lang="en-US" smtClean="0"/>
+              <a:t>Click to edit Master text styles</a:t>
+            </a:r>
+          </a:p>
+          <a:p>
+            <a:pPr lvl="1"/>
+            <a:r>
+              <a:rPr lang="en-US" smtClean="0"/>
+              <a:t>Second level</a:t>
+            </a:r>
+          </a:p>
+          <a:p>
+            <a:pPr lvl="2"/>
+            <a:r>
+              <a:rPr lang="en-US" smtClean="0"/>
+              <a:t>Third level</a:t>
+            </a:r>
+          </a:p>
+          <a:p>
+            <a:pPr lvl="3"/>
+            <a:r>
+              <a:rPr lang="en-US" smtClean="0"/>
+              <a:t>Fourth level</a:t>
+            </a:r>
+          </a:p>
+          <a:p>
+            <a:pPr lvl="4"/>
+            <a:r>
+              <a:rPr lang="en-US" smtClean="0"/>
+              <a:t>Fifth level</a:t>
+            </a:r>
+            <a:endParaRPr lang="en-US" dirty="0"/>
+          </a:p>
+        </p:txBody>
+      </p:sp>
+      <p:sp>
+        <p:nvSpPr>
+          <p:cNvPr id="4" name="Text Placeholder 3"/>
+          <p:cNvSpPr>
+            <a:spLocks noGrp="1"/>
+          </p:cNvSpPr>
+          <p:nvPr>
+            <p:ph type="body" sz="half" idx="2"/>
+          </p:nvPr>
+        </p:nvSpPr>
+        <p:spPr>
+          <a:xfrm>
+            <a:off x="1828801" y="1481138"/>
+            <a:ext cx="3008313" cy="4691063"/>
+          </a:xfrm>
+        </p:spPr>
+        <p:txBody>
+          <a:bodyPr/>
+          <a:lstStyle>
+            <a:lvl1pPr marL="0" indent="0">
+              <a:buNone/>
+              <a:defRPr sz="1400"/>
+            </a:lvl1pPr>
+            <a:lvl2pPr marL="457200" indent="0">
+              <a:buNone/>
+              <a:defRPr sz="1200"/>
+            </a:lvl2pPr>
+            <a:lvl3pPr marL="914400" indent="0">
+              <a:buNone/>
+              <a:defRPr sz="1000"/>
+            </a:lvl3pPr>
+            <a:lvl4pPr marL="1371600" indent="0">
+              <a:buNone/>
+              <a:defRPr sz="900"/>
+            </a:lvl4pPr>
+            <a:lvl5pPr marL="1828800" indent="0">
+              <a:buNone/>
+              <a:defRPr sz="900"/>
+            </a:lvl5pPr>
+            <a:lvl6pPr marL="2286000" indent="0">
+              <a:buNone/>
+              <a:defRPr sz="900"/>
+            </a:lvl6pPr>
+            <a:lvl7pPr marL="2743200" indent="0">
+              <a:buNone/>
+              <a:defRPr sz="900"/>
+            </a:lvl7pPr>
+            <a:lvl8pPr marL="3200400" indent="0">
+              <a:buNone/>
+              <a:defRPr sz="900"/>
+            </a:lvl8pPr>
+            <a:lvl9pPr marL="3657600" indent="0">
+              <a:buNone/>
+              <a:defRPr sz="900"/>
+            </a:lvl9pPr>
+          </a:lstStyle>
+          <a:p>
+            <a:pPr lvl="0"/>
+            <a:r>
+              <a:rPr lang="en-US" smtClean="0"/>
+              <a:t>Click to edit Master text styles</a:t>
+            </a:r>
+          </a:p>
+        </p:txBody>
+      </p:sp>
+    </p:spTree>
+    <p:extLst>
+      <p:ext uri="{BB962C8B-B14F-4D97-AF65-F5344CB8AC3E}">
+        <p14:creationId xmlns:p14="http://schemas.microsoft.com/office/powerpoint/2010/main" val="3856995165"/>
+      </p:ext>
+    </p:extLst>
+  </p:cSld>
+  <p:clrMapOvr>
+    <a:masterClrMapping/>
+  </p:clrMapOvr>
+</p:sldLayout>
+</file>
+
+<file path=ppt/slideLayouts/slideLayout26.xml><?xml version="1.0" encoding="utf-8"?>
+<p:sldLayout xmlns:a="http://schemas.openxmlformats.org/drawingml/2006/main" xmlns:r="http://schemas.openxmlformats.org/officeDocument/2006/relationships" xmlns:p="http://schemas.openxmlformats.org/presentationml/2006/main" type="picTx" preserve="1">
+  <p:cSld name="Picture with Caption">
+    <p:spTree>
+      <p:nvGrpSpPr>
+        <p:cNvPr id="1" name=""/>
+        <p:cNvGrpSpPr/>
+        <p:nvPr/>
+      </p:nvGrpSpPr>
+      <p:grpSpPr>
+        <a:xfrm>
+          <a:off x="0" y="0"/>
+          <a:ext cx="0" cy="0"/>
+          <a:chOff x="0" y="0"/>
+          <a:chExt cx="0" cy="0"/>
+        </a:xfrm>
+      </p:grpSpPr>
+      <p:sp>
+        <p:nvSpPr>
+          <p:cNvPr id="2" name="Title 1"/>
+          <p:cNvSpPr>
+            <a:spLocks noGrp="1"/>
+          </p:cNvSpPr>
+          <p:nvPr>
+            <p:ph type="title"/>
+          </p:nvPr>
+        </p:nvSpPr>
+        <p:spPr>
+          <a:xfrm>
+            <a:off x="1792288" y="4800601"/>
+            <a:ext cx="5486400" cy="566738"/>
+          </a:xfrm>
+        </p:spPr>
+        <p:txBody>
+          <a:bodyPr anchor="b"/>
+          <a:lstStyle>
+            <a:lvl1pPr algn="l">
+              <a:defRPr sz="2000" b="1"/>
+            </a:lvl1pPr>
+          </a:lstStyle>
+          <a:p>
+            <a:r>
+              <a:rPr lang="en-US" smtClean="0"/>
+              <a:t>Click to edit Master title style</a:t>
+            </a:r>
+            <a:endParaRPr lang="en-US"/>
+          </a:p>
+        </p:txBody>
+      </p:sp>
+      <p:sp>
+        <p:nvSpPr>
+          <p:cNvPr id="3" name="Picture Placeholder 2"/>
+          <p:cNvSpPr>
+            <a:spLocks noGrp="1"/>
+          </p:cNvSpPr>
+          <p:nvPr>
+            <p:ph type="pic" idx="1"/>
+          </p:nvPr>
+        </p:nvSpPr>
+        <p:spPr>
+          <a:xfrm>
+            <a:off x="1792288" y="612776"/>
+            <a:ext cx="5486400" cy="4114800"/>
+          </a:xfrm>
+        </p:spPr>
+        <p:txBody>
+          <a:bodyPr/>
+          <a:lstStyle>
+            <a:lvl1pPr marL="0" indent="0">
+              <a:buNone/>
+              <a:defRPr sz="3200"/>
+            </a:lvl1pPr>
+            <a:lvl2pPr marL="457200" indent="0">
+              <a:buNone/>
+              <a:defRPr sz="2800"/>
+            </a:lvl2pPr>
+            <a:lvl3pPr marL="914400" indent="0">
+              <a:buNone/>
+              <a:defRPr sz="2400"/>
+            </a:lvl3pPr>
+            <a:lvl4pPr marL="1371600" indent="0">
+              <a:buNone/>
+              <a:defRPr sz="2000"/>
+            </a:lvl4pPr>
+            <a:lvl5pPr marL="1828800" indent="0">
+              <a:buNone/>
+              <a:defRPr sz="2000"/>
+            </a:lvl5pPr>
+            <a:lvl6pPr marL="2286000" indent="0">
+              <a:buNone/>
+              <a:defRPr sz="2000"/>
+            </a:lvl6pPr>
+            <a:lvl7pPr marL="2743200" indent="0">
+              <a:buNone/>
+              <a:defRPr sz="2000"/>
+            </a:lvl7pPr>
+            <a:lvl8pPr marL="3200400" indent="0">
+              <a:buNone/>
+              <a:defRPr sz="2000"/>
+            </a:lvl8pPr>
+            <a:lvl9pPr marL="3657600" indent="0">
+              <a:buNone/>
+              <a:defRPr sz="2000"/>
+            </a:lvl9pPr>
+          </a:lstStyle>
+          <a:p>
+            <a:r>
+              <a:rPr lang="en-US" smtClean="0"/>
+              <a:t>Drag picture to placeholder or click icon to add</a:t>
+            </a:r>
+            <a:endParaRPr lang="en-US"/>
+          </a:p>
+        </p:txBody>
+      </p:sp>
+      <p:sp>
+        <p:nvSpPr>
+          <p:cNvPr id="4" name="Text Placeholder 3"/>
+          <p:cNvSpPr>
+            <a:spLocks noGrp="1"/>
+          </p:cNvSpPr>
+          <p:nvPr>
+            <p:ph type="body" sz="half" idx="2"/>
+          </p:nvPr>
+        </p:nvSpPr>
+        <p:spPr>
+          <a:xfrm>
+            <a:off x="1792288" y="5367338"/>
+            <a:ext cx="5486400" cy="804863"/>
+          </a:xfrm>
+        </p:spPr>
+        <p:txBody>
+          <a:bodyPr/>
+          <a:lstStyle>
+            <a:lvl1pPr marL="0" indent="0">
+              <a:buNone/>
+              <a:defRPr sz="1400"/>
+            </a:lvl1pPr>
+            <a:lvl2pPr marL="457200" indent="0">
+              <a:buNone/>
+              <a:defRPr sz="1200"/>
+            </a:lvl2pPr>
+            <a:lvl3pPr marL="914400" indent="0">
+              <a:buNone/>
+              <a:defRPr sz="1000"/>
+            </a:lvl3pPr>
+            <a:lvl4pPr marL="1371600" indent="0">
+              <a:buNone/>
+              <a:defRPr sz="900"/>
+            </a:lvl4pPr>
+            <a:lvl5pPr marL="1828800" indent="0">
+              <a:buNone/>
+              <a:defRPr sz="900"/>
+            </a:lvl5pPr>
+            <a:lvl6pPr marL="2286000" indent="0">
+              <a:buNone/>
+              <a:defRPr sz="900"/>
+            </a:lvl6pPr>
+            <a:lvl7pPr marL="2743200" indent="0">
+              <a:buNone/>
+              <a:defRPr sz="900"/>
+            </a:lvl7pPr>
+            <a:lvl8pPr marL="3200400" indent="0">
+              <a:buNone/>
+              <a:defRPr sz="900"/>
+            </a:lvl8pPr>
+            <a:lvl9pPr marL="3657600" indent="0">
+              <a:buNone/>
+              <a:defRPr sz="900"/>
+            </a:lvl9pPr>
+          </a:lstStyle>
+          <a:p>
+            <a:pPr lvl="0"/>
+            <a:r>
+              <a:rPr lang="en-US" smtClean="0"/>
+              <a:t>Click to edit Master text styles</a:t>
+            </a:r>
+          </a:p>
+        </p:txBody>
+      </p:sp>
+    </p:spTree>
+    <p:extLst>
+      <p:ext uri="{BB962C8B-B14F-4D97-AF65-F5344CB8AC3E}">
+        <p14:creationId xmlns:p14="http://schemas.microsoft.com/office/powerpoint/2010/main" val="460837289"/>
+      </p:ext>
+    </p:extLst>
+  </p:cSld>
+  <p:clrMapOvr>
+    <a:masterClrMapping/>
+  </p:clrMapOvr>
+</p:sldLayout>
+</file>
+
+<file path=ppt/slideLayouts/slideLayout27.xml><?xml version="1.0" encoding="utf-8"?>
+<p:sldLayout xmlns:a="http://schemas.openxmlformats.org/drawingml/2006/main" xmlns:r="http://schemas.openxmlformats.org/officeDocument/2006/relationships" xmlns:p="http://schemas.openxmlformats.org/presentationml/2006/main" type="vertTx" preserve="1">
+  <p:cSld name="Title and Vertical Text">
+    <p:spTree>
+      <p:nvGrpSpPr>
+        <p:cNvPr id="1" name=""/>
+        <p:cNvGrpSpPr/>
+        <p:nvPr/>
+      </p:nvGrpSpPr>
+      <p:grpSpPr>
+        <a:xfrm>
+          <a:off x="0" y="0"/>
+          <a:ext cx="0" cy="0"/>
+          <a:chOff x="0" y="0"/>
+          <a:chExt cx="0" cy="0"/>
+        </a:xfrm>
+      </p:grpSpPr>
+      <p:sp>
+        <p:nvSpPr>
+          <p:cNvPr id="2" name="Title 1"/>
+          <p:cNvSpPr>
+            <a:spLocks noGrp="1"/>
+          </p:cNvSpPr>
+          <p:nvPr>
+            <p:ph type="title"/>
+          </p:nvPr>
+        </p:nvSpPr>
+        <p:spPr/>
+        <p:txBody>
+          <a:bodyPr/>
+          <a:lstStyle/>
+          <a:p>
+            <a:r>
+              <a:rPr lang="en-US" smtClean="0"/>
+              <a:t>Click to edit Master title style</a:t>
+            </a:r>
+            <a:endParaRPr lang="en-US"/>
+          </a:p>
+        </p:txBody>
+      </p:sp>
+      <p:sp>
+        <p:nvSpPr>
+          <p:cNvPr id="3" name="Vertical Text Placeholder 2"/>
+          <p:cNvSpPr>
+            <a:spLocks noGrp="1"/>
+          </p:cNvSpPr>
+          <p:nvPr>
+            <p:ph type="body" orient="vert" idx="1"/>
+          </p:nvPr>
+        </p:nvSpPr>
+        <p:spPr/>
+        <p:txBody>
+          <a:bodyPr vert="eaVert"/>
+          <a:lstStyle/>
+          <a:p>
+            <a:pPr lvl="0"/>
+            <a:r>
+              <a:rPr lang="en-US" smtClean="0"/>
+              <a:t>Click to edit Master text styles</a:t>
+            </a:r>
+          </a:p>
+          <a:p>
+            <a:pPr lvl="1"/>
+            <a:r>
+              <a:rPr lang="en-US" smtClean="0"/>
+              <a:t>Second level</a:t>
+            </a:r>
+          </a:p>
+          <a:p>
+            <a:pPr lvl="2"/>
+            <a:r>
+              <a:rPr lang="en-US" smtClean="0"/>
+              <a:t>Third level</a:t>
+            </a:r>
+          </a:p>
+          <a:p>
+            <a:pPr lvl="3"/>
+            <a:r>
+              <a:rPr lang="en-US" smtClean="0"/>
+              <a:t>Fourth level</a:t>
+            </a:r>
+          </a:p>
+          <a:p>
+            <a:pPr lvl="4"/>
+            <a:r>
+              <a:rPr lang="en-US" smtClean="0"/>
+              <a:t>Fifth level</a:t>
+            </a:r>
+            <a:endParaRPr lang="en-US"/>
+          </a:p>
+        </p:txBody>
+      </p:sp>
+    </p:spTree>
+    <p:extLst>
+      <p:ext uri="{BB962C8B-B14F-4D97-AF65-F5344CB8AC3E}">
+        <p14:creationId xmlns:p14="http://schemas.microsoft.com/office/powerpoint/2010/main" val="3295311903"/>
+      </p:ext>
+    </p:extLst>
+  </p:cSld>
+  <p:clrMapOvr>
+    <a:masterClrMapping/>
+  </p:clrMapOvr>
+</p:sldLayout>
+</file>
+
+<file path=ppt/slideLayouts/slideLayout28.xml><?xml version="1.0" encoding="utf-8"?>
+<p:sldLayout xmlns:a="http://schemas.openxmlformats.org/drawingml/2006/main" xmlns:r="http://schemas.openxmlformats.org/officeDocument/2006/relationships" xmlns:p="http://schemas.openxmlformats.org/presentationml/2006/main" type="vertTitleAndTx" preserve="1">
+  <p:cSld name="Vertical Title and Text">
+    <p:spTree>
+      <p:nvGrpSpPr>
+        <p:cNvPr id="1" name=""/>
+        <p:cNvGrpSpPr/>
+        <p:nvPr/>
+      </p:nvGrpSpPr>
+      <p:grpSpPr>
+        <a:xfrm>
+          <a:off x="0" y="0"/>
+          <a:ext cx="0" cy="0"/>
+          <a:chOff x="0" y="0"/>
+          <a:chExt cx="0" cy="0"/>
+        </a:xfrm>
+      </p:grpSpPr>
+      <p:sp>
+        <p:nvSpPr>
+          <p:cNvPr id="2" name="Vertical Title 1"/>
+          <p:cNvSpPr>
+            <a:spLocks noGrp="1"/>
+          </p:cNvSpPr>
+          <p:nvPr>
+            <p:ph type="title" orient="vert"/>
+          </p:nvPr>
+        </p:nvSpPr>
+        <p:spPr>
+          <a:xfrm>
+            <a:off x="6629400" y="274639"/>
+            <a:ext cx="2057400" cy="5851526"/>
+          </a:xfrm>
+        </p:spPr>
+        <p:txBody>
+          <a:bodyPr vert="eaVert"/>
+          <a:lstStyle/>
+          <a:p>
+            <a:r>
+              <a:rPr lang="en-US" smtClean="0"/>
+              <a:t>Click to edit Master title style</a:t>
+            </a:r>
+            <a:endParaRPr lang="en-US"/>
+          </a:p>
+        </p:txBody>
+      </p:sp>
+      <p:sp>
+        <p:nvSpPr>
+          <p:cNvPr id="3" name="Vertical Text Placeholder 2"/>
+          <p:cNvSpPr>
+            <a:spLocks noGrp="1"/>
+          </p:cNvSpPr>
+          <p:nvPr>
+            <p:ph type="body" orient="vert" idx="1"/>
+          </p:nvPr>
+        </p:nvSpPr>
+        <p:spPr>
+          <a:xfrm>
+            <a:off x="457200" y="274639"/>
+            <a:ext cx="6019800" cy="5851526"/>
+          </a:xfrm>
+        </p:spPr>
+        <p:txBody>
+          <a:bodyPr vert="eaVert"/>
+          <a:lstStyle/>
+          <a:p>
+            <a:pPr lvl="0"/>
+            <a:r>
+              <a:rPr lang="en-US" smtClean="0"/>
+              <a:t>Click to edit Master text styles</a:t>
+            </a:r>
+          </a:p>
+          <a:p>
+            <a:pPr lvl="1"/>
+            <a:r>
+              <a:rPr lang="en-US" smtClean="0"/>
+              <a:t>Second level</a:t>
+            </a:r>
+          </a:p>
+          <a:p>
+            <a:pPr lvl="2"/>
+            <a:r>
+              <a:rPr lang="en-US" smtClean="0"/>
+              <a:t>Third level</a:t>
+            </a:r>
+          </a:p>
+          <a:p>
+            <a:pPr lvl="3"/>
+            <a:r>
+              <a:rPr lang="en-US" smtClean="0"/>
+              <a:t>Fourth level</a:t>
+            </a:r>
+          </a:p>
+          <a:p>
+            <a:pPr lvl="4"/>
+            <a:r>
+              <a:rPr lang="en-US" smtClean="0"/>
+              <a:t>Fifth level</a:t>
+            </a:r>
+            <a:endParaRPr lang="en-US"/>
+          </a:p>
+        </p:txBody>
+      </p:sp>
+    </p:spTree>
+    <p:extLst>
+      <p:ext uri="{BB962C8B-B14F-4D97-AF65-F5344CB8AC3E}">
+        <p14:creationId xmlns:p14="http://schemas.microsoft.com/office/powerpoint/2010/main" val="3319427057"/>
+      </p:ext>
+    </p:extLst>
+  </p:cSld>
+  <p:clrMapOvr>
+    <a:masterClrMapping/>
+  </p:clrMapOvr>
+</p:sldLayout>
+</file>
+
+<file path=ppt/slideLayouts/slideLayout29.xml><?xml version="1.0" encoding="utf-8"?>
+<p:sldLayout xmlns:a="http://schemas.openxmlformats.org/drawingml/2006/main" xmlns:r="http://schemas.openxmlformats.org/officeDocument/2006/relationships" xmlns:p="http://schemas.openxmlformats.org/presentationml/2006/main" type="tx" preserve="1">
+  <p:cSld name="Title and Body">
+    <p:spTree>
+      <p:nvGrpSpPr>
+        <p:cNvPr id="1" name="Shape 10"/>
+        <p:cNvGrpSpPr/>
+        <p:nvPr/>
+      </p:nvGrpSpPr>
+      <p:grpSpPr>
+        <a:xfrm>
+          <a:off x="0" y="0"/>
+          <a:ext cx="0" cy="0"/>
+          <a:chOff x="0" y="0"/>
+          <a:chExt cx="0" cy="0"/>
+        </a:xfrm>
+      </p:grpSpPr>
+      <p:sp>
+        <p:nvSpPr>
+          <p:cNvPr id="11" name="Shape 11"/>
+          <p:cNvSpPr txBox="1">
+            <a:spLocks noGrp="1"/>
+          </p:cNvSpPr>
+          <p:nvPr>
+            <p:ph type="title"/>
+          </p:nvPr>
+        </p:nvSpPr>
+        <p:spPr>
+          <a:xfrm>
+            <a:off x="457200" y="274637"/>
+            <a:ext cx="8229600" cy="1143000"/>
+          </a:xfrm>
+          <a:prstGeom prst="rect">
+            <a:avLst/>
+          </a:prstGeom>
+        </p:spPr>
+        <p:txBody>
+          <a:bodyPr lIns="91425" tIns="91425" rIns="91425" bIns="91425" anchor="b" anchorCtr="0"/>
+          <a:lstStyle>
+            <a:lvl1pPr>
+              <a:defRPr/>
+            </a:lvl1pPr>
+            <a:lvl2pPr>
+              <a:defRPr/>
+            </a:lvl2pPr>
+            <a:lvl3pPr>
+              <a:defRPr/>
+            </a:lvl3pPr>
+            <a:lvl4pPr>
+              <a:defRPr/>
+            </a:lvl4pPr>
+            <a:lvl5pPr>
+              <a:defRPr/>
+            </a:lvl5pPr>
+            <a:lvl6pPr>
+              <a:defRPr/>
+            </a:lvl6pPr>
+            <a:lvl7pPr>
+              <a:defRPr/>
+            </a:lvl7pPr>
+            <a:lvl8pPr>
+              <a:defRPr/>
+            </a:lvl8pPr>
+            <a:lvl9pPr>
+              <a:defRPr/>
+            </a:lvl9pPr>
+          </a:lstStyle>
+          <a:p>
+            <a:endParaRPr/>
+          </a:p>
+        </p:txBody>
+      </p:sp>
+      <p:sp>
+        <p:nvSpPr>
+          <p:cNvPr id="12" name="Shape 12"/>
+          <p:cNvSpPr txBox="1">
+            <a:spLocks noGrp="1"/>
+          </p:cNvSpPr>
+          <p:nvPr>
+            <p:ph type="body" idx="1"/>
+          </p:nvPr>
+        </p:nvSpPr>
+        <p:spPr>
+          <a:xfrm>
+            <a:off x="457200" y="1600200"/>
+            <a:ext cx="8229600" cy="4967573"/>
+          </a:xfrm>
+          <a:prstGeom prst="rect">
+            <a:avLst/>
+          </a:prstGeom>
+        </p:spPr>
+        <p:txBody>
+          <a:bodyPr lIns="91425" tIns="91425" rIns="91425" bIns="91425" anchor="t" anchorCtr="0"/>
+          <a:lstStyle>
+            <a:lvl1pPr>
+              <a:defRPr/>
+            </a:lvl1pPr>
+            <a:lvl2pPr indent="457200">
+              <a:defRPr/>
+            </a:lvl2pPr>
+            <a:lvl3pPr indent="914400">
+              <a:defRPr/>
+            </a:lvl3pPr>
+            <a:lvl4pPr indent="1371600">
+              <a:defRPr/>
+            </a:lvl4pPr>
+            <a:lvl5pPr>
+              <a:defRPr/>
+            </a:lvl5pPr>
+            <a:lvl6pPr>
+              <a:defRPr/>
+            </a:lvl6pPr>
+            <a:lvl7pPr>
+              <a:defRPr/>
+            </a:lvl7pPr>
+            <a:lvl8pPr>
+              <a:defRPr/>
+            </a:lvl8pPr>
+            <a:lvl9pPr>
+              <a:defRPr/>
+            </a:lvl9pPr>
+          </a:lstStyle>
+          <a:p>
+            <a:endParaRPr/>
+          </a:p>
+        </p:txBody>
+      </p:sp>
+    </p:spTree>
+    <p:extLst>
+      <p:ext uri="{BB962C8B-B14F-4D97-AF65-F5344CB8AC3E}">
+        <p14:creationId xmlns:p14="http://schemas.microsoft.com/office/powerpoint/2010/main" val="4289182917"/>
+      </p:ext>
+    </p:extLst>
+  </p:cSld>
+  <p:clrMapOvr>
+    <a:masterClrMapping/>
+  </p:clrMapOvr>
+</p:sldLayout>
+</file>
+
 <file path=ppt/slideLayouts/slideLayout3.xml><?xml version="1.0" encoding="utf-8"?>
 <p:sldLayout xmlns:a="http://schemas.openxmlformats.org/drawingml/2006/main" xmlns:r="http://schemas.openxmlformats.org/officeDocument/2006/relationships" xmlns:p="http://schemas.openxmlformats.org/presentationml/2006/main" type="obj" preserve="1">
   <p:cSld name="Title and Content">
@@ -3839,8 +6381,16 @@
 </file>
 
 <file path=ppt/slideLayouts/slideLayout4.xml><?xml version="1.0" encoding="utf-8"?>
-<p:sldLayout xmlns:a="http://schemas.openxmlformats.org/drawingml/2006/main" xmlns:r="http://schemas.openxmlformats.org/officeDocument/2006/relationships" xmlns:p="http://schemas.openxmlformats.org/presentationml/2006/main" type="obj" preserve="1">
+<p:sldLayout xmlns:a="http://schemas.openxmlformats.org/drawingml/2006/main" xmlns:r="http://schemas.openxmlformats.org/officeDocument/2006/relationships" xmlns:p="http://schemas.openxmlformats.org/presentationml/2006/main" showMasterSp="0" type="obj" preserve="1">
   <p:cSld name="1_Title and Content">
+    <p:bg>
+      <p:bgPr>
+        <a:solidFill>
+          <a:schemeClr val="bg1"/>
+        </a:solidFill>
+        <a:effectLst/>
+      </p:bgPr>
+    </p:bg>
     <p:spTree>
       <p:nvGrpSpPr>
         <p:cNvPr id="1" name=""/>
@@ -3865,16 +6415,21 @@
             <p:ph type="title"/>
           </p:nvPr>
         </p:nvSpPr>
-        <p:spPr/>
+        <p:spPr>
+          <a:xfrm>
+            <a:off x="838200" y="228600"/>
+            <a:ext cx="7848600" cy="1143000"/>
+          </a:xfrm>
+        </p:spPr>
         <p:txBody>
           <a:bodyPr/>
           <a:lstStyle/>
           <a:p>
             <a:r>
-              <a:rPr lang="en-US" smtClean="0"/>
+              <a:rPr lang="en-US" dirty="0" smtClean="0"/>
               <a:t>Click to edit Master title style</a:t>
             </a:r>
-            <a:endParaRPr lang="en-US"/>
+            <a:endParaRPr lang="en-US" dirty="0"/>
           </a:p>
         </p:txBody>
       </p:sp>
@@ -3888,7 +6443,12 @@
             <p:ph idx="1"/>
           </p:nvPr>
         </p:nvSpPr>
-        <p:spPr/>
+        <p:spPr>
+          <a:xfrm>
+            <a:off x="838200" y="1600201"/>
+            <a:ext cx="7848600" cy="4525964"/>
+          </a:xfrm>
+        </p:spPr>
         <p:txBody>
           <a:bodyPr/>
           <a:lstStyle>
@@ -3915,35 +6475,35 @@
           <a:p>
             <a:pPr lvl="0"/>
             <a:r>
-              <a:rPr lang="en-US" smtClean="0"/>
+              <a:rPr lang="en-US" dirty="0" smtClean="0"/>
               <a:t>Click to edit Master text styles</a:t>
             </a:r>
           </a:p>
           <a:p>
             <a:pPr lvl="1"/>
             <a:r>
-              <a:rPr lang="en-US" smtClean="0"/>
+              <a:rPr lang="en-US" dirty="0" smtClean="0"/>
               <a:t>Second level</a:t>
             </a:r>
           </a:p>
           <a:p>
             <a:pPr lvl="2"/>
             <a:r>
-              <a:rPr lang="en-US" smtClean="0"/>
+              <a:rPr lang="en-US" dirty="0" smtClean="0"/>
               <a:t>Third level</a:t>
             </a:r>
           </a:p>
           <a:p>
             <a:pPr lvl="3"/>
             <a:r>
-              <a:rPr lang="en-US" smtClean="0"/>
+              <a:rPr lang="en-US" dirty="0" smtClean="0"/>
               <a:t>Fourth level</a:t>
             </a:r>
           </a:p>
           <a:p>
             <a:pPr lvl="4"/>
             <a:r>
-              <a:rPr lang="en-US" smtClean="0"/>
+              <a:rPr lang="en-US" dirty="0" smtClean="0"/>
               <a:t>Fifth level</a:t>
             </a:r>
             <a:endParaRPr lang="en-US" dirty="0"/>
@@ -5183,6 +7743,410 @@
 </p:sldMaster>
 </file>
 
+<file path=ppt/slideMasters/slideMaster2.xml><?xml version="1.0" encoding="utf-8"?>
+<p:sldMaster xmlns:a="http://schemas.openxmlformats.org/drawingml/2006/main" xmlns:r="http://schemas.openxmlformats.org/officeDocument/2006/relationships" xmlns:p="http://schemas.openxmlformats.org/presentationml/2006/main" preserve="1">
+  <p:cSld>
+    <p:bg>
+      <p:bgPr>
+        <a:blipFill dpi="0" rotWithShape="1">
+          <a:blip r:embed="rId17">
+            <a:lum/>
+          </a:blip>
+          <a:srcRect/>
+          <a:stretch>
+            <a:fillRect/>
+          </a:stretch>
+        </a:blipFill>
+        <a:effectLst/>
+      </p:bgPr>
+    </p:bg>
+    <p:spTree>
+      <p:nvGrpSpPr>
+        <p:cNvPr id="1" name=""/>
+        <p:cNvGrpSpPr/>
+        <p:nvPr/>
+      </p:nvGrpSpPr>
+      <p:grpSpPr>
+        <a:xfrm>
+          <a:off x="0" y="0"/>
+          <a:ext cx="0" cy="0"/>
+          <a:chOff x="0" y="0"/>
+          <a:chExt cx="0" cy="0"/>
+        </a:xfrm>
+      </p:grpSpPr>
+      <p:sp>
+        <p:nvSpPr>
+          <p:cNvPr id="2" name="Title Placeholder 1"/>
+          <p:cNvSpPr>
+            <a:spLocks noGrp="1"/>
+          </p:cNvSpPr>
+          <p:nvPr>
+            <p:ph type="title"/>
+          </p:nvPr>
+        </p:nvSpPr>
+        <p:spPr>
+          <a:xfrm>
+            <a:off x="2590800" y="228600"/>
+            <a:ext cx="6096000" cy="1143000"/>
+          </a:xfrm>
+          <a:prstGeom prst="rect">
+            <a:avLst/>
+          </a:prstGeom>
+        </p:spPr>
+        <p:txBody>
+          <a:bodyPr vert="horz" lIns="91440" tIns="45720" rIns="91440" bIns="45720" rtlCol="0" anchor="ctr">
+            <a:noAutofit/>
+          </a:bodyPr>
+          <a:lstStyle/>
+          <a:p>
+            <a:r>
+              <a:rPr lang="en-US" dirty="0" smtClean="0"/>
+              <a:t>Click to edit Master title style</a:t>
+            </a:r>
+            <a:endParaRPr lang="en-US" dirty="0"/>
+          </a:p>
+        </p:txBody>
+      </p:sp>
+      <p:sp>
+        <p:nvSpPr>
+          <p:cNvPr id="3" name="Text Placeholder 2"/>
+          <p:cNvSpPr>
+            <a:spLocks noGrp="1"/>
+          </p:cNvSpPr>
+          <p:nvPr>
+            <p:ph type="body" idx="1"/>
+          </p:nvPr>
+        </p:nvSpPr>
+        <p:spPr>
+          <a:xfrm>
+            <a:off x="1524000" y="1600201"/>
+            <a:ext cx="7162800" cy="4525964"/>
+          </a:xfrm>
+          <a:prstGeom prst="rect">
+            <a:avLst/>
+          </a:prstGeom>
+        </p:spPr>
+        <p:txBody>
+          <a:bodyPr vert="horz" lIns="91440" tIns="45720" rIns="91440" bIns="45720" rtlCol="0">
+            <a:normAutofit/>
+          </a:bodyPr>
+          <a:lstStyle/>
+          <a:p>
+            <a:pPr lvl="0"/>
+            <a:r>
+              <a:rPr lang="en-US" dirty="0" smtClean="0"/>
+              <a:t>Click to edit Master text styles</a:t>
+            </a:r>
+          </a:p>
+          <a:p>
+            <a:pPr lvl="1"/>
+            <a:r>
+              <a:rPr lang="en-US" dirty="0" smtClean="0"/>
+              <a:t>Second level</a:t>
+            </a:r>
+          </a:p>
+          <a:p>
+            <a:pPr lvl="2"/>
+            <a:r>
+              <a:rPr lang="en-US" dirty="0" smtClean="0"/>
+              <a:t>Third level</a:t>
+            </a:r>
+          </a:p>
+          <a:p>
+            <a:pPr lvl="3"/>
+            <a:r>
+              <a:rPr lang="en-US" dirty="0" smtClean="0"/>
+              <a:t>Fourth level</a:t>
+            </a:r>
+          </a:p>
+          <a:p>
+            <a:pPr lvl="4"/>
+            <a:r>
+              <a:rPr lang="en-US" dirty="0" smtClean="0"/>
+              <a:t>Fifth level</a:t>
+            </a:r>
+            <a:endParaRPr lang="en-US" dirty="0"/>
+          </a:p>
+        </p:txBody>
+      </p:sp>
+    </p:spTree>
+    <p:extLst>
+      <p:ext uri="{BB962C8B-B14F-4D97-AF65-F5344CB8AC3E}">
+        <p14:creationId xmlns:p14="http://schemas.microsoft.com/office/powerpoint/2010/main" val="130921516"/>
+      </p:ext>
+    </p:extLst>
+  </p:cSld>
+  <p:clrMap bg1="lt1" tx1="dk1" bg2="lt2" tx2="dk2" accent1="accent1" accent2="accent2" accent3="accent3" accent4="accent4" accent5="accent5" accent6="accent6" hlink="hlink" folHlink="folHlink"/>
+  <p:sldLayoutIdLst>
+    <p:sldLayoutId id="2147483665" r:id="rId1"/>
+    <p:sldLayoutId id="2147483666" r:id="rId2"/>
+    <p:sldLayoutId id="2147483667" r:id="rId3"/>
+    <p:sldLayoutId id="2147483668" r:id="rId4"/>
+    <p:sldLayoutId id="2147483679" r:id="rId5"/>
+    <p:sldLayoutId id="2147483669" r:id="rId6"/>
+    <p:sldLayoutId id="2147483670" r:id="rId7"/>
+    <p:sldLayoutId id="2147483671" r:id="rId8"/>
+    <p:sldLayoutId id="2147483672" r:id="rId9"/>
+    <p:sldLayoutId id="2147483673" r:id="rId10"/>
+    <p:sldLayoutId id="2147483674" r:id="rId11"/>
+    <p:sldLayoutId id="2147483675" r:id="rId12"/>
+    <p:sldLayoutId id="2147483676" r:id="rId13"/>
+    <p:sldLayoutId id="2147483677" r:id="rId14"/>
+    <p:sldLayoutId id="2147483678" r:id="rId15"/>
+  </p:sldLayoutIdLst>
+  <p:txStyles>
+    <p:titleStyle>
+      <a:lvl1pPr algn="l" defTabSz="914400" rtl="0" eaLnBrk="1" latinLnBrk="0" hangingPunct="1">
+        <a:spcBef>
+          <a:spcPct val="0"/>
+        </a:spcBef>
+        <a:buNone/>
+        <a:defRPr sz="4400" b="1" kern="1200">
+          <a:solidFill>
+            <a:sysClr val="windowText" lastClr="000000"/>
+          </a:solidFill>
+          <a:latin typeface="+mj-lt"/>
+          <a:ea typeface="+mj-ea"/>
+          <a:cs typeface="+mj-cs"/>
+        </a:defRPr>
+      </a:lvl1pPr>
+    </p:titleStyle>
+    <p:bodyStyle>
+      <a:lvl1pPr marL="342900" indent="-342900" algn="l" defTabSz="914400" rtl="0" eaLnBrk="1" latinLnBrk="0" hangingPunct="1">
+        <a:spcBef>
+          <a:spcPct val="20000"/>
+        </a:spcBef>
+        <a:buFont typeface="Arial" pitchFamily="34" charset="0"/>
+        <a:buChar char="•"/>
+        <a:defRPr sz="3200" kern="1200">
+          <a:solidFill>
+            <a:sysClr val="windowText" lastClr="000000"/>
+          </a:solidFill>
+          <a:latin typeface="+mn-lt"/>
+          <a:ea typeface="+mn-ea"/>
+          <a:cs typeface="+mn-cs"/>
+        </a:defRPr>
+      </a:lvl1pPr>
+      <a:lvl2pPr marL="742950" indent="-285750" algn="l" defTabSz="914400" rtl="0" eaLnBrk="1" latinLnBrk="0" hangingPunct="1">
+        <a:spcBef>
+          <a:spcPct val="20000"/>
+        </a:spcBef>
+        <a:buFont typeface="Arial" pitchFamily="34" charset="0"/>
+        <a:buChar char="–"/>
+        <a:defRPr sz="2800" kern="1200">
+          <a:solidFill>
+            <a:sysClr val="windowText" lastClr="000000"/>
+          </a:solidFill>
+          <a:latin typeface="+mn-lt"/>
+          <a:ea typeface="+mn-ea"/>
+          <a:cs typeface="+mn-cs"/>
+        </a:defRPr>
+      </a:lvl2pPr>
+      <a:lvl3pPr marL="1143000" indent="-228600" algn="l" defTabSz="914400" rtl="0" eaLnBrk="1" latinLnBrk="0" hangingPunct="1">
+        <a:spcBef>
+          <a:spcPct val="20000"/>
+        </a:spcBef>
+        <a:buFont typeface="Arial" pitchFamily="34" charset="0"/>
+        <a:buChar char="•"/>
+        <a:defRPr sz="2000" kern="1200">
+          <a:solidFill>
+            <a:sysClr val="windowText" lastClr="000000"/>
+          </a:solidFill>
+          <a:latin typeface="+mn-lt"/>
+          <a:ea typeface="+mn-ea"/>
+          <a:cs typeface="+mn-cs"/>
+        </a:defRPr>
+      </a:lvl3pPr>
+      <a:lvl4pPr marL="1600200" indent="-228600" algn="l" defTabSz="914400" rtl="0" eaLnBrk="1" latinLnBrk="0" hangingPunct="1">
+        <a:spcBef>
+          <a:spcPct val="20000"/>
+        </a:spcBef>
+        <a:buFont typeface="Arial" pitchFamily="34" charset="0"/>
+        <a:buChar char="–"/>
+        <a:defRPr sz="1800" kern="1200">
+          <a:solidFill>
+            <a:sysClr val="windowText" lastClr="000000"/>
+          </a:solidFill>
+          <a:latin typeface="+mn-lt"/>
+          <a:ea typeface="+mn-ea"/>
+          <a:cs typeface="+mn-cs"/>
+        </a:defRPr>
+      </a:lvl4pPr>
+      <a:lvl5pPr marL="2057400" indent="-228600" algn="l" defTabSz="914400" rtl="0" eaLnBrk="1" latinLnBrk="0" hangingPunct="1">
+        <a:spcBef>
+          <a:spcPct val="20000"/>
+        </a:spcBef>
+        <a:buFont typeface="Arial" pitchFamily="34" charset="0"/>
+        <a:buChar char="»"/>
+        <a:defRPr sz="1400" kern="1200">
+          <a:solidFill>
+            <a:sysClr val="windowText" lastClr="000000"/>
+          </a:solidFill>
+          <a:latin typeface="+mn-lt"/>
+          <a:ea typeface="+mn-ea"/>
+          <a:cs typeface="+mn-cs"/>
+        </a:defRPr>
+      </a:lvl5pPr>
+      <a:lvl6pPr marL="2514600" indent="-228600" algn="l" defTabSz="914400" rtl="0" eaLnBrk="1" latinLnBrk="0" hangingPunct="1">
+        <a:spcBef>
+          <a:spcPct val="20000"/>
+        </a:spcBef>
+        <a:buFont typeface="Arial" pitchFamily="34" charset="0"/>
+        <a:buChar char="•"/>
+        <a:defRPr sz="2000" kern="1200">
+          <a:solidFill>
+            <a:schemeClr val="tx1"/>
+          </a:solidFill>
+          <a:latin typeface="+mn-lt"/>
+          <a:ea typeface="+mn-ea"/>
+          <a:cs typeface="+mn-cs"/>
+        </a:defRPr>
+      </a:lvl6pPr>
+      <a:lvl7pPr marL="2971800" indent="-228600" algn="l" defTabSz="914400" rtl="0" eaLnBrk="1" latinLnBrk="0" hangingPunct="1">
+        <a:spcBef>
+          <a:spcPct val="20000"/>
+        </a:spcBef>
+        <a:buFont typeface="Arial" pitchFamily="34" charset="0"/>
+        <a:buChar char="•"/>
+        <a:defRPr sz="2000" kern="1200">
+          <a:solidFill>
+            <a:schemeClr val="tx1"/>
+          </a:solidFill>
+          <a:latin typeface="+mn-lt"/>
+          <a:ea typeface="+mn-ea"/>
+          <a:cs typeface="+mn-cs"/>
+        </a:defRPr>
+      </a:lvl7pPr>
+      <a:lvl8pPr marL="3429000" indent="-228600" algn="l" defTabSz="914400" rtl="0" eaLnBrk="1" latinLnBrk="0" hangingPunct="1">
+        <a:spcBef>
+          <a:spcPct val="20000"/>
+        </a:spcBef>
+        <a:buFont typeface="Arial" pitchFamily="34" charset="0"/>
+        <a:buChar char="•"/>
+        <a:defRPr sz="2000" kern="1200">
+          <a:solidFill>
+            <a:schemeClr val="tx1"/>
+          </a:solidFill>
+          <a:latin typeface="+mn-lt"/>
+          <a:ea typeface="+mn-ea"/>
+          <a:cs typeface="+mn-cs"/>
+        </a:defRPr>
+      </a:lvl8pPr>
+      <a:lvl9pPr marL="3886200" indent="-228600" algn="l" defTabSz="914400" rtl="0" eaLnBrk="1" latinLnBrk="0" hangingPunct="1">
+        <a:spcBef>
+          <a:spcPct val="20000"/>
+        </a:spcBef>
+        <a:buFont typeface="Arial" pitchFamily="34" charset="0"/>
+        <a:buChar char="•"/>
+        <a:defRPr sz="2000" kern="1200">
+          <a:solidFill>
+            <a:schemeClr val="tx1"/>
+          </a:solidFill>
+          <a:latin typeface="+mn-lt"/>
+          <a:ea typeface="+mn-ea"/>
+          <a:cs typeface="+mn-cs"/>
+        </a:defRPr>
+      </a:lvl9pPr>
+    </p:bodyStyle>
+    <p:otherStyle>
+      <a:defPPr>
+        <a:defRPr lang="en-US"/>
+      </a:defPPr>
+      <a:lvl1pPr marL="0" algn="l" defTabSz="914400" rtl="0" eaLnBrk="1" latinLnBrk="0" hangingPunct="1">
+        <a:defRPr sz="1800" kern="1200">
+          <a:solidFill>
+            <a:schemeClr val="tx1"/>
+          </a:solidFill>
+          <a:latin typeface="+mn-lt"/>
+          <a:ea typeface="+mn-ea"/>
+          <a:cs typeface="+mn-cs"/>
+        </a:defRPr>
+      </a:lvl1pPr>
+      <a:lvl2pPr marL="457200" algn="l" defTabSz="914400" rtl="0" eaLnBrk="1" latinLnBrk="0" hangingPunct="1">
+        <a:defRPr sz="1800" kern="1200">
+          <a:solidFill>
+            <a:schemeClr val="tx1"/>
+          </a:solidFill>
+          <a:latin typeface="+mn-lt"/>
+          <a:ea typeface="+mn-ea"/>
+          <a:cs typeface="+mn-cs"/>
+        </a:defRPr>
+      </a:lvl2pPr>
+      <a:lvl3pPr marL="914400" algn="l" defTabSz="914400" rtl="0" eaLnBrk="1" latinLnBrk="0" hangingPunct="1">
+        <a:defRPr sz="1800" kern="1200">
+          <a:solidFill>
+            <a:schemeClr val="tx1"/>
+          </a:solidFill>
+          <a:latin typeface="+mn-lt"/>
+          <a:ea typeface="+mn-ea"/>
+          <a:cs typeface="+mn-cs"/>
+        </a:defRPr>
+      </a:lvl3pPr>
+      <a:lvl4pPr marL="1371600" algn="l" defTabSz="914400" rtl="0" eaLnBrk="1" latinLnBrk="0" hangingPunct="1">
+        <a:defRPr sz="1800" kern="1200">
+          <a:solidFill>
+            <a:schemeClr val="tx1"/>
+          </a:solidFill>
+          <a:latin typeface="+mn-lt"/>
+          <a:ea typeface="+mn-ea"/>
+          <a:cs typeface="+mn-cs"/>
+        </a:defRPr>
+      </a:lvl4pPr>
+      <a:lvl5pPr marL="1828800" algn="l" defTabSz="914400" rtl="0" eaLnBrk="1" latinLnBrk="0" hangingPunct="1">
+        <a:defRPr sz="1800" kern="1200">
+          <a:solidFill>
+            <a:schemeClr val="tx1"/>
+          </a:solidFill>
+          <a:latin typeface="+mn-lt"/>
+          <a:ea typeface="+mn-ea"/>
+          <a:cs typeface="+mn-cs"/>
+        </a:defRPr>
+      </a:lvl5pPr>
+      <a:lvl6pPr marL="2286000" algn="l" defTabSz="914400" rtl="0" eaLnBrk="1" latinLnBrk="0" hangingPunct="1">
+        <a:defRPr sz="1800" kern="1200">
+          <a:solidFill>
+            <a:schemeClr val="tx1"/>
+          </a:solidFill>
+          <a:latin typeface="+mn-lt"/>
+          <a:ea typeface="+mn-ea"/>
+          <a:cs typeface="+mn-cs"/>
+        </a:defRPr>
+      </a:lvl6pPr>
+      <a:lvl7pPr marL="2743200" algn="l" defTabSz="914400" rtl="0" eaLnBrk="1" latinLnBrk="0" hangingPunct="1">
+        <a:defRPr sz="1800" kern="1200">
+          <a:solidFill>
+            <a:schemeClr val="tx1"/>
+          </a:solidFill>
+          <a:latin typeface="+mn-lt"/>
+          <a:ea typeface="+mn-ea"/>
+          <a:cs typeface="+mn-cs"/>
+        </a:defRPr>
+      </a:lvl7pPr>
+      <a:lvl8pPr marL="3200400" algn="l" defTabSz="914400" rtl="0" eaLnBrk="1" latinLnBrk="0" hangingPunct="1">
+        <a:defRPr sz="1800" kern="1200">
+          <a:solidFill>
+            <a:schemeClr val="tx1"/>
+          </a:solidFill>
+          <a:latin typeface="+mn-lt"/>
+          <a:ea typeface="+mn-ea"/>
+          <a:cs typeface="+mn-cs"/>
+        </a:defRPr>
+      </a:lvl8pPr>
+      <a:lvl9pPr marL="3657600" algn="l" defTabSz="914400" rtl="0" eaLnBrk="1" latinLnBrk="0" hangingPunct="1">
+        <a:defRPr sz="1800" kern="1200">
+          <a:solidFill>
+            <a:schemeClr val="tx1"/>
+          </a:solidFill>
+          <a:latin typeface="+mn-lt"/>
+          <a:ea typeface="+mn-ea"/>
+          <a:cs typeface="+mn-cs"/>
+        </a:defRPr>
+      </a:lvl9pPr>
+    </p:otherStyle>
+  </p:txStyles>
+</p:sldMaster>
+</file>
+
 <file path=ppt/slides/slide1.xml><?xml version="1.0" encoding="utf-8"?>
 <p:sld xmlns:a="http://schemas.openxmlformats.org/drawingml/2006/main" xmlns:r="http://schemas.openxmlformats.org/officeDocument/2006/relationships" xmlns:p="http://schemas.openxmlformats.org/presentationml/2006/main">
   <p:cSld>
@@ -5307,7 +8271,7 @@
   <p:cSld>
     <p:spTree>
       <p:nvGrpSpPr>
-        <p:cNvPr id="1" name="Shape 76"/>
+        <p:cNvPr id="1" name="Shape 58"/>
         <p:cNvGrpSpPr/>
         <p:nvPr/>
       </p:nvGrpSpPr>
@@ -5321,7 +8285,7 @@
       </p:grpSpPr>
       <p:sp>
         <p:nvSpPr>
-          <p:cNvPr id="77" name="Shape 77"/>
+          <p:cNvPr id="59" name="Shape 59"/>
           <p:cNvSpPr txBox="1">
             <a:spLocks noGrp="1"/>
           </p:cNvSpPr>
@@ -5331,7 +8295,7 @@
         </p:nvSpPr>
         <p:spPr>
           <a:xfrm>
-            <a:off x="457200" y="274637"/>
+            <a:off x="2057400" y="228600"/>
             <a:ext cx="8229600" cy="1143200"/>
           </a:xfrm>
           <a:prstGeom prst="rect">
@@ -5348,15 +8312,15 @@
               <a:buNone/>
             </a:pPr>
             <a:r>
-              <a:rPr lang="en"/>
-              <a:t>Print Hello WSO2 Coffee Shop</a:t>
-            </a:r>
-          </a:p>
-        </p:txBody>
-      </p:sp>
-      <p:sp>
-        <p:nvSpPr>
-          <p:cNvPr id="78" name="Shape 78"/>
+              <a:rPr lang="en" dirty="0"/>
+              <a:t>Introduction to Jaggery</a:t>
+            </a:r>
+          </a:p>
+        </p:txBody>
+      </p:sp>
+      <p:sp>
+        <p:nvSpPr>
+          <p:cNvPr id="60" name="Shape 60"/>
           <p:cNvSpPr txBox="1">
             <a:spLocks noGrp="1"/>
           </p:cNvSpPr>
@@ -5366,8 +8330,8 @@
         </p:nvSpPr>
         <p:spPr>
           <a:xfrm>
-            <a:off x="457200" y="1600201"/>
-            <a:ext cx="8229600" cy="4967599"/>
+            <a:off x="1143000" y="1600201"/>
+            <a:ext cx="7543800" cy="4967599"/>
           </a:xfrm>
           <a:prstGeom prst="rect">
             <a:avLst/>
@@ -5379,14 +8343,36 @@
           </a:bodyPr>
           <a:lstStyle/>
           <a:p>
-            <a:endParaRPr/>
+            <a:r>
+              <a:rPr lang="en-US" dirty="0" smtClean="0"/>
+              <a:t>Like JSP/ PHP, but user writes code in java script </a:t>
+            </a:r>
+          </a:p>
+          <a:p>
+            <a:r>
+              <a:rPr lang="en-US" dirty="0" smtClean="0"/>
+              <a:t>Runs as a Web app (e.g. tomcat)</a:t>
+            </a:r>
+          </a:p>
+          <a:p>
+            <a:r>
+              <a:rPr lang="en-US" dirty="0" smtClean="0"/>
+              <a:t>Runs on top of Java </a:t>
+            </a:r>
+          </a:p>
+          <a:p>
+            <a:r>
+              <a:rPr lang="en-US" dirty="0" smtClean="0"/>
+              <a:t>Provides very close integration with WSO2 Products (e.g. Users, Web service calls, access registry, access OSGI calls etc.  )</a:t>
+            </a:r>
+            <a:endParaRPr dirty="0"/>
           </a:p>
         </p:txBody>
       </p:sp>
     </p:spTree>
     <p:extLst>
       <p:ext uri="{BB962C8B-B14F-4D97-AF65-F5344CB8AC3E}">
-        <p14:creationId xmlns:p14="http://schemas.microsoft.com/office/powerpoint/2010/main" val="4053586533"/>
+        <p14:creationId xmlns:p14="http://schemas.microsoft.com/office/powerpoint/2010/main" val="644319812"/>
       </p:ext>
     </p:extLst>
   </p:cSld>
@@ -5404,7 +8390,7 @@
   <p:cSld>
     <p:spTree>
       <p:nvGrpSpPr>
-        <p:cNvPr id="1" name="Shape 82"/>
+        <p:cNvPr id="1" name="Shape 70"/>
         <p:cNvGrpSpPr/>
         <p:nvPr/>
       </p:nvGrpSpPr>
@@ -5418,7 +8404,7 @@
       </p:grpSpPr>
       <p:sp>
         <p:nvSpPr>
-          <p:cNvPr id="83" name="Shape 83"/>
+          <p:cNvPr id="71" name="Shape 71"/>
           <p:cNvSpPr txBox="1">
             <a:spLocks noGrp="1"/>
           </p:cNvSpPr>
@@ -5428,8 +8414,8 @@
         </p:nvSpPr>
         <p:spPr>
           <a:xfrm>
-            <a:off x="457200" y="274637"/>
-            <a:ext cx="8229600" cy="1143200"/>
+            <a:off x="1981200" y="274637"/>
+            <a:ext cx="6705600" cy="1143200"/>
           </a:xfrm>
           <a:prstGeom prst="rect">
             <a:avLst/>
@@ -5445,15 +8431,15 @@
               <a:buNone/>
             </a:pPr>
             <a:r>
-              <a:rPr lang="en"/>
-              <a:t>Login Page with DB access </a:t>
-            </a:r>
-          </a:p>
-        </p:txBody>
-      </p:sp>
-      <p:sp>
-        <p:nvSpPr>
-          <p:cNvPr id="84" name="Shape 84"/>
+              <a:rPr lang="en" dirty="0"/>
+              <a:t>Install Jaggery</a:t>
+            </a:r>
+          </a:p>
+        </p:txBody>
+      </p:sp>
+      <p:sp>
+        <p:nvSpPr>
+          <p:cNvPr id="72" name="Shape 72"/>
           <p:cNvSpPr txBox="1">
             <a:spLocks noGrp="1"/>
           </p:cNvSpPr>
@@ -5483,7 +8469,7 @@
     </p:spTree>
     <p:extLst>
       <p:ext uri="{BB962C8B-B14F-4D97-AF65-F5344CB8AC3E}">
-        <p14:creationId xmlns:p14="http://schemas.microsoft.com/office/powerpoint/2010/main" val="1211285586"/>
+        <p14:creationId xmlns:p14="http://schemas.microsoft.com/office/powerpoint/2010/main" val="60006801"/>
       </p:ext>
     </p:extLst>
   </p:cSld>
@@ -5501,7 +8487,7 @@
   <p:cSld>
     <p:spTree>
       <p:nvGrpSpPr>
-        <p:cNvPr id="1" name="Shape 88"/>
+        <p:cNvPr id="1" name="Shape 76"/>
         <p:cNvGrpSpPr/>
         <p:nvPr/>
       </p:nvGrpSpPr>
@@ -5515,7 +8501,7 @@
       </p:grpSpPr>
       <p:sp>
         <p:nvSpPr>
-          <p:cNvPr id="89" name="Shape 89"/>
+          <p:cNvPr id="77" name="Shape 77"/>
           <p:cNvSpPr txBox="1">
             <a:spLocks noGrp="1"/>
           </p:cNvSpPr>
@@ -5525,8 +8511,8 @@
         </p:nvSpPr>
         <p:spPr>
           <a:xfrm>
-            <a:off x="457200" y="274637"/>
-            <a:ext cx="8229600" cy="1143200"/>
+            <a:off x="2057400" y="274637"/>
+            <a:ext cx="6629400" cy="1143200"/>
           </a:xfrm>
           <a:prstGeom prst="rect">
             <a:avLst/>
@@ -5542,15 +8528,15 @@
               <a:buNone/>
             </a:pPr>
             <a:r>
-              <a:rPr lang="en"/>
-              <a:t>Database call</a:t>
-            </a:r>
-          </a:p>
-        </p:txBody>
-      </p:sp>
-      <p:sp>
-        <p:nvSpPr>
-          <p:cNvPr id="90" name="Shape 90"/>
+              <a:rPr lang="en" dirty="0"/>
+              <a:t>Print Hello WSO2 Coffee Shop</a:t>
+            </a:r>
+          </a:p>
+        </p:txBody>
+      </p:sp>
+      <p:sp>
+        <p:nvSpPr>
+          <p:cNvPr id="78" name="Shape 78"/>
           <p:cNvSpPr txBox="1">
             <a:spLocks noGrp="1"/>
           </p:cNvSpPr>
@@ -5580,7 +8566,7 @@
     </p:spTree>
     <p:extLst>
       <p:ext uri="{BB962C8B-B14F-4D97-AF65-F5344CB8AC3E}">
-        <p14:creationId xmlns:p14="http://schemas.microsoft.com/office/powerpoint/2010/main" val="83050847"/>
+        <p14:creationId xmlns:p14="http://schemas.microsoft.com/office/powerpoint/2010/main" val="4053586533"/>
       </p:ext>
     </p:extLst>
   </p:cSld>
@@ -5598,7 +8584,7 @@
   <p:cSld>
     <p:spTree>
       <p:nvGrpSpPr>
-        <p:cNvPr id="1" name="Shape 94"/>
+        <p:cNvPr id="1" name="Shape 82"/>
         <p:cNvGrpSpPr/>
         <p:nvPr/>
       </p:nvGrpSpPr>
@@ -5612,7 +8598,7 @@
       </p:grpSpPr>
       <p:sp>
         <p:nvSpPr>
-          <p:cNvPr id="95" name="Shape 95"/>
+          <p:cNvPr id="83" name="Shape 83"/>
           <p:cNvSpPr txBox="1">
             <a:spLocks noGrp="1"/>
           </p:cNvSpPr>
@@ -5622,7 +8608,7 @@
         </p:nvSpPr>
         <p:spPr>
           <a:xfrm>
-            <a:off x="457200" y="274637"/>
+            <a:off x="1828800" y="228600"/>
             <a:ext cx="8229600" cy="1143200"/>
           </a:xfrm>
           <a:prstGeom prst="rect">
@@ -5639,15 +8625,15 @@
               <a:buNone/>
             </a:pPr>
             <a:r>
-              <a:rPr lang="en"/>
-              <a:t>Show user’s name on the side</a:t>
-            </a:r>
-          </a:p>
-        </p:txBody>
-      </p:sp>
-      <p:sp>
-        <p:nvSpPr>
-          <p:cNvPr id="96" name="Shape 96"/>
+              <a:rPr lang="en" dirty="0"/>
+              <a:t>Login Page with DB access </a:t>
+            </a:r>
+          </a:p>
+        </p:txBody>
+      </p:sp>
+      <p:sp>
+        <p:nvSpPr>
+          <p:cNvPr id="84" name="Shape 84"/>
           <p:cNvSpPr txBox="1">
             <a:spLocks noGrp="1"/>
           </p:cNvSpPr>
@@ -5670,20 +8656,14 @@
           </a:bodyPr>
           <a:lstStyle/>
           <a:p>
-            <a:pPr>
-              <a:buNone/>
-            </a:pPr>
-            <a:r>
-              <a:rPr lang="en"/>
-              <a:t>using sessions </a:t>
-            </a:r>
+            <a:endParaRPr/>
           </a:p>
         </p:txBody>
       </p:sp>
     </p:spTree>
     <p:extLst>
       <p:ext uri="{BB962C8B-B14F-4D97-AF65-F5344CB8AC3E}">
-        <p14:creationId xmlns:p14="http://schemas.microsoft.com/office/powerpoint/2010/main" val="4224832559"/>
+        <p14:creationId xmlns:p14="http://schemas.microsoft.com/office/powerpoint/2010/main" val="1211285586"/>
       </p:ext>
     </p:extLst>
   </p:cSld>
@@ -5701,7 +8681,7 @@
   <p:cSld>
     <p:spTree>
       <p:nvGrpSpPr>
-        <p:cNvPr id="1" name="Shape 100"/>
+        <p:cNvPr id="1" name="Shape 88"/>
         <p:cNvGrpSpPr/>
         <p:nvPr/>
       </p:nvGrpSpPr>
@@ -5715,7 +8695,7 @@
       </p:grpSpPr>
       <p:sp>
         <p:nvSpPr>
-          <p:cNvPr id="101" name="Shape 101"/>
+          <p:cNvPr id="89" name="Shape 89"/>
           <p:cNvSpPr txBox="1">
             <a:spLocks noGrp="1"/>
           </p:cNvSpPr>
@@ -5725,8 +8705,8 @@
         </p:nvSpPr>
         <p:spPr>
           <a:xfrm>
-            <a:off x="457200" y="274637"/>
-            <a:ext cx="8229600" cy="1143200"/>
+            <a:off x="1905000" y="274637"/>
+            <a:ext cx="6781800" cy="1143200"/>
           </a:xfrm>
           <a:prstGeom prst="rect">
             <a:avLst/>
@@ -5742,15 +8722,15 @@
               <a:buNone/>
             </a:pPr>
             <a:r>
-              <a:rPr lang="en"/>
-              <a:t>Write Coffe Order Service</a:t>
-            </a:r>
-          </a:p>
-        </p:txBody>
-      </p:sp>
-      <p:sp>
-        <p:nvSpPr>
-          <p:cNvPr id="102" name="Shape 102"/>
+              <a:rPr lang="en" dirty="0"/>
+              <a:t>Database call</a:t>
+            </a:r>
+          </a:p>
+        </p:txBody>
+      </p:sp>
+      <p:sp>
+        <p:nvSpPr>
+          <p:cNvPr id="90" name="Shape 90"/>
           <p:cNvSpPr txBox="1">
             <a:spLocks noGrp="1"/>
           </p:cNvSpPr>
@@ -5773,20 +8753,14 @@
           </a:bodyPr>
           <a:lstStyle/>
           <a:p>
-            <a:pPr>
-              <a:buNone/>
-            </a:pPr>
-            <a:r>
-              <a:rPr lang="en"/>
-              <a:t>how to write a rest service </a:t>
-            </a:r>
+            <a:endParaRPr/>
           </a:p>
         </p:txBody>
       </p:sp>
     </p:spTree>
     <p:extLst>
       <p:ext uri="{BB962C8B-B14F-4D97-AF65-F5344CB8AC3E}">
-        <p14:creationId xmlns:p14="http://schemas.microsoft.com/office/powerpoint/2010/main" val="169552773"/>
+        <p14:creationId xmlns:p14="http://schemas.microsoft.com/office/powerpoint/2010/main" val="83050847"/>
       </p:ext>
     </p:extLst>
   </p:cSld>
@@ -5804,7 +8778,7 @@
   <p:cSld>
     <p:spTree>
       <p:nvGrpSpPr>
-        <p:cNvPr id="1" name="Shape 106"/>
+        <p:cNvPr id="1" name="Shape 94"/>
         <p:cNvGrpSpPr/>
         <p:nvPr/>
       </p:nvGrpSpPr>
@@ -5818,7 +8792,7 @@
       </p:grpSpPr>
       <p:sp>
         <p:nvSpPr>
-          <p:cNvPr id="107" name="Shape 107"/>
+          <p:cNvPr id="95" name="Shape 95"/>
           <p:cNvSpPr txBox="1">
             <a:spLocks noGrp="1"/>
           </p:cNvSpPr>
@@ -5828,8 +8802,8 @@
         </p:nvSpPr>
         <p:spPr>
           <a:xfrm>
-            <a:off x="457200" y="274637"/>
-            <a:ext cx="8229600" cy="1143200"/>
+            <a:off x="1828800" y="274637"/>
+            <a:ext cx="6858000" cy="1143200"/>
           </a:xfrm>
           <a:prstGeom prst="rect">
             <a:avLst/>
@@ -5841,19 +8815,19 @@
           </a:bodyPr>
           <a:lstStyle/>
           <a:p>
-            <a:pPr>
+            <a:pPr algn="ctr">
               <a:buNone/>
             </a:pPr>
             <a:r>
-              <a:rPr lang="en"/>
-              <a:t>Call Coffe Order Service</a:t>
-            </a:r>
-          </a:p>
-        </p:txBody>
-      </p:sp>
-      <p:sp>
-        <p:nvSpPr>
-          <p:cNvPr id="108" name="Shape 108"/>
+              <a:rPr lang="en" dirty="0"/>
+              <a:t>Show user’s name on the side</a:t>
+            </a:r>
+          </a:p>
+        </p:txBody>
+      </p:sp>
+      <p:sp>
+        <p:nvSpPr>
+          <p:cNvPr id="96" name="Shape 96"/>
           <p:cNvSpPr txBox="1">
             <a:spLocks noGrp="1"/>
           </p:cNvSpPr>
@@ -5863,8 +8837,8 @@
         </p:nvSpPr>
         <p:spPr>
           <a:xfrm>
-            <a:off x="457200" y="1600201"/>
-            <a:ext cx="8229600" cy="4967599"/>
+            <a:off x="1371600" y="1600201"/>
+            <a:ext cx="7315200" cy="4967599"/>
           </a:xfrm>
           <a:prstGeom prst="rect">
             <a:avLst/>
@@ -5880,8 +8854,8 @@
               <a:buNone/>
             </a:pPr>
             <a:r>
-              <a:rPr lang="en"/>
-              <a:t>calling a rest service </a:t>
+              <a:rPr lang="en" dirty="0"/>
+              <a:t>using sessions </a:t>
             </a:r>
           </a:p>
         </p:txBody>
@@ -5889,7 +8863,7 @@
     </p:spTree>
     <p:extLst>
       <p:ext uri="{BB962C8B-B14F-4D97-AF65-F5344CB8AC3E}">
-        <p14:creationId xmlns:p14="http://schemas.microsoft.com/office/powerpoint/2010/main" val="1195289953"/>
+        <p14:creationId xmlns:p14="http://schemas.microsoft.com/office/powerpoint/2010/main" val="4224832559"/>
       </p:ext>
     </p:extLst>
   </p:cSld>
@@ -5907,7 +8881,7 @@
   <p:cSld>
     <p:spTree>
       <p:nvGrpSpPr>
-        <p:cNvPr id="1" name="Shape 112"/>
+        <p:cNvPr id="1" name="Shape 100"/>
         <p:cNvGrpSpPr/>
         <p:nvPr/>
       </p:nvGrpSpPr>
@@ -5921,7 +8895,7 @@
       </p:grpSpPr>
       <p:sp>
         <p:nvSpPr>
-          <p:cNvPr id="113" name="Shape 113"/>
+          <p:cNvPr id="101" name="Shape 101"/>
           <p:cNvSpPr txBox="1">
             <a:spLocks noGrp="1"/>
           </p:cNvSpPr>
@@ -5949,14 +8923,14 @@
             </a:pPr>
             <a:r>
               <a:rPr lang="en"/>
-              <a:t>Pay calling a SOAP Service </a:t>
-            </a:r>
-          </a:p>
-        </p:txBody>
-      </p:sp>
-      <p:sp>
-        <p:nvSpPr>
-          <p:cNvPr id="114" name="Shape 114"/>
+              <a:t>Write Coffe Order Service</a:t>
+            </a:r>
+          </a:p>
+        </p:txBody>
+      </p:sp>
+      <p:sp>
+        <p:nvSpPr>
+          <p:cNvPr id="102" name="Shape 102"/>
           <p:cNvSpPr txBox="1">
             <a:spLocks noGrp="1"/>
           </p:cNvSpPr>
@@ -5979,14 +8953,20 @@
           </a:bodyPr>
           <a:lstStyle/>
           <a:p>
-            <a:endParaRPr/>
+            <a:pPr>
+              <a:buNone/>
+            </a:pPr>
+            <a:r>
+              <a:rPr lang="en"/>
+              <a:t>how to write a rest service </a:t>
+            </a:r>
           </a:p>
         </p:txBody>
       </p:sp>
     </p:spTree>
     <p:extLst>
       <p:ext uri="{BB962C8B-B14F-4D97-AF65-F5344CB8AC3E}">
-        <p14:creationId xmlns:p14="http://schemas.microsoft.com/office/powerpoint/2010/main" val="3351155000"/>
+        <p14:creationId xmlns:p14="http://schemas.microsoft.com/office/powerpoint/2010/main" val="169552773"/>
       </p:ext>
     </p:extLst>
   </p:cSld>
@@ -6004,7 +8984,7 @@
   <p:cSld>
     <p:spTree>
       <p:nvGrpSpPr>
-        <p:cNvPr id="1" name="Shape 118"/>
+        <p:cNvPr id="1" name="Shape 106"/>
         <p:cNvGrpSpPr/>
         <p:nvPr/>
       </p:nvGrpSpPr>
@@ -6018,7 +8998,7 @@
       </p:grpSpPr>
       <p:sp>
         <p:nvSpPr>
-          <p:cNvPr id="119" name="Shape 119"/>
+          <p:cNvPr id="107" name="Shape 107"/>
           <p:cNvSpPr txBox="1">
             <a:spLocks noGrp="1"/>
           </p:cNvSpPr>
@@ -6046,14 +9026,14 @@
             </a:pPr>
             <a:r>
               <a:rPr lang="en"/>
-              <a:t>Collect Coffee Stats</a:t>
-            </a:r>
-          </a:p>
-        </p:txBody>
-      </p:sp>
-      <p:sp>
-        <p:nvSpPr>
-          <p:cNvPr id="120" name="Shape 120"/>
+              <a:t>Call Coffe Order Service</a:t>
+            </a:r>
+          </a:p>
+        </p:txBody>
+      </p:sp>
+      <p:sp>
+        <p:nvSpPr>
+          <p:cNvPr id="108" name="Shape 108"/>
           <p:cNvSpPr txBox="1">
             <a:spLocks noGrp="1"/>
           </p:cNvSpPr>
@@ -6081,7 +9061,7 @@
             </a:pPr>
             <a:r>
               <a:rPr lang="en"/>
-              <a:t>using init  </a:t>
+              <a:t>calling a rest service </a:t>
             </a:r>
           </a:p>
         </p:txBody>
@@ -6089,7 +9069,7 @@
     </p:spTree>
     <p:extLst>
       <p:ext uri="{BB962C8B-B14F-4D97-AF65-F5344CB8AC3E}">
-        <p14:creationId xmlns:p14="http://schemas.microsoft.com/office/powerpoint/2010/main" val="3415753512"/>
+        <p14:creationId xmlns:p14="http://schemas.microsoft.com/office/powerpoint/2010/main" val="1195289953"/>
       </p:ext>
     </p:extLst>
   </p:cSld>
@@ -6107,7 +9087,7 @@
   <p:cSld>
     <p:spTree>
       <p:nvGrpSpPr>
-        <p:cNvPr id="1" name="Shape 124"/>
+        <p:cNvPr id="1" name="Shape 112"/>
         <p:cNvGrpSpPr/>
         <p:nvPr/>
       </p:nvGrpSpPr>
@@ -6121,7 +9101,7 @@
       </p:grpSpPr>
       <p:sp>
         <p:nvSpPr>
-          <p:cNvPr id="125" name="Shape 125"/>
+          <p:cNvPr id="113" name="Shape 113"/>
           <p:cNvSpPr txBox="1">
             <a:spLocks noGrp="1"/>
           </p:cNvSpPr>
@@ -6149,14 +9129,14 @@
             </a:pPr>
             <a:r>
               <a:rPr lang="en"/>
-              <a:t>Push Coffee is ready notification </a:t>
-            </a:r>
-          </a:p>
-        </p:txBody>
-      </p:sp>
-      <p:sp>
-        <p:nvSpPr>
-          <p:cNvPr id="126" name="Shape 126"/>
+              <a:t>Pay calling a SOAP Service </a:t>
+            </a:r>
+          </a:p>
+        </p:txBody>
+      </p:sp>
+      <p:sp>
+        <p:nvSpPr>
+          <p:cNvPr id="114" name="Shape 114"/>
           <p:cNvSpPr txBox="1">
             <a:spLocks noGrp="1"/>
           </p:cNvSpPr>
@@ -6186,7 +9166,7 @@
     </p:spTree>
     <p:extLst>
       <p:ext uri="{BB962C8B-B14F-4D97-AF65-F5344CB8AC3E}">
-        <p14:creationId xmlns:p14="http://schemas.microsoft.com/office/powerpoint/2010/main" val="2637300178"/>
+        <p14:creationId xmlns:p14="http://schemas.microsoft.com/office/powerpoint/2010/main" val="3351155000"/>
       </p:ext>
     </p:extLst>
   </p:cSld>
@@ -6204,6 +9184,379 @@
   <p:cSld>
     <p:spTree>
       <p:nvGrpSpPr>
+        <p:cNvPr id="1" name="Shape 118"/>
+        <p:cNvGrpSpPr/>
+        <p:nvPr/>
+      </p:nvGrpSpPr>
+      <p:grpSpPr>
+        <a:xfrm>
+          <a:off x="0" y="0"/>
+          <a:ext cx="0" cy="0"/>
+          <a:chOff x="0" y="0"/>
+          <a:chExt cx="0" cy="0"/>
+        </a:xfrm>
+      </p:grpSpPr>
+      <p:sp>
+        <p:nvSpPr>
+          <p:cNvPr id="119" name="Shape 119"/>
+          <p:cNvSpPr txBox="1">
+            <a:spLocks noGrp="1"/>
+          </p:cNvSpPr>
+          <p:nvPr>
+            <p:ph type="title"/>
+          </p:nvPr>
+        </p:nvSpPr>
+        <p:spPr>
+          <a:xfrm>
+            <a:off x="457200" y="274637"/>
+            <a:ext cx="8229600" cy="1143200"/>
+          </a:xfrm>
+          <a:prstGeom prst="rect">
+            <a:avLst/>
+          </a:prstGeom>
+        </p:spPr>
+        <p:txBody>
+          <a:bodyPr lIns="91425" tIns="91425" rIns="91425" bIns="91425" anchor="b" anchorCtr="0">
+            <a:noAutofit/>
+          </a:bodyPr>
+          <a:lstStyle/>
+          <a:p>
+            <a:pPr>
+              <a:buNone/>
+            </a:pPr>
+            <a:r>
+              <a:rPr lang="en"/>
+              <a:t>Collect Coffee Stats</a:t>
+            </a:r>
+          </a:p>
+        </p:txBody>
+      </p:sp>
+      <p:sp>
+        <p:nvSpPr>
+          <p:cNvPr id="120" name="Shape 120"/>
+          <p:cNvSpPr txBox="1">
+            <a:spLocks noGrp="1"/>
+          </p:cNvSpPr>
+          <p:nvPr>
+            <p:ph type="body" idx="1"/>
+          </p:nvPr>
+        </p:nvSpPr>
+        <p:spPr>
+          <a:xfrm>
+            <a:off x="457200" y="1600201"/>
+            <a:ext cx="8229600" cy="4967599"/>
+          </a:xfrm>
+          <a:prstGeom prst="rect">
+            <a:avLst/>
+          </a:prstGeom>
+        </p:spPr>
+        <p:txBody>
+          <a:bodyPr lIns="91425" tIns="91425" rIns="91425" bIns="91425" anchor="t" anchorCtr="0">
+            <a:noAutofit/>
+          </a:bodyPr>
+          <a:lstStyle/>
+          <a:p>
+            <a:pPr>
+              <a:buNone/>
+            </a:pPr>
+            <a:r>
+              <a:rPr lang="en"/>
+              <a:t>using init  </a:t>
+            </a:r>
+          </a:p>
+        </p:txBody>
+      </p:sp>
+    </p:spTree>
+    <p:extLst>
+      <p:ext uri="{BB962C8B-B14F-4D97-AF65-F5344CB8AC3E}">
+        <p14:creationId xmlns:p14="http://schemas.microsoft.com/office/powerpoint/2010/main" val="3415753512"/>
+      </p:ext>
+    </p:extLst>
+  </p:cSld>
+  <p:clrMapOvr>
+    <a:masterClrMapping/>
+  </p:clrMapOvr>
+  <p:transition xmlns:p14="http://schemas.microsoft.com/office/powerpoint/2010/main" spd="slow">
+    <p:cut/>
+  </p:transition>
+</p:sld>
+</file>
+
+<file path=ppt/slides/slide2.xml><?xml version="1.0" encoding="utf-8"?>
+<p:sld xmlns:a="http://schemas.openxmlformats.org/drawingml/2006/main" xmlns:r="http://schemas.openxmlformats.org/officeDocument/2006/relationships" xmlns:p="http://schemas.openxmlformats.org/presentationml/2006/main">
+  <p:cSld>
+    <p:spTree>
+      <p:nvGrpSpPr>
+        <p:cNvPr id="1" name="Shape 64"/>
+        <p:cNvGrpSpPr/>
+        <p:nvPr/>
+      </p:nvGrpSpPr>
+      <p:grpSpPr>
+        <a:xfrm>
+          <a:off x="0" y="0"/>
+          <a:ext cx="0" cy="0"/>
+          <a:chOff x="0" y="0"/>
+          <a:chExt cx="0" cy="0"/>
+        </a:xfrm>
+      </p:grpSpPr>
+      <p:pic>
+        <p:nvPicPr>
+          <p:cNvPr id="4" name="Picture 3"/>
+          <p:cNvPicPr>
+            <a:picLocks noChangeAspect="1"/>
+          </p:cNvPicPr>
+          <p:nvPr/>
+        </p:nvPicPr>
+        <p:blipFill rotWithShape="1">
+          <a:blip r:embed="rId3"/>
+          <a:srcRect l="15339" t="20422" r="28496" b="934"/>
+          <a:stretch/>
+        </p:blipFill>
+        <p:spPr>
+          <a:xfrm>
+            <a:off x="112059" y="1676400"/>
+            <a:ext cx="4730817" cy="4419600"/>
+          </a:xfrm>
+          <a:prstGeom prst="rect">
+            <a:avLst/>
+          </a:prstGeom>
+        </p:spPr>
+      </p:pic>
+      <p:sp>
+        <p:nvSpPr>
+          <p:cNvPr id="65" name="Shape 65"/>
+          <p:cNvSpPr txBox="1">
+            <a:spLocks noGrp="1"/>
+          </p:cNvSpPr>
+          <p:nvPr>
+            <p:ph type="title"/>
+          </p:nvPr>
+        </p:nvSpPr>
+        <p:spPr>
+          <a:prstGeom prst="rect">
+            <a:avLst/>
+          </a:prstGeom>
+        </p:spPr>
+        <p:txBody>
+          <a:bodyPr lIns="91425" tIns="91425" rIns="91425" bIns="91425" anchor="b" anchorCtr="0">
+            <a:noAutofit/>
+          </a:bodyPr>
+          <a:lstStyle/>
+          <a:p>
+            <a:pPr algn="ctr">
+              <a:buNone/>
+            </a:pPr>
+            <a:r>
+              <a:rPr lang="en-US" sz="6600" dirty="0" smtClean="0">
+                <a:solidFill>
+                  <a:srgbClr val="000000"/>
+                </a:solidFill>
+              </a:rPr>
+              <a:t>Outline</a:t>
+            </a:r>
+            <a:endParaRPr lang="en" sz="6600" dirty="0">
+              <a:solidFill>
+                <a:srgbClr val="000000"/>
+              </a:solidFill>
+            </a:endParaRPr>
+          </a:p>
+        </p:txBody>
+      </p:sp>
+      <p:sp>
+        <p:nvSpPr>
+          <p:cNvPr id="66" name="Shape 66"/>
+          <p:cNvSpPr txBox="1">
+            <a:spLocks noGrp="1"/>
+          </p:cNvSpPr>
+          <p:nvPr>
+            <p:ph idx="1"/>
+          </p:nvPr>
+        </p:nvSpPr>
+        <p:spPr>
+          <a:xfrm>
+            <a:off x="4876800" y="1600200"/>
+            <a:ext cx="3886200" cy="4648199"/>
+          </a:xfrm>
+          <a:prstGeom prst="rect">
+            <a:avLst/>
+          </a:prstGeom>
+        </p:spPr>
+        <p:txBody>
+          <a:bodyPr lIns="91425" tIns="91425" rIns="91425" bIns="91425" anchor="t" anchorCtr="0">
+            <a:noAutofit/>
+          </a:bodyPr>
+          <a:lstStyle/>
+          <a:p>
+            <a:r>
+              <a:rPr lang="en-US" dirty="0" smtClean="0">
+                <a:solidFill>
+                  <a:schemeClr val="tx1"/>
+                </a:solidFill>
+              </a:rPr>
+              <a:t>We will mainly discuss about </a:t>
+            </a:r>
+            <a:r>
+              <a:rPr lang="en-US" dirty="0" err="1" smtClean="0">
+                <a:solidFill>
+                  <a:schemeClr val="tx1"/>
+                </a:solidFill>
+              </a:rPr>
+              <a:t>Jaggery</a:t>
+            </a:r>
+            <a:r>
+              <a:rPr lang="en-US" dirty="0" smtClean="0">
+                <a:solidFill>
+                  <a:schemeClr val="tx1"/>
+                </a:solidFill>
+              </a:rPr>
+              <a:t> </a:t>
+            </a:r>
+          </a:p>
+          <a:p>
+            <a:r>
+              <a:rPr lang="en-US" dirty="0" smtClean="0">
+                <a:solidFill>
+                  <a:schemeClr val="tx1"/>
+                </a:solidFill>
+              </a:rPr>
+              <a:t>Start with a high level discussion </a:t>
+            </a:r>
+          </a:p>
+          <a:p>
+            <a:r>
+              <a:rPr lang="en-US" dirty="0" smtClean="0">
+                <a:solidFill>
+                  <a:schemeClr val="tx1"/>
+                </a:solidFill>
+              </a:rPr>
+              <a:t>Then Hands On </a:t>
+            </a:r>
+            <a:endParaRPr lang="en" dirty="0">
+              <a:solidFill>
+                <a:schemeClr val="tx1"/>
+              </a:solidFill>
+            </a:endParaRPr>
+          </a:p>
+        </p:txBody>
+      </p:sp>
+    </p:spTree>
+    <p:extLst>
+      <p:ext uri="{BB962C8B-B14F-4D97-AF65-F5344CB8AC3E}">
+        <p14:creationId xmlns:p14="http://schemas.microsoft.com/office/powerpoint/2010/main" val="1489695332"/>
+      </p:ext>
+    </p:extLst>
+  </p:cSld>
+  <p:clrMapOvr>
+    <a:masterClrMapping/>
+  </p:clrMapOvr>
+  <p:transition xmlns:p14="http://schemas.microsoft.com/office/powerpoint/2010/main" spd="slow">
+    <p:cut/>
+  </p:transition>
+</p:sld>
+</file>
+
+<file path=ppt/slides/slide20.xml><?xml version="1.0" encoding="utf-8"?>
+<p:sld xmlns:a="http://schemas.openxmlformats.org/drawingml/2006/main" xmlns:r="http://schemas.openxmlformats.org/officeDocument/2006/relationships" xmlns:p="http://schemas.openxmlformats.org/presentationml/2006/main">
+  <p:cSld>
+    <p:spTree>
+      <p:nvGrpSpPr>
+        <p:cNvPr id="1" name="Shape 124"/>
+        <p:cNvGrpSpPr/>
+        <p:nvPr/>
+      </p:nvGrpSpPr>
+      <p:grpSpPr>
+        <a:xfrm>
+          <a:off x="0" y="0"/>
+          <a:ext cx="0" cy="0"/>
+          <a:chOff x="0" y="0"/>
+          <a:chExt cx="0" cy="0"/>
+        </a:xfrm>
+      </p:grpSpPr>
+      <p:sp>
+        <p:nvSpPr>
+          <p:cNvPr id="125" name="Shape 125"/>
+          <p:cNvSpPr txBox="1">
+            <a:spLocks noGrp="1"/>
+          </p:cNvSpPr>
+          <p:nvPr>
+            <p:ph type="title"/>
+          </p:nvPr>
+        </p:nvSpPr>
+        <p:spPr>
+          <a:xfrm>
+            <a:off x="457200" y="274637"/>
+            <a:ext cx="8229600" cy="1143200"/>
+          </a:xfrm>
+          <a:prstGeom prst="rect">
+            <a:avLst/>
+          </a:prstGeom>
+        </p:spPr>
+        <p:txBody>
+          <a:bodyPr lIns="91425" tIns="91425" rIns="91425" bIns="91425" anchor="b" anchorCtr="0">
+            <a:noAutofit/>
+          </a:bodyPr>
+          <a:lstStyle/>
+          <a:p>
+            <a:pPr>
+              <a:buNone/>
+            </a:pPr>
+            <a:r>
+              <a:rPr lang="en"/>
+              <a:t>Push Coffee is ready notification </a:t>
+            </a:r>
+          </a:p>
+        </p:txBody>
+      </p:sp>
+      <p:sp>
+        <p:nvSpPr>
+          <p:cNvPr id="126" name="Shape 126"/>
+          <p:cNvSpPr txBox="1">
+            <a:spLocks noGrp="1"/>
+          </p:cNvSpPr>
+          <p:nvPr>
+            <p:ph type="body" idx="1"/>
+          </p:nvPr>
+        </p:nvSpPr>
+        <p:spPr>
+          <a:xfrm>
+            <a:off x="457200" y="1600201"/>
+            <a:ext cx="8229600" cy="4967599"/>
+          </a:xfrm>
+          <a:prstGeom prst="rect">
+            <a:avLst/>
+          </a:prstGeom>
+        </p:spPr>
+        <p:txBody>
+          <a:bodyPr lIns="91425" tIns="91425" rIns="91425" bIns="91425" anchor="t" anchorCtr="0">
+            <a:noAutofit/>
+          </a:bodyPr>
+          <a:lstStyle/>
+          <a:p>
+            <a:endParaRPr/>
+          </a:p>
+        </p:txBody>
+      </p:sp>
+    </p:spTree>
+    <p:extLst>
+      <p:ext uri="{BB962C8B-B14F-4D97-AF65-F5344CB8AC3E}">
+        <p14:creationId xmlns:p14="http://schemas.microsoft.com/office/powerpoint/2010/main" val="2637300178"/>
+      </p:ext>
+    </p:extLst>
+  </p:cSld>
+  <p:clrMapOvr>
+    <a:masterClrMapping/>
+  </p:clrMapOvr>
+  <p:transition xmlns:p14="http://schemas.microsoft.com/office/powerpoint/2010/main" spd="slow">
+    <p:cut/>
+  </p:transition>
+</p:sld>
+</file>
+
+<file path=ppt/slides/slide21.xml><?xml version="1.0" encoding="utf-8"?>
+<p:sld xmlns:a="http://schemas.openxmlformats.org/drawingml/2006/main" xmlns:r="http://schemas.openxmlformats.org/officeDocument/2006/relationships" xmlns:p="http://schemas.openxmlformats.org/presentationml/2006/main">
+  <p:cSld>
+    <p:spTree>
+      <p:nvGrpSpPr>
         <p:cNvPr id="1" name="Shape 130"/>
         <p:cNvGrpSpPr/>
         <p:nvPr/>
@@ -6296,7 +9649,359 @@
 </p:sld>
 </file>
 
-<file path=ppt/slides/slide2.xml><?xml version="1.0" encoding="utf-8"?>
+<file path=ppt/slides/slide22.xml><?xml version="1.0" encoding="utf-8"?>
+<p:sld xmlns:a="http://schemas.openxmlformats.org/drawingml/2006/main" xmlns:r="http://schemas.openxmlformats.org/officeDocument/2006/relationships" xmlns:p="http://schemas.openxmlformats.org/presentationml/2006/main">
+  <p:cSld>
+    <p:spTree>
+      <p:nvGrpSpPr>
+        <p:cNvPr id="1" name="Shape 136"/>
+        <p:cNvGrpSpPr/>
+        <p:nvPr/>
+      </p:nvGrpSpPr>
+      <p:grpSpPr>
+        <a:xfrm>
+          <a:off x="0" y="0"/>
+          <a:ext cx="0" cy="0"/>
+          <a:chOff x="0" y="0"/>
+          <a:chExt cx="0" cy="0"/>
+        </a:xfrm>
+      </p:grpSpPr>
+      <p:sp>
+        <p:nvSpPr>
+          <p:cNvPr id="137" name="Shape 137"/>
+          <p:cNvSpPr txBox="1">
+            <a:spLocks noGrp="1"/>
+          </p:cNvSpPr>
+          <p:nvPr>
+            <p:ph type="title"/>
+          </p:nvPr>
+        </p:nvSpPr>
+        <p:spPr>
+          <a:xfrm>
+            <a:off x="457200" y="274637"/>
+            <a:ext cx="8229600" cy="1143200"/>
+          </a:xfrm>
+          <a:prstGeom prst="rect">
+            <a:avLst/>
+          </a:prstGeom>
+        </p:spPr>
+        <p:txBody>
+          <a:bodyPr lIns="91425" tIns="91425" rIns="91425" bIns="91425" anchor="b" anchorCtr="0">
+            <a:noAutofit/>
+          </a:bodyPr>
+          <a:lstStyle/>
+          <a:p>
+            <a:pPr>
+              <a:buNone/>
+            </a:pPr>
+            <a:r>
+              <a:rPr lang="en"/>
+              <a:t>Visualization 1: Graphs and Plots</a:t>
+            </a:r>
+          </a:p>
+        </p:txBody>
+      </p:sp>
+      <p:sp>
+        <p:nvSpPr>
+          <p:cNvPr id="138" name="Shape 138"/>
+          <p:cNvSpPr txBox="1">
+            <a:spLocks noGrp="1"/>
+          </p:cNvSpPr>
+          <p:nvPr>
+            <p:ph type="body" idx="1"/>
+          </p:nvPr>
+        </p:nvSpPr>
+        <p:spPr>
+          <a:xfrm>
+            <a:off x="457200" y="1600201"/>
+            <a:ext cx="8229600" cy="4967599"/>
+          </a:xfrm>
+          <a:prstGeom prst="rect">
+            <a:avLst/>
+          </a:prstGeom>
+        </p:spPr>
+        <p:txBody>
+          <a:bodyPr lIns="91425" tIns="91425" rIns="91425" bIns="91425" anchor="t" anchorCtr="0">
+            <a:noAutofit/>
+          </a:bodyPr>
+          <a:lstStyle/>
+          <a:p>
+            <a:endParaRPr/>
+          </a:p>
+        </p:txBody>
+      </p:sp>
+    </p:spTree>
+    <p:extLst>
+      <p:ext uri="{BB962C8B-B14F-4D97-AF65-F5344CB8AC3E}">
+        <p14:creationId xmlns:p14="http://schemas.microsoft.com/office/powerpoint/2010/main" val="2984506944"/>
+      </p:ext>
+    </p:extLst>
+  </p:cSld>
+  <p:clrMapOvr>
+    <a:masterClrMapping/>
+  </p:clrMapOvr>
+  <p:transition xmlns:p14="http://schemas.microsoft.com/office/powerpoint/2010/main" spd="slow">
+    <p:cut/>
+  </p:transition>
+</p:sld>
+</file>
+
+<file path=ppt/slides/slide23.xml><?xml version="1.0" encoding="utf-8"?>
+<p:sld xmlns:a="http://schemas.openxmlformats.org/drawingml/2006/main" xmlns:r="http://schemas.openxmlformats.org/officeDocument/2006/relationships" xmlns:p="http://schemas.openxmlformats.org/presentationml/2006/main">
+  <p:cSld>
+    <p:spTree>
+      <p:nvGrpSpPr>
+        <p:cNvPr id="1" name="Shape 142"/>
+        <p:cNvGrpSpPr/>
+        <p:nvPr/>
+      </p:nvGrpSpPr>
+      <p:grpSpPr>
+        <a:xfrm>
+          <a:off x="0" y="0"/>
+          <a:ext cx="0" cy="0"/>
+          <a:chOff x="0" y="0"/>
+          <a:chExt cx="0" cy="0"/>
+        </a:xfrm>
+      </p:grpSpPr>
+      <p:sp>
+        <p:nvSpPr>
+          <p:cNvPr id="143" name="Shape 143"/>
+          <p:cNvSpPr txBox="1">
+            <a:spLocks noGrp="1"/>
+          </p:cNvSpPr>
+          <p:nvPr>
+            <p:ph type="title"/>
+          </p:nvPr>
+        </p:nvSpPr>
+        <p:spPr>
+          <a:xfrm>
+            <a:off x="457200" y="274637"/>
+            <a:ext cx="8229600" cy="1143200"/>
+          </a:xfrm>
+          <a:prstGeom prst="rect">
+            <a:avLst/>
+          </a:prstGeom>
+        </p:spPr>
+        <p:txBody>
+          <a:bodyPr lIns="91425" tIns="91425" rIns="91425" bIns="91425" anchor="b" anchorCtr="0">
+            <a:noAutofit/>
+          </a:bodyPr>
+          <a:lstStyle/>
+          <a:p>
+            <a:pPr lvl="0" rtl="0">
+              <a:buNone/>
+            </a:pPr>
+            <a:r>
+              <a:rPr lang="en"/>
+              <a:t>Visualization 2: HTML5 Canvas</a:t>
+            </a:r>
+          </a:p>
+        </p:txBody>
+      </p:sp>
+      <p:sp>
+        <p:nvSpPr>
+          <p:cNvPr id="144" name="Shape 144"/>
+          <p:cNvSpPr txBox="1">
+            <a:spLocks noGrp="1"/>
+          </p:cNvSpPr>
+          <p:nvPr>
+            <p:ph type="body" idx="1"/>
+          </p:nvPr>
+        </p:nvSpPr>
+        <p:spPr>
+          <a:xfrm>
+            <a:off x="457200" y="1600201"/>
+            <a:ext cx="8229600" cy="4967599"/>
+          </a:xfrm>
+          <a:prstGeom prst="rect">
+            <a:avLst/>
+          </a:prstGeom>
+        </p:spPr>
+        <p:txBody>
+          <a:bodyPr lIns="91425" tIns="91425" rIns="91425" bIns="91425" anchor="t" anchorCtr="0">
+            <a:noAutofit/>
+          </a:bodyPr>
+          <a:lstStyle/>
+          <a:p>
+            <a:endParaRPr/>
+          </a:p>
+        </p:txBody>
+      </p:sp>
+    </p:spTree>
+    <p:extLst>
+      <p:ext uri="{BB962C8B-B14F-4D97-AF65-F5344CB8AC3E}">
+        <p14:creationId xmlns:p14="http://schemas.microsoft.com/office/powerpoint/2010/main" val="1020849891"/>
+      </p:ext>
+    </p:extLst>
+  </p:cSld>
+  <p:clrMapOvr>
+    <a:masterClrMapping/>
+  </p:clrMapOvr>
+  <p:transition xmlns:p14="http://schemas.microsoft.com/office/powerpoint/2010/main" spd="slow">
+    <p:cut/>
+  </p:transition>
+</p:sld>
+</file>
+
+<file path=ppt/slides/slide24.xml><?xml version="1.0" encoding="utf-8"?>
+<p:sld xmlns:a="http://schemas.openxmlformats.org/drawingml/2006/main" xmlns:r="http://schemas.openxmlformats.org/officeDocument/2006/relationships" xmlns:p="http://schemas.openxmlformats.org/presentationml/2006/main">
+  <p:cSld>
+    <p:spTree>
+      <p:nvGrpSpPr>
+        <p:cNvPr id="1" name="Shape 148"/>
+        <p:cNvGrpSpPr/>
+        <p:nvPr/>
+      </p:nvGrpSpPr>
+      <p:grpSpPr>
+        <a:xfrm>
+          <a:off x="0" y="0"/>
+          <a:ext cx="0" cy="0"/>
+          <a:chOff x="0" y="0"/>
+          <a:chExt cx="0" cy="0"/>
+        </a:xfrm>
+      </p:grpSpPr>
+      <p:sp>
+        <p:nvSpPr>
+          <p:cNvPr id="149" name="Shape 149"/>
+          <p:cNvSpPr txBox="1">
+            <a:spLocks noGrp="1"/>
+          </p:cNvSpPr>
+          <p:nvPr>
+            <p:ph type="title"/>
+          </p:nvPr>
+        </p:nvSpPr>
+        <p:spPr>
+          <a:xfrm>
+            <a:off x="457200" y="274637"/>
+            <a:ext cx="8229600" cy="1143200"/>
+          </a:xfrm>
+          <a:prstGeom prst="rect">
+            <a:avLst/>
+          </a:prstGeom>
+        </p:spPr>
+        <p:txBody>
+          <a:bodyPr lIns="91425" tIns="91425" rIns="91425" bIns="91425" anchor="b" anchorCtr="0">
+            <a:noAutofit/>
+          </a:bodyPr>
+          <a:lstStyle/>
+          <a:p>
+            <a:pPr>
+              <a:buNone/>
+            </a:pPr>
+            <a:r>
+              <a:rPr lang="en"/>
+              <a:t>Improving the sample</a:t>
+            </a:r>
+          </a:p>
+        </p:txBody>
+      </p:sp>
+      <p:sp>
+        <p:nvSpPr>
+          <p:cNvPr id="150" name="Shape 150"/>
+          <p:cNvSpPr txBox="1">
+            <a:spLocks noGrp="1"/>
+          </p:cNvSpPr>
+          <p:nvPr>
+            <p:ph type="body" idx="1"/>
+          </p:nvPr>
+        </p:nvSpPr>
+        <p:spPr>
+          <a:xfrm>
+            <a:off x="457200" y="1600201"/>
+            <a:ext cx="8229600" cy="4967599"/>
+          </a:xfrm>
+          <a:prstGeom prst="rect">
+            <a:avLst/>
+          </a:prstGeom>
+        </p:spPr>
+        <p:txBody>
+          <a:bodyPr lIns="91425" tIns="91425" rIns="91425" bIns="91425" anchor="t" anchorCtr="0">
+            <a:noAutofit/>
+          </a:bodyPr>
+          <a:lstStyle/>
+          <a:p>
+            <a:pPr marL="457200" lvl="0" indent="-342900" rtl="0">
+              <a:lnSpc>
+                <a:spcPct val="150000"/>
+              </a:lnSpc>
+              <a:buClr>
+                <a:schemeClr val="dk1"/>
+              </a:buClr>
+              <a:buSzPct val="100000"/>
+              <a:buFont typeface="Arial"/>
+              <a:buChar char="●"/>
+            </a:pPr>
+            <a:r>
+              <a:rPr lang="en" sz="1800"/>
+              <a:t>Responsive UI </a:t>
+            </a:r>
+          </a:p>
+          <a:p>
+            <a:pPr marL="457200" lvl="0" indent="-342900" rtl="0">
+              <a:lnSpc>
+                <a:spcPct val="150000"/>
+              </a:lnSpc>
+              <a:buClr>
+                <a:schemeClr val="dk1"/>
+              </a:buClr>
+              <a:buSzPct val="100000"/>
+              <a:buFont typeface="Arial"/>
+              <a:buChar char="●"/>
+            </a:pPr>
+            <a:r>
+              <a:rPr lang="en" sz="1800"/>
+              <a:t>WebSockets</a:t>
+            </a:r>
+          </a:p>
+        </p:txBody>
+      </p:sp>
+    </p:spTree>
+    <p:extLst>
+      <p:ext uri="{BB962C8B-B14F-4D97-AF65-F5344CB8AC3E}">
+        <p14:creationId xmlns:p14="http://schemas.microsoft.com/office/powerpoint/2010/main" val="1417437252"/>
+      </p:ext>
+    </p:extLst>
+  </p:cSld>
+  <p:clrMapOvr>
+    <a:masterClrMapping/>
+  </p:clrMapOvr>
+  <p:transition xmlns:p14="http://schemas.microsoft.com/office/powerpoint/2010/main" spd="slow">
+    <p:cut/>
+  </p:transition>
+</p:sld>
+</file>
+
+<file path=ppt/slides/slide25.xml><?xml version="1.0" encoding="utf-8"?>
+<p:sld xmlns:a="http://schemas.openxmlformats.org/drawingml/2006/main" xmlns:r="http://schemas.openxmlformats.org/officeDocument/2006/relationships" xmlns:p="http://schemas.openxmlformats.org/presentationml/2006/main">
+  <p:cSld>
+    <p:spTree>
+      <p:nvGrpSpPr>
+        <p:cNvPr id="1" name=""/>
+        <p:cNvGrpSpPr/>
+        <p:nvPr/>
+      </p:nvGrpSpPr>
+      <p:grpSpPr>
+        <a:xfrm>
+          <a:off x="0" y="0"/>
+          <a:ext cx="0" cy="0"/>
+          <a:chOff x="0" y="0"/>
+          <a:chExt cx="0" cy="0"/>
+        </a:xfrm>
+      </p:grpSpPr>
+    </p:spTree>
+    <p:extLst>
+      <p:ext uri="{BB962C8B-B14F-4D97-AF65-F5344CB8AC3E}">
+        <p14:creationId xmlns:p14="http://schemas.microsoft.com/office/powerpoint/2010/main" val="1237220341"/>
+      </p:ext>
+    </p:extLst>
+  </p:cSld>
+  <p:clrMapOvr>
+    <a:masterClrMapping/>
+  </p:clrMapOvr>
+</p:sld>
+</file>
+
+<file path=ppt/slides/slide3.xml><?xml version="1.0" encoding="utf-8"?>
 <p:sld xmlns:a="http://schemas.openxmlformats.org/drawingml/2006/main" xmlns:r="http://schemas.openxmlformats.org/officeDocument/2006/relationships" xmlns:p="http://schemas.openxmlformats.org/presentationml/2006/main">
   <p:cSld>
     <p:spTree>
@@ -6643,427 +10348,7 @@
 </p:sld>
 </file>
 
-<file path=ppt/slides/slide20.xml><?xml version="1.0" encoding="utf-8"?>
-<p:sld xmlns:a="http://schemas.openxmlformats.org/drawingml/2006/main" xmlns:r="http://schemas.openxmlformats.org/officeDocument/2006/relationships" xmlns:p="http://schemas.openxmlformats.org/presentationml/2006/main">
-  <p:cSld>
-    <p:spTree>
-      <p:nvGrpSpPr>
-        <p:cNvPr id="1" name="Shape 136"/>
-        <p:cNvGrpSpPr/>
-        <p:nvPr/>
-      </p:nvGrpSpPr>
-      <p:grpSpPr>
-        <a:xfrm>
-          <a:off x="0" y="0"/>
-          <a:ext cx="0" cy="0"/>
-          <a:chOff x="0" y="0"/>
-          <a:chExt cx="0" cy="0"/>
-        </a:xfrm>
-      </p:grpSpPr>
-      <p:sp>
-        <p:nvSpPr>
-          <p:cNvPr id="137" name="Shape 137"/>
-          <p:cNvSpPr txBox="1">
-            <a:spLocks noGrp="1"/>
-          </p:cNvSpPr>
-          <p:nvPr>
-            <p:ph type="title"/>
-          </p:nvPr>
-        </p:nvSpPr>
-        <p:spPr>
-          <a:xfrm>
-            <a:off x="457200" y="274637"/>
-            <a:ext cx="8229600" cy="1143200"/>
-          </a:xfrm>
-          <a:prstGeom prst="rect">
-            <a:avLst/>
-          </a:prstGeom>
-        </p:spPr>
-        <p:txBody>
-          <a:bodyPr lIns="91425" tIns="91425" rIns="91425" bIns="91425" anchor="b" anchorCtr="0">
-            <a:noAutofit/>
-          </a:bodyPr>
-          <a:lstStyle/>
-          <a:p>
-            <a:pPr>
-              <a:buNone/>
-            </a:pPr>
-            <a:r>
-              <a:rPr lang="en"/>
-              <a:t>Visualization 1: Graphs and Plots</a:t>
-            </a:r>
-          </a:p>
-        </p:txBody>
-      </p:sp>
-      <p:sp>
-        <p:nvSpPr>
-          <p:cNvPr id="138" name="Shape 138"/>
-          <p:cNvSpPr txBox="1">
-            <a:spLocks noGrp="1"/>
-          </p:cNvSpPr>
-          <p:nvPr>
-            <p:ph type="body" idx="1"/>
-          </p:nvPr>
-        </p:nvSpPr>
-        <p:spPr>
-          <a:xfrm>
-            <a:off x="457200" y="1600201"/>
-            <a:ext cx="8229600" cy="4967599"/>
-          </a:xfrm>
-          <a:prstGeom prst="rect">
-            <a:avLst/>
-          </a:prstGeom>
-        </p:spPr>
-        <p:txBody>
-          <a:bodyPr lIns="91425" tIns="91425" rIns="91425" bIns="91425" anchor="t" anchorCtr="0">
-            <a:noAutofit/>
-          </a:bodyPr>
-          <a:lstStyle/>
-          <a:p>
-            <a:endParaRPr/>
-          </a:p>
-        </p:txBody>
-      </p:sp>
-    </p:spTree>
-    <p:extLst>
-      <p:ext uri="{BB962C8B-B14F-4D97-AF65-F5344CB8AC3E}">
-        <p14:creationId xmlns:p14="http://schemas.microsoft.com/office/powerpoint/2010/main" val="2984506944"/>
-      </p:ext>
-    </p:extLst>
-  </p:cSld>
-  <p:clrMapOvr>
-    <a:masterClrMapping/>
-  </p:clrMapOvr>
-  <p:transition xmlns:p14="http://schemas.microsoft.com/office/powerpoint/2010/main" spd="slow">
-    <p:cut/>
-  </p:transition>
-</p:sld>
-</file>
-
-<file path=ppt/slides/slide21.xml><?xml version="1.0" encoding="utf-8"?>
-<p:sld xmlns:a="http://schemas.openxmlformats.org/drawingml/2006/main" xmlns:r="http://schemas.openxmlformats.org/officeDocument/2006/relationships" xmlns:p="http://schemas.openxmlformats.org/presentationml/2006/main">
-  <p:cSld>
-    <p:spTree>
-      <p:nvGrpSpPr>
-        <p:cNvPr id="1" name="Shape 142"/>
-        <p:cNvGrpSpPr/>
-        <p:nvPr/>
-      </p:nvGrpSpPr>
-      <p:grpSpPr>
-        <a:xfrm>
-          <a:off x="0" y="0"/>
-          <a:ext cx="0" cy="0"/>
-          <a:chOff x="0" y="0"/>
-          <a:chExt cx="0" cy="0"/>
-        </a:xfrm>
-      </p:grpSpPr>
-      <p:sp>
-        <p:nvSpPr>
-          <p:cNvPr id="143" name="Shape 143"/>
-          <p:cNvSpPr txBox="1">
-            <a:spLocks noGrp="1"/>
-          </p:cNvSpPr>
-          <p:nvPr>
-            <p:ph type="title"/>
-          </p:nvPr>
-        </p:nvSpPr>
-        <p:spPr>
-          <a:xfrm>
-            <a:off x="457200" y="274637"/>
-            <a:ext cx="8229600" cy="1143200"/>
-          </a:xfrm>
-          <a:prstGeom prst="rect">
-            <a:avLst/>
-          </a:prstGeom>
-        </p:spPr>
-        <p:txBody>
-          <a:bodyPr lIns="91425" tIns="91425" rIns="91425" bIns="91425" anchor="b" anchorCtr="0">
-            <a:noAutofit/>
-          </a:bodyPr>
-          <a:lstStyle/>
-          <a:p>
-            <a:pPr lvl="0" rtl="0">
-              <a:buNone/>
-            </a:pPr>
-            <a:r>
-              <a:rPr lang="en"/>
-              <a:t>Visualization 2: HTML5 Canvas</a:t>
-            </a:r>
-          </a:p>
-        </p:txBody>
-      </p:sp>
-      <p:sp>
-        <p:nvSpPr>
-          <p:cNvPr id="144" name="Shape 144"/>
-          <p:cNvSpPr txBox="1">
-            <a:spLocks noGrp="1"/>
-          </p:cNvSpPr>
-          <p:nvPr>
-            <p:ph type="body" idx="1"/>
-          </p:nvPr>
-        </p:nvSpPr>
-        <p:spPr>
-          <a:xfrm>
-            <a:off x="457200" y="1600201"/>
-            <a:ext cx="8229600" cy="4967599"/>
-          </a:xfrm>
-          <a:prstGeom prst="rect">
-            <a:avLst/>
-          </a:prstGeom>
-        </p:spPr>
-        <p:txBody>
-          <a:bodyPr lIns="91425" tIns="91425" rIns="91425" bIns="91425" anchor="t" anchorCtr="0">
-            <a:noAutofit/>
-          </a:bodyPr>
-          <a:lstStyle/>
-          <a:p>
-            <a:endParaRPr/>
-          </a:p>
-        </p:txBody>
-      </p:sp>
-    </p:spTree>
-    <p:extLst>
-      <p:ext uri="{BB962C8B-B14F-4D97-AF65-F5344CB8AC3E}">
-        <p14:creationId xmlns:p14="http://schemas.microsoft.com/office/powerpoint/2010/main" val="1020849891"/>
-      </p:ext>
-    </p:extLst>
-  </p:cSld>
-  <p:clrMapOvr>
-    <a:masterClrMapping/>
-  </p:clrMapOvr>
-  <p:transition xmlns:p14="http://schemas.microsoft.com/office/powerpoint/2010/main" spd="slow">
-    <p:cut/>
-  </p:transition>
-</p:sld>
-</file>
-
-<file path=ppt/slides/slide22.xml><?xml version="1.0" encoding="utf-8"?>
-<p:sld xmlns:a="http://schemas.openxmlformats.org/drawingml/2006/main" xmlns:r="http://schemas.openxmlformats.org/officeDocument/2006/relationships" xmlns:p="http://schemas.openxmlformats.org/presentationml/2006/main">
-  <p:cSld>
-    <p:spTree>
-      <p:nvGrpSpPr>
-        <p:cNvPr id="1" name="Shape 148"/>
-        <p:cNvGrpSpPr/>
-        <p:nvPr/>
-      </p:nvGrpSpPr>
-      <p:grpSpPr>
-        <a:xfrm>
-          <a:off x="0" y="0"/>
-          <a:ext cx="0" cy="0"/>
-          <a:chOff x="0" y="0"/>
-          <a:chExt cx="0" cy="0"/>
-        </a:xfrm>
-      </p:grpSpPr>
-      <p:sp>
-        <p:nvSpPr>
-          <p:cNvPr id="149" name="Shape 149"/>
-          <p:cNvSpPr txBox="1">
-            <a:spLocks noGrp="1"/>
-          </p:cNvSpPr>
-          <p:nvPr>
-            <p:ph type="title"/>
-          </p:nvPr>
-        </p:nvSpPr>
-        <p:spPr>
-          <a:xfrm>
-            <a:off x="457200" y="274637"/>
-            <a:ext cx="8229600" cy="1143200"/>
-          </a:xfrm>
-          <a:prstGeom prst="rect">
-            <a:avLst/>
-          </a:prstGeom>
-        </p:spPr>
-        <p:txBody>
-          <a:bodyPr lIns="91425" tIns="91425" rIns="91425" bIns="91425" anchor="b" anchorCtr="0">
-            <a:noAutofit/>
-          </a:bodyPr>
-          <a:lstStyle/>
-          <a:p>
-            <a:pPr>
-              <a:buNone/>
-            </a:pPr>
-            <a:r>
-              <a:rPr lang="en"/>
-              <a:t>Improving the sample</a:t>
-            </a:r>
-          </a:p>
-        </p:txBody>
-      </p:sp>
-      <p:sp>
-        <p:nvSpPr>
-          <p:cNvPr id="150" name="Shape 150"/>
-          <p:cNvSpPr txBox="1">
-            <a:spLocks noGrp="1"/>
-          </p:cNvSpPr>
-          <p:nvPr>
-            <p:ph type="body" idx="1"/>
-          </p:nvPr>
-        </p:nvSpPr>
-        <p:spPr>
-          <a:xfrm>
-            <a:off x="457200" y="1600201"/>
-            <a:ext cx="8229600" cy="4967599"/>
-          </a:xfrm>
-          <a:prstGeom prst="rect">
-            <a:avLst/>
-          </a:prstGeom>
-        </p:spPr>
-        <p:txBody>
-          <a:bodyPr lIns="91425" tIns="91425" rIns="91425" bIns="91425" anchor="t" anchorCtr="0">
-            <a:noAutofit/>
-          </a:bodyPr>
-          <a:lstStyle/>
-          <a:p>
-            <a:pPr marL="457200" lvl="0" indent="-342900" rtl="0">
-              <a:lnSpc>
-                <a:spcPct val="150000"/>
-              </a:lnSpc>
-              <a:buClr>
-                <a:schemeClr val="dk1"/>
-              </a:buClr>
-              <a:buSzPct val="100000"/>
-              <a:buFont typeface="Arial"/>
-              <a:buChar char="●"/>
-            </a:pPr>
-            <a:r>
-              <a:rPr lang="en" sz="1800"/>
-              <a:t>Responsive UI </a:t>
-            </a:r>
-          </a:p>
-          <a:p>
-            <a:pPr marL="457200" lvl="0" indent="-342900" rtl="0">
-              <a:lnSpc>
-                <a:spcPct val="150000"/>
-              </a:lnSpc>
-              <a:buClr>
-                <a:schemeClr val="dk1"/>
-              </a:buClr>
-              <a:buSzPct val="100000"/>
-              <a:buFont typeface="Arial"/>
-              <a:buChar char="●"/>
-            </a:pPr>
-            <a:r>
-              <a:rPr lang="en" sz="1800"/>
-              <a:t>WebSockets</a:t>
-            </a:r>
-          </a:p>
-        </p:txBody>
-      </p:sp>
-    </p:spTree>
-    <p:extLst>
-      <p:ext uri="{BB962C8B-B14F-4D97-AF65-F5344CB8AC3E}">
-        <p14:creationId xmlns:p14="http://schemas.microsoft.com/office/powerpoint/2010/main" val="1417437252"/>
-      </p:ext>
-    </p:extLst>
-  </p:cSld>
-  <p:clrMapOvr>
-    <a:masterClrMapping/>
-  </p:clrMapOvr>
-  <p:transition xmlns:p14="http://schemas.microsoft.com/office/powerpoint/2010/main" spd="slow">
-    <p:cut/>
-  </p:transition>
-</p:sld>
-</file>
-
-<file path=ppt/slides/slide23.xml><?xml version="1.0" encoding="utf-8"?>
-<p:sld xmlns:a="http://schemas.openxmlformats.org/drawingml/2006/main" xmlns:r="http://schemas.openxmlformats.org/officeDocument/2006/relationships" xmlns:p="http://schemas.openxmlformats.org/presentationml/2006/main">
-  <p:cSld>
-    <p:spTree>
-      <p:nvGrpSpPr>
-        <p:cNvPr id="1" name=""/>
-        <p:cNvGrpSpPr/>
-        <p:nvPr/>
-      </p:nvGrpSpPr>
-      <p:grpSpPr>
-        <a:xfrm>
-          <a:off x="0" y="0"/>
-          <a:ext cx="0" cy="0"/>
-          <a:chOff x="0" y="0"/>
-          <a:chExt cx="0" cy="0"/>
-        </a:xfrm>
-      </p:grpSpPr>
-      <p:sp>
-        <p:nvSpPr>
-          <p:cNvPr id="4" name="Title 3"/>
-          <p:cNvSpPr>
-            <a:spLocks noGrp="1"/>
-          </p:cNvSpPr>
-          <p:nvPr>
-            <p:ph type="ctrTitle"/>
-          </p:nvPr>
-        </p:nvSpPr>
-        <p:spPr/>
-        <p:txBody>
-          <a:bodyPr/>
-          <a:lstStyle/>
-          <a:p>
-            <a:endParaRPr lang="en-US" dirty="0"/>
-          </a:p>
-        </p:txBody>
-      </p:sp>
-      <p:sp>
-        <p:nvSpPr>
-          <p:cNvPr id="5" name="Subtitle 4"/>
-          <p:cNvSpPr>
-            <a:spLocks noGrp="1"/>
-          </p:cNvSpPr>
-          <p:nvPr>
-            <p:ph type="subTitle" idx="1"/>
-          </p:nvPr>
-        </p:nvSpPr>
-        <p:spPr/>
-        <p:txBody>
-          <a:bodyPr/>
-          <a:lstStyle/>
-          <a:p>
-            <a:endParaRPr lang="en-US"/>
-          </a:p>
-        </p:txBody>
-      </p:sp>
-    </p:spTree>
-    <p:extLst>
-      <p:ext uri="{BB962C8B-B14F-4D97-AF65-F5344CB8AC3E}">
-        <p14:creationId xmlns:p14="http://schemas.microsoft.com/office/powerpoint/2010/main" val="394774317"/>
-      </p:ext>
-    </p:extLst>
-  </p:cSld>
-  <p:clrMapOvr>
-    <a:masterClrMapping/>
-  </p:clrMapOvr>
-</p:sld>
-</file>
-
-<file path=ppt/slides/slide24.xml><?xml version="1.0" encoding="utf-8"?>
-<p:sld xmlns:a="http://schemas.openxmlformats.org/drawingml/2006/main" xmlns:r="http://schemas.openxmlformats.org/officeDocument/2006/relationships" xmlns:p="http://schemas.openxmlformats.org/presentationml/2006/main">
-  <p:cSld>
-    <p:spTree>
-      <p:nvGrpSpPr>
-        <p:cNvPr id="1" name=""/>
-        <p:cNvGrpSpPr/>
-        <p:nvPr/>
-      </p:nvGrpSpPr>
-      <p:grpSpPr>
-        <a:xfrm>
-          <a:off x="0" y="0"/>
-          <a:ext cx="0" cy="0"/>
-          <a:chOff x="0" y="0"/>
-          <a:chExt cx="0" cy="0"/>
-        </a:xfrm>
-      </p:grpSpPr>
-    </p:spTree>
-    <p:extLst>
-      <p:ext uri="{BB962C8B-B14F-4D97-AF65-F5344CB8AC3E}">
-        <p14:creationId xmlns:p14="http://schemas.microsoft.com/office/powerpoint/2010/main" val="1237220341"/>
-      </p:ext>
-    </p:extLst>
-  </p:cSld>
-  <p:clrMapOvr>
-    <a:masterClrMapping/>
-  </p:clrMapOvr>
-</p:sld>
-</file>
-
-<file path=ppt/slides/slide3.xml><?xml version="1.0" encoding="utf-8"?>
+<file path=ppt/slides/slide4.xml><?xml version="1.0" encoding="utf-8"?>
 <p:sld xmlns:a="http://schemas.openxmlformats.org/drawingml/2006/main" xmlns:r="http://schemas.openxmlformats.org/officeDocument/2006/relationships" xmlns:p="http://schemas.openxmlformats.org/presentationml/2006/main">
   <p:cSld>
     <p:spTree>
@@ -7092,7 +10377,7 @@
         </p:nvSpPr>
         <p:spPr>
           <a:xfrm>
-            <a:off x="1752600" y="274637"/>
+            <a:off x="1752600" y="0"/>
             <a:ext cx="6934200" cy="1143200"/>
           </a:xfrm>
           <a:prstGeom prst="rect">
@@ -7117,204 +10402,57 @@
       </p:sp>
       <p:sp>
         <p:nvSpPr>
-          <p:cNvPr id="36" name="Shape 36"/>
-          <p:cNvSpPr txBox="1">
+          <p:cNvPr id="2" name="Text Placeholder 1"/>
+          <p:cNvSpPr>
             <a:spLocks noGrp="1"/>
           </p:cNvSpPr>
           <p:nvPr>
             <p:ph type="body" idx="1"/>
           </p:nvPr>
         </p:nvSpPr>
-        <p:spPr>
-          <a:xfrm>
-            <a:off x="1447800" y="1600201"/>
-            <a:ext cx="7239000" cy="4967599"/>
+        <p:spPr/>
+        <p:txBody>
+          <a:bodyPr/>
+          <a:lstStyle/>
+          <a:p>
+            <a:endParaRPr lang="en-US"/>
+          </a:p>
+        </p:txBody>
+      </p:sp>
+      <p:pic>
+        <p:nvPicPr>
+          <p:cNvPr id="3" name="Picture 2" descr="Hisotry.png"/>
+          <p:cNvPicPr>
+            <a:picLocks noChangeAspect="1"/>
+          </p:cNvPicPr>
+          <p:nvPr/>
+        </p:nvPicPr>
+        <p:blipFill>
+          <a:blip r:embed="rId3">
+            <a:extLst>
+              <a:ext uri="{28A0092B-C50C-407E-A947-70E740481C1C}">
+                <a14:useLocalDpi xmlns:a14="http://schemas.microsoft.com/office/drawing/2010/main" val="0"/>
+              </a:ext>
+            </a:extLst>
+          </a:blip>
+          <a:stretch>
+            <a:fillRect/>
+          </a:stretch>
+        </p:blipFill>
+        <p:spPr>
+          <a:xfrm>
+            <a:off x="304800" y="1253548"/>
+            <a:ext cx="8610600" cy="5452052"/>
           </a:xfrm>
           <a:prstGeom prst="rect">
             <a:avLst/>
           </a:prstGeom>
         </p:spPr>
-        <p:txBody>
-          <a:bodyPr lIns="91425" tIns="91425" rIns="91425" bIns="91425" anchor="t" anchorCtr="0">
-            <a:noAutofit/>
-          </a:bodyPr>
-          <a:lstStyle/>
-          <a:p>
-            <a:r>
-              <a:rPr lang="en" dirty="0"/>
-              <a:t>Command line</a:t>
-            </a:r>
-          </a:p>
-          <a:p>
-            <a:r>
-              <a:rPr lang="en" dirty="0"/>
-              <a:t>static html</a:t>
-            </a:r>
-          </a:p>
-          <a:p>
-            <a:r>
-              <a:rPr lang="en" dirty="0"/>
-              <a:t>dynamic html - jsp, php</a:t>
-            </a:r>
-          </a:p>
-          <a:p>
-            <a:r>
-              <a:rPr lang="en" dirty="0"/>
-              <a:t>AJAX/ Web sockets</a:t>
-            </a:r>
-          </a:p>
-          <a:p>
-            <a:r>
-              <a:rPr lang="en" dirty="0"/>
-              <a:t>HTML5</a:t>
-            </a:r>
-          </a:p>
-          <a:p>
-            <a:r>
-              <a:rPr lang="en" dirty="0"/>
-              <a:t>Social Web</a:t>
-            </a:r>
-          </a:p>
-          <a:p>
-            <a:r>
-              <a:rPr lang="en" dirty="0"/>
-              <a:t>Mobile apps </a:t>
-            </a:r>
-          </a:p>
-        </p:txBody>
-      </p:sp>
+      </p:pic>
     </p:spTree>
     <p:extLst>
       <p:ext uri="{BB962C8B-B14F-4D97-AF65-F5344CB8AC3E}">
         <p14:creationId xmlns:p14="http://schemas.microsoft.com/office/powerpoint/2010/main" val="1713409510"/>
-      </p:ext>
-    </p:extLst>
-  </p:cSld>
-  <p:clrMapOvr>
-    <a:masterClrMapping/>
-  </p:clrMapOvr>
-  <p:transition xmlns:p14="http://schemas.microsoft.com/office/powerpoint/2010/main" spd="slow">
-    <p:cut/>
-  </p:transition>
-</p:sld>
-</file>
-
-<file path=ppt/slides/slide4.xml><?xml version="1.0" encoding="utf-8"?>
-<p:sld xmlns:a="http://schemas.openxmlformats.org/drawingml/2006/main" xmlns:r="http://schemas.openxmlformats.org/officeDocument/2006/relationships" xmlns:p="http://schemas.openxmlformats.org/presentationml/2006/main">
-  <p:cSld>
-    <p:spTree>
-      <p:nvGrpSpPr>
-        <p:cNvPr id="1" name="Shape 40"/>
-        <p:cNvGrpSpPr/>
-        <p:nvPr/>
-      </p:nvGrpSpPr>
-      <p:grpSpPr>
-        <a:xfrm>
-          <a:off x="0" y="0"/>
-          <a:ext cx="0" cy="0"/>
-          <a:chOff x="0" y="0"/>
-          <a:chExt cx="0" cy="0"/>
-        </a:xfrm>
-      </p:grpSpPr>
-      <p:sp>
-        <p:nvSpPr>
-          <p:cNvPr id="41" name="Shape 41"/>
-          <p:cNvSpPr txBox="1">
-            <a:spLocks noGrp="1"/>
-          </p:cNvSpPr>
-          <p:nvPr>
-            <p:ph type="title"/>
-          </p:nvPr>
-        </p:nvSpPr>
-        <p:spPr>
-          <a:xfrm>
-            <a:off x="1828800" y="274637"/>
-            <a:ext cx="6858000" cy="1143200"/>
-          </a:xfrm>
-          <a:prstGeom prst="rect">
-            <a:avLst/>
-          </a:prstGeom>
-        </p:spPr>
-        <p:txBody>
-          <a:bodyPr lIns="91425" tIns="91425" rIns="91425" bIns="91425" anchor="b" anchorCtr="0">
-            <a:noAutofit/>
-          </a:bodyPr>
-          <a:lstStyle/>
-          <a:p>
-            <a:pPr>
-              <a:buNone/>
-            </a:pPr>
-            <a:r>
-              <a:rPr lang="en" dirty="0"/>
-              <a:t>UI Technologies </a:t>
-            </a:r>
-          </a:p>
-        </p:txBody>
-      </p:sp>
-      <p:sp>
-        <p:nvSpPr>
-          <p:cNvPr id="42" name="Shape 42"/>
-          <p:cNvSpPr txBox="1">
-            <a:spLocks noGrp="1"/>
-          </p:cNvSpPr>
-          <p:nvPr>
-            <p:ph type="body" idx="1"/>
-          </p:nvPr>
-        </p:nvSpPr>
-        <p:spPr>
-          <a:xfrm>
-            <a:off x="1219200" y="1600201"/>
-            <a:ext cx="7467600" cy="4967599"/>
-          </a:xfrm>
-          <a:prstGeom prst="rect">
-            <a:avLst/>
-          </a:prstGeom>
-        </p:spPr>
-        <p:txBody>
-          <a:bodyPr lIns="91425" tIns="91425" rIns="91425" bIns="91425" anchor="t" anchorCtr="0">
-            <a:noAutofit/>
-          </a:bodyPr>
-          <a:lstStyle/>
-          <a:p>
-            <a:r>
-              <a:rPr lang="en" dirty="0"/>
-              <a:t>Javascripts has become the defacto technology (except for Mobile apps)</a:t>
-            </a:r>
-          </a:p>
-          <a:p>
-            <a:r>
-              <a:rPr lang="en" dirty="0"/>
-              <a:t>Supported by all browsers</a:t>
-            </a:r>
-          </a:p>
-          <a:p>
-            <a:r>
-              <a:rPr lang="en" dirty="0"/>
-              <a:t>Thanks to Web 2.0 and HTML5, no longer simplistic </a:t>
-            </a:r>
-            <a:r>
-              <a:rPr lang="en" dirty="0" smtClean="0"/>
-              <a:t>applications</a:t>
-            </a:r>
-            <a:endParaRPr lang="en-US" dirty="0" smtClean="0"/>
-          </a:p>
-          <a:p>
-            <a:r>
-              <a:rPr lang="en-US" dirty="0" smtClean="0"/>
-              <a:t>Widely used </a:t>
-            </a:r>
-            <a:r>
-              <a:rPr lang="en" dirty="0" smtClean="0"/>
-              <a:t>  </a:t>
-            </a:r>
-            <a:endParaRPr lang="en" dirty="0"/>
-          </a:p>
-        </p:txBody>
-      </p:sp>
-    </p:spTree>
-    <p:extLst>
-      <p:ext uri="{BB962C8B-B14F-4D97-AF65-F5344CB8AC3E}">
-        <p14:creationId xmlns:p14="http://schemas.microsoft.com/office/powerpoint/2010/main" val="3058789412"/>
       </p:ext>
     </p:extLst>
   </p:cSld>
@@ -7332,7 +10470,7 @@
   <p:cSld>
     <p:spTree>
       <p:nvGrpSpPr>
-        <p:cNvPr id="1" name="Shape 46"/>
+        <p:cNvPr id="1" name="Shape 64"/>
         <p:cNvGrpSpPr/>
         <p:nvPr/>
       </p:nvGrpSpPr>
@@ -7346,7 +10484,7 @@
       </p:grpSpPr>
       <p:sp>
         <p:nvSpPr>
-          <p:cNvPr id="47" name="Shape 47"/>
+          <p:cNvPr id="65" name="Shape 65"/>
           <p:cNvSpPr txBox="1">
             <a:spLocks noGrp="1"/>
           </p:cNvSpPr>
@@ -7356,7 +10494,7 @@
         </p:nvSpPr>
         <p:spPr>
           <a:xfrm>
-            <a:off x="2057400" y="152400"/>
+            <a:off x="1752600" y="274637"/>
             <a:ext cx="6934200" cy="1143200"/>
           </a:xfrm>
           <a:prstGeom prst="rect">
@@ -7369,23 +10507,19 @@
           </a:bodyPr>
           <a:lstStyle/>
           <a:p>
-            <a:pPr lvl="0" rtl="0">
+            <a:pPr>
               <a:buNone/>
             </a:pPr>
             <a:r>
-              <a:rPr lang="en" dirty="0" smtClean="0"/>
-              <a:t>Javascript </a:t>
-            </a:r>
-            <a:r>
-              <a:rPr lang="en" dirty="0"/>
-              <a:t>end to end?</a:t>
-            </a:r>
-          </a:p>
-        </p:txBody>
-      </p:sp>
-      <p:sp>
-        <p:nvSpPr>
-          <p:cNvPr id="48" name="Shape 48"/>
+              <a:rPr lang="en"/>
+              <a:t>Different types of Apps</a:t>
+            </a:r>
+          </a:p>
+        </p:txBody>
+      </p:sp>
+      <p:sp>
+        <p:nvSpPr>
+          <p:cNvPr id="66" name="Shape 66"/>
           <p:cNvSpPr txBox="1">
             <a:spLocks noGrp="1"/>
           </p:cNvSpPr>
@@ -7395,8 +10529,8 @@
         </p:nvSpPr>
         <p:spPr>
           <a:xfrm>
-            <a:off x="1269395" y="1371600"/>
-            <a:ext cx="7848600" cy="4967599"/>
+            <a:off x="990600" y="1600201"/>
+            <a:ext cx="7696200" cy="4967599"/>
           </a:xfrm>
           <a:prstGeom prst="rect">
             <a:avLst/>
@@ -7408,109 +10542,67 @@
           </a:bodyPr>
           <a:lstStyle/>
           <a:p>
-            <a:pPr marL="457200" lvl="0" indent="-342900" rtl="0">
-              <a:buClr>
-                <a:schemeClr val="dk1"/>
-              </a:buClr>
-              <a:buSzPct val="100000"/>
-              <a:buFont typeface="Arial"/>
-              <a:buChar char="●"/>
-            </a:pPr>
+            <a:r>
+              <a:rPr lang="en" dirty="0" smtClean="0"/>
+              <a:t>Client </a:t>
+            </a:r>
             <a:r>
               <a:rPr lang="en" dirty="0"/>
-              <a:t>One technology across the board</a:t>
-            </a:r>
-          </a:p>
-          <a:p>
-            <a:pPr marL="457200" lvl="0" indent="-342900" rtl="0">
-              <a:buClr>
-                <a:schemeClr val="dk1"/>
-              </a:buClr>
-              <a:buSzPct val="100000"/>
-              <a:buFont typeface="Arial"/>
-              <a:buChar char="●"/>
-            </a:pPr>
+              <a:t>side </a:t>
+            </a:r>
+            <a:r>
+              <a:rPr lang="en" dirty="0" smtClean="0"/>
+              <a:t>(</a:t>
+            </a:r>
+            <a:r>
+              <a:rPr lang="en-US" dirty="0" smtClean="0"/>
+              <a:t>Static HTML</a:t>
+            </a:r>
+            <a:r>
+              <a:rPr lang="en" dirty="0" smtClean="0"/>
+              <a:t>)</a:t>
+            </a:r>
+            <a:endParaRPr lang="en" dirty="0"/>
+          </a:p>
+          <a:p>
             <a:r>
               <a:rPr lang="en" dirty="0"/>
-              <a:t>Lesser development complexity</a:t>
-            </a:r>
-          </a:p>
-          <a:p>
-            <a:pPr marL="457200" lvl="0" indent="-342900" rtl="0">
-              <a:buClr>
-                <a:schemeClr val="dk1"/>
-              </a:buClr>
-              <a:buSzPct val="100000"/>
-              <a:buFont typeface="Arial"/>
-              <a:buChar char="●"/>
-            </a:pPr>
+              <a:t>Client driven, blocking (old </a:t>
+            </a:r>
+            <a:r>
+              <a:rPr lang="en-US" dirty="0" smtClean="0"/>
+              <a:t>Forms </a:t>
+            </a:r>
+            <a:r>
+              <a:rPr lang="en" dirty="0" smtClean="0"/>
+              <a:t>based </a:t>
+            </a:r>
             <a:r>
               <a:rPr lang="en" dirty="0"/>
-              <a:t>No complexities in data binding (UI to Business logic thanks to JSON)</a:t>
-            </a:r>
-          </a:p>
-          <a:p>
-            <a:pPr marL="457200" lvl="0" indent="-342900" rtl="0">
-              <a:buClr>
-                <a:schemeClr val="dk1"/>
-              </a:buClr>
-              <a:buSzPct val="100000"/>
-              <a:buFont typeface="Arial"/>
-              <a:buChar char="●"/>
-            </a:pPr>
+              <a:t>submit )</a:t>
+            </a:r>
+          </a:p>
+          <a:p>
             <a:r>
               <a:rPr lang="en" dirty="0"/>
-              <a:t>No serialization / de-serialization</a:t>
-            </a:r>
-          </a:p>
-          <a:p>
-            <a:pPr marL="457200" lvl="0" indent="-342900" rtl="0">
-              <a:buClr>
-                <a:schemeClr val="dk1"/>
-              </a:buClr>
-              <a:buSzPct val="100000"/>
-              <a:buFont typeface="Arial"/>
-              <a:buChar char="●"/>
-            </a:pPr>
+              <a:t>Client driven, non blocking (AJAX)</a:t>
+            </a:r>
+          </a:p>
+          <a:p>
             <a:r>
               <a:rPr lang="en" dirty="0"/>
-              <a:t>Rich space with many common javascript libraries</a:t>
-            </a:r>
-          </a:p>
-          <a:p>
-            <a:pPr marL="457200" lvl="0" indent="-342900" rtl="0">
-              <a:buClr>
-                <a:schemeClr val="dk1"/>
-              </a:buClr>
-              <a:buSzPct val="100000"/>
-              <a:buFont typeface="Arial"/>
-              <a:buChar char="●"/>
-            </a:pPr>
-            <a:r>
-              <a:rPr lang="en" dirty="0"/>
-              <a:t>Rapid application development</a:t>
-            </a:r>
-          </a:p>
-          <a:p>
-            <a:pPr marL="457200" lvl="0" indent="-342900">
-              <a:buClr>
-                <a:schemeClr val="dk1"/>
-              </a:buClr>
-              <a:buSzPct val="100000"/>
-              <a:buFont typeface="Arial"/>
-              <a:buChar char="●"/>
-            </a:pPr>
-            <a:r>
-              <a:rPr lang="en" dirty="0"/>
-              <a:t>No compiling, making &amp; building</a:t>
-            </a:r>
+              <a:t>Client and server driven, non-blocking (web sockets)</a:t>
+            </a:r>
+          </a:p>
+          <a:p>
+            <a:endParaRPr lang="en" dirty="0"/>
           </a:p>
         </p:txBody>
       </p:sp>
     </p:spTree>
     <p:extLst>
       <p:ext uri="{BB962C8B-B14F-4D97-AF65-F5344CB8AC3E}">
-        <p14:creationId xmlns:p14="http://schemas.microsoft.com/office/powerpoint/2010/main" val="783017260"/>
+        <p14:creationId xmlns:p14="http://schemas.microsoft.com/office/powerpoint/2010/main" val="512794065"/>
       </p:ext>
     </p:extLst>
   </p:cSld>
@@ -7528,7 +10620,7 @@
   <p:cSld>
     <p:spTree>
       <p:nvGrpSpPr>
-        <p:cNvPr id="1" name="Shape 52"/>
+        <p:cNvPr id="1" name="Shape 40"/>
         <p:cNvGrpSpPr/>
         <p:nvPr/>
       </p:nvGrpSpPr>
@@ -7542,7 +10634,7 @@
       </p:grpSpPr>
       <p:sp>
         <p:nvSpPr>
-          <p:cNvPr id="53" name="Shape 53"/>
+          <p:cNvPr id="41" name="Shape 41"/>
           <p:cNvSpPr txBox="1">
             <a:spLocks noGrp="1"/>
           </p:cNvSpPr>
@@ -7552,8 +10644,8 @@
         </p:nvSpPr>
         <p:spPr>
           <a:xfrm>
-            <a:off x="1905000" y="457200"/>
-            <a:ext cx="6781800" cy="1143200"/>
+            <a:off x="1828800" y="274637"/>
+            <a:ext cx="6858000" cy="1143200"/>
           </a:xfrm>
           <a:prstGeom prst="rect">
             <a:avLst/>
@@ -7565,19 +10657,32 @@
           </a:bodyPr>
           <a:lstStyle/>
           <a:p>
-            <a:pPr algn="ctr">
+            <a:pPr>
               <a:buNone/>
             </a:pPr>
             <a:r>
               <a:rPr lang="en" dirty="0"/>
-              <a:t>What are the JS end to end Options?</a:t>
-            </a:r>
-          </a:p>
-        </p:txBody>
-      </p:sp>
-      <p:sp>
-        <p:nvSpPr>
-          <p:cNvPr id="54" name="Shape 54"/>
+              <a:t>UI </a:t>
+            </a:r>
+            <a:r>
+              <a:rPr lang="en" dirty="0" smtClean="0"/>
+              <a:t>Technologies</a:t>
+            </a:r>
+            <a:r>
+              <a:rPr lang="en-US" dirty="0" smtClean="0"/>
+              <a:t> (Web Apps)</a:t>
+            </a:r>
+            <a:r>
+              <a:rPr lang="en" dirty="0" smtClean="0"/>
+              <a:t> </a:t>
+            </a:r>
+            <a:endParaRPr lang="en" dirty="0"/>
+          </a:p>
+        </p:txBody>
+      </p:sp>
+      <p:sp>
+        <p:nvSpPr>
+          <p:cNvPr id="42" name="Shape 42"/>
           <p:cNvSpPr txBox="1">
             <a:spLocks noGrp="1"/>
           </p:cNvSpPr>
@@ -7587,8 +10692,8 @@
         </p:nvSpPr>
         <p:spPr>
           <a:xfrm>
-            <a:off x="1066800" y="1524000"/>
-            <a:ext cx="8229600" cy="4739000"/>
+            <a:off x="1219200" y="1600201"/>
+            <a:ext cx="7467600" cy="4967599"/>
           </a:xfrm>
           <a:prstGeom prst="rect">
             <a:avLst/>
@@ -7600,85 +10705,45 @@
           </a:bodyPr>
           <a:lstStyle/>
           <a:p>
-            <a:pPr marL="457200" lvl="0" indent="-419100" rtl="0">
-              <a:buClr>
-                <a:schemeClr val="dk1"/>
-              </a:buClr>
-              <a:buSzPct val="166666"/>
-              <a:buFont typeface="Arial"/>
-              <a:buChar char="•"/>
-            </a:pPr>
             <a:r>
               <a:rPr lang="en" dirty="0"/>
-              <a:t>NodeJS - </a:t>
-            </a:r>
-          </a:p>
-          <a:p>
-            <a:pPr marL="914400" lvl="1" indent="-381000" rtl="0">
-              <a:buClr>
-                <a:schemeClr val="dk1"/>
-              </a:buClr>
-              <a:buSzPct val="80000"/>
-              <a:buFont typeface="Courier New"/>
-              <a:buChar char="o"/>
-            </a:pPr>
+              <a:t>Javascripts has become the defacto technology (except for Mobile apps)</a:t>
+            </a:r>
+          </a:p>
+          <a:p>
             <a:r>
               <a:rPr lang="en" dirty="0"/>
-              <a:t>Built as the runtime for Chrome Browser </a:t>
-            </a:r>
-          </a:p>
-          <a:p>
-            <a:pPr marL="914400" lvl="1" indent="-381000" rtl="0">
-              <a:buClr>
-                <a:schemeClr val="dk1"/>
-              </a:buClr>
-              <a:buSzPct val="80000"/>
-              <a:buFont typeface="Courier New"/>
-              <a:buChar char="o"/>
-            </a:pPr>
+              <a:t>Supported by all browsers</a:t>
+            </a:r>
+          </a:p>
+          <a:p>
             <a:r>
               <a:rPr lang="en" dirty="0"/>
-              <a:t>event driven, non-blocking processing</a:t>
-            </a:r>
-          </a:p>
-          <a:p>
-            <a:pPr marL="457200" lvl="0" indent="-419100" rtl="0">
-              <a:buClr>
-                <a:schemeClr val="dk1"/>
-              </a:buClr>
-              <a:buSzPct val="166666"/>
-              <a:buFont typeface="Arial"/>
-              <a:buChar char="•"/>
-            </a:pPr>
-            <a:r>
-              <a:rPr lang="en" dirty="0"/>
-              <a:t>Jaggery </a:t>
-            </a:r>
-          </a:p>
-          <a:p>
-            <a:pPr marL="914400" lvl="1" indent="-381000">
-              <a:buClr>
-                <a:schemeClr val="dk1"/>
-              </a:buClr>
-              <a:buSzPct val="80000"/>
-              <a:buFont typeface="Courier New"/>
-              <a:buChar char="o"/>
-            </a:pPr>
-            <a:r>
-              <a:rPr lang="en" dirty="0"/>
-              <a:t>WSO2 </a:t>
-            </a:r>
+              <a:t>Thanks to Web 2.0 and HTML5, no longer simplistic </a:t>
+            </a:r>
+            <a:r>
+              <a:rPr lang="en" dirty="0" smtClean="0"/>
+              <a:t>applications</a:t>
+            </a:r>
+            <a:endParaRPr lang="en-US" dirty="0" smtClean="0"/>
+          </a:p>
+          <a:p>
             <a:r>
               <a:rPr lang="en-US" dirty="0" smtClean="0"/>
-              <a:t>Dynamic User Application  development technology </a:t>
-            </a:r>
+              <a:t>Widely used </a:t>
+            </a:r>
+            <a:r>
+              <a:rPr lang="en" dirty="0" smtClean="0"/>
+              <a:t>  </a:t>
+            </a:r>
+            <a:endParaRPr lang="en" dirty="0"/>
           </a:p>
         </p:txBody>
       </p:sp>
     </p:spTree>
     <p:extLst>
       <p:ext uri="{BB962C8B-B14F-4D97-AF65-F5344CB8AC3E}">
-        <p14:creationId xmlns:p14="http://schemas.microsoft.com/office/powerpoint/2010/main" val="212883198"/>
+        <p14:creationId xmlns:p14="http://schemas.microsoft.com/office/powerpoint/2010/main" val="3058789412"/>
       </p:ext>
     </p:extLst>
   </p:cSld>
@@ -7696,7 +10761,7 @@
   <p:cSld>
     <p:spTree>
       <p:nvGrpSpPr>
-        <p:cNvPr id="1" name="Shape 58"/>
+        <p:cNvPr id="1" name=""/>
         <p:cNvGrpSpPr/>
         <p:nvPr/>
       </p:nvGrpSpPr>
@@ -7710,8 +10775,8 @@
       </p:grpSpPr>
       <p:sp>
         <p:nvSpPr>
-          <p:cNvPr id="59" name="Shape 59"/>
-          <p:cNvSpPr txBox="1">
+          <p:cNvPr id="2" name="Title 1"/>
+          <p:cNvSpPr>
             <a:spLocks noGrp="1"/>
           </p:cNvSpPr>
           <p:nvPr>
@@ -7720,105 +10785,269 @@
         </p:nvSpPr>
         <p:spPr>
           <a:xfrm>
-            <a:off x="2057400" y="228600"/>
-            <a:ext cx="8229600" cy="1143200"/>
+            <a:off x="1828800" y="274637"/>
+            <a:ext cx="6858000" cy="1143000"/>
+          </a:xfrm>
+        </p:spPr>
+        <p:txBody>
+          <a:bodyPr/>
+          <a:lstStyle/>
+          <a:p>
+            <a:r>
+              <a:rPr lang="en" dirty="0"/>
+              <a:t>Javascript end to end?</a:t>
+            </a:r>
+            <a:endParaRPr lang="en-US" dirty="0"/>
+          </a:p>
+        </p:txBody>
+      </p:sp>
+      <p:sp>
+        <p:nvSpPr>
+          <p:cNvPr id="3" name="Text Placeholder 2"/>
+          <p:cNvSpPr>
+            <a:spLocks noGrp="1"/>
+          </p:cNvSpPr>
+          <p:nvPr>
+            <p:ph type="body" idx="1"/>
+          </p:nvPr>
+        </p:nvSpPr>
+        <p:spPr/>
+        <p:txBody>
+          <a:bodyPr/>
+          <a:lstStyle/>
+          <a:p>
+            <a:endParaRPr lang="en-US" dirty="0"/>
+          </a:p>
+        </p:txBody>
+      </p:sp>
+      <p:pic>
+        <p:nvPicPr>
+          <p:cNvPr id="4" name="Picture 3" descr="ServerArch.png"/>
+          <p:cNvPicPr>
+            <a:picLocks noChangeAspect="1"/>
+          </p:cNvPicPr>
+          <p:nvPr/>
+        </p:nvPicPr>
+        <p:blipFill>
+          <a:blip r:embed="rId2">
+            <a:extLst>
+              <a:ext uri="{28A0092B-C50C-407E-A947-70E740481C1C}">
+                <a14:useLocalDpi xmlns:a14="http://schemas.microsoft.com/office/drawing/2010/main" val="0"/>
+              </a:ext>
+            </a:extLst>
+          </a:blip>
+          <a:stretch>
+            <a:fillRect/>
+          </a:stretch>
+        </p:blipFill>
+        <p:spPr>
+          <a:xfrm>
+            <a:off x="228600" y="1524000"/>
+            <a:ext cx="8696775" cy="3048000"/>
           </a:xfrm>
           <a:prstGeom prst="rect">
             <a:avLst/>
           </a:prstGeom>
         </p:spPr>
-        <p:txBody>
-          <a:bodyPr lIns="91425" tIns="91425" rIns="91425" bIns="91425" anchor="b" anchorCtr="0">
-            <a:noAutofit/>
-          </a:bodyPr>
-          <a:lstStyle/>
-          <a:p>
-            <a:pPr>
-              <a:buNone/>
-            </a:pPr>
-            <a:r>
-              <a:rPr lang="en" dirty="0"/>
-              <a:t>Introduction to Jaggery</a:t>
-            </a:r>
-          </a:p>
-        </p:txBody>
-      </p:sp>
-      <p:sp>
-        <p:nvSpPr>
-          <p:cNvPr id="60" name="Shape 60"/>
+      </p:pic>
+      <p:sp>
+        <p:nvSpPr>
+          <p:cNvPr id="5" name="Shape 48"/>
           <p:cNvSpPr txBox="1">
-            <a:spLocks noGrp="1"/>
-          </p:cNvSpPr>
-          <p:nvPr>
-            <p:ph type="body" idx="1"/>
-          </p:nvPr>
-        </p:nvSpPr>
-        <p:spPr>
-          <a:xfrm>
-            <a:off x="1143000" y="1600201"/>
-            <a:ext cx="7543800" cy="4967599"/>
+            <a:spLocks/>
+          </p:cNvSpPr>
+          <p:nvPr/>
+        </p:nvSpPr>
+        <p:spPr>
+          <a:xfrm>
+            <a:off x="838200" y="4724400"/>
+            <a:ext cx="7848600" cy="1614799"/>
           </a:xfrm>
           <a:prstGeom prst="rect">
             <a:avLst/>
           </a:prstGeom>
         </p:spPr>
         <p:txBody>
-          <a:bodyPr lIns="91425" tIns="91425" rIns="91425" bIns="91425" anchor="t" anchorCtr="0">
+          <a:bodyPr vert="horz" lIns="91425" tIns="91425" rIns="91425" bIns="91425" rtlCol="0" anchor="t" anchorCtr="0">
             <a:noAutofit/>
           </a:bodyPr>
-          <a:lstStyle/>
-          <a:p>
-            <a:r>
-              <a:rPr lang="en-US" dirty="0" smtClean="0"/>
-              <a:t>Like </a:t>
-            </a:r>
-            <a:r>
-              <a:rPr lang="en-US" dirty="0" smtClean="0"/>
-              <a:t>JSP/ PHP, </a:t>
-            </a:r>
-            <a:r>
-              <a:rPr lang="en-US" dirty="0" smtClean="0"/>
-              <a:t>but user writes code in java script </a:t>
-            </a:r>
-          </a:p>
-          <a:p>
-            <a:r>
-              <a:rPr lang="en-US" dirty="0" smtClean="0"/>
-              <a:t>Runs as a Web app (e.g. tomcat)</a:t>
-            </a:r>
-          </a:p>
-          <a:p>
-            <a:r>
-              <a:rPr lang="en-US" dirty="0" smtClean="0"/>
-              <a:t>Runs on top of Java </a:t>
-            </a:r>
-          </a:p>
-          <a:p>
-            <a:r>
-              <a:rPr lang="en-US" dirty="0" smtClean="0"/>
-              <a:t>Provides very close integration with WSO2 Products (e.g. </a:t>
-            </a:r>
-            <a:r>
-              <a:rPr lang="en-US" dirty="0" smtClean="0"/>
-              <a:t>Users, Web service calls, access registry, access OSGI calls etc.  )</a:t>
-            </a:r>
-            <a:endParaRPr dirty="0"/>
+          <a:lstStyle>
+            <a:lvl1pPr marL="342900" indent="-342900" algn="l" defTabSz="914400" rtl="0" eaLnBrk="1" latinLnBrk="0" hangingPunct="1">
+              <a:spcBef>
+                <a:spcPct val="20000"/>
+              </a:spcBef>
+              <a:buFont typeface="Arial" pitchFamily="34" charset="0"/>
+              <a:buChar char="•"/>
+              <a:defRPr sz="3200" kern="1200">
+                <a:solidFill>
+                  <a:sysClr val="windowText" lastClr="000000"/>
+                </a:solidFill>
+                <a:latin typeface="+mn-lt"/>
+                <a:ea typeface="+mn-ea"/>
+                <a:cs typeface="+mn-cs"/>
+              </a:defRPr>
+            </a:lvl1pPr>
+            <a:lvl2pPr marL="742950" indent="457200" algn="l" defTabSz="914400" rtl="0" eaLnBrk="1" latinLnBrk="0" hangingPunct="1">
+              <a:spcBef>
+                <a:spcPct val="20000"/>
+              </a:spcBef>
+              <a:buFont typeface="Arial" pitchFamily="34" charset="0"/>
+              <a:buChar char="–"/>
+              <a:defRPr sz="2800" kern="1200">
+                <a:solidFill>
+                  <a:sysClr val="windowText" lastClr="000000"/>
+                </a:solidFill>
+                <a:latin typeface="+mn-lt"/>
+                <a:ea typeface="+mn-ea"/>
+                <a:cs typeface="+mn-cs"/>
+              </a:defRPr>
+            </a:lvl2pPr>
+            <a:lvl3pPr marL="1143000" indent="914400" algn="l" defTabSz="914400" rtl="0" eaLnBrk="1" latinLnBrk="0" hangingPunct="1">
+              <a:spcBef>
+                <a:spcPct val="20000"/>
+              </a:spcBef>
+              <a:buFont typeface="Arial" pitchFamily="34" charset="0"/>
+              <a:buChar char="•"/>
+              <a:defRPr sz="2000" kern="1200">
+                <a:solidFill>
+                  <a:sysClr val="windowText" lastClr="000000"/>
+                </a:solidFill>
+                <a:latin typeface="+mn-lt"/>
+                <a:ea typeface="+mn-ea"/>
+                <a:cs typeface="+mn-cs"/>
+              </a:defRPr>
+            </a:lvl3pPr>
+            <a:lvl4pPr marL="1600200" indent="1371600" algn="l" defTabSz="914400" rtl="0" eaLnBrk="1" latinLnBrk="0" hangingPunct="1">
+              <a:spcBef>
+                <a:spcPct val="20000"/>
+              </a:spcBef>
+              <a:buFont typeface="Arial" pitchFamily="34" charset="0"/>
+              <a:buChar char="–"/>
+              <a:defRPr sz="1800" kern="1200">
+                <a:solidFill>
+                  <a:sysClr val="windowText" lastClr="000000"/>
+                </a:solidFill>
+                <a:latin typeface="+mn-lt"/>
+                <a:ea typeface="+mn-ea"/>
+                <a:cs typeface="+mn-cs"/>
+              </a:defRPr>
+            </a:lvl4pPr>
+            <a:lvl5pPr marL="2057400" indent="-228600" algn="l" defTabSz="914400" rtl="0" eaLnBrk="1" latinLnBrk="0" hangingPunct="1">
+              <a:spcBef>
+                <a:spcPct val="20000"/>
+              </a:spcBef>
+              <a:buFont typeface="Arial" pitchFamily="34" charset="0"/>
+              <a:buChar char="»"/>
+              <a:defRPr sz="1400" kern="1200">
+                <a:solidFill>
+                  <a:sysClr val="windowText" lastClr="000000"/>
+                </a:solidFill>
+                <a:latin typeface="+mn-lt"/>
+                <a:ea typeface="+mn-ea"/>
+                <a:cs typeface="+mn-cs"/>
+              </a:defRPr>
+            </a:lvl5pPr>
+            <a:lvl6pPr marL="2514600" indent="-228600" algn="l" defTabSz="914400" rtl="0" eaLnBrk="1" latinLnBrk="0" hangingPunct="1">
+              <a:spcBef>
+                <a:spcPct val="20000"/>
+              </a:spcBef>
+              <a:buFont typeface="Arial" pitchFamily="34" charset="0"/>
+              <a:buChar char="•"/>
+              <a:defRPr sz="2000" kern="1200">
+                <a:solidFill>
+                  <a:schemeClr val="tx1"/>
+                </a:solidFill>
+                <a:latin typeface="+mn-lt"/>
+                <a:ea typeface="+mn-ea"/>
+                <a:cs typeface="+mn-cs"/>
+              </a:defRPr>
+            </a:lvl6pPr>
+            <a:lvl7pPr marL="2971800" indent="-228600" algn="l" defTabSz="914400" rtl="0" eaLnBrk="1" latinLnBrk="0" hangingPunct="1">
+              <a:spcBef>
+                <a:spcPct val="20000"/>
+              </a:spcBef>
+              <a:buFont typeface="Arial" pitchFamily="34" charset="0"/>
+              <a:buChar char="•"/>
+              <a:defRPr sz="2000" kern="1200">
+                <a:solidFill>
+                  <a:schemeClr val="tx1"/>
+                </a:solidFill>
+                <a:latin typeface="+mn-lt"/>
+                <a:ea typeface="+mn-ea"/>
+                <a:cs typeface="+mn-cs"/>
+              </a:defRPr>
+            </a:lvl7pPr>
+            <a:lvl8pPr marL="3429000" indent="-228600" algn="l" defTabSz="914400" rtl="0" eaLnBrk="1" latinLnBrk="0" hangingPunct="1">
+              <a:spcBef>
+                <a:spcPct val="20000"/>
+              </a:spcBef>
+              <a:buFont typeface="Arial" pitchFamily="34" charset="0"/>
+              <a:buChar char="•"/>
+              <a:defRPr sz="2000" kern="1200">
+                <a:solidFill>
+                  <a:schemeClr val="tx1"/>
+                </a:solidFill>
+                <a:latin typeface="+mn-lt"/>
+                <a:ea typeface="+mn-ea"/>
+                <a:cs typeface="+mn-cs"/>
+              </a:defRPr>
+            </a:lvl8pPr>
+            <a:lvl9pPr marL="3886200" indent="-228600" algn="l" defTabSz="914400" rtl="0" eaLnBrk="1" latinLnBrk="0" hangingPunct="1">
+              <a:spcBef>
+                <a:spcPct val="20000"/>
+              </a:spcBef>
+              <a:buFont typeface="Arial" pitchFamily="34" charset="0"/>
+              <a:buChar char="•"/>
+              <a:defRPr sz="2000" kern="1200">
+                <a:solidFill>
+                  <a:schemeClr val="tx1"/>
+                </a:solidFill>
+                <a:latin typeface="+mn-lt"/>
+                <a:ea typeface="+mn-ea"/>
+                <a:cs typeface="+mn-cs"/>
+              </a:defRPr>
+            </a:lvl9pPr>
+          </a:lstStyle>
+          <a:p>
+            <a:pPr marL="457200">
+              <a:buClr>
+                <a:schemeClr val="dk1"/>
+              </a:buClr>
+              <a:buSzPct val="100000"/>
+              <a:buFont typeface="Arial"/>
+              <a:buChar char="●"/>
+            </a:pPr>
+            <a:r>
+              <a:rPr lang="en" dirty="0" smtClean="0"/>
+              <a:t>One technology across the board</a:t>
+            </a:r>
+          </a:p>
+          <a:p>
+            <a:pPr marL="457200">
+              <a:buClr>
+                <a:schemeClr val="dk1"/>
+              </a:buClr>
+              <a:buSzPct val="100000"/>
+              <a:buFont typeface="Arial"/>
+              <a:buChar char="●"/>
+            </a:pPr>
+            <a:r>
+              <a:rPr lang="en" dirty="0" smtClean="0"/>
+              <a:t>Lesser development complexity</a:t>
+            </a:r>
           </a:p>
         </p:txBody>
       </p:sp>
     </p:spTree>
     <p:extLst>
       <p:ext uri="{BB962C8B-B14F-4D97-AF65-F5344CB8AC3E}">
-        <p14:creationId xmlns:p14="http://schemas.microsoft.com/office/powerpoint/2010/main" val="644319812"/>
+        <p14:creationId xmlns:p14="http://schemas.microsoft.com/office/powerpoint/2010/main" val="1076779431"/>
       </p:ext>
     </p:extLst>
   </p:cSld>
   <p:clrMapOvr>
     <a:masterClrMapping/>
   </p:clrMapOvr>
-  <p:transition xmlns:p14="http://schemas.microsoft.com/office/powerpoint/2010/main" spd="slow">
-    <p:cut/>
-  </p:transition>
 </p:sld>
 </file>
 
@@ -7827,7 +11056,7 @@
   <p:cSld>
     <p:spTree>
       <p:nvGrpSpPr>
-        <p:cNvPr id="1" name="Shape 64"/>
+        <p:cNvPr id="1" name="Shape 46"/>
         <p:cNvGrpSpPr/>
         <p:nvPr/>
       </p:nvGrpSpPr>
@@ -7841,7 +11070,7 @@
       </p:grpSpPr>
       <p:sp>
         <p:nvSpPr>
-          <p:cNvPr id="65" name="Shape 65"/>
+          <p:cNvPr id="47" name="Shape 47"/>
           <p:cNvSpPr txBox="1">
             <a:spLocks noGrp="1"/>
           </p:cNvSpPr>
@@ -7851,8 +11080,8 @@
         </p:nvSpPr>
         <p:spPr>
           <a:xfrm>
-            <a:off x="1752600" y="274637"/>
-            <a:ext cx="6934200" cy="1143200"/>
+            <a:off x="2057400" y="152400"/>
+            <a:ext cx="6019800" cy="1143200"/>
           </a:xfrm>
           <a:prstGeom prst="rect">
             <a:avLst/>
@@ -7864,19 +11093,32 @@
           </a:bodyPr>
           <a:lstStyle/>
           <a:p>
-            <a:pPr>
+            <a:pPr lvl="0" rtl="0">
               <a:buNone/>
             </a:pPr>
             <a:r>
-              <a:rPr lang="en"/>
-              <a:t>Different types of Apps</a:t>
-            </a:r>
-          </a:p>
-        </p:txBody>
-      </p:sp>
-      <p:sp>
-        <p:nvSpPr>
-          <p:cNvPr id="66" name="Shape 66"/>
+              <a:rPr lang="en" dirty="0" smtClean="0"/>
+              <a:t>Javascript </a:t>
+            </a:r>
+            <a:r>
+              <a:rPr lang="en" dirty="0"/>
+              <a:t>end to end</a:t>
+            </a:r>
+            <a:r>
+              <a:rPr lang="en" dirty="0" smtClean="0"/>
+              <a:t>?</a:t>
+            </a:r>
+            <a:r>
+              <a:rPr lang="en-US" dirty="0" smtClean="0"/>
+              <a:t> </a:t>
+            </a:r>
+            <a:endParaRPr lang="en" dirty="0"/>
+          </a:p>
+        </p:txBody>
+      </p:sp>
+      <p:sp>
+        <p:nvSpPr>
+          <p:cNvPr id="48" name="Shape 48"/>
           <p:cNvSpPr txBox="1">
             <a:spLocks noGrp="1"/>
           </p:cNvSpPr>
@@ -7886,8 +11128,8 @@
         </p:nvSpPr>
         <p:spPr>
           <a:xfrm>
-            <a:off x="990600" y="1600201"/>
-            <a:ext cx="7696200" cy="4967599"/>
+            <a:off x="1269395" y="1371600"/>
+            <a:ext cx="7848600" cy="4967599"/>
           </a:xfrm>
           <a:prstGeom prst="rect">
             <a:avLst/>
@@ -7899,51 +11141,85 @@
           </a:bodyPr>
           <a:lstStyle/>
           <a:p>
+            <a:pPr marL="457200" lvl="0" indent="-342900" rtl="0">
+              <a:buClr>
+                <a:schemeClr val="dk1"/>
+              </a:buClr>
+              <a:buSzPct val="100000"/>
+              <a:buFont typeface="Arial"/>
+              <a:buChar char="●"/>
+            </a:pPr>
+            <a:r>
+              <a:rPr lang="en" dirty="0" smtClean="0"/>
+              <a:t>No </a:t>
+            </a:r>
             <a:r>
               <a:rPr lang="en" dirty="0"/>
-              <a:t>Client side </a:t>
-            </a:r>
-            <a:r>
-              <a:rPr lang="en" dirty="0" smtClean="0"/>
-              <a:t>(</a:t>
-            </a:r>
-            <a:r>
-              <a:rPr lang="en-US" smtClean="0"/>
-              <a:t>Static HTML</a:t>
-            </a:r>
-            <a:r>
-              <a:rPr lang="en" smtClean="0"/>
-              <a:t>)</a:t>
-            </a:r>
-            <a:endParaRPr lang="en" dirty="0"/>
-          </a:p>
-          <a:p>
+              <a:t>complexities in data binding (UI to Business logic thanks to JSON)</a:t>
+            </a:r>
+          </a:p>
+          <a:p>
+            <a:pPr marL="457200" lvl="0" indent="-342900" rtl="0">
+              <a:buClr>
+                <a:schemeClr val="dk1"/>
+              </a:buClr>
+              <a:buSzPct val="100000"/>
+              <a:buFont typeface="Arial"/>
+              <a:buChar char="●"/>
+            </a:pPr>
             <a:r>
               <a:rPr lang="en" dirty="0"/>
-              <a:t>Client driven, blocking (old from based submit )</a:t>
-            </a:r>
-          </a:p>
-          <a:p>
+              <a:t>No serialization / de-serialization</a:t>
+            </a:r>
+          </a:p>
+          <a:p>
+            <a:pPr marL="457200" lvl="0" indent="-342900" rtl="0">
+              <a:buClr>
+                <a:schemeClr val="dk1"/>
+              </a:buClr>
+              <a:buSzPct val="100000"/>
+              <a:buFont typeface="Arial"/>
+              <a:buChar char="●"/>
+            </a:pPr>
             <a:r>
               <a:rPr lang="en" dirty="0"/>
-              <a:t>Client driven, non blocking (AJAX)</a:t>
-            </a:r>
-          </a:p>
-          <a:p>
+              <a:t>Rich space with many common javascript libraries</a:t>
+            </a:r>
+          </a:p>
+          <a:p>
+            <a:pPr marL="457200" lvl="0" indent="-342900" rtl="0">
+              <a:buClr>
+                <a:schemeClr val="dk1"/>
+              </a:buClr>
+              <a:buSzPct val="100000"/>
+              <a:buFont typeface="Arial"/>
+              <a:buChar char="●"/>
+            </a:pPr>
             <a:r>
               <a:rPr lang="en" dirty="0"/>
-              <a:t>Client and server driven, non-blocking (web sockets)</a:t>
-            </a:r>
-          </a:p>
-          <a:p>
-            <a:endParaRPr lang="en" dirty="0"/>
+              <a:t>Rapid application development</a:t>
+            </a:r>
+          </a:p>
+          <a:p>
+            <a:pPr marL="457200" lvl="0" indent="-342900">
+              <a:buClr>
+                <a:schemeClr val="dk1"/>
+              </a:buClr>
+              <a:buSzPct val="100000"/>
+              <a:buFont typeface="Arial"/>
+              <a:buChar char="●"/>
+            </a:pPr>
+            <a:r>
+              <a:rPr lang="en" dirty="0"/>
+              <a:t>No compiling, making &amp; building</a:t>
+            </a:r>
           </a:p>
         </p:txBody>
       </p:sp>
     </p:spTree>
     <p:extLst>
       <p:ext uri="{BB962C8B-B14F-4D97-AF65-F5344CB8AC3E}">
-        <p14:creationId xmlns:p14="http://schemas.microsoft.com/office/powerpoint/2010/main" val="2272683454"/>
+        <p14:creationId xmlns:p14="http://schemas.microsoft.com/office/powerpoint/2010/main" val="783017260"/>
       </p:ext>
     </p:extLst>
   </p:cSld>
@@ -7961,7 +11237,7 @@
   <p:cSld>
     <p:spTree>
       <p:nvGrpSpPr>
-        <p:cNvPr id="1" name="Shape 70"/>
+        <p:cNvPr id="1" name="Shape 52"/>
         <p:cNvGrpSpPr/>
         <p:nvPr/>
       </p:nvGrpSpPr>
@@ -7975,7 +11251,7 @@
       </p:grpSpPr>
       <p:sp>
         <p:nvSpPr>
-          <p:cNvPr id="71" name="Shape 71"/>
+          <p:cNvPr id="53" name="Shape 53"/>
           <p:cNvSpPr txBox="1">
             <a:spLocks noGrp="1"/>
           </p:cNvSpPr>
@@ -7985,8 +11261,8 @@
         </p:nvSpPr>
         <p:spPr>
           <a:xfrm>
-            <a:off x="457200" y="274637"/>
-            <a:ext cx="8229600" cy="1143200"/>
+            <a:off x="1905000" y="457200"/>
+            <a:ext cx="6781800" cy="1143200"/>
           </a:xfrm>
           <a:prstGeom prst="rect">
             <a:avLst/>
@@ -7998,19 +11274,19 @@
           </a:bodyPr>
           <a:lstStyle/>
           <a:p>
-            <a:pPr>
+            <a:pPr algn="ctr">
               <a:buNone/>
             </a:pPr>
             <a:r>
-              <a:rPr lang="en"/>
-              <a:t>Install Jaggery</a:t>
-            </a:r>
-          </a:p>
-        </p:txBody>
-      </p:sp>
-      <p:sp>
-        <p:nvSpPr>
-          <p:cNvPr id="72" name="Shape 72"/>
+              <a:rPr lang="en" dirty="0"/>
+              <a:t>What are the JS end to end Options?</a:t>
+            </a:r>
+          </a:p>
+        </p:txBody>
+      </p:sp>
+      <p:sp>
+        <p:nvSpPr>
+          <p:cNvPr id="54" name="Shape 54"/>
           <p:cNvSpPr txBox="1">
             <a:spLocks noGrp="1"/>
           </p:cNvSpPr>
@@ -8020,8 +11296,8 @@
         </p:nvSpPr>
         <p:spPr>
           <a:xfrm>
-            <a:off x="457200" y="1600201"/>
-            <a:ext cx="8229600" cy="4967599"/>
+            <a:off x="1066800" y="1524000"/>
+            <a:ext cx="8229600" cy="4739000"/>
           </a:xfrm>
           <a:prstGeom prst="rect">
             <a:avLst/>
@@ -8033,14 +11309,99 @@
           </a:bodyPr>
           <a:lstStyle/>
           <a:p>
-            <a:endParaRPr/>
+            <a:pPr marL="457200" lvl="0" indent="-419100" rtl="0">
+              <a:buClr>
+                <a:schemeClr val="dk1"/>
+              </a:buClr>
+              <a:buSzPct val="166666"/>
+              <a:buFont typeface="Arial"/>
+              <a:buChar char="•"/>
+            </a:pPr>
+            <a:r>
+              <a:rPr lang="en" dirty="0"/>
+              <a:t>NodeJS - </a:t>
+            </a:r>
+          </a:p>
+          <a:p>
+            <a:pPr marL="914400" lvl="1" indent="-381000" rtl="0">
+              <a:buClr>
+                <a:schemeClr val="dk1"/>
+              </a:buClr>
+              <a:buSzPct val="80000"/>
+              <a:buFont typeface="Courier New"/>
+              <a:buChar char="o"/>
+            </a:pPr>
+            <a:r>
+              <a:rPr lang="en" dirty="0"/>
+              <a:t>Built as the runtime for Chrome Browser </a:t>
+            </a:r>
+          </a:p>
+          <a:p>
+            <a:pPr marL="914400" lvl="1" indent="-381000" rtl="0">
+              <a:buClr>
+                <a:schemeClr val="dk1"/>
+              </a:buClr>
+              <a:buSzPct val="80000"/>
+              <a:buFont typeface="Courier New"/>
+              <a:buChar char="o"/>
+            </a:pPr>
+            <a:r>
+              <a:rPr lang="en" dirty="0"/>
+              <a:t>event driven, non-blocking processing</a:t>
+            </a:r>
+          </a:p>
+          <a:p>
+            <a:pPr marL="457200" lvl="0" indent="-419100" rtl="0">
+              <a:buClr>
+                <a:schemeClr val="dk1"/>
+              </a:buClr>
+              <a:buSzPct val="166666"/>
+              <a:buFont typeface="Arial"/>
+              <a:buChar char="•"/>
+            </a:pPr>
+            <a:r>
+              <a:rPr lang="en" dirty="0"/>
+              <a:t>Jaggery </a:t>
+            </a:r>
+          </a:p>
+          <a:p>
+            <a:pPr marL="914400" lvl="1" indent="-381000">
+              <a:buClr>
+                <a:schemeClr val="dk1"/>
+              </a:buClr>
+              <a:buSzPct val="80000"/>
+              <a:buFont typeface="Courier New"/>
+              <a:buChar char="o"/>
+            </a:pPr>
+            <a:r>
+              <a:rPr lang="en" dirty="0"/>
+              <a:t>WSO2 </a:t>
+            </a:r>
+            <a:r>
+              <a:rPr lang="en-US" dirty="0" smtClean="0"/>
+              <a:t>Dynamic User Application  development technology</a:t>
+            </a:r>
+          </a:p>
+          <a:p>
+            <a:pPr marL="914400" lvl="1" indent="-381000">
+              <a:buClr>
+                <a:schemeClr val="dk1"/>
+              </a:buClr>
+              <a:buSzPct val="80000"/>
+              <a:buFont typeface="Courier New"/>
+              <a:buChar char="o"/>
+            </a:pPr>
+            <a:r>
+              <a:rPr lang="en-US" dirty="0" smtClean="0"/>
+              <a:t>Provides scripting support for UIs unlike JSP. </a:t>
+            </a:r>
           </a:p>
         </p:txBody>
       </p:sp>
     </p:spTree>
     <p:extLst>
       <p:ext uri="{BB962C8B-B14F-4D97-AF65-F5344CB8AC3E}">
-        <p14:creationId xmlns:p14="http://schemas.microsoft.com/office/powerpoint/2010/main" val="60006801"/>
+        <p14:creationId xmlns:p14="http://schemas.microsoft.com/office/powerpoint/2010/main" val="212883198"/>
       </p:ext>
     </p:extLst>
   </p:cSld>
@@ -8339,6 +11700,291 @@
 </file>
 
 <file path=ppt/theme/theme2.xml><?xml version="1.0" encoding="utf-8"?>
+<a:theme xmlns:a="http://schemas.openxmlformats.org/drawingml/2006/main" name="1_WSO2Con2013-NormalScreen-White">
+  <a:themeElements>
+    <a:clrScheme name="Office">
+      <a:dk1>
+        <a:sysClr val="windowText" lastClr="000000"/>
+      </a:dk1>
+      <a:lt1>
+        <a:sysClr val="window" lastClr="FFFFFF"/>
+      </a:lt1>
+      <a:dk2>
+        <a:srgbClr val="1F497D"/>
+      </a:dk2>
+      <a:lt2>
+        <a:srgbClr val="EEECE1"/>
+      </a:lt2>
+      <a:accent1>
+        <a:srgbClr val="4F81BD"/>
+      </a:accent1>
+      <a:accent2>
+        <a:srgbClr val="C0504D"/>
+      </a:accent2>
+      <a:accent3>
+        <a:srgbClr val="9BBB59"/>
+      </a:accent3>
+      <a:accent4>
+        <a:srgbClr val="8064A2"/>
+      </a:accent4>
+      <a:accent5>
+        <a:srgbClr val="4BACC6"/>
+      </a:accent5>
+      <a:accent6>
+        <a:srgbClr val="F79646"/>
+      </a:accent6>
+      <a:hlink>
+        <a:srgbClr val="0000FF"/>
+      </a:hlink>
+      <a:folHlink>
+        <a:srgbClr val="800080"/>
+      </a:folHlink>
+    </a:clrScheme>
+    <a:fontScheme name="Office">
+      <a:majorFont>
+        <a:latin typeface="Calibri"/>
+        <a:ea typeface=""/>
+        <a:cs typeface=""/>
+        <a:font script="Jpan" typeface="ＭＳ Ｐゴシック"/>
+        <a:font script="Hang" typeface="맑은 고딕"/>
+        <a:font script="Hans" typeface="宋体"/>
+        <a:font script="Hant" typeface="新細明體"/>
+        <a:font script="Arab" typeface="Times New Roman"/>
+        <a:font script="Hebr" typeface="Times New Roman"/>
+        <a:font script="Thai" typeface="Angsana New"/>
+        <a:font script="Ethi" typeface="Nyala"/>
+        <a:font script="Beng" typeface="Vrinda"/>
+        <a:font script="Gujr" typeface="Shruti"/>
+        <a:font script="Khmr" typeface="MoolBoran"/>
+        <a:font script="Knda" typeface="Tunga"/>
+        <a:font script="Guru" typeface="Raavi"/>
+        <a:font script="Cans" typeface="Euphemia"/>
+        <a:font script="Cher" typeface="Plantagenet Cherokee"/>
+        <a:font script="Yiii" typeface="Microsoft Yi Baiti"/>
+        <a:font script="Tibt" typeface="Microsoft Himalaya"/>
+        <a:font script="Thaa" typeface="MV Boli"/>
+        <a:font script="Deva" typeface="Mangal"/>
+        <a:font script="Telu" typeface="Gautami"/>
+        <a:font script="Taml" typeface="Latha"/>
+        <a:font script="Syrc" typeface="Estrangelo Edessa"/>
+        <a:font script="Orya" typeface="Kalinga"/>
+        <a:font script="Mlym" typeface="Kartika"/>
+        <a:font script="Laoo" typeface="DokChampa"/>
+        <a:font script="Sinh" typeface="Iskoola Pota"/>
+        <a:font script="Mong" typeface="Mongolian Baiti"/>
+        <a:font script="Viet" typeface="Times New Roman"/>
+        <a:font script="Uigh" typeface="Microsoft Uighur"/>
+        <a:font script="Geor" typeface="Sylfaen"/>
+      </a:majorFont>
+      <a:minorFont>
+        <a:latin typeface="Calibri"/>
+        <a:ea typeface=""/>
+        <a:cs typeface=""/>
+        <a:font script="Jpan" typeface="ＭＳ Ｐゴシック"/>
+        <a:font script="Hang" typeface="맑은 고딕"/>
+        <a:font script="Hans" typeface="宋体"/>
+        <a:font script="Hant" typeface="新細明體"/>
+        <a:font script="Arab" typeface="Arial"/>
+        <a:font script="Hebr" typeface="Arial"/>
+        <a:font script="Thai" typeface="Cordia New"/>
+        <a:font script="Ethi" typeface="Nyala"/>
+        <a:font script="Beng" typeface="Vrinda"/>
+        <a:font script="Gujr" typeface="Shruti"/>
+        <a:font script="Khmr" typeface="DaunPenh"/>
+        <a:font script="Knda" typeface="Tunga"/>
+        <a:font script="Guru" typeface="Raavi"/>
+        <a:font script="Cans" typeface="Euphemia"/>
+        <a:font script="Cher" typeface="Plantagenet Cherokee"/>
+        <a:font script="Yiii" typeface="Microsoft Yi Baiti"/>
+        <a:font script="Tibt" typeface="Microsoft Himalaya"/>
+        <a:font script="Thaa" typeface="MV Boli"/>
+        <a:font script="Deva" typeface="Mangal"/>
+        <a:font script="Telu" typeface="Gautami"/>
+        <a:font script="Taml" typeface="Latha"/>
+        <a:font script="Syrc" typeface="Estrangelo Edessa"/>
+        <a:font script="Orya" typeface="Kalinga"/>
+        <a:font script="Mlym" typeface="Kartika"/>
+        <a:font script="Laoo" typeface="DokChampa"/>
+        <a:font script="Sinh" typeface="Iskoola Pota"/>
+        <a:font script="Mong" typeface="Mongolian Baiti"/>
+        <a:font script="Viet" typeface="Arial"/>
+        <a:font script="Uigh" typeface="Microsoft Uighur"/>
+        <a:font script="Geor" typeface="Sylfaen"/>
+      </a:minorFont>
+    </a:fontScheme>
+    <a:fmtScheme name="Office">
+      <a:fillStyleLst>
+        <a:solidFill>
+          <a:schemeClr val="phClr"/>
+        </a:solidFill>
+        <a:gradFill rotWithShape="1">
+          <a:gsLst>
+            <a:gs pos="0">
+              <a:schemeClr val="phClr">
+                <a:tint val="50000"/>
+                <a:satMod val="300000"/>
+              </a:schemeClr>
+            </a:gs>
+            <a:gs pos="35000">
+              <a:schemeClr val="phClr">
+                <a:tint val="37000"/>
+                <a:satMod val="300000"/>
+              </a:schemeClr>
+            </a:gs>
+            <a:gs pos="100000">
+              <a:schemeClr val="phClr">
+                <a:tint val="15000"/>
+                <a:satMod val="350000"/>
+              </a:schemeClr>
+            </a:gs>
+          </a:gsLst>
+          <a:lin ang="16200000" scaled="1"/>
+        </a:gradFill>
+        <a:gradFill rotWithShape="1">
+          <a:gsLst>
+            <a:gs pos="0">
+              <a:schemeClr val="phClr">
+                <a:shade val="51000"/>
+                <a:satMod val="130000"/>
+              </a:schemeClr>
+            </a:gs>
+            <a:gs pos="80000">
+              <a:schemeClr val="phClr">
+                <a:shade val="93000"/>
+                <a:satMod val="130000"/>
+              </a:schemeClr>
+            </a:gs>
+            <a:gs pos="100000">
+              <a:schemeClr val="phClr">
+                <a:shade val="94000"/>
+                <a:satMod val="135000"/>
+              </a:schemeClr>
+            </a:gs>
+          </a:gsLst>
+          <a:lin ang="16200000" scaled="0"/>
+        </a:gradFill>
+      </a:fillStyleLst>
+      <a:lnStyleLst>
+        <a:ln w="9525" cap="flat" cmpd="sng" algn="ctr">
+          <a:solidFill>
+            <a:schemeClr val="phClr">
+              <a:shade val="95000"/>
+              <a:satMod val="105000"/>
+            </a:schemeClr>
+          </a:solidFill>
+          <a:prstDash val="solid"/>
+        </a:ln>
+        <a:ln w="25400" cap="flat" cmpd="sng" algn="ctr">
+          <a:solidFill>
+            <a:schemeClr val="phClr"/>
+          </a:solidFill>
+          <a:prstDash val="solid"/>
+        </a:ln>
+        <a:ln w="38100" cap="flat" cmpd="sng" algn="ctr">
+          <a:solidFill>
+            <a:schemeClr val="phClr"/>
+          </a:solidFill>
+          <a:prstDash val="solid"/>
+        </a:ln>
+      </a:lnStyleLst>
+      <a:effectStyleLst>
+        <a:effectStyle>
+          <a:effectLst>
+            <a:outerShdw blurRad="40000" dist="20000" dir="5400000" rotWithShape="0">
+              <a:srgbClr val="000000">
+                <a:alpha val="38000"/>
+              </a:srgbClr>
+            </a:outerShdw>
+          </a:effectLst>
+        </a:effectStyle>
+        <a:effectStyle>
+          <a:effectLst>
+            <a:outerShdw blurRad="40000" dist="23000" dir="5400000" rotWithShape="0">
+              <a:srgbClr val="000000">
+                <a:alpha val="35000"/>
+              </a:srgbClr>
+            </a:outerShdw>
+          </a:effectLst>
+        </a:effectStyle>
+        <a:effectStyle>
+          <a:effectLst>
+            <a:outerShdw blurRad="40000" dist="23000" dir="5400000" rotWithShape="0">
+              <a:srgbClr val="000000">
+                <a:alpha val="35000"/>
+              </a:srgbClr>
+            </a:outerShdw>
+          </a:effectLst>
+          <a:scene3d>
+            <a:camera prst="orthographicFront">
+              <a:rot lat="0" lon="0" rev="0"/>
+            </a:camera>
+            <a:lightRig rig="threePt" dir="t">
+              <a:rot lat="0" lon="0" rev="1200000"/>
+            </a:lightRig>
+          </a:scene3d>
+          <a:sp3d>
+            <a:bevelT w="63500" h="25400"/>
+          </a:sp3d>
+        </a:effectStyle>
+      </a:effectStyleLst>
+      <a:bgFillStyleLst>
+        <a:solidFill>
+          <a:schemeClr val="phClr"/>
+        </a:solidFill>
+        <a:gradFill rotWithShape="1">
+          <a:gsLst>
+            <a:gs pos="0">
+              <a:schemeClr val="phClr">
+                <a:tint val="40000"/>
+                <a:satMod val="350000"/>
+              </a:schemeClr>
+            </a:gs>
+            <a:gs pos="40000">
+              <a:schemeClr val="phClr">
+                <a:tint val="45000"/>
+                <a:shade val="99000"/>
+                <a:satMod val="350000"/>
+              </a:schemeClr>
+            </a:gs>
+            <a:gs pos="100000">
+              <a:schemeClr val="phClr">
+                <a:shade val="20000"/>
+                <a:satMod val="255000"/>
+              </a:schemeClr>
+            </a:gs>
+          </a:gsLst>
+          <a:path path="circle">
+            <a:fillToRect l="50000" t="-80000" r="50000" b="180000"/>
+          </a:path>
+        </a:gradFill>
+        <a:gradFill rotWithShape="1">
+          <a:gsLst>
+            <a:gs pos="0">
+              <a:schemeClr val="phClr">
+                <a:tint val="80000"/>
+                <a:satMod val="300000"/>
+              </a:schemeClr>
+            </a:gs>
+            <a:gs pos="100000">
+              <a:schemeClr val="phClr">
+                <a:shade val="30000"/>
+                <a:satMod val="200000"/>
+              </a:schemeClr>
+            </a:gs>
+          </a:gsLst>
+          <a:path path="circle">
+            <a:fillToRect l="50000" t="50000" r="50000" b="50000"/>
+          </a:path>
+        </a:gradFill>
+      </a:bgFillStyleLst>
+    </a:fmtScheme>
+  </a:themeElements>
+  <a:objectDefaults/>
+  <a:extraClrSchemeLst/>
+</a:theme>
+</file>
+
+<file path=ppt/theme/theme3.xml><?xml version="1.0" encoding="utf-8"?>
 <a:theme xmlns:a="http://schemas.openxmlformats.org/drawingml/2006/main" name="Office Theme">
   <a:themeElements>
     <a:clrScheme name="Office">

--- a/slides/WebAppDevelopmentWithJavaScript.pptx
+++ b/slides/WebAppDevelopmentWithJavaScript.pptx
@@ -6,7 +6,7 @@
     <p:sldMasterId id="2147483664" r:id="rId2"/>
   </p:sldMasterIdLst>
   <p:notesMasterIdLst>
-    <p:notesMasterId r:id="rId28"/>
+    <p:notesMasterId r:id="rId27"/>
   </p:notesMasterIdLst>
   <p:sldIdLst>
     <p:sldId id="257" r:id="rId3"/>
@@ -22,18 +22,17 @@
     <p:sldId id="268" r:id="rId13"/>
     <p:sldId id="269" r:id="rId14"/>
     <p:sldId id="270" r:id="rId15"/>
-    <p:sldId id="271" r:id="rId16"/>
-    <p:sldId id="272" r:id="rId17"/>
-    <p:sldId id="273" r:id="rId18"/>
-    <p:sldId id="274" r:id="rId19"/>
-    <p:sldId id="275" r:id="rId20"/>
-    <p:sldId id="276" r:id="rId21"/>
-    <p:sldId id="277" r:id="rId22"/>
-    <p:sldId id="278" r:id="rId23"/>
-    <p:sldId id="279" r:id="rId24"/>
-    <p:sldId id="280" r:id="rId25"/>
-    <p:sldId id="281" r:id="rId26"/>
-    <p:sldId id="258" r:id="rId27"/>
+    <p:sldId id="272" r:id="rId16"/>
+    <p:sldId id="273" r:id="rId17"/>
+    <p:sldId id="274" r:id="rId18"/>
+    <p:sldId id="275" r:id="rId19"/>
+    <p:sldId id="276" r:id="rId20"/>
+    <p:sldId id="277" r:id="rId21"/>
+    <p:sldId id="278" r:id="rId22"/>
+    <p:sldId id="279" r:id="rId23"/>
+    <p:sldId id="280" r:id="rId24"/>
+    <p:sldId id="281" r:id="rId25"/>
+    <p:sldId id="258" r:id="rId26"/>
   </p:sldIdLst>
   <p:sldSz cx="9144000" cy="6858000" type="screen4x3"/>
   <p:notesSz cx="6858000" cy="9144000"/>
@@ -217,7 +216,7 @@
           <a:p>
             <a:fld id="{834CA5DD-732B-DD4A-89D6-8440A9B03DF6}" type="datetimeFigureOut">
               <a:rPr lang="en-US" smtClean="0"/>
-              <a:t>10/29/13</a:t>
+              <a:t>10/29/2013</a:t>
             </a:fld>
             <a:endParaRPr lang="en-US"/>
           </a:p>
@@ -775,7 +774,7 @@
   <p:cSld>
     <p:spTree>
       <p:nvGrpSpPr>
-        <p:cNvPr id="1" name="Shape 91"/>
+        <p:cNvPr id="1" name="Shape 97"/>
         <p:cNvGrpSpPr/>
         <p:nvPr/>
       </p:nvGrpSpPr>
@@ -789,7 +788,7 @@
       </p:grpSpPr>
       <p:sp>
         <p:nvSpPr>
-          <p:cNvPr id="92" name="Shape 92"/>
+          <p:cNvPr id="98" name="Shape 98"/>
           <p:cNvSpPr>
             <a:spLocks noGrp="1" noRot="1" noChangeAspect="1"/>
           </p:cNvSpPr>
@@ -830,7 +829,7 @@
       </p:sp>
       <p:sp>
         <p:nvSpPr>
-          <p:cNvPr id="93" name="Shape 93"/>
+          <p:cNvPr id="99" name="Shape 99"/>
           <p:cNvSpPr txBox="1">
             <a:spLocks noGrp="1"/>
           </p:cNvSpPr>
@@ -870,7 +869,7 @@
   <p:cSld>
     <p:spTree>
       <p:nvGrpSpPr>
-        <p:cNvPr id="1" name="Shape 97"/>
+        <p:cNvPr id="1" name="Shape 103"/>
         <p:cNvGrpSpPr/>
         <p:nvPr/>
       </p:nvGrpSpPr>
@@ -884,7 +883,7 @@
       </p:grpSpPr>
       <p:sp>
         <p:nvSpPr>
-          <p:cNvPr id="98" name="Shape 98"/>
+          <p:cNvPr id="104" name="Shape 104"/>
           <p:cNvSpPr>
             <a:spLocks noGrp="1" noRot="1" noChangeAspect="1"/>
           </p:cNvSpPr>
@@ -925,7 +924,7 @@
       </p:sp>
       <p:sp>
         <p:nvSpPr>
-          <p:cNvPr id="99" name="Shape 99"/>
+          <p:cNvPr id="105" name="Shape 105"/>
           <p:cNvSpPr txBox="1">
             <a:spLocks noGrp="1"/>
           </p:cNvSpPr>
@@ -965,7 +964,7 @@
   <p:cSld>
     <p:spTree>
       <p:nvGrpSpPr>
-        <p:cNvPr id="1" name="Shape 103"/>
+        <p:cNvPr id="1" name="Shape 109"/>
         <p:cNvGrpSpPr/>
         <p:nvPr/>
       </p:nvGrpSpPr>
@@ -979,7 +978,7 @@
       </p:grpSpPr>
       <p:sp>
         <p:nvSpPr>
-          <p:cNvPr id="104" name="Shape 104"/>
+          <p:cNvPr id="110" name="Shape 110"/>
           <p:cNvSpPr>
             <a:spLocks noGrp="1" noRot="1" noChangeAspect="1"/>
           </p:cNvSpPr>
@@ -1020,7 +1019,7 @@
       </p:sp>
       <p:sp>
         <p:nvSpPr>
-          <p:cNvPr id="105" name="Shape 105"/>
+          <p:cNvPr id="111" name="Shape 111"/>
           <p:cNvSpPr txBox="1">
             <a:spLocks noGrp="1"/>
           </p:cNvSpPr>
@@ -1060,7 +1059,7 @@
   <p:cSld>
     <p:spTree>
       <p:nvGrpSpPr>
-        <p:cNvPr id="1" name="Shape 109"/>
+        <p:cNvPr id="1" name="Shape 115"/>
         <p:cNvGrpSpPr/>
         <p:nvPr/>
       </p:nvGrpSpPr>
@@ -1074,7 +1073,7 @@
       </p:grpSpPr>
       <p:sp>
         <p:nvSpPr>
-          <p:cNvPr id="110" name="Shape 110"/>
+          <p:cNvPr id="116" name="Shape 116"/>
           <p:cNvSpPr>
             <a:spLocks noGrp="1" noRot="1" noChangeAspect="1"/>
           </p:cNvSpPr>
@@ -1115,7 +1114,7 @@
       </p:sp>
       <p:sp>
         <p:nvSpPr>
-          <p:cNvPr id="111" name="Shape 111"/>
+          <p:cNvPr id="117" name="Shape 117"/>
           <p:cNvSpPr txBox="1">
             <a:spLocks noGrp="1"/>
           </p:cNvSpPr>
@@ -1155,7 +1154,7 @@
   <p:cSld>
     <p:spTree>
       <p:nvGrpSpPr>
-        <p:cNvPr id="1" name="Shape 115"/>
+        <p:cNvPr id="1" name="Shape 121"/>
         <p:cNvGrpSpPr/>
         <p:nvPr/>
       </p:nvGrpSpPr>
@@ -1169,7 +1168,7 @@
       </p:grpSpPr>
       <p:sp>
         <p:nvSpPr>
-          <p:cNvPr id="116" name="Shape 116"/>
+          <p:cNvPr id="122" name="Shape 122"/>
           <p:cNvSpPr>
             <a:spLocks noGrp="1" noRot="1" noChangeAspect="1"/>
           </p:cNvSpPr>
@@ -1210,7 +1209,7 @@
       </p:sp>
       <p:sp>
         <p:nvSpPr>
-          <p:cNvPr id="117" name="Shape 117"/>
+          <p:cNvPr id="123" name="Shape 123"/>
           <p:cNvSpPr txBox="1">
             <a:spLocks noGrp="1"/>
           </p:cNvSpPr>
@@ -1250,7 +1249,7 @@
   <p:cSld>
     <p:spTree>
       <p:nvGrpSpPr>
-        <p:cNvPr id="1" name="Shape 121"/>
+        <p:cNvPr id="1" name="Shape 127"/>
         <p:cNvGrpSpPr/>
         <p:nvPr/>
       </p:nvGrpSpPr>
@@ -1264,7 +1263,7 @@
       </p:grpSpPr>
       <p:sp>
         <p:nvSpPr>
-          <p:cNvPr id="122" name="Shape 122"/>
+          <p:cNvPr id="128" name="Shape 128"/>
           <p:cNvSpPr>
             <a:spLocks noGrp="1" noRot="1" noChangeAspect="1"/>
           </p:cNvSpPr>
@@ -1305,7 +1304,7 @@
       </p:sp>
       <p:sp>
         <p:nvSpPr>
-          <p:cNvPr id="123" name="Shape 123"/>
+          <p:cNvPr id="129" name="Shape 129"/>
           <p:cNvSpPr txBox="1">
             <a:spLocks noGrp="1"/>
           </p:cNvSpPr>
@@ -1345,7 +1344,7 @@
   <p:cSld>
     <p:spTree>
       <p:nvGrpSpPr>
-        <p:cNvPr id="1" name="Shape 127"/>
+        <p:cNvPr id="1" name="Shape 133"/>
         <p:cNvGrpSpPr/>
         <p:nvPr/>
       </p:nvGrpSpPr>
@@ -1359,7 +1358,7 @@
       </p:grpSpPr>
       <p:sp>
         <p:nvSpPr>
-          <p:cNvPr id="128" name="Shape 128"/>
+          <p:cNvPr id="134" name="Shape 134"/>
           <p:cNvSpPr>
             <a:spLocks noGrp="1" noRot="1" noChangeAspect="1"/>
           </p:cNvSpPr>
@@ -1400,7 +1399,7 @@
       </p:sp>
       <p:sp>
         <p:nvSpPr>
-          <p:cNvPr id="129" name="Shape 129"/>
+          <p:cNvPr id="135" name="Shape 135"/>
           <p:cNvSpPr txBox="1">
             <a:spLocks noGrp="1"/>
           </p:cNvSpPr>
@@ -1440,7 +1439,7 @@
   <p:cSld>
     <p:spTree>
       <p:nvGrpSpPr>
-        <p:cNvPr id="1" name="Shape 133"/>
+        <p:cNvPr id="1" name="Shape 139"/>
         <p:cNvGrpSpPr/>
         <p:nvPr/>
       </p:nvGrpSpPr>
@@ -1454,7 +1453,7 @@
       </p:grpSpPr>
       <p:sp>
         <p:nvSpPr>
-          <p:cNvPr id="134" name="Shape 134"/>
+          <p:cNvPr id="140" name="Shape 140"/>
           <p:cNvSpPr>
             <a:spLocks noGrp="1" noRot="1" noChangeAspect="1"/>
           </p:cNvSpPr>
@@ -1495,7 +1494,7 @@
       </p:sp>
       <p:sp>
         <p:nvSpPr>
-          <p:cNvPr id="135" name="Shape 135"/>
+          <p:cNvPr id="141" name="Shape 141"/>
           <p:cNvSpPr txBox="1">
             <a:spLocks noGrp="1"/>
           </p:cNvSpPr>
@@ -1630,7 +1629,7 @@
   <p:cSld>
     <p:spTree>
       <p:nvGrpSpPr>
-        <p:cNvPr id="1" name="Shape 139"/>
+        <p:cNvPr id="1" name="Shape 145"/>
         <p:cNvGrpSpPr/>
         <p:nvPr/>
       </p:nvGrpSpPr>
@@ -1644,7 +1643,7 @@
       </p:grpSpPr>
       <p:sp>
         <p:nvSpPr>
-          <p:cNvPr id="140" name="Shape 140"/>
+          <p:cNvPr id="146" name="Shape 146"/>
           <p:cNvSpPr>
             <a:spLocks noGrp="1" noRot="1" noChangeAspect="1"/>
           </p:cNvSpPr>
@@ -1685,7 +1684,7 @@
       </p:sp>
       <p:sp>
         <p:nvSpPr>
-          <p:cNvPr id="141" name="Shape 141"/>
+          <p:cNvPr id="147" name="Shape 147"/>
           <p:cNvSpPr txBox="1">
             <a:spLocks noGrp="1"/>
           </p:cNvSpPr>
@@ -1721,101 +1720,6 @@
 </file>
 
 <file path=ppt/notesSlides/notesSlide21.xml><?xml version="1.0" encoding="utf-8"?>
-<p:notes xmlns:a="http://schemas.openxmlformats.org/drawingml/2006/main" xmlns:r="http://schemas.openxmlformats.org/officeDocument/2006/relationships" xmlns:p="http://schemas.openxmlformats.org/presentationml/2006/main" showMasterSp="0" showMasterPhAnim="0">
-  <p:cSld>
-    <p:spTree>
-      <p:nvGrpSpPr>
-        <p:cNvPr id="1" name="Shape 145"/>
-        <p:cNvGrpSpPr/>
-        <p:nvPr/>
-      </p:nvGrpSpPr>
-      <p:grpSpPr>
-        <a:xfrm>
-          <a:off x="0" y="0"/>
-          <a:ext cx="0" cy="0"/>
-          <a:chOff x="0" y="0"/>
-          <a:chExt cx="0" cy="0"/>
-        </a:xfrm>
-      </p:grpSpPr>
-      <p:sp>
-        <p:nvSpPr>
-          <p:cNvPr id="146" name="Shape 146"/>
-          <p:cNvSpPr>
-            <a:spLocks noGrp="1" noRot="1" noChangeAspect="1"/>
-          </p:cNvSpPr>
-          <p:nvPr>
-            <p:ph type="sldImg" idx="2"/>
-          </p:nvPr>
-        </p:nvSpPr>
-        <p:spPr>
-          <a:xfrm>
-            <a:off x="1143000" y="685800"/>
-            <a:ext cx="4572000" cy="3429000"/>
-          </a:xfrm>
-          <a:custGeom>
-            <a:avLst/>
-            <a:gdLst/>
-            <a:ahLst/>
-            <a:cxnLst/>
-            <a:rect l="0" t="0" r="0" b="0"/>
-            <a:pathLst>
-              <a:path w="120000" h="120000" extrusionOk="0">
-                <a:moveTo>
-                  <a:pt x="0" y="0"/>
-                </a:moveTo>
-                <a:lnTo>
-                  <a:pt x="120000" y="0"/>
-                </a:lnTo>
-                <a:lnTo>
-                  <a:pt x="120000" y="120000"/>
-                </a:lnTo>
-                <a:lnTo>
-                  <a:pt x="0" y="120000"/>
-                </a:lnTo>
-                <a:close/>
-              </a:path>
-            </a:pathLst>
-          </a:custGeom>
-        </p:spPr>
-      </p:sp>
-      <p:sp>
-        <p:nvSpPr>
-          <p:cNvPr id="147" name="Shape 147"/>
-          <p:cNvSpPr txBox="1">
-            <a:spLocks noGrp="1"/>
-          </p:cNvSpPr>
-          <p:nvPr>
-            <p:ph type="body" idx="1"/>
-          </p:nvPr>
-        </p:nvSpPr>
-        <p:spPr>
-          <a:xfrm>
-            <a:off x="685800" y="4343400"/>
-            <a:ext cx="5486399" cy="4114800"/>
-          </a:xfrm>
-          <a:prstGeom prst="rect">
-            <a:avLst/>
-          </a:prstGeom>
-        </p:spPr>
-        <p:txBody>
-          <a:bodyPr lIns="91425" tIns="91425" rIns="91425" bIns="91425" anchor="t" anchorCtr="0">
-            <a:noAutofit/>
-          </a:bodyPr>
-          <a:lstStyle/>
-          <a:p>
-            <a:endParaRPr/>
-          </a:p>
-        </p:txBody>
-      </p:sp>
-    </p:spTree>
-  </p:cSld>
-  <p:clrMapOvr>
-    <a:masterClrMapping/>
-  </p:clrMapOvr>
-</p:notes>
-</file>
-
-<file path=ppt/notesSlides/notesSlide22.xml><?xml version="1.0" encoding="utf-8"?>
 <p:notes xmlns:a="http://schemas.openxmlformats.org/drawingml/2006/main" xmlns:r="http://schemas.openxmlformats.org/officeDocument/2006/relationships" xmlns:p="http://schemas.openxmlformats.org/presentationml/2006/main" showMasterSp="0" showMasterPhAnim="0">
   <p:cSld>
     <p:spTree>
@@ -2771,7 +2675,7 @@
             <a:fld id="{D7687376-0FDE-4161-992A-50C1D01EF749}" type="datetimeFigureOut">
               <a:rPr lang="en-US" smtClean="0"/>
               <a:pPr/>
-              <a:t>10/29/13</a:t>
+              <a:t>10/29/2013</a:t>
             </a:fld>
             <a:endParaRPr lang="en-US" dirty="0"/>
           </a:p>
@@ -3787,7 +3691,7 @@
             <a:fld id="{D7687376-0FDE-4161-992A-50C1D01EF749}" type="datetimeFigureOut">
               <a:rPr lang="en-US" smtClean="0"/>
               <a:pPr/>
-              <a:t>10/29/13</a:t>
+              <a:t>10/29/2013</a:t>
             </a:fld>
             <a:endParaRPr lang="en-US" dirty="0"/>
           </a:p>
@@ -5455,7 +5359,7 @@
             <a:fld id="{D7687376-0FDE-4161-992A-50C1D01EF749}" type="datetimeFigureOut">
               <a:rPr lang="en-US" smtClean="0"/>
               <a:pPr/>
-              <a:t>10/29/13</a:t>
+              <a:t>10/29/2013</a:t>
             </a:fld>
             <a:endParaRPr lang="en-US"/>
           </a:p>
@@ -7286,7 +7190,7 @@
             <a:fld id="{D7687376-0FDE-4161-992A-50C1D01EF749}" type="datetimeFigureOut">
               <a:rPr lang="en-US" smtClean="0"/>
               <a:pPr/>
-              <a:t>10/29/13</a:t>
+              <a:t>10/29/2013</a:t>
             </a:fld>
             <a:endParaRPr lang="en-US"/>
           </a:p>
@@ -8187,7 +8091,7 @@
           <a:lstStyle/>
           <a:p>
             <a:r>
-              <a:rPr lang="en" sz="4200" dirty="0">
+              <a:rPr lang="en" sz="3600" dirty="0">
                 <a:latin typeface="Cambria"/>
                 <a:ea typeface="Cambria"/>
                 <a:cs typeface="Cambria"/>
@@ -8195,7 +8099,7 @@
               </a:rPr>
               <a:t>Javascript Everywhere: Backend to Web and to Mobile Apps</a:t>
             </a:r>
-            <a:endParaRPr lang="en-US" sz="4200" dirty="0"/>
+            <a:endParaRPr lang="en-US" sz="3600" dirty="0"/>
           </a:p>
         </p:txBody>
       </p:sp>
@@ -8222,34 +8126,38 @@
           <a:lstStyle/>
           <a:p>
             <a:r>
-              <a:rPr lang="en-US" sz="2800" dirty="0" err="1" smtClean="0"/>
-              <a:t>Nuwan</a:t>
-            </a:r>
-            <a:r>
-              <a:rPr lang="en-US" sz="2800" dirty="0" smtClean="0"/>
+              <a:rPr lang="en-US" sz="2400" b="1" dirty="0" smtClean="0"/>
+              <a:t>Nuwan </a:t>
+            </a:r>
+            <a:r>
+              <a:rPr lang="en-US" sz="2400" b="1" dirty="0" smtClean="0"/>
+              <a:t>Bandara &amp; </a:t>
+            </a:r>
+          </a:p>
+          <a:p>
+            <a:r>
+              <a:rPr lang="en-US" sz="2400" b="1" dirty="0" err="1" smtClean="0"/>
+              <a:t>Srinath</a:t>
+            </a:r>
+            <a:r>
+              <a:rPr lang="en-US" sz="2400" b="1" dirty="0" smtClean="0"/>
               <a:t> </a:t>
             </a:r>
             <a:r>
-              <a:rPr lang="en-US" sz="2800" dirty="0" err="1" smtClean="0"/>
-              <a:t>Bandara</a:t>
-            </a:r>
-            <a:r>
-              <a:rPr lang="en-US" sz="2800" dirty="0" smtClean="0"/>
-              <a:t> </a:t>
-            </a:r>
-          </a:p>
-          <a:p>
-            <a:r>
-              <a:rPr lang="en-US" sz="2800" dirty="0" smtClean="0"/>
-              <a:t>and Srinath Perera</a:t>
-            </a:r>
-          </a:p>
-          <a:p>
-            <a:r>
-              <a:rPr lang="en-US" sz="2800" dirty="0" smtClean="0"/>
-              <a:t>WSO2 In. </a:t>
-            </a:r>
-            <a:endParaRPr lang="en-US" sz="2800" dirty="0"/>
+              <a:rPr lang="en-US" sz="2400" b="1" dirty="0" smtClean="0"/>
+              <a:t>Perera</a:t>
+            </a:r>
+          </a:p>
+          <a:p>
+            <a:r>
+              <a:rPr lang="en-US" sz="2400" b="1" dirty="0" smtClean="0"/>
+              <a:t>WSO2 </a:t>
+            </a:r>
+            <a:r>
+              <a:rPr lang="en-US" sz="2400" b="1" dirty="0" smtClean="0"/>
+              <a:t>Inc. </a:t>
+            </a:r>
+            <a:endParaRPr lang="en-US" sz="2400" b="1" dirty="0"/>
           </a:p>
         </p:txBody>
       </p:sp>
@@ -8345,8 +8253,21 @@
           <a:p>
             <a:r>
               <a:rPr lang="en-US" dirty="0" smtClean="0"/>
-              <a:t>Like JSP/ PHP, but user writes code in java script </a:t>
-            </a:r>
+              <a:t>Like JSP/ PHP, but user writes code </a:t>
+            </a:r>
+            <a:r>
+              <a:rPr lang="en-US" dirty="0" smtClean="0"/>
+              <a:t>completely in </a:t>
+            </a:r>
+            <a:r>
+              <a:rPr lang="en-US" dirty="0" err="1" smtClean="0"/>
+              <a:t>javascript</a:t>
+            </a:r>
+            <a:r>
+              <a:rPr lang="en-US" dirty="0" smtClean="0"/>
+              <a:t> (Data access / Business Logic / UI) </a:t>
+            </a:r>
+            <a:endParaRPr lang="en-US" dirty="0" smtClean="0"/>
           </a:p>
           <a:p>
             <a:r>
@@ -8363,7 +8284,23 @@
           <a:p>
             <a:r>
               <a:rPr lang="en-US" dirty="0" smtClean="0"/>
-              <a:t>Provides very close integration with WSO2 Products (e.g. Users, Web service calls, access registry, access OSGI calls etc.  )</a:t>
+              <a:t>Provides very close integration with WSO2 Products (e.g. Users, Web service calls, </a:t>
+            </a:r>
+            <a:r>
+              <a:rPr lang="en-US" dirty="0" smtClean="0"/>
+              <a:t>access to the </a:t>
+            </a:r>
+            <a:r>
+              <a:rPr lang="en-US" dirty="0" smtClean="0"/>
+              <a:t>registry, access OSGI </a:t>
+            </a:r>
+            <a:r>
+              <a:rPr lang="en-US" dirty="0" smtClean="0"/>
+              <a:t>services etc</a:t>
+            </a:r>
+            <a:r>
+              <a:rPr lang="en-US" dirty="0" smtClean="0"/>
+              <a:t>.  )</a:t>
             </a:r>
             <a:endParaRPr dirty="0"/>
           </a:p>
@@ -8379,7 +8316,7 @@
   <p:clrMapOvr>
     <a:masterClrMapping/>
   </p:clrMapOvr>
-  <p:transition xmlns:p14="http://schemas.microsoft.com/office/powerpoint/2010/main" spd="slow">
+  <p:transition spd="slow">
     <p:cut/>
   </p:transition>
 </p:sld>
@@ -8449,8 +8386,8 @@
         </p:nvSpPr>
         <p:spPr>
           <a:xfrm>
-            <a:off x="457200" y="1600201"/>
-            <a:ext cx="8229600" cy="4967599"/>
+            <a:off x="1143000" y="1600201"/>
+            <a:ext cx="7543800" cy="4967599"/>
           </a:xfrm>
           <a:prstGeom prst="rect">
             <a:avLst/>
@@ -8462,7 +8399,60 @@
           </a:bodyPr>
           <a:lstStyle/>
           <a:p>
-            <a:endParaRPr/>
+            <a:r>
+              <a:rPr lang="en-US" dirty="0" smtClean="0"/>
+              <a:t>Nothing complex</a:t>
+            </a:r>
+          </a:p>
+          <a:p>
+            <a:pPr lvl="1"/>
+            <a:r>
+              <a:rPr lang="en-US" dirty="0" smtClean="0"/>
+              <a:t>If you are familiar with WSO2 server runtimes, it’s the same thing</a:t>
+            </a:r>
+          </a:p>
+          <a:p>
+            <a:pPr lvl="1"/>
+            <a:r>
+              <a:rPr lang="en-US" dirty="0" smtClean="0"/>
+              <a:t>Else extract the zip, run </a:t>
+            </a:r>
+            <a:r>
+              <a:rPr lang="en-US" sz="2000" u="sng" dirty="0" err="1" smtClean="0">
+                <a:latin typeface="Courier New" pitchFamily="49" charset="0"/>
+                <a:cs typeface="Courier New" pitchFamily="49" charset="0"/>
+              </a:rPr>
+              <a:t>sh</a:t>
+            </a:r>
+            <a:r>
+              <a:rPr lang="en-US" sz="2000" u="sng" dirty="0" smtClean="0">
+                <a:latin typeface="Courier New" pitchFamily="49" charset="0"/>
+                <a:cs typeface="Courier New" pitchFamily="49" charset="0"/>
+              </a:rPr>
+              <a:t> /bin/server.sh</a:t>
+            </a:r>
+            <a:endParaRPr lang="en-US" u="sng" dirty="0">
+              <a:cs typeface="Courier New" pitchFamily="49" charset="0"/>
+            </a:endParaRPr>
+          </a:p>
+          <a:p>
+            <a:r>
+              <a:rPr lang="en-US" dirty="0" smtClean="0">
+                <a:cs typeface="Courier New" pitchFamily="49" charset="0"/>
+              </a:rPr>
+              <a:t>Pre-loaded with bunch of samples</a:t>
+            </a:r>
+          </a:p>
+          <a:p>
+            <a:r>
+              <a:rPr lang="en-US" dirty="0" smtClean="0">
+                <a:cs typeface="Courier New" pitchFamily="49" charset="0"/>
+              </a:rPr>
+              <a:t>/docs explains the API</a:t>
+            </a:r>
+            <a:endParaRPr lang="en-US" dirty="0">
+              <a:cs typeface="Courier New" pitchFamily="49" charset="0"/>
+            </a:endParaRPr>
           </a:p>
         </p:txBody>
       </p:sp>
@@ -8476,7 +8466,7 @@
   <p:clrMapOvr>
     <a:masterClrMapping/>
   </p:clrMapOvr>
-  <p:transition xmlns:p14="http://schemas.microsoft.com/office/powerpoint/2010/main" spd="slow">
+  <p:transition spd="slow">
     <p:cut/>
   </p:transition>
 </p:sld>
@@ -8511,8 +8501,8 @@
         </p:nvSpPr>
         <p:spPr>
           <a:xfrm>
-            <a:off x="2057400" y="274637"/>
-            <a:ext cx="6629400" cy="1143200"/>
+            <a:off x="1676400" y="274637"/>
+            <a:ext cx="7010400" cy="1143200"/>
           </a:xfrm>
           <a:prstGeom prst="rect">
             <a:avLst/>
@@ -8528,7 +8518,7 @@
               <a:buNone/>
             </a:pPr>
             <a:r>
-              <a:rPr lang="en" dirty="0"/>
+              <a:rPr lang="en" sz="4000" dirty="0"/>
               <a:t>Print Hello WSO2 Coffee Shop</a:t>
             </a:r>
           </a:p>
@@ -8546,8 +8536,8 @@
         </p:nvSpPr>
         <p:spPr>
           <a:xfrm>
-            <a:off x="457200" y="1600201"/>
-            <a:ext cx="8229600" cy="4967599"/>
+            <a:off x="1143000" y="1600200"/>
+            <a:ext cx="7772400" cy="4967599"/>
           </a:xfrm>
           <a:prstGeom prst="rect">
             <a:avLst/>
@@ -8559,10 +8549,130 @@
           </a:bodyPr>
           <a:lstStyle/>
           <a:p>
-            <a:endParaRPr/>
-          </a:p>
-        </p:txBody>
-      </p:sp>
+            <a:r>
+              <a:rPr lang="en-US" dirty="0" smtClean="0"/>
+              <a:t>Most straight forward API method</a:t>
+            </a:r>
+          </a:p>
+          <a:p>
+            <a:r>
+              <a:rPr lang="en-US" dirty="0" smtClean="0"/>
+              <a:t>Open up a text editor</a:t>
+            </a:r>
+          </a:p>
+          <a:p>
+            <a:r>
+              <a:rPr lang="en-US" dirty="0" smtClean="0"/>
+              <a:t>Create </a:t>
+            </a:r>
+            <a:r>
+              <a:rPr lang="en-US" sz="2000" dirty="0" smtClean="0">
+                <a:latin typeface="Courier New" pitchFamily="49" charset="0"/>
+                <a:cs typeface="Courier New" pitchFamily="49" charset="0"/>
+              </a:rPr>
+              <a:t>{JAGGERY_HOME}/apps/coffee/</a:t>
+            </a:r>
+            <a:r>
+              <a:rPr lang="en-US" sz="2000" dirty="0" err="1" smtClean="0">
+                <a:latin typeface="Courier New" pitchFamily="49" charset="0"/>
+                <a:cs typeface="Courier New" pitchFamily="49" charset="0"/>
+              </a:rPr>
+              <a:t>hello.jag</a:t>
+            </a:r>
+            <a:endParaRPr lang="en-US" sz="2000" dirty="0" smtClean="0">
+              <a:latin typeface="Courier New" pitchFamily="49" charset="0"/>
+              <a:cs typeface="Courier New" pitchFamily="49" charset="0"/>
+            </a:endParaRPr>
+          </a:p>
+          <a:p>
+            <a:endParaRPr lang="en-US" sz="2000" dirty="0">
+              <a:latin typeface="Courier New" pitchFamily="49" charset="0"/>
+              <a:cs typeface="Courier New" pitchFamily="49" charset="0"/>
+            </a:endParaRPr>
+          </a:p>
+          <a:p>
+            <a:endParaRPr lang="en-US" sz="2000" dirty="0" smtClean="0">
+              <a:latin typeface="Courier New" pitchFamily="49" charset="0"/>
+              <a:cs typeface="Courier New" pitchFamily="49" charset="0"/>
+            </a:endParaRPr>
+          </a:p>
+          <a:p>
+            <a:endParaRPr lang="en-US" sz="2000" dirty="0">
+              <a:latin typeface="Courier New" pitchFamily="49" charset="0"/>
+              <a:cs typeface="Courier New" pitchFamily="49" charset="0"/>
+            </a:endParaRPr>
+          </a:p>
+          <a:p>
+            <a:endParaRPr lang="en-US" sz="2000" dirty="0" smtClean="0">
+              <a:latin typeface="Courier New" pitchFamily="49" charset="0"/>
+              <a:cs typeface="Courier New" pitchFamily="49" charset="0"/>
+            </a:endParaRPr>
+          </a:p>
+          <a:p>
+            <a:endParaRPr lang="en-US" sz="2000" dirty="0">
+              <a:latin typeface="Courier New" pitchFamily="49" charset="0"/>
+              <a:cs typeface="Courier New" pitchFamily="49" charset="0"/>
+            </a:endParaRPr>
+          </a:p>
+          <a:p>
+            <a:r>
+              <a:rPr lang="en-US" dirty="0" smtClean="0">
+                <a:cs typeface="Courier New" pitchFamily="49" charset="0"/>
+              </a:rPr>
+              <a:t>Call it, </a:t>
+            </a:r>
+            <a:r>
+              <a:rPr lang="en-US" sz="2000" dirty="0" smtClean="0">
+                <a:latin typeface="Courier New" pitchFamily="49" charset="0"/>
+                <a:cs typeface="Courier New" pitchFamily="49" charset="0"/>
+              </a:rPr>
+              <a:t>http://localhost:9763/coffee/hello.jag</a:t>
+            </a:r>
+            <a:endParaRPr lang="en-US" dirty="0" smtClean="0">
+              <a:latin typeface="Courier New" pitchFamily="49" charset="0"/>
+              <a:cs typeface="Courier New" pitchFamily="49" charset="0"/>
+            </a:endParaRPr>
+          </a:p>
+        </p:txBody>
+      </p:sp>
+      <p:pic>
+        <p:nvPicPr>
+          <p:cNvPr id="1026" name="Picture 2"/>
+          <p:cNvPicPr>
+            <a:picLocks noChangeAspect="1" noChangeArrowheads="1"/>
+          </p:cNvPicPr>
+          <p:nvPr/>
+        </p:nvPicPr>
+        <p:blipFill>
+          <a:blip r:embed="rId3">
+            <a:extLst>
+              <a:ext uri="{28A0092B-C50C-407E-A947-70E740481C1C}">
+                <a14:useLocalDpi xmlns:a14="http://schemas.microsoft.com/office/drawing/2010/main" val="0"/>
+              </a:ext>
+            </a:extLst>
+          </a:blip>
+          <a:srcRect/>
+          <a:stretch>
+            <a:fillRect/>
+          </a:stretch>
+        </p:blipFill>
+        <p:spPr bwMode="auto">
+          <a:xfrm>
+            <a:off x="2362200" y="3505200"/>
+            <a:ext cx="3553691" cy="1447800"/>
+          </a:xfrm>
+          <a:prstGeom prst="rect">
+            <a:avLst/>
+          </a:prstGeom>
+          <a:noFill/>
+          <a:ln>
+            <a:solidFill>
+              <a:schemeClr val="tx1"/>
+            </a:solidFill>
+          </a:ln>
+          <a:effectLst/>
+        </p:spPr>
+      </p:pic>
     </p:spTree>
     <p:extLst>
       <p:ext uri="{BB962C8B-B14F-4D97-AF65-F5344CB8AC3E}">
@@ -8573,7 +8683,7 @@
   <p:clrMapOvr>
     <a:masterClrMapping/>
   </p:clrMapOvr>
-  <p:transition xmlns:p14="http://schemas.microsoft.com/office/powerpoint/2010/main" spd="slow">
+  <p:transition spd="slow">
     <p:cut/>
   </p:transition>
 </p:sld>
@@ -8625,8 +8735,12 @@
               <a:buNone/>
             </a:pPr>
             <a:r>
+              <a:rPr lang="en" dirty="0" smtClean="0"/>
+              <a:t>Database </a:t>
+            </a:r>
+            <a:r>
               <a:rPr lang="en" dirty="0"/>
-              <a:t>Login Page with DB access </a:t>
+              <a:t>access </a:t>
             </a:r>
           </a:p>
         </p:txBody>
@@ -8643,8 +8757,8 @@
         </p:nvSpPr>
         <p:spPr>
           <a:xfrm>
-            <a:off x="457200" y="1600201"/>
-            <a:ext cx="8229600" cy="4967599"/>
+            <a:off x="1295400" y="1600201"/>
+            <a:ext cx="7391400" cy="4967599"/>
           </a:xfrm>
           <a:prstGeom prst="rect">
             <a:avLst/>
@@ -8656,10 +8770,101 @@
           </a:bodyPr>
           <a:lstStyle/>
           <a:p>
-            <a:endParaRPr/>
-          </a:p>
-        </p:txBody>
-      </p:sp>
+            <a:r>
+              <a:rPr lang="en-US" dirty="0" smtClean="0"/>
+              <a:t>Create a DB connection</a:t>
+            </a:r>
+          </a:p>
+          <a:p>
+            <a:r>
+              <a:rPr lang="en-US" dirty="0" smtClean="0"/>
+              <a:t>Perform CRUD operations</a:t>
+            </a:r>
+          </a:p>
+          <a:p>
+            <a:endParaRPr lang="en-US" dirty="0"/>
+          </a:p>
+          <a:p>
+            <a:endParaRPr lang="en-US" dirty="0" smtClean="0"/>
+          </a:p>
+          <a:p>
+            <a:endParaRPr lang="en-US" dirty="0"/>
+          </a:p>
+          <a:p>
+            <a:endParaRPr lang="en-US" dirty="0" smtClean="0"/>
+          </a:p>
+          <a:p>
+            <a:r>
+              <a:rPr lang="en-US" dirty="0" smtClean="0"/>
+              <a:t>Results sent as </a:t>
+            </a:r>
+            <a:r>
+              <a:rPr lang="en-US" dirty="0" err="1" smtClean="0"/>
+              <a:t>json</a:t>
+            </a:r>
+            <a:endParaRPr lang="en-US" dirty="0"/>
+          </a:p>
+        </p:txBody>
+      </p:sp>
+      <p:pic>
+        <p:nvPicPr>
+          <p:cNvPr id="2050" name="Picture 2"/>
+          <p:cNvPicPr>
+            <a:picLocks noChangeAspect="1" noChangeArrowheads="1"/>
+          </p:cNvPicPr>
+          <p:nvPr/>
+        </p:nvPicPr>
+        <p:blipFill>
+          <a:blip r:embed="rId3">
+            <a:extLst>
+              <a:ext uri="{28A0092B-C50C-407E-A947-70E740481C1C}">
+                <a14:useLocalDpi xmlns:a14="http://schemas.microsoft.com/office/drawing/2010/main" val="0"/>
+              </a:ext>
+            </a:extLst>
+          </a:blip>
+          <a:srcRect/>
+          <a:stretch>
+            <a:fillRect/>
+          </a:stretch>
+        </p:blipFill>
+        <p:spPr bwMode="auto">
+          <a:xfrm>
+            <a:off x="228600" y="2914650"/>
+            <a:ext cx="8686800" cy="2266950"/>
+          </a:xfrm>
+          <a:prstGeom prst="rect">
+            <a:avLst/>
+          </a:prstGeom>
+          <a:noFill/>
+          <a:ln w="9525">
+            <a:solidFill>
+              <a:schemeClr val="tx1"/>
+            </a:solidFill>
+            <a:miter lim="800000"/>
+            <a:headEnd/>
+            <a:tailEnd/>
+          </a:ln>
+          <a:effectLst/>
+          <a:extLst>
+            <a:ext uri="{909E8E84-426E-40DD-AFC4-6F175D3DCCD1}">
+              <a14:hiddenFill xmlns:a14="http://schemas.microsoft.com/office/drawing/2010/main">
+                <a:solidFill>
+                  <a:schemeClr val="accent1"/>
+                </a:solidFill>
+              </a14:hiddenFill>
+            </a:ext>
+            <a:ext uri="{AF507438-7753-43E0-B8FC-AC1667EBCBE1}">
+              <a14:hiddenEffects xmlns:a14="http://schemas.microsoft.com/office/drawing/2010/main">
+                <a:effectLst>
+                  <a:outerShdw dist="35921" dir="2700000" algn="ctr" rotWithShape="0">
+                    <a:schemeClr val="bg2"/>
+                  </a:outerShdw>
+                </a:effectLst>
+              </a14:hiddenEffects>
+            </a:ext>
+          </a:extLst>
+        </p:spPr>
+      </p:pic>
     </p:spTree>
     <p:extLst>
       <p:ext uri="{BB962C8B-B14F-4D97-AF65-F5344CB8AC3E}">
@@ -8670,110 +8875,13 @@
   <p:clrMapOvr>
     <a:masterClrMapping/>
   </p:clrMapOvr>
-  <p:transition xmlns:p14="http://schemas.microsoft.com/office/powerpoint/2010/main" spd="slow">
+  <p:transition spd="slow">
     <p:cut/>
   </p:transition>
 </p:sld>
 </file>
 
 <file path=ppt/slides/slide14.xml><?xml version="1.0" encoding="utf-8"?>
-<p:sld xmlns:a="http://schemas.openxmlformats.org/drawingml/2006/main" xmlns:r="http://schemas.openxmlformats.org/officeDocument/2006/relationships" xmlns:p="http://schemas.openxmlformats.org/presentationml/2006/main">
-  <p:cSld>
-    <p:spTree>
-      <p:nvGrpSpPr>
-        <p:cNvPr id="1" name="Shape 88"/>
-        <p:cNvGrpSpPr/>
-        <p:nvPr/>
-      </p:nvGrpSpPr>
-      <p:grpSpPr>
-        <a:xfrm>
-          <a:off x="0" y="0"/>
-          <a:ext cx="0" cy="0"/>
-          <a:chOff x="0" y="0"/>
-          <a:chExt cx="0" cy="0"/>
-        </a:xfrm>
-      </p:grpSpPr>
-      <p:sp>
-        <p:nvSpPr>
-          <p:cNvPr id="89" name="Shape 89"/>
-          <p:cNvSpPr txBox="1">
-            <a:spLocks noGrp="1"/>
-          </p:cNvSpPr>
-          <p:nvPr>
-            <p:ph type="title"/>
-          </p:nvPr>
-        </p:nvSpPr>
-        <p:spPr>
-          <a:xfrm>
-            <a:off x="1905000" y="274637"/>
-            <a:ext cx="6781800" cy="1143200"/>
-          </a:xfrm>
-          <a:prstGeom prst="rect">
-            <a:avLst/>
-          </a:prstGeom>
-        </p:spPr>
-        <p:txBody>
-          <a:bodyPr lIns="91425" tIns="91425" rIns="91425" bIns="91425" anchor="b" anchorCtr="0">
-            <a:noAutofit/>
-          </a:bodyPr>
-          <a:lstStyle/>
-          <a:p>
-            <a:pPr>
-              <a:buNone/>
-            </a:pPr>
-            <a:r>
-              <a:rPr lang="en" dirty="0"/>
-              <a:t>Database call</a:t>
-            </a:r>
-          </a:p>
-        </p:txBody>
-      </p:sp>
-      <p:sp>
-        <p:nvSpPr>
-          <p:cNvPr id="90" name="Shape 90"/>
-          <p:cNvSpPr txBox="1">
-            <a:spLocks noGrp="1"/>
-          </p:cNvSpPr>
-          <p:nvPr>
-            <p:ph type="body" idx="1"/>
-          </p:nvPr>
-        </p:nvSpPr>
-        <p:spPr>
-          <a:xfrm>
-            <a:off x="457200" y="1600201"/>
-            <a:ext cx="8229600" cy="4967599"/>
-          </a:xfrm>
-          <a:prstGeom prst="rect">
-            <a:avLst/>
-          </a:prstGeom>
-        </p:spPr>
-        <p:txBody>
-          <a:bodyPr lIns="91425" tIns="91425" rIns="91425" bIns="91425" anchor="t" anchorCtr="0">
-            <a:noAutofit/>
-          </a:bodyPr>
-          <a:lstStyle/>
-          <a:p>
-            <a:endParaRPr/>
-          </a:p>
-        </p:txBody>
-      </p:sp>
-    </p:spTree>
-    <p:extLst>
-      <p:ext uri="{BB962C8B-B14F-4D97-AF65-F5344CB8AC3E}">
-        <p14:creationId xmlns:p14="http://schemas.microsoft.com/office/powerpoint/2010/main" val="83050847"/>
-      </p:ext>
-    </p:extLst>
-  </p:cSld>
-  <p:clrMapOvr>
-    <a:masterClrMapping/>
-  </p:clrMapOvr>
-  <p:transition xmlns:p14="http://schemas.microsoft.com/office/powerpoint/2010/main" spd="slow">
-    <p:cut/>
-  </p:transition>
-</p:sld>
-</file>
-
-<file path=ppt/slides/slide15.xml><?xml version="1.0" encoding="utf-8"?>
 <p:sld xmlns:a="http://schemas.openxmlformats.org/drawingml/2006/main" xmlns:r="http://schemas.openxmlformats.org/officeDocument/2006/relationships" xmlns:p="http://schemas.openxmlformats.org/presentationml/2006/main">
   <p:cSld>
     <p:spTree>
@@ -8815,13 +8923,14 @@
           </a:bodyPr>
           <a:lstStyle/>
           <a:p>
-            <a:pPr algn="ctr">
+            <a:pPr>
               <a:buNone/>
             </a:pPr>
             <a:r>
-              <a:rPr lang="en" dirty="0"/>
-              <a:t>Show user’s name on the side</a:t>
-            </a:r>
+              <a:rPr lang="en" dirty="0" smtClean="0"/>
+              <a:t>Server APIs</a:t>
+            </a:r>
+            <a:endParaRPr lang="en" dirty="0"/>
           </a:p>
         </p:txBody>
       </p:sp>
@@ -8850,16 +8959,83 @@
           </a:bodyPr>
           <a:lstStyle/>
           <a:p>
-            <a:pPr>
-              <a:buNone/>
-            </a:pPr>
-            <a:r>
-              <a:rPr lang="en" dirty="0"/>
-              <a:t>using sessions </a:t>
-            </a:r>
-          </a:p>
-        </p:txBody>
-      </p:sp>
+            <a:r>
+              <a:rPr lang="en" dirty="0" smtClean="0"/>
+              <a:t>Bunch of methods exposed</a:t>
+            </a:r>
+          </a:p>
+          <a:p>
+            <a:pPr lvl="1"/>
+            <a:r>
+              <a:rPr lang="en" dirty="0" smtClean="0"/>
+              <a:t>request / response / session / application</a:t>
+            </a:r>
+          </a:p>
+          <a:p>
+            <a:pPr lvl="1"/>
+            <a:endParaRPr lang="en" dirty="0"/>
+          </a:p>
+        </p:txBody>
+      </p:sp>
+      <p:pic>
+        <p:nvPicPr>
+          <p:cNvPr id="3074" name="Picture 2"/>
+          <p:cNvPicPr>
+            <a:picLocks noChangeAspect="1" noChangeArrowheads="1"/>
+          </p:cNvPicPr>
+          <p:nvPr/>
+        </p:nvPicPr>
+        <p:blipFill>
+          <a:blip r:embed="rId3">
+            <a:extLst>
+              <a:ext uri="{28A0092B-C50C-407E-A947-70E740481C1C}">
+                <a14:useLocalDpi xmlns:a14="http://schemas.microsoft.com/office/drawing/2010/main" val="0"/>
+              </a:ext>
+            </a:extLst>
+          </a:blip>
+          <a:srcRect/>
+          <a:stretch>
+            <a:fillRect/>
+          </a:stretch>
+        </p:blipFill>
+        <p:spPr bwMode="auto">
+          <a:xfrm>
+            <a:off x="2209800" y="3270370"/>
+            <a:ext cx="4267200" cy="3435230"/>
+          </a:xfrm>
+          <a:prstGeom prst="rect">
+            <a:avLst/>
+          </a:prstGeom>
+          <a:noFill/>
+          <a:ln w="9525">
+            <a:solidFill>
+              <a:schemeClr val="tx1"/>
+            </a:solidFill>
+            <a:miter lim="800000"/>
+            <a:headEnd/>
+            <a:tailEnd/>
+          </a:ln>
+          <a:effectLst/>
+          <a:extLst>
+            <a:ext uri="{909E8E84-426E-40DD-AFC4-6F175D3DCCD1}">
+              <a14:hiddenFill xmlns:a14="http://schemas.microsoft.com/office/drawing/2010/main">
+                <a:solidFill>
+                  <a:schemeClr val="accent1"/>
+                </a:solidFill>
+              </a14:hiddenFill>
+            </a:ext>
+            <a:ext uri="{AF507438-7753-43E0-B8FC-AC1667EBCBE1}">
+              <a14:hiddenEffects xmlns:a14="http://schemas.microsoft.com/office/drawing/2010/main">
+                <a:effectLst>
+                  <a:outerShdw dist="35921" dir="2700000" algn="ctr" rotWithShape="0">
+                    <a:schemeClr val="bg2"/>
+                  </a:outerShdw>
+                </a:effectLst>
+              </a14:hiddenEffects>
+            </a:ext>
+          </a:extLst>
+        </p:spPr>
+      </p:pic>
     </p:spTree>
     <p:extLst>
       <p:ext uri="{BB962C8B-B14F-4D97-AF65-F5344CB8AC3E}">
@@ -8870,13 +9046,13 @@
   <p:clrMapOvr>
     <a:masterClrMapping/>
   </p:clrMapOvr>
-  <p:transition xmlns:p14="http://schemas.microsoft.com/office/powerpoint/2010/main" spd="slow">
+  <p:transition spd="slow">
     <p:cut/>
   </p:transition>
 </p:sld>
 </file>
 
-<file path=ppt/slides/slide16.xml><?xml version="1.0" encoding="utf-8"?>
+<file path=ppt/slides/slide15.xml><?xml version="1.0" encoding="utf-8"?>
 <p:sld xmlns:a="http://schemas.openxmlformats.org/drawingml/2006/main" xmlns:r="http://schemas.openxmlformats.org/officeDocument/2006/relationships" xmlns:p="http://schemas.openxmlformats.org/presentationml/2006/main">
   <p:cSld>
     <p:spTree>
@@ -8905,8 +9081,8 @@
         </p:nvSpPr>
         <p:spPr>
           <a:xfrm>
-            <a:off x="457200" y="274637"/>
-            <a:ext cx="8229600" cy="1143200"/>
+            <a:off x="1676400" y="274637"/>
+            <a:ext cx="7010400" cy="1143200"/>
           </a:xfrm>
           <a:prstGeom prst="rect">
             <a:avLst/>
@@ -8922,9 +9098,10 @@
               <a:buNone/>
             </a:pPr>
             <a:r>
-              <a:rPr lang="en"/>
-              <a:t>Write Coffe Order Service</a:t>
-            </a:r>
+              <a:rPr lang="en" dirty="0" smtClean="0"/>
+              <a:t>RESTful Service Composition</a:t>
+            </a:r>
+            <a:endParaRPr lang="en" dirty="0"/>
           </a:p>
         </p:txBody>
       </p:sp>
@@ -8940,8 +9117,8 @@
         </p:nvSpPr>
         <p:spPr>
           <a:xfrm>
-            <a:off x="457200" y="1600201"/>
-            <a:ext cx="8229600" cy="4967599"/>
+            <a:off x="1295400" y="1600201"/>
+            <a:ext cx="7391400" cy="4967599"/>
           </a:xfrm>
           <a:prstGeom prst="rect">
             <a:avLst/>
@@ -8953,16 +9130,153 @@
           </a:bodyPr>
           <a:lstStyle/>
           <a:p>
-            <a:pPr>
-              <a:buNone/>
-            </a:pPr>
-            <a:r>
-              <a:rPr lang="en"/>
-              <a:t>how to write a rest service </a:t>
-            </a:r>
-          </a:p>
-        </p:txBody>
-      </p:sp>
+            <a:r>
+              <a:rPr lang="en" dirty="0" smtClean="0"/>
+              <a:t>URL Mapping</a:t>
+            </a:r>
+          </a:p>
+          <a:p>
+            <a:pPr lvl="1"/>
+            <a:r>
+              <a:rPr lang="en-US" dirty="0" smtClean="0"/>
+              <a:t>U</a:t>
+            </a:r>
+            <a:r>
+              <a:rPr lang="en" dirty="0" smtClean="0"/>
+              <a:t>sing inbuilt jaggery.conf</a:t>
+            </a:r>
+          </a:p>
+          <a:p>
+            <a:pPr lvl="1"/>
+            <a:r>
+              <a:rPr lang="en" dirty="0" smtClean="0"/>
+              <a:t>Usring goose.js</a:t>
+            </a:r>
+          </a:p>
+          <a:p>
+            <a:pPr lvl="1"/>
+            <a:endParaRPr lang="en" dirty="0"/>
+          </a:p>
+        </p:txBody>
+      </p:sp>
+      <p:pic>
+        <p:nvPicPr>
+          <p:cNvPr id="4098" name="Picture 2"/>
+          <p:cNvPicPr>
+            <a:picLocks noChangeAspect="1" noChangeArrowheads="1"/>
+          </p:cNvPicPr>
+          <p:nvPr/>
+        </p:nvPicPr>
+        <p:blipFill>
+          <a:blip r:embed="rId3">
+            <a:extLst>
+              <a:ext uri="{28A0092B-C50C-407E-A947-70E740481C1C}">
+                <a14:useLocalDpi xmlns:a14="http://schemas.microsoft.com/office/drawing/2010/main" val="0"/>
+              </a:ext>
+            </a:extLst>
+          </a:blip>
+          <a:srcRect/>
+          <a:stretch>
+            <a:fillRect/>
+          </a:stretch>
+        </p:blipFill>
+        <p:spPr bwMode="auto">
+          <a:xfrm>
+            <a:off x="381000" y="3566786"/>
+            <a:ext cx="4724401" cy="1384300"/>
+          </a:xfrm>
+          <a:prstGeom prst="rect">
+            <a:avLst/>
+          </a:prstGeom>
+          <a:noFill/>
+          <a:ln w="9525">
+            <a:solidFill>
+              <a:schemeClr val="tx1"/>
+            </a:solidFill>
+            <a:miter lim="800000"/>
+            <a:headEnd/>
+            <a:tailEnd/>
+          </a:ln>
+          <a:effectLst/>
+          <a:extLst>
+            <a:ext uri="{909E8E84-426E-40DD-AFC4-6F175D3DCCD1}">
+              <a14:hiddenFill xmlns:a14="http://schemas.microsoft.com/office/drawing/2010/main">
+                <a:solidFill>
+                  <a:schemeClr val="accent1"/>
+                </a:solidFill>
+              </a14:hiddenFill>
+            </a:ext>
+            <a:ext uri="{AF507438-7753-43E0-B8FC-AC1667EBCBE1}">
+              <a14:hiddenEffects xmlns:a14="http://schemas.microsoft.com/office/drawing/2010/main">
+                <a:effectLst>
+                  <a:outerShdw dist="35921" dir="2700000" algn="ctr" rotWithShape="0">
+                    <a:schemeClr val="bg2"/>
+                  </a:outerShdw>
+                </a:effectLst>
+              </a14:hiddenEffects>
+            </a:ext>
+          </a:extLst>
+        </p:spPr>
+      </p:pic>
+      <p:pic>
+        <p:nvPicPr>
+          <p:cNvPr id="4100" name="Picture 4"/>
+          <p:cNvPicPr>
+            <a:picLocks noChangeAspect="1" noChangeArrowheads="1"/>
+          </p:cNvPicPr>
+          <p:nvPr/>
+        </p:nvPicPr>
+        <p:blipFill>
+          <a:blip r:embed="rId4">
+            <a:extLst>
+              <a:ext uri="{28A0092B-C50C-407E-A947-70E740481C1C}">
+                <a14:useLocalDpi xmlns:a14="http://schemas.microsoft.com/office/drawing/2010/main" val="0"/>
+              </a:ext>
+            </a:extLst>
+          </a:blip>
+          <a:srcRect/>
+          <a:stretch>
+            <a:fillRect/>
+          </a:stretch>
+        </p:blipFill>
+        <p:spPr bwMode="auto">
+          <a:xfrm>
+            <a:off x="1846634" y="5181600"/>
+            <a:ext cx="5544766" cy="1447800"/>
+          </a:xfrm>
+          <a:prstGeom prst="rect">
+            <a:avLst/>
+          </a:prstGeom>
+          <a:noFill/>
+          <a:ln w="9525">
+            <a:solidFill>
+              <a:schemeClr val="tx1"/>
+            </a:solidFill>
+            <a:miter lim="800000"/>
+            <a:headEnd/>
+            <a:tailEnd/>
+          </a:ln>
+          <a:effectLst/>
+          <a:extLst>
+            <a:ext uri="{909E8E84-426E-40DD-AFC4-6F175D3DCCD1}">
+              <a14:hiddenFill xmlns:a14="http://schemas.microsoft.com/office/drawing/2010/main">
+                <a:solidFill>
+                  <a:schemeClr val="accent1"/>
+                </a:solidFill>
+              </a14:hiddenFill>
+            </a:ext>
+            <a:ext uri="{AF507438-7753-43E0-B8FC-AC1667EBCBE1}">
+              <a14:hiddenEffects xmlns:a14="http://schemas.microsoft.com/office/drawing/2010/main">
+                <a:effectLst>
+                  <a:outerShdw dist="35921" dir="2700000" algn="ctr" rotWithShape="0">
+                    <a:schemeClr val="bg2"/>
+                  </a:outerShdw>
+                </a:effectLst>
+              </a14:hiddenEffects>
+            </a:ext>
+          </a:extLst>
+        </p:spPr>
+      </p:pic>
     </p:spTree>
     <p:extLst>
       <p:ext uri="{BB962C8B-B14F-4D97-AF65-F5344CB8AC3E}">
@@ -8973,13 +9287,13 @@
   <p:clrMapOvr>
     <a:masterClrMapping/>
   </p:clrMapOvr>
-  <p:transition xmlns:p14="http://schemas.microsoft.com/office/powerpoint/2010/main" spd="slow">
+  <p:transition spd="slow">
     <p:cut/>
   </p:transition>
 </p:sld>
 </file>
 
-<file path=ppt/slides/slide17.xml><?xml version="1.0" encoding="utf-8"?>
+<file path=ppt/slides/slide16.xml><?xml version="1.0" encoding="utf-8"?>
 <p:sld xmlns:a="http://schemas.openxmlformats.org/drawingml/2006/main" xmlns:r="http://schemas.openxmlformats.org/officeDocument/2006/relationships" xmlns:p="http://schemas.openxmlformats.org/presentationml/2006/main">
   <p:cSld>
     <p:spTree>
@@ -9008,8 +9322,8 @@
         </p:nvSpPr>
         <p:spPr>
           <a:xfrm>
-            <a:off x="457200" y="274637"/>
-            <a:ext cx="8229600" cy="1143200"/>
+            <a:off x="1828800" y="274637"/>
+            <a:ext cx="6858000" cy="1143200"/>
           </a:xfrm>
           <a:prstGeom prst="rect">
             <a:avLst/>
@@ -9025,9 +9339,10 @@
               <a:buNone/>
             </a:pPr>
             <a:r>
-              <a:rPr lang="en"/>
-              <a:t>Call Coffe Order Service</a:t>
-            </a:r>
+              <a:rPr lang="en" dirty="0" smtClean="0"/>
+              <a:t>Calling out http services</a:t>
+            </a:r>
+            <a:endParaRPr lang="en" dirty="0"/>
           </a:p>
         </p:txBody>
       </p:sp>
@@ -9043,8 +9358,8 @@
         </p:nvSpPr>
         <p:spPr>
           <a:xfrm>
-            <a:off x="457200" y="1600201"/>
-            <a:ext cx="8229600" cy="4967599"/>
+            <a:off x="1447800" y="1600201"/>
+            <a:ext cx="7239000" cy="4967599"/>
           </a:xfrm>
           <a:prstGeom prst="rect">
             <a:avLst/>
@@ -9056,16 +9371,73 @@
           </a:bodyPr>
           <a:lstStyle/>
           <a:p>
-            <a:pPr>
-              <a:buNone/>
-            </a:pPr>
-            <a:r>
-              <a:rPr lang="en"/>
-              <a:t>calling a rest service </a:t>
-            </a:r>
-          </a:p>
-        </p:txBody>
-      </p:sp>
+            <a:r>
+              <a:rPr lang="en" dirty="0" smtClean="0"/>
+              <a:t>Easy http client calls (just like you do in the browser)</a:t>
+            </a:r>
+            <a:endParaRPr lang="en" dirty="0"/>
+          </a:p>
+        </p:txBody>
+      </p:sp>
+      <p:pic>
+        <p:nvPicPr>
+          <p:cNvPr id="5122" name="Picture 2"/>
+          <p:cNvPicPr>
+            <a:picLocks noChangeAspect="1" noChangeArrowheads="1"/>
+          </p:cNvPicPr>
+          <p:nvPr/>
+        </p:nvPicPr>
+        <p:blipFill>
+          <a:blip r:embed="rId3">
+            <a:extLst>
+              <a:ext uri="{28A0092B-C50C-407E-A947-70E740481C1C}">
+                <a14:useLocalDpi xmlns:a14="http://schemas.microsoft.com/office/drawing/2010/main" val="0"/>
+              </a:ext>
+            </a:extLst>
+          </a:blip>
+          <a:srcRect/>
+          <a:stretch>
+            <a:fillRect/>
+          </a:stretch>
+        </p:blipFill>
+        <p:spPr bwMode="auto">
+          <a:xfrm>
+            <a:off x="1197279" y="2895600"/>
+            <a:ext cx="7483366" cy="2438400"/>
+          </a:xfrm>
+          <a:prstGeom prst="rect">
+            <a:avLst/>
+          </a:prstGeom>
+          <a:noFill/>
+          <a:ln w="9525">
+            <a:solidFill>
+              <a:schemeClr val="tx1"/>
+            </a:solidFill>
+            <a:miter lim="800000"/>
+            <a:headEnd/>
+            <a:tailEnd/>
+          </a:ln>
+          <a:effectLst/>
+          <a:extLst>
+            <a:ext uri="{909E8E84-426E-40DD-AFC4-6F175D3DCCD1}">
+              <a14:hiddenFill xmlns:a14="http://schemas.microsoft.com/office/drawing/2010/main">
+                <a:solidFill>
+                  <a:schemeClr val="accent1"/>
+                </a:solidFill>
+              </a14:hiddenFill>
+            </a:ext>
+            <a:ext uri="{AF507438-7753-43E0-B8FC-AC1667EBCBE1}">
+              <a14:hiddenEffects xmlns:a14="http://schemas.microsoft.com/office/drawing/2010/main">
+                <a:effectLst>
+                  <a:outerShdw dist="35921" dir="2700000" algn="ctr" rotWithShape="0">
+                    <a:schemeClr val="bg2"/>
+                  </a:outerShdw>
+                </a:effectLst>
+              </a14:hiddenEffects>
+            </a:ext>
+          </a:extLst>
+        </p:spPr>
+      </p:pic>
     </p:spTree>
     <p:extLst>
       <p:ext uri="{BB962C8B-B14F-4D97-AF65-F5344CB8AC3E}">
@@ -9076,13 +9448,13 @@
   <p:clrMapOvr>
     <a:masterClrMapping/>
   </p:clrMapOvr>
-  <p:transition xmlns:p14="http://schemas.microsoft.com/office/powerpoint/2010/main" spd="slow">
+  <p:transition spd="slow">
     <p:cut/>
   </p:transition>
 </p:sld>
 </file>
 
-<file path=ppt/slides/slide18.xml><?xml version="1.0" encoding="utf-8"?>
+<file path=ppt/slides/slide17.xml><?xml version="1.0" encoding="utf-8"?>
 <p:sld xmlns:a="http://schemas.openxmlformats.org/drawingml/2006/main" xmlns:r="http://schemas.openxmlformats.org/officeDocument/2006/relationships" xmlns:p="http://schemas.openxmlformats.org/presentationml/2006/main">
   <p:cSld>
     <p:spTree>
@@ -9111,8 +9483,8 @@
         </p:nvSpPr>
         <p:spPr>
           <a:xfrm>
-            <a:off x="457200" y="274637"/>
-            <a:ext cx="8229600" cy="1143200"/>
+            <a:off x="1752600" y="274637"/>
+            <a:ext cx="6934200" cy="1143200"/>
           </a:xfrm>
           <a:prstGeom prst="rect">
             <a:avLst/>
@@ -9128,41 +9500,75 @@
               <a:buNone/>
             </a:pPr>
             <a:r>
-              <a:rPr lang="en"/>
-              <a:t>Pay calling a SOAP Service </a:t>
-            </a:r>
-          </a:p>
-        </p:txBody>
-      </p:sp>
-      <p:sp>
-        <p:nvSpPr>
-          <p:cNvPr id="114" name="Shape 114"/>
-          <p:cNvSpPr txBox="1">
-            <a:spLocks noGrp="1"/>
-          </p:cNvSpPr>
-          <p:nvPr>
-            <p:ph type="body" idx="1"/>
-          </p:nvPr>
-        </p:nvSpPr>
-        <p:spPr>
-          <a:xfrm>
-            <a:off x="457200" y="1600201"/>
-            <a:ext cx="8229600" cy="4967599"/>
+              <a:rPr lang="en" dirty="0" smtClean="0"/>
+              <a:t>Calling out a </a:t>
+            </a:r>
+            <a:r>
+              <a:rPr lang="en" dirty="0"/>
+              <a:t>SOAP Service </a:t>
+            </a:r>
+          </a:p>
+        </p:txBody>
+      </p:sp>
+      <p:pic>
+        <p:nvPicPr>
+          <p:cNvPr id="6146" name="Picture 2"/>
+          <p:cNvPicPr>
+            <a:picLocks noChangeAspect="1" noChangeArrowheads="1"/>
+          </p:cNvPicPr>
+          <p:nvPr/>
+        </p:nvPicPr>
+        <p:blipFill>
+          <a:blip r:embed="rId3">
+            <a:extLst>
+              <a:ext uri="{28A0092B-C50C-407E-A947-70E740481C1C}">
+                <a14:useLocalDpi xmlns:a14="http://schemas.microsoft.com/office/drawing/2010/main" val="0"/>
+              </a:ext>
+            </a:extLst>
+          </a:blip>
+          <a:srcRect/>
+          <a:stretch>
+            <a:fillRect/>
+          </a:stretch>
+        </p:blipFill>
+        <p:spPr bwMode="auto">
+          <a:xfrm>
+            <a:off x="685800" y="1524000"/>
+            <a:ext cx="8170233" cy="4648200"/>
           </a:xfrm>
           <a:prstGeom prst="rect">
             <a:avLst/>
           </a:prstGeom>
-        </p:spPr>
-        <p:txBody>
-          <a:bodyPr lIns="91425" tIns="91425" rIns="91425" bIns="91425" anchor="t" anchorCtr="0">
-            <a:noAutofit/>
-          </a:bodyPr>
-          <a:lstStyle/>
-          <a:p>
-            <a:endParaRPr/>
-          </a:p>
-        </p:txBody>
-      </p:sp>
+          <a:noFill/>
+          <a:ln w="9525">
+            <a:solidFill>
+              <a:schemeClr val="tx1"/>
+            </a:solidFill>
+            <a:miter lim="800000"/>
+            <a:headEnd/>
+            <a:tailEnd/>
+          </a:ln>
+          <a:effectLst/>
+          <a:extLst>
+            <a:ext uri="{909E8E84-426E-40DD-AFC4-6F175D3DCCD1}">
+              <a14:hiddenFill xmlns:a14="http://schemas.microsoft.com/office/drawing/2010/main">
+                <a:solidFill>
+                  <a:schemeClr val="accent1"/>
+                </a:solidFill>
+              </a14:hiddenFill>
+            </a:ext>
+            <a:ext uri="{AF507438-7753-43E0-B8FC-AC1667EBCBE1}">
+              <a14:hiddenEffects xmlns:a14="http://schemas.microsoft.com/office/drawing/2010/main">
+                <a:effectLst>
+                  <a:outerShdw dist="35921" dir="2700000" algn="ctr" rotWithShape="0">
+                    <a:schemeClr val="bg2"/>
+                  </a:outerShdw>
+                </a:effectLst>
+              </a14:hiddenEffects>
+            </a:ext>
+          </a:extLst>
+        </p:spPr>
+      </p:pic>
     </p:spTree>
     <p:extLst>
       <p:ext uri="{BB962C8B-B14F-4D97-AF65-F5344CB8AC3E}">
@@ -9173,13 +9579,13 @@
   <p:clrMapOvr>
     <a:masterClrMapping/>
   </p:clrMapOvr>
-  <p:transition xmlns:p14="http://schemas.microsoft.com/office/powerpoint/2010/main" spd="slow">
+  <p:transition spd="slow">
     <p:cut/>
   </p:transition>
 </p:sld>
 </file>
 
-<file path=ppt/slides/slide19.xml><?xml version="1.0" encoding="utf-8"?>
+<file path=ppt/slides/slide18.xml><?xml version="1.0" encoding="utf-8"?>
 <p:sld xmlns:a="http://schemas.openxmlformats.org/drawingml/2006/main" xmlns:r="http://schemas.openxmlformats.org/officeDocument/2006/relationships" xmlns:p="http://schemas.openxmlformats.org/presentationml/2006/main">
   <p:cSld>
     <p:spTree>
@@ -9225,8 +9631,12 @@
               <a:buNone/>
             </a:pPr>
             <a:r>
-              <a:rPr lang="en"/>
-              <a:t>Collect Coffee Stats</a:t>
+              <a:rPr lang="en" dirty="0" smtClean="0"/>
+              <a:t>		Collect </a:t>
+            </a:r>
+            <a:r>
+              <a:rPr lang="en" dirty="0"/>
+              <a:t>Coffee Stats</a:t>
             </a:r>
           </a:p>
         </p:txBody>
@@ -9243,8 +9653,8 @@
         </p:nvSpPr>
         <p:spPr>
           <a:xfrm>
-            <a:off x="457200" y="1600201"/>
-            <a:ext cx="8229600" cy="4967599"/>
+            <a:off x="1371600" y="1447800"/>
+            <a:ext cx="7315200" cy="4967599"/>
           </a:xfrm>
           <a:prstGeom prst="rect">
             <a:avLst/>
@@ -9256,16 +9666,134 @@
           </a:bodyPr>
           <a:lstStyle/>
           <a:p>
-            <a:pPr>
-              <a:buNone/>
-            </a:pPr>
-            <a:r>
-              <a:rPr lang="en"/>
-              <a:t>using init  </a:t>
-            </a:r>
-          </a:p>
-        </p:txBody>
-      </p:sp>
+            <a:r>
+              <a:rPr lang="en" dirty="0" smtClean="0"/>
+              <a:t>Seemless integration with json apis</a:t>
+            </a:r>
+          </a:p>
+          <a:p>
+            <a:endParaRPr lang="en" dirty="0"/>
+          </a:p>
+        </p:txBody>
+      </p:sp>
+      <p:pic>
+        <p:nvPicPr>
+          <p:cNvPr id="7170" name="Picture 2"/>
+          <p:cNvPicPr>
+            <a:picLocks noChangeAspect="1" noChangeArrowheads="1"/>
+          </p:cNvPicPr>
+          <p:nvPr/>
+        </p:nvPicPr>
+        <p:blipFill>
+          <a:blip r:embed="rId3">
+            <a:extLst>
+              <a:ext uri="{28A0092B-C50C-407E-A947-70E740481C1C}">
+                <a14:useLocalDpi xmlns:a14="http://schemas.microsoft.com/office/drawing/2010/main" val="0"/>
+              </a:ext>
+            </a:extLst>
+          </a:blip>
+          <a:srcRect/>
+          <a:stretch>
+            <a:fillRect/>
+          </a:stretch>
+        </p:blipFill>
+        <p:spPr bwMode="auto">
+          <a:xfrm>
+            <a:off x="1371600" y="2133600"/>
+            <a:ext cx="6798879" cy="1971675"/>
+          </a:xfrm>
+          <a:prstGeom prst="rect">
+            <a:avLst/>
+          </a:prstGeom>
+          <a:noFill/>
+          <a:ln w="9525">
+            <a:solidFill>
+              <a:schemeClr val="tx1"/>
+            </a:solidFill>
+            <a:miter lim="800000"/>
+            <a:headEnd/>
+            <a:tailEnd/>
+          </a:ln>
+          <a:effectLst/>
+          <a:extLst>
+            <a:ext uri="{909E8E84-426E-40DD-AFC4-6F175D3DCCD1}">
+              <a14:hiddenFill xmlns:a14="http://schemas.microsoft.com/office/drawing/2010/main">
+                <a:solidFill>
+                  <a:schemeClr val="accent1"/>
+                </a:solidFill>
+              </a14:hiddenFill>
+            </a:ext>
+            <a:ext uri="{AF507438-7753-43E0-B8FC-AC1667EBCBE1}">
+              <a14:hiddenEffects xmlns:a14="http://schemas.microsoft.com/office/drawing/2010/main">
+                <a:effectLst>
+                  <a:outerShdw dist="35921" dir="2700000" algn="ctr" rotWithShape="0">
+                    <a:schemeClr val="bg2"/>
+                  </a:outerShdw>
+                </a:effectLst>
+              </a14:hiddenEffects>
+            </a:ext>
+          </a:extLst>
+        </p:spPr>
+      </p:pic>
+      <p:pic>
+        <p:nvPicPr>
+          <p:cNvPr id="7171" name="Picture 3"/>
+          <p:cNvPicPr>
+            <a:picLocks noChangeAspect="1" noChangeArrowheads="1"/>
+          </p:cNvPicPr>
+          <p:nvPr/>
+        </p:nvPicPr>
+        <p:blipFill>
+          <a:blip r:embed="rId4">
+            <a:extLst>
+              <a:ext uri="{28A0092B-C50C-407E-A947-70E740481C1C}">
+                <a14:useLocalDpi xmlns:a14="http://schemas.microsoft.com/office/drawing/2010/main" val="0"/>
+              </a:ext>
+            </a:extLst>
+          </a:blip>
+          <a:srcRect/>
+          <a:stretch>
+            <a:fillRect/>
+          </a:stretch>
+        </p:blipFill>
+        <p:spPr bwMode="auto">
+          <a:xfrm>
+            <a:off x="2590800" y="4267200"/>
+            <a:ext cx="4007512" cy="2380402"/>
+          </a:xfrm>
+          <a:prstGeom prst="rect">
+            <a:avLst/>
+          </a:prstGeom>
+          <a:noFill/>
+          <a:ln w="9525">
+            <a:solidFill>
+              <a:schemeClr val="tx1"/>
+            </a:solidFill>
+            <a:miter lim="800000"/>
+            <a:headEnd/>
+            <a:tailEnd/>
+          </a:ln>
+          <a:effectLst/>
+          <a:extLst>
+            <a:ext uri="{909E8E84-426E-40DD-AFC4-6F175D3DCCD1}">
+              <a14:hiddenFill xmlns:a14="http://schemas.microsoft.com/office/drawing/2010/main">
+                <a:solidFill>
+                  <a:schemeClr val="accent1"/>
+                </a:solidFill>
+              </a14:hiddenFill>
+            </a:ext>
+            <a:ext uri="{AF507438-7753-43E0-B8FC-AC1667EBCBE1}">
+              <a14:hiddenEffects xmlns:a14="http://schemas.microsoft.com/office/drawing/2010/main">
+                <a:effectLst>
+                  <a:outerShdw dist="35921" dir="2700000" algn="ctr" rotWithShape="0">
+                    <a:schemeClr val="bg2"/>
+                  </a:outerShdw>
+                </a:effectLst>
+              </a14:hiddenEffects>
+            </a:ext>
+          </a:extLst>
+        </p:spPr>
+      </p:pic>
     </p:spTree>
     <p:extLst>
       <p:ext uri="{BB962C8B-B14F-4D97-AF65-F5344CB8AC3E}">
@@ -9276,7 +9804,172 @@
   <p:clrMapOvr>
     <a:masterClrMapping/>
   </p:clrMapOvr>
-  <p:transition xmlns:p14="http://schemas.microsoft.com/office/powerpoint/2010/main" spd="slow">
+  <p:transition spd="slow">
+    <p:cut/>
+  </p:transition>
+</p:sld>
+</file>
+
+<file path=ppt/slides/slide19.xml><?xml version="1.0" encoding="utf-8"?>
+<p:sld xmlns:a="http://schemas.openxmlformats.org/drawingml/2006/main" xmlns:r="http://schemas.openxmlformats.org/officeDocument/2006/relationships" xmlns:p="http://schemas.openxmlformats.org/presentationml/2006/main">
+  <p:cSld>
+    <p:spTree>
+      <p:nvGrpSpPr>
+        <p:cNvPr id="1" name="Shape 124"/>
+        <p:cNvGrpSpPr/>
+        <p:nvPr/>
+      </p:nvGrpSpPr>
+      <p:grpSpPr>
+        <a:xfrm>
+          <a:off x="0" y="0"/>
+          <a:ext cx="0" cy="0"/>
+          <a:chOff x="0" y="0"/>
+          <a:chExt cx="0" cy="0"/>
+        </a:xfrm>
+      </p:grpSpPr>
+      <p:sp>
+        <p:nvSpPr>
+          <p:cNvPr id="125" name="Shape 125"/>
+          <p:cNvSpPr txBox="1">
+            <a:spLocks noGrp="1"/>
+          </p:cNvSpPr>
+          <p:nvPr>
+            <p:ph type="title"/>
+          </p:nvPr>
+        </p:nvSpPr>
+        <p:spPr>
+          <a:xfrm>
+            <a:off x="1981200" y="274637"/>
+            <a:ext cx="6705600" cy="1143200"/>
+          </a:xfrm>
+          <a:prstGeom prst="rect">
+            <a:avLst/>
+          </a:prstGeom>
+        </p:spPr>
+        <p:txBody>
+          <a:bodyPr lIns="91425" tIns="91425" rIns="91425" bIns="91425" anchor="b" anchorCtr="0">
+            <a:noAutofit/>
+          </a:bodyPr>
+          <a:lstStyle/>
+          <a:p>
+            <a:pPr>
+              <a:buNone/>
+            </a:pPr>
+            <a:r>
+              <a:rPr lang="en" dirty="0" smtClean="0"/>
+              <a:t>Pushing messages</a:t>
+            </a:r>
+            <a:endParaRPr lang="en" dirty="0"/>
+          </a:p>
+        </p:txBody>
+      </p:sp>
+      <p:sp>
+        <p:nvSpPr>
+          <p:cNvPr id="126" name="Shape 126"/>
+          <p:cNvSpPr txBox="1">
+            <a:spLocks noGrp="1"/>
+          </p:cNvSpPr>
+          <p:nvPr>
+            <p:ph type="body" idx="1"/>
+          </p:nvPr>
+        </p:nvSpPr>
+        <p:spPr>
+          <a:xfrm>
+            <a:off x="1447800" y="1600201"/>
+            <a:ext cx="7239000" cy="4967599"/>
+          </a:xfrm>
+          <a:prstGeom prst="rect">
+            <a:avLst/>
+          </a:prstGeom>
+        </p:spPr>
+        <p:txBody>
+          <a:bodyPr lIns="91425" tIns="91425" rIns="91425" bIns="91425" anchor="t" anchorCtr="0">
+            <a:noAutofit/>
+          </a:bodyPr>
+          <a:lstStyle/>
+          <a:p>
+            <a:r>
+              <a:rPr lang="en-US" dirty="0" smtClean="0"/>
+              <a:t>aka </a:t>
+            </a:r>
+            <a:r>
+              <a:rPr lang="en-US" dirty="0" err="1" smtClean="0"/>
+              <a:t>WebSockets</a:t>
+            </a:r>
+            <a:endParaRPr dirty="0"/>
+          </a:p>
+        </p:txBody>
+      </p:sp>
+      <p:pic>
+        <p:nvPicPr>
+          <p:cNvPr id="8194" name="Picture 2"/>
+          <p:cNvPicPr>
+            <a:picLocks noChangeAspect="1" noChangeArrowheads="1"/>
+          </p:cNvPicPr>
+          <p:nvPr/>
+        </p:nvPicPr>
+        <p:blipFill>
+          <a:blip r:embed="rId3">
+            <a:extLst>
+              <a:ext uri="{28A0092B-C50C-407E-A947-70E740481C1C}">
+                <a14:useLocalDpi xmlns:a14="http://schemas.microsoft.com/office/drawing/2010/main" val="0"/>
+              </a:ext>
+            </a:extLst>
+          </a:blip>
+          <a:srcRect/>
+          <a:stretch>
+            <a:fillRect/>
+          </a:stretch>
+        </p:blipFill>
+        <p:spPr bwMode="auto">
+          <a:xfrm>
+            <a:off x="1143000" y="2438400"/>
+            <a:ext cx="6348996" cy="3048000"/>
+          </a:xfrm>
+          <a:prstGeom prst="rect">
+            <a:avLst/>
+          </a:prstGeom>
+          <a:noFill/>
+          <a:ln w="9525">
+            <a:solidFill>
+              <a:schemeClr val="tx1"/>
+            </a:solidFill>
+            <a:miter lim="800000"/>
+            <a:headEnd/>
+            <a:tailEnd/>
+          </a:ln>
+          <a:effectLst/>
+          <a:extLst>
+            <a:ext uri="{909E8E84-426E-40DD-AFC4-6F175D3DCCD1}">
+              <a14:hiddenFill xmlns:a14="http://schemas.microsoft.com/office/drawing/2010/main">
+                <a:solidFill>
+                  <a:schemeClr val="accent1"/>
+                </a:solidFill>
+              </a14:hiddenFill>
+            </a:ext>
+            <a:ext uri="{AF507438-7753-43E0-B8FC-AC1667EBCBE1}">
+              <a14:hiddenEffects xmlns:a14="http://schemas.microsoft.com/office/drawing/2010/main">
+                <a:effectLst>
+                  <a:outerShdw dist="35921" dir="2700000" algn="ctr" rotWithShape="0">
+                    <a:schemeClr val="bg2"/>
+                  </a:outerShdw>
+                </a:effectLst>
+              </a14:hiddenEffects>
+            </a:ext>
+          </a:extLst>
+        </p:spPr>
+      </p:pic>
+    </p:spTree>
+    <p:extLst>
+      <p:ext uri="{BB962C8B-B14F-4D97-AF65-F5344CB8AC3E}">
+        <p14:creationId xmlns:p14="http://schemas.microsoft.com/office/powerpoint/2010/main" val="2637300178"/>
+      </p:ext>
+    </p:extLst>
+  </p:cSld>
+  <p:clrMapOvr>
+    <a:masterClrMapping/>
+  </p:clrMapOvr>
+  <p:transition spd="slow">
     <p:cut/>
   </p:transition>
 </p:sld>
@@ -9401,7 +10094,7 @@
                   <a:schemeClr val="tx1"/>
                 </a:solidFill>
               </a:rPr>
-              <a:t>Jaggery</a:t>
+              <a:t>JaggeryJS</a:t>
             </a:r>
             <a:r>
               <a:rPr lang="en-US" dirty="0" smtClean="0">
@@ -9411,6 +10104,11 @@
               </a:rPr>
               <a:t> </a:t>
             </a:r>
+            <a:endParaRPr lang="en-US" dirty="0" smtClean="0">
+              <a:solidFill>
+                <a:schemeClr val="tx1"/>
+              </a:solidFill>
+            </a:endParaRPr>
           </a:p>
           <a:p>
             <a:r>
@@ -9449,110 +10147,13 @@
   <p:clrMapOvr>
     <a:masterClrMapping/>
   </p:clrMapOvr>
-  <p:transition xmlns:p14="http://schemas.microsoft.com/office/powerpoint/2010/main" spd="slow">
+  <p:transition spd="slow">
     <p:cut/>
   </p:transition>
 </p:sld>
 </file>
 
 <file path=ppt/slides/slide20.xml><?xml version="1.0" encoding="utf-8"?>
-<p:sld xmlns:a="http://schemas.openxmlformats.org/drawingml/2006/main" xmlns:r="http://schemas.openxmlformats.org/officeDocument/2006/relationships" xmlns:p="http://schemas.openxmlformats.org/presentationml/2006/main">
-  <p:cSld>
-    <p:spTree>
-      <p:nvGrpSpPr>
-        <p:cNvPr id="1" name="Shape 124"/>
-        <p:cNvGrpSpPr/>
-        <p:nvPr/>
-      </p:nvGrpSpPr>
-      <p:grpSpPr>
-        <a:xfrm>
-          <a:off x="0" y="0"/>
-          <a:ext cx="0" cy="0"/>
-          <a:chOff x="0" y="0"/>
-          <a:chExt cx="0" cy="0"/>
-        </a:xfrm>
-      </p:grpSpPr>
-      <p:sp>
-        <p:nvSpPr>
-          <p:cNvPr id="125" name="Shape 125"/>
-          <p:cNvSpPr txBox="1">
-            <a:spLocks noGrp="1"/>
-          </p:cNvSpPr>
-          <p:nvPr>
-            <p:ph type="title"/>
-          </p:nvPr>
-        </p:nvSpPr>
-        <p:spPr>
-          <a:xfrm>
-            <a:off x="457200" y="274637"/>
-            <a:ext cx="8229600" cy="1143200"/>
-          </a:xfrm>
-          <a:prstGeom prst="rect">
-            <a:avLst/>
-          </a:prstGeom>
-        </p:spPr>
-        <p:txBody>
-          <a:bodyPr lIns="91425" tIns="91425" rIns="91425" bIns="91425" anchor="b" anchorCtr="0">
-            <a:noAutofit/>
-          </a:bodyPr>
-          <a:lstStyle/>
-          <a:p>
-            <a:pPr>
-              <a:buNone/>
-            </a:pPr>
-            <a:r>
-              <a:rPr lang="en"/>
-              <a:t>Push Coffee is ready notification </a:t>
-            </a:r>
-          </a:p>
-        </p:txBody>
-      </p:sp>
-      <p:sp>
-        <p:nvSpPr>
-          <p:cNvPr id="126" name="Shape 126"/>
-          <p:cNvSpPr txBox="1">
-            <a:spLocks noGrp="1"/>
-          </p:cNvSpPr>
-          <p:nvPr>
-            <p:ph type="body" idx="1"/>
-          </p:nvPr>
-        </p:nvSpPr>
-        <p:spPr>
-          <a:xfrm>
-            <a:off x="457200" y="1600201"/>
-            <a:ext cx="8229600" cy="4967599"/>
-          </a:xfrm>
-          <a:prstGeom prst="rect">
-            <a:avLst/>
-          </a:prstGeom>
-        </p:spPr>
-        <p:txBody>
-          <a:bodyPr lIns="91425" tIns="91425" rIns="91425" bIns="91425" anchor="t" anchorCtr="0">
-            <a:noAutofit/>
-          </a:bodyPr>
-          <a:lstStyle/>
-          <a:p>
-            <a:endParaRPr/>
-          </a:p>
-        </p:txBody>
-      </p:sp>
-    </p:spTree>
-    <p:extLst>
-      <p:ext uri="{BB962C8B-B14F-4D97-AF65-F5344CB8AC3E}">
-        <p14:creationId xmlns:p14="http://schemas.microsoft.com/office/powerpoint/2010/main" val="2637300178"/>
-      </p:ext>
-    </p:extLst>
-  </p:cSld>
-  <p:clrMapOvr>
-    <a:masterClrMapping/>
-  </p:clrMapOvr>
-  <p:transition xmlns:p14="http://schemas.microsoft.com/office/powerpoint/2010/main" spd="slow">
-    <p:cut/>
-  </p:transition>
-</p:sld>
-</file>
-
-<file path=ppt/slides/slide21.xml><?xml version="1.0" encoding="utf-8"?>
 <p:sld xmlns:a="http://schemas.openxmlformats.org/drawingml/2006/main" xmlns:r="http://schemas.openxmlformats.org/officeDocument/2006/relationships" xmlns:p="http://schemas.openxmlformats.org/presentationml/2006/main">
   <p:cSld>
     <p:spTree>
@@ -9581,8 +10182,8 @@
         </p:nvSpPr>
         <p:spPr>
           <a:xfrm>
-            <a:off x="457200" y="274637"/>
-            <a:ext cx="8229600" cy="1143200"/>
+            <a:off x="1752600" y="274637"/>
+            <a:ext cx="6934200" cy="1143200"/>
           </a:xfrm>
           <a:prstGeom prst="rect">
             <a:avLst/>
@@ -9598,9 +10199,18 @@
               <a:buNone/>
             </a:pPr>
             <a:r>
-              <a:rPr lang="en"/>
-              <a:t>Redo a page with Handle bars</a:t>
-            </a:r>
+              <a:rPr lang="en" dirty="0" smtClean="0"/>
+              <a:t>Including 3</a:t>
+            </a:r>
+            <a:r>
+              <a:rPr lang="en" baseline="30000" dirty="0" smtClean="0"/>
+              <a:t>rd</a:t>
+            </a:r>
+            <a:r>
+              <a:rPr lang="en" dirty="0" smtClean="0"/>
+              <a:t> party js libraries</a:t>
+            </a:r>
+            <a:endParaRPr lang="en" dirty="0"/>
           </a:p>
         </p:txBody>
       </p:sp>
@@ -9616,8 +10226,8 @@
         </p:nvSpPr>
         <p:spPr>
           <a:xfrm>
-            <a:off x="457200" y="1600201"/>
-            <a:ext cx="8229600" cy="4967599"/>
+            <a:off x="1371600" y="1600201"/>
+            <a:ext cx="7315200" cy="4967599"/>
           </a:xfrm>
           <a:prstGeom prst="rect">
             <a:avLst/>
@@ -9629,10 +10239,83 @@
           </a:bodyPr>
           <a:lstStyle/>
           <a:p>
-            <a:endParaRPr/>
-          </a:p>
-        </p:txBody>
-      </p:sp>
+            <a:r>
+              <a:rPr lang="en-US" dirty="0" smtClean="0"/>
+              <a:t>Some logic-less </a:t>
+            </a:r>
+            <a:r>
+              <a:rPr lang="en-US" dirty="0" err="1" smtClean="0"/>
+              <a:t>templating</a:t>
+            </a:r>
+            <a:r>
+              <a:rPr lang="en-US" dirty="0" smtClean="0"/>
+              <a:t> ?</a:t>
+            </a:r>
+          </a:p>
+          <a:p>
+            <a:endParaRPr dirty="0"/>
+          </a:p>
+        </p:txBody>
+      </p:sp>
+      <p:pic>
+        <p:nvPicPr>
+          <p:cNvPr id="9218" name="Picture 2"/>
+          <p:cNvPicPr>
+            <a:picLocks noChangeAspect="1" noChangeArrowheads="1"/>
+          </p:cNvPicPr>
+          <p:nvPr/>
+        </p:nvPicPr>
+        <p:blipFill>
+          <a:blip r:embed="rId3">
+            <a:extLst>
+              <a:ext uri="{28A0092B-C50C-407E-A947-70E740481C1C}">
+                <a14:useLocalDpi xmlns:a14="http://schemas.microsoft.com/office/drawing/2010/main" val="0"/>
+              </a:ext>
+            </a:extLst>
+          </a:blip>
+          <a:srcRect/>
+          <a:stretch>
+            <a:fillRect/>
+          </a:stretch>
+        </p:blipFill>
+        <p:spPr bwMode="auto">
+          <a:xfrm>
+            <a:off x="569622" y="2590800"/>
+            <a:ext cx="8193378" cy="2971800"/>
+          </a:xfrm>
+          <a:prstGeom prst="rect">
+            <a:avLst/>
+          </a:prstGeom>
+          <a:noFill/>
+          <a:ln w="9525">
+            <a:solidFill>
+              <a:schemeClr val="tx1"/>
+            </a:solidFill>
+            <a:miter lim="800000"/>
+            <a:headEnd/>
+            <a:tailEnd/>
+          </a:ln>
+          <a:effectLst/>
+          <a:extLst>
+            <a:ext uri="{909E8E84-426E-40DD-AFC4-6F175D3DCCD1}">
+              <a14:hiddenFill xmlns:a14="http://schemas.microsoft.com/office/drawing/2010/main">
+                <a:solidFill>
+                  <a:schemeClr val="accent1"/>
+                </a:solidFill>
+              </a14:hiddenFill>
+            </a:ext>
+            <a:ext uri="{AF507438-7753-43E0-B8FC-AC1667EBCBE1}">
+              <a14:hiddenEffects xmlns:a14="http://schemas.microsoft.com/office/drawing/2010/main">
+                <a:effectLst>
+                  <a:outerShdw dist="35921" dir="2700000" algn="ctr" rotWithShape="0">
+                    <a:schemeClr val="bg2"/>
+                  </a:outerShdw>
+                </a:effectLst>
+              </a14:hiddenEffects>
+            </a:ext>
+          </a:extLst>
+        </p:spPr>
+      </p:pic>
     </p:spTree>
     <p:extLst>
       <p:ext uri="{BB962C8B-B14F-4D97-AF65-F5344CB8AC3E}">
@@ -9643,13 +10326,13 @@
   <p:clrMapOvr>
     <a:masterClrMapping/>
   </p:clrMapOvr>
-  <p:transition xmlns:p14="http://schemas.microsoft.com/office/powerpoint/2010/main" spd="slow">
+  <p:transition spd="slow">
     <p:cut/>
   </p:transition>
 </p:sld>
 </file>
 
-<file path=ppt/slides/slide22.xml><?xml version="1.0" encoding="utf-8"?>
+<file path=ppt/slides/slide21.xml><?xml version="1.0" encoding="utf-8"?>
 <p:sld xmlns:a="http://schemas.openxmlformats.org/drawingml/2006/main" xmlns:r="http://schemas.openxmlformats.org/officeDocument/2006/relationships" xmlns:p="http://schemas.openxmlformats.org/presentationml/2006/main">
   <p:cSld>
     <p:spTree>
@@ -9740,13 +10423,13 @@
   <p:clrMapOvr>
     <a:masterClrMapping/>
   </p:clrMapOvr>
-  <p:transition xmlns:p14="http://schemas.microsoft.com/office/powerpoint/2010/main" spd="slow">
+  <p:transition spd="slow">
     <p:cut/>
   </p:transition>
 </p:sld>
 </file>
 
-<file path=ppt/slides/slide23.xml><?xml version="1.0" encoding="utf-8"?>
+<file path=ppt/slides/slide22.xml><?xml version="1.0" encoding="utf-8"?>
 <p:sld xmlns:a="http://schemas.openxmlformats.org/drawingml/2006/main" xmlns:r="http://schemas.openxmlformats.org/officeDocument/2006/relationships" xmlns:p="http://schemas.openxmlformats.org/presentationml/2006/main">
   <p:cSld>
     <p:spTree>
@@ -9837,13 +10520,13 @@
   <p:clrMapOvr>
     <a:masterClrMapping/>
   </p:clrMapOvr>
-  <p:transition xmlns:p14="http://schemas.microsoft.com/office/powerpoint/2010/main" spd="slow">
+  <p:transition spd="slow">
     <p:cut/>
   </p:transition>
 </p:sld>
 </file>
 
-<file path=ppt/slides/slide24.xml><?xml version="1.0" encoding="utf-8"?>
+<file path=ppt/slides/slide23.xml><?xml version="1.0" encoding="utf-8"?>
 <p:sld xmlns:a="http://schemas.openxmlformats.org/drawingml/2006/main" xmlns:r="http://schemas.openxmlformats.org/officeDocument/2006/relationships" xmlns:p="http://schemas.openxmlformats.org/presentationml/2006/main">
   <p:cSld>
     <p:spTree>
@@ -9872,8 +10555,8 @@
         </p:nvSpPr>
         <p:spPr>
           <a:xfrm>
-            <a:off x="457200" y="274637"/>
-            <a:ext cx="8229600" cy="1143200"/>
+            <a:off x="1676400" y="274637"/>
+            <a:ext cx="7010400" cy="1143200"/>
           </a:xfrm>
           <a:prstGeom prst="rect">
             <a:avLst/>
@@ -9889,9 +10572,10 @@
               <a:buNone/>
             </a:pPr>
             <a:r>
-              <a:rPr lang="en"/>
-              <a:t>Improving the sample</a:t>
-            </a:r>
+              <a:rPr lang="en" dirty="0" smtClean="0"/>
+              <a:t>Some utilities</a:t>
+            </a:r>
+            <a:endParaRPr lang="en" dirty="0"/>
           </a:p>
         </p:txBody>
       </p:sp>
@@ -9907,8 +10591,8 @@
         </p:nvSpPr>
         <p:spPr>
           <a:xfrm>
-            <a:off x="457200" y="1600201"/>
-            <a:ext cx="8229600" cy="4967599"/>
+            <a:off x="1219200" y="1295400"/>
+            <a:ext cx="7467600" cy="4967599"/>
           </a:xfrm>
           <a:prstGeom prst="rect">
             <a:avLst/>
@@ -9919,6 +10603,112 @@
             <a:noAutofit/>
           </a:bodyPr>
           <a:lstStyle/>
+          <a:p>
+            <a:pPr marL="571500" indent="-457200">
+              <a:lnSpc>
+                <a:spcPct val="150000"/>
+              </a:lnSpc>
+              <a:buClr>
+                <a:schemeClr val="dk1"/>
+              </a:buClr>
+              <a:buSzPct val="100000"/>
+            </a:pPr>
+            <a:r>
+              <a:rPr lang="en" dirty="0" smtClean="0"/>
+              <a:t>Process module</a:t>
+            </a:r>
+          </a:p>
+          <a:p>
+            <a:pPr marL="571500" indent="-457200">
+              <a:lnSpc>
+                <a:spcPct val="150000"/>
+              </a:lnSpc>
+              <a:buClr>
+                <a:schemeClr val="dk1"/>
+              </a:buClr>
+              <a:buSzPct val="100000"/>
+            </a:pPr>
+            <a:endParaRPr lang="en" dirty="0"/>
+          </a:p>
+          <a:p>
+            <a:pPr marL="571500" indent="-457200">
+              <a:lnSpc>
+                <a:spcPct val="150000"/>
+              </a:lnSpc>
+              <a:buClr>
+                <a:schemeClr val="dk1"/>
+              </a:buClr>
+              <a:buSzPct val="100000"/>
+            </a:pPr>
+            <a:r>
+              <a:rPr lang="en" dirty="0" smtClean="0"/>
+              <a:t>Carbon module</a:t>
+            </a:r>
+          </a:p>
+          <a:p>
+            <a:pPr marL="571500" indent="-457200">
+              <a:lnSpc>
+                <a:spcPct val="150000"/>
+              </a:lnSpc>
+              <a:buClr>
+                <a:schemeClr val="dk1"/>
+              </a:buClr>
+              <a:buSzPct val="100000"/>
+            </a:pPr>
+            <a:endParaRPr lang="en" dirty="0" smtClean="0"/>
+          </a:p>
+          <a:p>
+            <a:pPr marL="571500" indent="-457200">
+              <a:lnSpc>
+                <a:spcPct val="150000"/>
+              </a:lnSpc>
+              <a:buClr>
+                <a:schemeClr val="dk1"/>
+              </a:buClr>
+              <a:buSzPct val="100000"/>
+            </a:pPr>
+            <a:endParaRPr lang="en" dirty="0" smtClean="0"/>
+          </a:p>
+          <a:p>
+            <a:pPr marL="571500" indent="-457200">
+              <a:lnSpc>
+                <a:spcPct val="150000"/>
+              </a:lnSpc>
+              <a:buClr>
+                <a:schemeClr val="dk1"/>
+              </a:buClr>
+              <a:buSzPct val="100000"/>
+            </a:pPr>
+            <a:r>
+              <a:rPr lang="en" dirty="0" smtClean="0"/>
+              <a:t>File Api / Email Api / Feed Api etc</a:t>
+            </a:r>
+            <a:endParaRPr lang="en" dirty="0" smtClean="0"/>
+          </a:p>
+          <a:p>
+            <a:pPr marL="571500" indent="-457200">
+              <a:lnSpc>
+                <a:spcPct val="150000"/>
+              </a:lnSpc>
+              <a:buClr>
+                <a:schemeClr val="dk1"/>
+              </a:buClr>
+              <a:buSzPct val="100000"/>
+            </a:pPr>
+            <a:endParaRPr lang="en" dirty="0" smtClean="0"/>
+          </a:p>
+          <a:p>
+            <a:pPr marL="571500" indent="-457200">
+              <a:lnSpc>
+                <a:spcPct val="150000"/>
+              </a:lnSpc>
+              <a:buClr>
+                <a:schemeClr val="dk1"/>
+              </a:buClr>
+              <a:buSzPct val="100000"/>
+            </a:pPr>
+            <a:endParaRPr lang="en" dirty="0" smtClean="0"/>
+          </a:p>
           <a:p>
             <a:pPr marL="457200" lvl="0" indent="-342900" rtl="0">
               <a:lnSpc>
@@ -9931,30 +10721,128 @@
               <a:buFont typeface="Arial"/>
               <a:buChar char="●"/>
             </a:pPr>
-            <a:r>
-              <a:rPr lang="en" sz="1800"/>
-              <a:t>Responsive UI </a:t>
-            </a:r>
-          </a:p>
-          <a:p>
-            <a:pPr marL="457200" lvl="0" indent="-342900" rtl="0">
-              <a:lnSpc>
-                <a:spcPct val="150000"/>
-              </a:lnSpc>
-              <a:buClr>
-                <a:schemeClr val="dk1"/>
-              </a:buClr>
-              <a:buSzPct val="100000"/>
-              <a:buFont typeface="Arial"/>
-              <a:buChar char="●"/>
-            </a:pPr>
-            <a:r>
-              <a:rPr lang="en" sz="1800"/>
-              <a:t>WebSockets</a:t>
-            </a:r>
-          </a:p>
-        </p:txBody>
-      </p:sp>
+            <a:endParaRPr lang="en" dirty="0"/>
+          </a:p>
+        </p:txBody>
+      </p:sp>
+      <p:pic>
+        <p:nvPicPr>
+          <p:cNvPr id="10242" name="Picture 2"/>
+          <p:cNvPicPr>
+            <a:picLocks noChangeAspect="1" noChangeArrowheads="1"/>
+          </p:cNvPicPr>
+          <p:nvPr/>
+        </p:nvPicPr>
+        <p:blipFill>
+          <a:blip r:embed="rId3">
+            <a:extLst>
+              <a:ext uri="{28A0092B-C50C-407E-A947-70E740481C1C}">
+                <a14:useLocalDpi xmlns:a14="http://schemas.microsoft.com/office/drawing/2010/main" val="0"/>
+              </a:ext>
+            </a:extLst>
+          </a:blip>
+          <a:srcRect/>
+          <a:stretch>
+            <a:fillRect/>
+          </a:stretch>
+        </p:blipFill>
+        <p:spPr bwMode="auto">
+          <a:xfrm>
+            <a:off x="1752600" y="2143713"/>
+            <a:ext cx="4213372" cy="1056687"/>
+          </a:xfrm>
+          <a:prstGeom prst="rect">
+            <a:avLst/>
+          </a:prstGeom>
+          <a:noFill/>
+          <a:ln w="9525">
+            <a:solidFill>
+              <a:schemeClr val="tx1"/>
+            </a:solidFill>
+            <a:miter lim="800000"/>
+            <a:headEnd/>
+            <a:tailEnd/>
+          </a:ln>
+          <a:effectLst/>
+          <a:extLst>
+            <a:ext uri="{909E8E84-426E-40DD-AFC4-6F175D3DCCD1}">
+              <a14:hiddenFill xmlns:a14="http://schemas.microsoft.com/office/drawing/2010/main">
+                <a:solidFill>
+                  <a:schemeClr val="accent1"/>
+                </a:solidFill>
+              </a14:hiddenFill>
+            </a:ext>
+            <a:ext uri="{AF507438-7753-43E0-B8FC-AC1667EBCBE1}">
+              <a14:hiddenEffects xmlns:a14="http://schemas.microsoft.com/office/drawing/2010/main">
+                <a:effectLst>
+                  <a:outerShdw dist="35921" dir="2700000" algn="ctr" rotWithShape="0">
+                    <a:schemeClr val="bg2"/>
+                  </a:outerShdw>
+                </a:effectLst>
+              </a14:hiddenEffects>
+            </a:ext>
+          </a:extLst>
+        </p:spPr>
+      </p:pic>
+      <p:pic>
+        <p:nvPicPr>
+          <p:cNvPr id="10243" name="Picture 3"/>
+          <p:cNvPicPr>
+            <a:picLocks noChangeAspect="1" noChangeArrowheads="1"/>
+          </p:cNvPicPr>
+          <p:nvPr/>
+        </p:nvPicPr>
+        <p:blipFill>
+          <a:blip r:embed="rId4">
+            <a:extLst>
+              <a:ext uri="{28A0092B-C50C-407E-A947-70E740481C1C}">
+                <a14:useLocalDpi xmlns:a14="http://schemas.microsoft.com/office/drawing/2010/main" val="0"/>
+              </a:ext>
+            </a:extLst>
+          </a:blip>
+          <a:srcRect/>
+          <a:stretch>
+            <a:fillRect/>
+          </a:stretch>
+        </p:blipFill>
+        <p:spPr bwMode="auto">
+          <a:xfrm>
+            <a:off x="463954" y="3886200"/>
+            <a:ext cx="8375246" cy="1304925"/>
+          </a:xfrm>
+          <a:prstGeom prst="rect">
+            <a:avLst/>
+          </a:prstGeom>
+          <a:noFill/>
+          <a:ln w="9525">
+            <a:solidFill>
+              <a:schemeClr val="tx1"/>
+            </a:solidFill>
+            <a:miter lim="800000"/>
+            <a:headEnd/>
+            <a:tailEnd/>
+          </a:ln>
+          <a:effectLst/>
+          <a:extLst>
+            <a:ext uri="{909E8E84-426E-40DD-AFC4-6F175D3DCCD1}">
+              <a14:hiddenFill xmlns:a14="http://schemas.microsoft.com/office/drawing/2010/main">
+                <a:solidFill>
+                  <a:schemeClr val="accent1"/>
+                </a:solidFill>
+              </a14:hiddenFill>
+            </a:ext>
+            <a:ext uri="{AF507438-7753-43E0-B8FC-AC1667EBCBE1}">
+              <a14:hiddenEffects xmlns:a14="http://schemas.microsoft.com/office/drawing/2010/main">
+                <a:effectLst>
+                  <a:outerShdw dist="35921" dir="2700000" algn="ctr" rotWithShape="0">
+                    <a:schemeClr val="bg2"/>
+                  </a:outerShdw>
+                </a:effectLst>
+              </a14:hiddenEffects>
+            </a:ext>
+          </a:extLst>
+        </p:spPr>
+      </p:pic>
     </p:spTree>
     <p:extLst>
       <p:ext uri="{BB962C8B-B14F-4D97-AF65-F5344CB8AC3E}">
@@ -9965,13 +10853,13 @@
   <p:clrMapOvr>
     <a:masterClrMapping/>
   </p:clrMapOvr>
-  <p:transition xmlns:p14="http://schemas.microsoft.com/office/powerpoint/2010/main" spd="slow">
+  <p:transition spd="slow">
     <p:cut/>
   </p:transition>
 </p:sld>
 </file>
 
-<file path=ppt/slides/slide25.xml><?xml version="1.0" encoding="utf-8"?>
+<file path=ppt/slides/slide24.xml><?xml version="1.0" encoding="utf-8"?>
 <p:sld xmlns:a="http://schemas.openxmlformats.org/drawingml/2006/main" xmlns:r="http://schemas.openxmlformats.org/officeDocument/2006/relationships" xmlns:p="http://schemas.openxmlformats.org/presentationml/2006/main">
   <p:cSld>
     <p:spTree>
@@ -10342,7 +11230,7 @@
   <p:clrMapOvr>
     <a:masterClrMapping/>
   </p:clrMapOvr>
-  <p:transition xmlns:p14="http://schemas.microsoft.com/office/powerpoint/2010/main" spd="slow">
+  <p:transition spd="slow">
     <p:cut/>
   </p:transition>
 </p:sld>
@@ -10459,7 +11347,7 @@
   <p:clrMapOvr>
     <a:masterClrMapping/>
   </p:clrMapOvr>
-  <p:transition xmlns:p14="http://schemas.microsoft.com/office/powerpoint/2010/main" spd="slow">
+  <p:transition spd="slow">
     <p:cut/>
   </p:transition>
 </p:sld>
@@ -10609,7 +11497,7 @@
   <p:clrMapOvr>
     <a:masterClrMapping/>
   </p:clrMapOvr>
-  <p:transition xmlns:p14="http://schemas.microsoft.com/office/powerpoint/2010/main" spd="slow">
+  <p:transition spd="slow">
     <p:cut/>
   </p:transition>
 </p:sld>
@@ -10706,8 +11594,12 @@
           <a:lstStyle/>
           <a:p>
             <a:r>
+              <a:rPr lang="en" dirty="0" smtClean="0"/>
+              <a:t>Javascript </a:t>
+            </a:r>
+            <a:r>
               <a:rPr lang="en" dirty="0"/>
-              <a:t>Javascripts has become the defacto technology (except for Mobile apps)</a:t>
+              <a:t>has become the defacto technology (except for Mobile apps)</a:t>
             </a:r>
           </a:p>
           <a:p>
@@ -10750,7 +11642,7 @@
   <p:clrMapOvr>
     <a:masterClrMapping/>
   </p:clrMapOvr>
-  <p:transition xmlns:p14="http://schemas.microsoft.com/office/powerpoint/2010/main" spd="slow">
+  <p:transition spd="slow">
     <p:cut/>
   </p:transition>
 </p:sld>
@@ -11226,7 +12118,7 @@
   <p:clrMapOvr>
     <a:masterClrMapping/>
   </p:clrMapOvr>
-  <p:transition xmlns:p14="http://schemas.microsoft.com/office/powerpoint/2010/main" spd="slow">
+  <p:transition spd="slow">
     <p:cut/>
   </p:transition>
 </p:sld>
@@ -11296,7 +12188,7 @@
         </p:nvSpPr>
         <p:spPr>
           <a:xfrm>
-            <a:off x="1066800" y="1524000"/>
+            <a:off x="914400" y="1524000"/>
             <a:ext cx="8229600" cy="4739000"/>
           </a:xfrm>
           <a:prstGeom prst="rect">
@@ -11308,6 +12200,51 @@
             <a:noAutofit/>
           </a:bodyPr>
           <a:lstStyle/>
+          <a:p>
+            <a:pPr marL="495300" indent="-457200">
+              <a:buClr>
+                <a:schemeClr val="dk1"/>
+              </a:buClr>
+              <a:buSzPct val="166666"/>
+            </a:pPr>
+            <a:r>
+              <a:rPr lang="en" dirty="0" smtClean="0"/>
+              <a:t>NodeJS </a:t>
+            </a:r>
+            <a:r>
+              <a:rPr lang="en" dirty="0"/>
+              <a:t>- </a:t>
+            </a:r>
+          </a:p>
+          <a:p>
+            <a:pPr marL="914400" lvl="1" indent="-381000" rtl="0">
+              <a:buClr>
+                <a:schemeClr val="dk1"/>
+              </a:buClr>
+              <a:buSzPct val="80000"/>
+              <a:buFont typeface="Courier New"/>
+              <a:buChar char="o"/>
+            </a:pPr>
+            <a:r>
+              <a:rPr lang="en" dirty="0" smtClean="0"/>
+              <a:t>Based on V8 </a:t>
+            </a:r>
+            <a:endParaRPr lang="en" dirty="0"/>
+          </a:p>
+          <a:p>
+            <a:pPr marL="914400" lvl="1" indent="-381000" rtl="0">
+              <a:buClr>
+                <a:schemeClr val="dk1"/>
+              </a:buClr>
+              <a:buSzPct val="80000"/>
+              <a:buFont typeface="Courier New"/>
+              <a:buChar char="o"/>
+            </a:pPr>
+            <a:r>
+              <a:rPr lang="en" dirty="0"/>
+              <a:t>event driven, non-blocking processing</a:t>
+            </a:r>
+          </a:p>
           <a:p>
             <a:pPr marL="457200" lvl="0" indent="-419100" rtl="0">
               <a:buClr>
@@ -11319,48 +12256,6 @@
             </a:pPr>
             <a:r>
               <a:rPr lang="en" dirty="0"/>
-              <a:t>NodeJS - </a:t>
-            </a:r>
-          </a:p>
-          <a:p>
-            <a:pPr marL="914400" lvl="1" indent="-381000" rtl="0">
-              <a:buClr>
-                <a:schemeClr val="dk1"/>
-              </a:buClr>
-              <a:buSzPct val="80000"/>
-              <a:buFont typeface="Courier New"/>
-              <a:buChar char="o"/>
-            </a:pPr>
-            <a:r>
-              <a:rPr lang="en" dirty="0"/>
-              <a:t>Built as the runtime for Chrome Browser </a:t>
-            </a:r>
-          </a:p>
-          <a:p>
-            <a:pPr marL="914400" lvl="1" indent="-381000" rtl="0">
-              <a:buClr>
-                <a:schemeClr val="dk1"/>
-              </a:buClr>
-              <a:buSzPct val="80000"/>
-              <a:buFont typeface="Courier New"/>
-              <a:buChar char="o"/>
-            </a:pPr>
-            <a:r>
-              <a:rPr lang="en" dirty="0"/>
-              <a:t>event driven, non-blocking processing</a:t>
-            </a:r>
-          </a:p>
-          <a:p>
-            <a:pPr marL="457200" lvl="0" indent="-419100" rtl="0">
-              <a:buClr>
-                <a:schemeClr val="dk1"/>
-              </a:buClr>
-              <a:buSzPct val="166666"/>
-              <a:buFont typeface="Arial"/>
-              <a:buChar char="•"/>
-            </a:pPr>
-            <a:r>
-              <a:rPr lang="en" dirty="0"/>
               <a:t>Jaggery </a:t>
             </a:r>
           </a:p>
@@ -11374,12 +12269,8 @@
               <a:buChar char="o"/>
             </a:pPr>
             <a:r>
-              <a:rPr lang="en" dirty="0"/>
-              <a:t>WSO2 </a:t>
-            </a:r>
-            <a:r>
-              <a:rPr lang="en-US" dirty="0" smtClean="0"/>
-              <a:t>Dynamic User Application  development technology</a:t>
+              <a:rPr lang="en" dirty="0" smtClean="0"/>
+              <a:t>Provided traditional development experience like in PHP/JSP </a:t>
             </a:r>
           </a:p>
           <a:p>
@@ -11393,8 +12284,9 @@
             </a:pPr>
             <a:r>
               <a:rPr lang="en-US" dirty="0" smtClean="0"/>
-              <a:t>Provides scripting support for UIs unlike JSP. </a:t>
-            </a:r>
+              <a:t>De-facto framework for all WSO2 user facing applications </a:t>
+            </a:r>
+            <a:endParaRPr lang="en-US" dirty="0" smtClean="0"/>
           </a:p>
         </p:txBody>
       </p:sp>
@@ -11408,7 +12300,7 @@
   <p:clrMapOvr>
     <a:masterClrMapping/>
   </p:clrMapOvr>
-  <p:transition xmlns:p14="http://schemas.microsoft.com/office/powerpoint/2010/main" spd="slow">
+  <p:transition spd="slow">
     <p:cut/>
   </p:transition>
 </p:sld>

--- a/slides/WebAppDevelopmentWithJavaScript.pptx
+++ b/slides/WebAppDevelopmentWithJavaScript.pptx
@@ -216,7 +216,7 @@
           <a:p>
             <a:fld id="{834CA5DD-732B-DD4A-89D6-8440A9B03DF6}" type="datetimeFigureOut">
               <a:rPr lang="en-US" smtClean="0"/>
-              <a:t>10/29/2013</a:t>
+              <a:t>10/29/13</a:t>
             </a:fld>
             <a:endParaRPr lang="en-US"/>
           </a:p>
@@ -2675,7 +2675,7 @@
             <a:fld id="{D7687376-0FDE-4161-992A-50C1D01EF749}" type="datetimeFigureOut">
               <a:rPr lang="en-US" smtClean="0"/>
               <a:pPr/>
-              <a:t>10/29/2013</a:t>
+              <a:t>10/29/13</a:t>
             </a:fld>
             <a:endParaRPr lang="en-US" dirty="0"/>
           </a:p>
@@ -3691,7 +3691,7 @@
             <a:fld id="{D7687376-0FDE-4161-992A-50C1D01EF749}" type="datetimeFigureOut">
               <a:rPr lang="en-US" smtClean="0"/>
               <a:pPr/>
-              <a:t>10/29/2013</a:t>
+              <a:t>10/29/13</a:t>
             </a:fld>
             <a:endParaRPr lang="en-US" dirty="0"/>
           </a:p>
@@ -5359,7 +5359,7 @@
             <a:fld id="{D7687376-0FDE-4161-992A-50C1D01EF749}" type="datetimeFigureOut">
               <a:rPr lang="en-US" smtClean="0"/>
               <a:pPr/>
-              <a:t>10/29/2013</a:t>
+              <a:t>10/29/13</a:t>
             </a:fld>
             <a:endParaRPr lang="en-US"/>
           </a:p>
@@ -7190,7 +7190,7 @@
             <a:fld id="{D7687376-0FDE-4161-992A-50C1D01EF749}" type="datetimeFigureOut">
               <a:rPr lang="en-US" smtClean="0"/>
               <a:pPr/>
-              <a:t>10/29/2013</a:t>
+              <a:t>10/29/13</a:t>
             </a:fld>
             <a:endParaRPr lang="en-US"/>
           </a:p>
@@ -8127,11 +8127,7 @@
           <a:p>
             <a:r>
               <a:rPr lang="en-US" sz="2400" b="1" dirty="0" smtClean="0"/>
-              <a:t>Nuwan </a:t>
-            </a:r>
-            <a:r>
-              <a:rPr lang="en-US" sz="2400" b="1" dirty="0" smtClean="0"/>
-              <a:t>Bandara &amp; </a:t>
+              <a:t>Nuwan Bandara &amp; </a:t>
             </a:r>
           </a:p>
           <a:p>
@@ -8141,21 +8137,13 @@
             </a:r>
             <a:r>
               <a:rPr lang="en-US" sz="2400" b="1" dirty="0" smtClean="0"/>
-              <a:t> </a:t>
-            </a:r>
+              <a:t> Perera</a:t>
+            </a:r>
+          </a:p>
+          <a:p>
             <a:r>
               <a:rPr lang="en-US" sz="2400" b="1" dirty="0" smtClean="0"/>
-              <a:t>Perera</a:t>
-            </a:r>
-          </a:p>
-          <a:p>
-            <a:r>
-              <a:rPr lang="en-US" sz="2400" b="1" dirty="0" smtClean="0"/>
-              <a:t>WSO2 </a:t>
-            </a:r>
-            <a:r>
-              <a:rPr lang="en-US" sz="2400" b="1" dirty="0" smtClean="0"/>
-              <a:t>Inc. </a:t>
+              <a:t>WSO2 Inc. </a:t>
             </a:r>
             <a:endParaRPr lang="en-US" sz="2400" b="1" dirty="0"/>
           </a:p>
@@ -8253,11 +8241,7 @@
           <a:p>
             <a:r>
               <a:rPr lang="en-US" dirty="0" smtClean="0"/>
-              <a:t>Like JSP/ PHP, but user writes code </a:t>
-            </a:r>
-            <a:r>
-              <a:rPr lang="en-US" dirty="0" smtClean="0"/>
-              <a:t>completely in </a:t>
+              <a:t>Like JSP/ PHP, but user writes code completely in </a:t>
             </a:r>
             <a:r>
               <a:rPr lang="en-US" dirty="0" err="1" smtClean="0"/>
@@ -8267,7 +8251,6 @@
               <a:rPr lang="en-US" dirty="0" smtClean="0"/>
               <a:t> (Data access / Business Logic / UI) </a:t>
             </a:r>
-            <a:endParaRPr lang="en-US" dirty="0" smtClean="0"/>
           </a:p>
           <a:p>
             <a:r>
@@ -8284,23 +8267,7 @@
           <a:p>
             <a:r>
               <a:rPr lang="en-US" dirty="0" smtClean="0"/>
-              <a:t>Provides very close integration with WSO2 Products (e.g. Users, Web service calls, </a:t>
-            </a:r>
-            <a:r>
-              <a:rPr lang="en-US" dirty="0" smtClean="0"/>
-              <a:t>access to the </a:t>
-            </a:r>
-            <a:r>
-              <a:rPr lang="en-US" dirty="0" smtClean="0"/>
-              <a:t>registry, access OSGI </a:t>
-            </a:r>
-            <a:r>
-              <a:rPr lang="en-US" dirty="0" smtClean="0"/>
-              <a:t>services etc</a:t>
-            </a:r>
-            <a:r>
-              <a:rPr lang="en-US" dirty="0" smtClean="0"/>
-              <a:t>.  )</a:t>
+              <a:t>Provides very close integration with WSO2 Products (e.g. Users, Web service calls, access to the registry, access OSGI services etc.  )</a:t>
             </a:r>
             <a:endParaRPr dirty="0"/>
           </a:p>
@@ -8316,7 +8283,7 @@
   <p:clrMapOvr>
     <a:masterClrMapping/>
   </p:clrMapOvr>
-  <p:transition spd="slow">
+  <p:transition xmlns:p14="http://schemas.microsoft.com/office/powerpoint/2010/main" spd="slow">
     <p:cut/>
   </p:transition>
 </p:sld>
@@ -8466,7 +8433,7 @@
   <p:clrMapOvr>
     <a:masterClrMapping/>
   </p:clrMapOvr>
-  <p:transition spd="slow">
+  <p:transition xmlns:p14="http://schemas.microsoft.com/office/powerpoint/2010/main" spd="slow">
     <p:cut/>
   </p:transition>
 </p:sld>
@@ -8683,7 +8650,7 @@
   <p:clrMapOvr>
     <a:masterClrMapping/>
   </p:clrMapOvr>
-  <p:transition spd="slow">
+  <p:transition xmlns:p14="http://schemas.microsoft.com/office/powerpoint/2010/main" spd="slow">
     <p:cut/>
   </p:transition>
 </p:sld>
@@ -8846,14 +8813,14 @@
           </a:ln>
           <a:effectLst/>
           <a:extLst>
-            <a:ext uri="{909E8E84-426E-40DD-AFC4-6F175D3DCCD1}">
+            <a:ext uri="{909E8E84-426E-40dd-AFC4-6F175D3DCCD1}">
               <a14:hiddenFill xmlns:a14="http://schemas.microsoft.com/office/drawing/2010/main">
                 <a:solidFill>
                   <a:schemeClr val="accent1"/>
                 </a:solidFill>
               </a14:hiddenFill>
             </a:ext>
-            <a:ext uri="{AF507438-7753-43E0-B8FC-AC1667EBCBE1}">
+            <a:ext uri="{AF507438-7753-43e0-B8FC-AC1667EBCBE1}">
               <a14:hiddenEffects xmlns:a14="http://schemas.microsoft.com/office/drawing/2010/main">
                 <a:effectLst>
                   <a:outerShdw dist="35921" dir="2700000" algn="ctr" rotWithShape="0">
@@ -8875,7 +8842,7 @@
   <p:clrMapOvr>
     <a:masterClrMapping/>
   </p:clrMapOvr>
-  <p:transition spd="slow">
+  <p:transition xmlns:p14="http://schemas.microsoft.com/office/powerpoint/2010/main" spd="slow">
     <p:cut/>
   </p:transition>
 </p:sld>
@@ -9017,14 +8984,14 @@
           </a:ln>
           <a:effectLst/>
           <a:extLst>
-            <a:ext uri="{909E8E84-426E-40DD-AFC4-6F175D3DCCD1}">
+            <a:ext uri="{909E8E84-426E-40dd-AFC4-6F175D3DCCD1}">
               <a14:hiddenFill xmlns:a14="http://schemas.microsoft.com/office/drawing/2010/main">
                 <a:solidFill>
                   <a:schemeClr val="accent1"/>
                 </a:solidFill>
               </a14:hiddenFill>
             </a:ext>
-            <a:ext uri="{AF507438-7753-43E0-B8FC-AC1667EBCBE1}">
+            <a:ext uri="{AF507438-7753-43e0-B8FC-AC1667EBCBE1}">
               <a14:hiddenEffects xmlns:a14="http://schemas.microsoft.com/office/drawing/2010/main">
                 <a:effectLst>
                   <a:outerShdw dist="35921" dir="2700000" algn="ctr" rotWithShape="0">
@@ -9046,7 +9013,7 @@
   <p:clrMapOvr>
     <a:masterClrMapping/>
   </p:clrMapOvr>
-  <p:transition spd="slow">
+  <p:transition xmlns:p14="http://schemas.microsoft.com/office/powerpoint/2010/main" spd="slow">
     <p:cut/>
   </p:transition>
 </p:sld>
@@ -9199,14 +9166,14 @@
           </a:ln>
           <a:effectLst/>
           <a:extLst>
-            <a:ext uri="{909E8E84-426E-40DD-AFC4-6F175D3DCCD1}">
+            <a:ext uri="{909E8E84-426E-40dd-AFC4-6F175D3DCCD1}">
               <a14:hiddenFill xmlns:a14="http://schemas.microsoft.com/office/drawing/2010/main">
                 <a:solidFill>
                   <a:schemeClr val="accent1"/>
                 </a:solidFill>
               </a14:hiddenFill>
             </a:ext>
-            <a:ext uri="{AF507438-7753-43E0-B8FC-AC1667EBCBE1}">
+            <a:ext uri="{AF507438-7753-43e0-B8FC-AC1667EBCBE1}">
               <a14:hiddenEffects xmlns:a14="http://schemas.microsoft.com/office/drawing/2010/main">
                 <a:effectLst>
                   <a:outerShdw dist="35921" dir="2700000" algn="ctr" rotWithShape="0">
@@ -9258,14 +9225,14 @@
           </a:ln>
           <a:effectLst/>
           <a:extLst>
-            <a:ext uri="{909E8E84-426E-40DD-AFC4-6F175D3DCCD1}">
+            <a:ext uri="{909E8E84-426E-40dd-AFC4-6F175D3DCCD1}">
               <a14:hiddenFill xmlns:a14="http://schemas.microsoft.com/office/drawing/2010/main">
                 <a:solidFill>
                   <a:schemeClr val="accent1"/>
                 </a:solidFill>
               </a14:hiddenFill>
             </a:ext>
-            <a:ext uri="{AF507438-7753-43E0-B8FC-AC1667EBCBE1}">
+            <a:ext uri="{AF507438-7753-43e0-B8FC-AC1667EBCBE1}">
               <a14:hiddenEffects xmlns:a14="http://schemas.microsoft.com/office/drawing/2010/main">
                 <a:effectLst>
                   <a:outerShdw dist="35921" dir="2700000" algn="ctr" rotWithShape="0">
@@ -9287,7 +9254,7 @@
   <p:clrMapOvr>
     <a:masterClrMapping/>
   </p:clrMapOvr>
-  <p:transition spd="slow">
+  <p:transition xmlns:p14="http://schemas.microsoft.com/office/powerpoint/2010/main" spd="slow">
     <p:cut/>
   </p:transition>
 </p:sld>
@@ -9419,14 +9386,14 @@
           </a:ln>
           <a:effectLst/>
           <a:extLst>
-            <a:ext uri="{909E8E84-426E-40DD-AFC4-6F175D3DCCD1}">
+            <a:ext uri="{909E8E84-426E-40dd-AFC4-6F175D3DCCD1}">
               <a14:hiddenFill xmlns:a14="http://schemas.microsoft.com/office/drawing/2010/main">
                 <a:solidFill>
                   <a:schemeClr val="accent1"/>
                 </a:solidFill>
               </a14:hiddenFill>
             </a:ext>
-            <a:ext uri="{AF507438-7753-43E0-B8FC-AC1667EBCBE1}">
+            <a:ext uri="{AF507438-7753-43e0-B8FC-AC1667EBCBE1}">
               <a14:hiddenEffects xmlns:a14="http://schemas.microsoft.com/office/drawing/2010/main">
                 <a:effectLst>
                   <a:outerShdw dist="35921" dir="2700000" algn="ctr" rotWithShape="0">
@@ -9448,7 +9415,7 @@
   <p:clrMapOvr>
     <a:masterClrMapping/>
   </p:clrMapOvr>
-  <p:transition spd="slow">
+  <p:transition xmlns:p14="http://schemas.microsoft.com/office/powerpoint/2010/main" spd="slow">
     <p:cut/>
   </p:transition>
 </p:sld>
@@ -9550,14 +9517,14 @@
           </a:ln>
           <a:effectLst/>
           <a:extLst>
-            <a:ext uri="{909E8E84-426E-40DD-AFC4-6F175D3DCCD1}">
+            <a:ext uri="{909E8E84-426E-40dd-AFC4-6F175D3DCCD1}">
               <a14:hiddenFill xmlns:a14="http://schemas.microsoft.com/office/drawing/2010/main">
                 <a:solidFill>
                   <a:schemeClr val="accent1"/>
                 </a:solidFill>
               </a14:hiddenFill>
             </a:ext>
-            <a:ext uri="{AF507438-7753-43E0-B8FC-AC1667EBCBE1}">
+            <a:ext uri="{AF507438-7753-43e0-B8FC-AC1667EBCBE1}">
               <a14:hiddenEffects xmlns:a14="http://schemas.microsoft.com/office/drawing/2010/main">
                 <a:effectLst>
                   <a:outerShdw dist="35921" dir="2700000" algn="ctr" rotWithShape="0">
@@ -9579,7 +9546,7 @@
   <p:clrMapOvr>
     <a:masterClrMapping/>
   </p:clrMapOvr>
-  <p:transition spd="slow">
+  <p:transition xmlns:p14="http://schemas.microsoft.com/office/powerpoint/2010/main" spd="slow">
     <p:cut/>
   </p:transition>
 </p:sld>
@@ -9716,14 +9683,14 @@
           </a:ln>
           <a:effectLst/>
           <a:extLst>
-            <a:ext uri="{909E8E84-426E-40DD-AFC4-6F175D3DCCD1}">
+            <a:ext uri="{909E8E84-426E-40dd-AFC4-6F175D3DCCD1}">
               <a14:hiddenFill xmlns:a14="http://schemas.microsoft.com/office/drawing/2010/main">
                 <a:solidFill>
                   <a:schemeClr val="accent1"/>
                 </a:solidFill>
               </a14:hiddenFill>
             </a:ext>
-            <a:ext uri="{AF507438-7753-43E0-B8FC-AC1667EBCBE1}">
+            <a:ext uri="{AF507438-7753-43e0-B8FC-AC1667EBCBE1}">
               <a14:hiddenEffects xmlns:a14="http://schemas.microsoft.com/office/drawing/2010/main">
                 <a:effectLst>
                   <a:outerShdw dist="35921" dir="2700000" algn="ctr" rotWithShape="0">
@@ -9775,14 +9742,14 @@
           </a:ln>
           <a:effectLst/>
           <a:extLst>
-            <a:ext uri="{909E8E84-426E-40DD-AFC4-6F175D3DCCD1}">
+            <a:ext uri="{909E8E84-426E-40dd-AFC4-6F175D3DCCD1}">
               <a14:hiddenFill xmlns:a14="http://schemas.microsoft.com/office/drawing/2010/main">
                 <a:solidFill>
                   <a:schemeClr val="accent1"/>
                 </a:solidFill>
               </a14:hiddenFill>
             </a:ext>
-            <a:ext uri="{AF507438-7753-43E0-B8FC-AC1667EBCBE1}">
+            <a:ext uri="{AF507438-7753-43e0-B8FC-AC1667EBCBE1}">
               <a14:hiddenEffects xmlns:a14="http://schemas.microsoft.com/office/drawing/2010/main">
                 <a:effectLst>
                   <a:outerShdw dist="35921" dir="2700000" algn="ctr" rotWithShape="0">
@@ -9804,7 +9771,7 @@
   <p:clrMapOvr>
     <a:masterClrMapping/>
   </p:clrMapOvr>
-  <p:transition spd="slow">
+  <p:transition xmlns:p14="http://schemas.microsoft.com/office/powerpoint/2010/main" spd="slow">
     <p:cut/>
   </p:transition>
 </p:sld>
@@ -9940,14 +9907,14 @@
           </a:ln>
           <a:effectLst/>
           <a:extLst>
-            <a:ext uri="{909E8E84-426E-40DD-AFC4-6F175D3DCCD1}">
+            <a:ext uri="{909E8E84-426E-40dd-AFC4-6F175D3DCCD1}">
               <a14:hiddenFill xmlns:a14="http://schemas.microsoft.com/office/drawing/2010/main">
                 <a:solidFill>
                   <a:schemeClr val="accent1"/>
                 </a:solidFill>
               </a14:hiddenFill>
             </a:ext>
-            <a:ext uri="{AF507438-7753-43E0-B8FC-AC1667EBCBE1}">
+            <a:ext uri="{AF507438-7753-43e0-B8FC-AC1667EBCBE1}">
               <a14:hiddenEffects xmlns:a14="http://schemas.microsoft.com/office/drawing/2010/main">
                 <a:effectLst>
                   <a:outerShdw dist="35921" dir="2700000" algn="ctr" rotWithShape="0">
@@ -9969,7 +9936,7 @@
   <p:clrMapOvr>
     <a:masterClrMapping/>
   </p:clrMapOvr>
-  <p:transition spd="slow">
+  <p:transition xmlns:p14="http://schemas.microsoft.com/office/powerpoint/2010/main" spd="slow">
     <p:cut/>
   </p:transition>
 </p:sld>
@@ -10104,11 +10071,6 @@
               </a:rPr>
               <a:t> </a:t>
             </a:r>
-            <a:endParaRPr lang="en-US" dirty="0" smtClean="0">
-              <a:solidFill>
-                <a:schemeClr val="tx1"/>
-              </a:solidFill>
-            </a:endParaRPr>
           </a:p>
           <a:p>
             <a:r>
@@ -10147,7 +10109,7 @@
   <p:clrMapOvr>
     <a:masterClrMapping/>
   </p:clrMapOvr>
-  <p:transition spd="slow">
+  <p:transition xmlns:p14="http://schemas.microsoft.com/office/powerpoint/2010/main" spd="slow">
     <p:cut/>
   </p:transition>
 </p:sld>
@@ -10297,14 +10259,14 @@
           </a:ln>
           <a:effectLst/>
           <a:extLst>
-            <a:ext uri="{909E8E84-426E-40DD-AFC4-6F175D3DCCD1}">
+            <a:ext uri="{909E8E84-426E-40dd-AFC4-6F175D3DCCD1}">
               <a14:hiddenFill xmlns:a14="http://schemas.microsoft.com/office/drawing/2010/main">
                 <a:solidFill>
                   <a:schemeClr val="accent1"/>
                 </a:solidFill>
               </a14:hiddenFill>
             </a:ext>
-            <a:ext uri="{AF507438-7753-43E0-B8FC-AC1667EBCBE1}">
+            <a:ext uri="{AF507438-7753-43e0-B8FC-AC1667EBCBE1}">
               <a14:hiddenEffects xmlns:a14="http://schemas.microsoft.com/office/drawing/2010/main">
                 <a:effectLst>
                   <a:outerShdw dist="35921" dir="2700000" algn="ctr" rotWithShape="0">
@@ -10326,7 +10288,7 @@
   <p:clrMapOvr>
     <a:masterClrMapping/>
   </p:clrMapOvr>
-  <p:transition spd="slow">
+  <p:transition xmlns:p14="http://schemas.microsoft.com/office/powerpoint/2010/main" spd="slow">
     <p:cut/>
   </p:transition>
 </p:sld>
@@ -10361,8 +10323,8 @@
         </p:nvSpPr>
         <p:spPr>
           <a:xfrm>
-            <a:off x="457200" y="274637"/>
-            <a:ext cx="8229600" cy="1143200"/>
+            <a:off x="1828800" y="274637"/>
+            <a:ext cx="6858000" cy="1143200"/>
           </a:xfrm>
           <a:prstGeom prst="rect">
             <a:avLst/>
@@ -10374,11 +10336,11 @@
           </a:bodyPr>
           <a:lstStyle/>
           <a:p>
-            <a:pPr>
+            <a:pPr algn="ctr">
               <a:buNone/>
             </a:pPr>
             <a:r>
-              <a:rPr lang="en"/>
+              <a:rPr lang="en" dirty="0"/>
               <a:t>Visualization 1: Graphs and Plots</a:t>
             </a:r>
           </a:p>
@@ -10396,8 +10358,8 @@
         </p:nvSpPr>
         <p:spPr>
           <a:xfrm>
-            <a:off x="457200" y="1600201"/>
-            <a:ext cx="8229600" cy="4967599"/>
+            <a:off x="1219200" y="1295400"/>
+            <a:ext cx="7543800" cy="4967599"/>
           </a:xfrm>
           <a:prstGeom prst="rect">
             <a:avLst/>
@@ -10409,7 +10371,440 @@
           </a:bodyPr>
           <a:lstStyle/>
           <a:p>
-            <a:endParaRPr/>
+            <a:pPr marL="0" indent="0">
+              <a:buNone/>
+            </a:pPr>
+            <a:r>
+              <a:rPr lang="nb-NO" sz="1500" dirty="0">
+                <a:latin typeface="Courier New"/>
+                <a:cs typeface="Courier New"/>
+              </a:rPr>
+              <a:t>&lt;div&gt;</a:t>
+            </a:r>
+          </a:p>
+          <a:p>
+            <a:pPr marL="0" indent="0">
+              <a:buNone/>
+            </a:pPr>
+            <a:r>
+              <a:rPr lang="nb-NO" sz="1500" dirty="0">
+                <a:latin typeface="Courier New"/>
+                <a:cs typeface="Courier New"/>
+              </a:rPr>
+              <a:t>    &lt;</a:t>
+            </a:r>
+            <a:r>
+              <a:rPr lang="nb-NO" sz="1500" dirty="0" err="1">
+                <a:latin typeface="Courier New"/>
+                <a:cs typeface="Courier New"/>
+              </a:rPr>
+              <a:t>svg</a:t>
+            </a:r>
+            <a:r>
+              <a:rPr lang="nb-NO" sz="1500" dirty="0">
+                <a:latin typeface="Courier New"/>
+                <a:cs typeface="Courier New"/>
+              </a:rPr>
+              <a:t> id="chart1"&gt;&lt;/</a:t>
+            </a:r>
+            <a:r>
+              <a:rPr lang="nb-NO" sz="1500" dirty="0" err="1">
+                <a:latin typeface="Courier New"/>
+                <a:cs typeface="Courier New"/>
+              </a:rPr>
+              <a:t>svg</a:t>
+            </a:r>
+            <a:r>
+              <a:rPr lang="nb-NO" sz="1500" dirty="0">
+                <a:latin typeface="Courier New"/>
+                <a:cs typeface="Courier New"/>
+              </a:rPr>
+              <a:t>&gt;</a:t>
+            </a:r>
+          </a:p>
+          <a:p>
+            <a:pPr marL="0" indent="0">
+              <a:buNone/>
+            </a:pPr>
+            <a:r>
+              <a:rPr lang="nb-NO" sz="1500" dirty="0">
+                <a:latin typeface="Courier New"/>
+                <a:cs typeface="Courier New"/>
+              </a:rPr>
+              <a:t>  &lt;/div</a:t>
+            </a:r>
+            <a:r>
+              <a:rPr lang="nb-NO" sz="1500" dirty="0" smtClean="0">
+                <a:latin typeface="Courier New"/>
+                <a:cs typeface="Courier New"/>
+              </a:rPr>
+              <a:t>&gt;</a:t>
+            </a:r>
+            <a:endParaRPr lang="en-US" sz="1500" dirty="0" smtClean="0">
+              <a:latin typeface="Courier New"/>
+              <a:cs typeface="Courier New"/>
+            </a:endParaRPr>
+          </a:p>
+          <a:p>
+            <a:pPr marL="0" indent="0">
+              <a:buNone/>
+            </a:pPr>
+            <a:r>
+              <a:rPr lang="en-US" sz="1500" dirty="0" smtClean="0">
+                <a:latin typeface="Courier New"/>
+                <a:cs typeface="Courier New"/>
+              </a:rPr>
+              <a:t>D</a:t>
+            </a:r>
+            <a:r>
+              <a:rPr lang="fi-FI" sz="1500" dirty="0" err="1" smtClean="0">
+                <a:latin typeface="Courier New"/>
+                <a:cs typeface="Courier New"/>
+              </a:rPr>
+              <a:t>ata</a:t>
+            </a:r>
+            <a:r>
+              <a:rPr lang="fi-FI" sz="1500" dirty="0" smtClean="0">
+                <a:latin typeface="Courier New"/>
+                <a:cs typeface="Courier New"/>
+              </a:rPr>
+              <a:t> = [{</a:t>
+            </a:r>
+          </a:p>
+          <a:p>
+            <a:pPr marL="0" indent="0">
+              <a:buNone/>
+            </a:pPr>
+            <a:r>
+              <a:rPr lang="fi-FI" sz="1500" dirty="0">
+                <a:latin typeface="Courier New"/>
+                <a:cs typeface="Courier New"/>
+              </a:rPr>
+              <a:t>	</a:t>
+            </a:r>
+            <a:r>
+              <a:rPr lang="fi-FI" sz="1500" dirty="0" smtClean="0">
+                <a:latin typeface="Courier New"/>
+                <a:cs typeface="Courier New"/>
+              </a:rPr>
+              <a:t>	"</a:t>
+            </a:r>
+            <a:r>
+              <a:rPr lang="fi-FI" sz="1500" dirty="0" err="1">
+                <a:latin typeface="Courier New"/>
+                <a:cs typeface="Courier New"/>
+              </a:rPr>
+              <a:t>key</a:t>
+            </a:r>
+            <a:r>
+              <a:rPr lang="fi-FI" sz="1500" dirty="0">
+                <a:latin typeface="Courier New"/>
+                <a:cs typeface="Courier New"/>
+              </a:rPr>
+              <a:t>" : "</a:t>
+            </a:r>
+            <a:r>
+              <a:rPr lang="fi-FI" sz="1500" dirty="0" err="1">
+                <a:latin typeface="Courier New"/>
+                <a:cs typeface="Courier New"/>
+              </a:rPr>
+              <a:t>latte</a:t>
+            </a:r>
+            <a:r>
+              <a:rPr lang="fi-FI" sz="1500" dirty="0">
+                <a:latin typeface="Courier New"/>
+                <a:cs typeface="Courier New"/>
+              </a:rPr>
+              <a:t>", "</a:t>
+            </a:r>
+            <a:r>
+              <a:rPr lang="fi-FI" sz="1500" dirty="0" err="1">
+                <a:latin typeface="Courier New"/>
+                <a:cs typeface="Courier New"/>
+              </a:rPr>
+              <a:t>values</a:t>
+            </a:r>
+            <a:r>
+              <a:rPr lang="fi-FI" sz="1500" dirty="0">
+                <a:latin typeface="Courier New"/>
+                <a:cs typeface="Courier New"/>
+              </a:rPr>
+              <a:t>" : [[0.0, 658.0]</a:t>
+            </a:r>
+            <a:r>
+              <a:rPr lang="fi-FI" sz="1500" dirty="0" smtClean="0">
+                <a:latin typeface="Courier New"/>
+                <a:cs typeface="Courier New"/>
+              </a:rPr>
+              <a:t>,..}</a:t>
+            </a:r>
+          </a:p>
+          <a:p>
+            <a:pPr marL="0" indent="0">
+              <a:buNone/>
+            </a:pPr>
+            <a:r>
+              <a:rPr lang="fi-FI" sz="1500" dirty="0" smtClean="0">
+                <a:latin typeface="Courier New"/>
+                <a:cs typeface="Courier New"/>
+              </a:rPr>
+              <a:t>	</a:t>
+            </a:r>
+            <a:r>
+              <a:rPr lang="fi-FI" sz="1500" dirty="0">
+                <a:latin typeface="Courier New"/>
+                <a:cs typeface="Courier New"/>
+              </a:rPr>
+              <a:t>	</a:t>
+            </a:r>
+            <a:r>
+              <a:rPr lang="fi-FI" sz="1500" dirty="0" smtClean="0">
+                <a:latin typeface="Courier New"/>
+                <a:cs typeface="Courier New"/>
+              </a:rPr>
+              <a:t>..</a:t>
+            </a:r>
+          </a:p>
+          <a:p>
+            <a:pPr marL="0" indent="0">
+              <a:buNone/>
+            </a:pPr>
+            <a:r>
+              <a:rPr lang="fi-FI" sz="1500" dirty="0">
+                <a:latin typeface="Courier New"/>
+                <a:cs typeface="Courier New"/>
+              </a:rPr>
+              <a:t>	</a:t>
+            </a:r>
+            <a:r>
+              <a:rPr lang="fi-FI" sz="1500" dirty="0" smtClean="0">
+                <a:latin typeface="Courier New"/>
+                <a:cs typeface="Courier New"/>
+              </a:rPr>
+              <a:t>}</a:t>
+            </a:r>
+            <a:endParaRPr lang="en-US" sz="1500" dirty="0" smtClean="0">
+              <a:latin typeface="Courier New"/>
+              <a:cs typeface="Courier New"/>
+            </a:endParaRPr>
+          </a:p>
+          <a:p>
+            <a:pPr marL="0" indent="0">
+              <a:buNone/>
+            </a:pPr>
+            <a:r>
+              <a:rPr lang="en-US" sz="1500" dirty="0" err="1" smtClean="0">
+                <a:latin typeface="Courier New"/>
+                <a:cs typeface="Courier New"/>
+              </a:rPr>
+              <a:t>var</a:t>
+            </a:r>
+            <a:r>
+              <a:rPr lang="en-US" sz="1500" dirty="0" smtClean="0">
+                <a:latin typeface="Courier New"/>
+                <a:cs typeface="Courier New"/>
+              </a:rPr>
+              <a:t> </a:t>
+            </a:r>
+            <a:r>
+              <a:rPr lang="en-US" sz="1500" dirty="0">
+                <a:latin typeface="Courier New"/>
+                <a:cs typeface="Courier New"/>
+              </a:rPr>
+              <a:t>chart;</a:t>
+            </a:r>
+          </a:p>
+          <a:p>
+            <a:pPr marL="0" indent="0">
+              <a:buNone/>
+            </a:pPr>
+            <a:r>
+              <a:rPr lang="en-US" sz="1500" dirty="0" err="1">
+                <a:latin typeface="Courier New"/>
+                <a:cs typeface="Courier New"/>
+              </a:rPr>
+              <a:t>nv.addGraph</a:t>
+            </a:r>
+            <a:r>
+              <a:rPr lang="en-US" sz="1500" dirty="0">
+                <a:latin typeface="Courier New"/>
+                <a:cs typeface="Courier New"/>
+              </a:rPr>
+              <a:t>(function() {</a:t>
+            </a:r>
+          </a:p>
+          <a:p>
+            <a:pPr marL="0" indent="0">
+              <a:buNone/>
+            </a:pPr>
+            <a:r>
+              <a:rPr lang="en-US" sz="1500" dirty="0">
+                <a:latin typeface="Courier New"/>
+                <a:cs typeface="Courier New"/>
+              </a:rPr>
+              <a:t>  chart = </a:t>
+            </a:r>
+            <a:r>
+              <a:rPr lang="en-US" sz="1500" dirty="0" err="1">
+                <a:latin typeface="Courier New"/>
+                <a:cs typeface="Courier New"/>
+              </a:rPr>
+              <a:t>nv.models.stackedAreaChart</a:t>
+            </a:r>
+            <a:r>
+              <a:rPr lang="en-US" sz="1500" dirty="0">
+                <a:latin typeface="Courier New"/>
+                <a:cs typeface="Courier New"/>
+              </a:rPr>
+              <a:t>()</a:t>
+            </a:r>
+          </a:p>
+          <a:p>
+            <a:pPr marL="0" indent="0">
+              <a:buNone/>
+            </a:pPr>
+            <a:r>
+              <a:rPr lang="en-US" sz="1500" dirty="0" smtClean="0">
+                <a:latin typeface="Courier New"/>
+                <a:cs typeface="Courier New"/>
+              </a:rPr>
+              <a:t>	        </a:t>
+            </a:r>
+            <a:r>
+              <a:rPr lang="en-US" sz="1500" dirty="0">
+                <a:latin typeface="Courier New"/>
+                <a:cs typeface="Courier New"/>
+              </a:rPr>
+              <a:t>.x(function(d) { return d[0] })</a:t>
+            </a:r>
+          </a:p>
+          <a:p>
+            <a:pPr marL="0" indent="0">
+              <a:buNone/>
+            </a:pPr>
+            <a:r>
+              <a:rPr lang="en-US" sz="1500" dirty="0">
+                <a:latin typeface="Courier New"/>
+                <a:cs typeface="Courier New"/>
+              </a:rPr>
+              <a:t>                .y(function(d) { return d[1] })</a:t>
+            </a:r>
+          </a:p>
+          <a:p>
+            <a:pPr marL="0" indent="0">
+              <a:buNone/>
+            </a:pPr>
+            <a:r>
+              <a:rPr lang="en-US" sz="1500" dirty="0">
+                <a:latin typeface="Courier New"/>
+                <a:cs typeface="Courier New"/>
+              </a:rPr>
+              <a:t>                .color(</a:t>
+            </a:r>
+            <a:r>
+              <a:rPr lang="en-US" sz="1500" dirty="0" err="1">
+                <a:latin typeface="Courier New"/>
+                <a:cs typeface="Courier New"/>
+              </a:rPr>
+              <a:t>keyColor</a:t>
+            </a:r>
+            <a:r>
+              <a:rPr lang="en-US" sz="1500" dirty="0">
+                <a:latin typeface="Courier New"/>
+                <a:cs typeface="Courier New"/>
+              </a:rPr>
+              <a:t>)</a:t>
+            </a:r>
+          </a:p>
+          <a:p>
+            <a:pPr marL="0" indent="0">
+              <a:buNone/>
+            </a:pPr>
+            <a:r>
+              <a:rPr lang="en-US" sz="1500" dirty="0">
+                <a:latin typeface="Courier New"/>
+                <a:cs typeface="Courier New"/>
+              </a:rPr>
+              <a:t>                .</a:t>
+            </a:r>
+            <a:r>
+              <a:rPr lang="en-US" sz="1500" dirty="0" err="1">
+                <a:latin typeface="Courier New"/>
+                <a:cs typeface="Courier New"/>
+              </a:rPr>
+              <a:t>transitionDuration</a:t>
+            </a:r>
+            <a:r>
+              <a:rPr lang="en-US" sz="1500" dirty="0">
+                <a:latin typeface="Courier New"/>
+                <a:cs typeface="Courier New"/>
+              </a:rPr>
+              <a:t>(300);</a:t>
+            </a:r>
+          </a:p>
+          <a:p>
+            <a:pPr marL="0" indent="0">
+              <a:buNone/>
+            </a:pPr>
+            <a:r>
+              <a:rPr lang="en-US" sz="1500" dirty="0" smtClean="0">
+                <a:latin typeface="Courier New"/>
+                <a:cs typeface="Courier New"/>
+              </a:rPr>
+              <a:t>d3</a:t>
+            </a:r>
+            <a:r>
+              <a:rPr lang="en-US" sz="1500" dirty="0">
+                <a:latin typeface="Courier New"/>
+                <a:cs typeface="Courier New"/>
+              </a:rPr>
+              <a:t>.select('#chart1')</a:t>
+            </a:r>
+          </a:p>
+          <a:p>
+            <a:pPr marL="0" indent="0">
+              <a:buNone/>
+            </a:pPr>
+            <a:r>
+              <a:rPr lang="en-US" sz="1500" dirty="0">
+                <a:latin typeface="Courier New"/>
+                <a:cs typeface="Courier New"/>
+              </a:rPr>
+              <a:t>    .datum(data)</a:t>
+            </a:r>
+          </a:p>
+          <a:p>
+            <a:pPr marL="0" indent="0">
+              <a:buNone/>
+            </a:pPr>
+            <a:r>
+              <a:rPr lang="en-US" sz="1500" dirty="0">
+                <a:latin typeface="Courier New"/>
+                <a:cs typeface="Courier New"/>
+              </a:rPr>
+              <a:t>    .transition().duration(0)</a:t>
+            </a:r>
+          </a:p>
+          <a:p>
+            <a:pPr marL="0" indent="0">
+              <a:buNone/>
+            </a:pPr>
+            <a:r>
+              <a:rPr lang="en-US" sz="1500" dirty="0">
+                <a:latin typeface="Courier New"/>
+                <a:cs typeface="Courier New"/>
+              </a:rPr>
+              <a:t>    .call(chart);</a:t>
+            </a:r>
+          </a:p>
+          <a:p>
+            <a:pPr marL="0" indent="0">
+              <a:buNone/>
+            </a:pPr>
+            <a:endParaRPr sz="1500" dirty="0">
+              <a:latin typeface="Courier New"/>
+              <a:cs typeface="Courier New"/>
+            </a:endParaRPr>
           </a:p>
         </p:txBody>
       </p:sp>
@@ -10423,7 +10818,7 @@
   <p:clrMapOvr>
     <a:masterClrMapping/>
   </p:clrMapOvr>
-  <p:transition spd="slow">
+  <p:transition xmlns:p14="http://schemas.microsoft.com/office/powerpoint/2010/main" spd="slow">
     <p:cut/>
   </p:transition>
 </p:sld>
@@ -10458,8 +10853,8 @@
         </p:nvSpPr>
         <p:spPr>
           <a:xfrm>
-            <a:off x="457200" y="274637"/>
-            <a:ext cx="8229600" cy="1143200"/>
+            <a:off x="1828800" y="274637"/>
+            <a:ext cx="6858000" cy="1143200"/>
           </a:xfrm>
           <a:prstGeom prst="rect">
             <a:avLst/>
@@ -10471,11 +10866,11 @@
           </a:bodyPr>
           <a:lstStyle/>
           <a:p>
-            <a:pPr lvl="0" rtl="0">
+            <a:pPr lvl="0" algn="ctr" rtl="0">
               <a:buNone/>
             </a:pPr>
             <a:r>
-              <a:rPr lang="en"/>
+              <a:rPr lang="en" dirty="0"/>
               <a:t>Visualization 2: HTML5 Canvas</a:t>
             </a:r>
           </a:p>
@@ -10493,8 +10888,8 @@
         </p:nvSpPr>
         <p:spPr>
           <a:xfrm>
-            <a:off x="457200" y="1600201"/>
-            <a:ext cx="8229600" cy="4967599"/>
+            <a:off x="1371600" y="1600201"/>
+            <a:ext cx="7315200" cy="4967599"/>
           </a:xfrm>
           <a:prstGeom prst="rect">
             <a:avLst/>
@@ -10506,7 +10901,204 @@
           </a:bodyPr>
           <a:lstStyle/>
           <a:p>
-            <a:endParaRPr/>
+            <a:pPr marL="0" indent="0">
+              <a:buNone/>
+            </a:pPr>
+            <a:r>
+              <a:rPr lang="en-US" sz="1500" dirty="0">
+                <a:latin typeface="Courier New"/>
+                <a:cs typeface="Courier New"/>
+              </a:rPr>
+              <a:t>&lt;canvas id="tree" width="500" height="500"&gt;</a:t>
+            </a:r>
+          </a:p>
+          <a:p>
+            <a:pPr marL="0" indent="0">
+              <a:buNone/>
+            </a:pPr>
+            <a:r>
+              <a:rPr lang="en-US" sz="1500" dirty="0">
+                <a:latin typeface="Courier New"/>
+                <a:cs typeface="Courier New"/>
+              </a:rPr>
+              <a:t>Please stop using IE8 and upgrade, already.</a:t>
+            </a:r>
+          </a:p>
+          <a:p>
+            <a:pPr marL="0" indent="0">
+              <a:buNone/>
+            </a:pPr>
+            <a:r>
+              <a:rPr lang="en-US" sz="1500" dirty="0">
+                <a:latin typeface="Courier New"/>
+                <a:cs typeface="Courier New"/>
+              </a:rPr>
+              <a:t>&lt;/canvas</a:t>
+            </a:r>
+            <a:r>
+              <a:rPr lang="en-US" sz="1500" dirty="0" smtClean="0">
+                <a:latin typeface="Courier New"/>
+                <a:cs typeface="Courier New"/>
+              </a:rPr>
+              <a:t>&gt;</a:t>
+            </a:r>
+          </a:p>
+          <a:p>
+            <a:pPr marL="0" indent="0">
+              <a:buNone/>
+            </a:pPr>
+            <a:endParaRPr lang="en-US" sz="1500" dirty="0" smtClean="0">
+              <a:latin typeface="Courier New"/>
+              <a:cs typeface="Courier New"/>
+            </a:endParaRPr>
+          </a:p>
+          <a:p>
+            <a:pPr marL="0" indent="0">
+              <a:buNone/>
+            </a:pPr>
+            <a:r>
+              <a:rPr lang="en-US" sz="1500" dirty="0" smtClean="0">
+                <a:latin typeface="Courier New"/>
+                <a:cs typeface="Courier New"/>
+              </a:rPr>
+              <a:t>Then later</a:t>
+            </a:r>
+            <a:endParaRPr lang="en-US" sz="1500" dirty="0">
+              <a:latin typeface="Courier New"/>
+              <a:cs typeface="Courier New"/>
+            </a:endParaRPr>
+          </a:p>
+          <a:p>
+            <a:pPr marL="0" indent="0">
+              <a:buNone/>
+            </a:pPr>
+            <a:endParaRPr lang="en-US" sz="1500" dirty="0">
+              <a:latin typeface="Courier New"/>
+              <a:cs typeface="Courier New"/>
+            </a:endParaRPr>
+          </a:p>
+          <a:p>
+            <a:pPr marL="0" indent="0">
+              <a:buNone/>
+            </a:pPr>
+            <a:r>
+              <a:rPr lang="en-US" sz="1500" dirty="0" err="1" smtClean="0">
+                <a:latin typeface="Courier New"/>
+                <a:cs typeface="Courier New"/>
+              </a:rPr>
+              <a:t>var</a:t>
+            </a:r>
+            <a:r>
+              <a:rPr lang="en-US" sz="1500" dirty="0" smtClean="0">
+                <a:latin typeface="Courier New"/>
+                <a:cs typeface="Courier New"/>
+              </a:rPr>
+              <a:t> paper = </a:t>
+            </a:r>
+            <a:r>
+              <a:rPr lang="en-US" sz="1500" dirty="0" err="1" smtClean="0">
+                <a:latin typeface="Courier New"/>
+                <a:cs typeface="Courier New"/>
+              </a:rPr>
+              <a:t>document.getElementById</a:t>
+            </a:r>
+            <a:r>
+              <a:rPr lang="en-US" sz="1500" dirty="0" smtClean="0">
+                <a:latin typeface="Courier New"/>
+                <a:cs typeface="Courier New"/>
+              </a:rPr>
+              <a:t>("tree");</a:t>
+            </a:r>
+          </a:p>
+          <a:p>
+            <a:pPr marL="0" indent="0">
+              <a:buNone/>
+            </a:pPr>
+            <a:r>
+              <a:rPr lang="en-US" sz="1500" dirty="0" err="1" smtClean="0">
+                <a:latin typeface="Courier New"/>
+                <a:cs typeface="Courier New"/>
+              </a:rPr>
+              <a:t>var</a:t>
+            </a:r>
+            <a:r>
+              <a:rPr lang="en-US" sz="1500" dirty="0" smtClean="0">
+                <a:latin typeface="Courier New"/>
+                <a:cs typeface="Courier New"/>
+              </a:rPr>
+              <a:t> context = </a:t>
+            </a:r>
+            <a:r>
+              <a:rPr lang="en-US" sz="1500" dirty="0" err="1" smtClean="0">
+                <a:latin typeface="Courier New"/>
+                <a:cs typeface="Courier New"/>
+              </a:rPr>
+              <a:t>paper.getContext</a:t>
+            </a:r>
+            <a:r>
+              <a:rPr lang="en-US" sz="1500" dirty="0" smtClean="0">
+                <a:latin typeface="Courier New"/>
+                <a:cs typeface="Courier New"/>
+              </a:rPr>
+              <a:t>("2d");</a:t>
+            </a:r>
+          </a:p>
+          <a:p>
+            <a:pPr marL="0" indent="0">
+              <a:buNone/>
+            </a:pPr>
+            <a:r>
+              <a:rPr lang="en-US" sz="1500" dirty="0" err="1" smtClean="0">
+                <a:latin typeface="Courier New"/>
+                <a:cs typeface="Courier New"/>
+              </a:rPr>
+              <a:t>context.fillStyle</a:t>
+            </a:r>
+            <a:r>
+              <a:rPr lang="en-US" sz="1500" dirty="0" smtClean="0">
+                <a:latin typeface="Courier New"/>
+                <a:cs typeface="Courier New"/>
+              </a:rPr>
+              <a:t> = "#0066CC";</a:t>
+            </a:r>
+          </a:p>
+          <a:p>
+            <a:pPr marL="0" indent="0">
+              <a:buNone/>
+            </a:pPr>
+            <a:r>
+              <a:rPr lang="en-US" sz="1500" dirty="0" err="1" smtClean="0">
+                <a:latin typeface="Courier New"/>
+                <a:cs typeface="Courier New"/>
+              </a:rPr>
+              <a:t>context.fillRect</a:t>
+            </a:r>
+            <a:r>
+              <a:rPr lang="en-US" sz="1500" dirty="0" smtClean="0">
+                <a:latin typeface="Courier New"/>
+                <a:cs typeface="Courier New"/>
+              </a:rPr>
+              <a:t>(10,10, 530, 700);</a:t>
+            </a:r>
+          </a:p>
+          <a:p>
+            <a:pPr marL="0" indent="0">
+              <a:buNone/>
+            </a:pPr>
+            <a:r>
+              <a:rPr lang="en-US" sz="1500" dirty="0" err="1" smtClean="0">
+                <a:latin typeface="Courier New"/>
+                <a:cs typeface="Courier New"/>
+              </a:rPr>
+              <a:t>setInterval</a:t>
+            </a:r>
+            <a:r>
+              <a:rPr lang="en-US" sz="1500" dirty="0" smtClean="0">
+                <a:latin typeface="Courier New"/>
+                <a:cs typeface="Courier New"/>
+              </a:rPr>
+              <a:t>(redraw, 1000);</a:t>
+            </a:r>
           </a:p>
         </p:txBody>
       </p:sp>
@@ -10520,7 +11112,7 @@
   <p:clrMapOvr>
     <a:masterClrMapping/>
   </p:clrMapOvr>
-  <p:transition spd="slow">
+  <p:transition xmlns:p14="http://schemas.microsoft.com/office/powerpoint/2010/main" spd="slow">
     <p:cut/>
   </p:transition>
 </p:sld>
@@ -10683,7 +11275,6 @@
               <a:rPr lang="en" dirty="0" smtClean="0"/>
               <a:t>File Api / Email Api / Feed Api etc</a:t>
             </a:r>
-            <a:endParaRPr lang="en" dirty="0" smtClean="0"/>
           </a:p>
           <a:p>
             <a:pPr marL="571500" indent="-457200">
@@ -10765,14 +11356,14 @@
           </a:ln>
           <a:effectLst/>
           <a:extLst>
-            <a:ext uri="{909E8E84-426E-40DD-AFC4-6F175D3DCCD1}">
+            <a:ext uri="{909E8E84-426E-40dd-AFC4-6F175D3DCCD1}">
               <a14:hiddenFill xmlns:a14="http://schemas.microsoft.com/office/drawing/2010/main">
                 <a:solidFill>
                   <a:schemeClr val="accent1"/>
                 </a:solidFill>
               </a14:hiddenFill>
             </a:ext>
-            <a:ext uri="{AF507438-7753-43E0-B8FC-AC1667EBCBE1}">
+            <a:ext uri="{AF507438-7753-43e0-B8FC-AC1667EBCBE1}">
               <a14:hiddenEffects xmlns:a14="http://schemas.microsoft.com/office/drawing/2010/main">
                 <a:effectLst>
                   <a:outerShdw dist="35921" dir="2700000" algn="ctr" rotWithShape="0">
@@ -10824,14 +11415,14 @@
           </a:ln>
           <a:effectLst/>
           <a:extLst>
-            <a:ext uri="{909E8E84-426E-40DD-AFC4-6F175D3DCCD1}">
+            <a:ext uri="{909E8E84-426E-40dd-AFC4-6F175D3DCCD1}">
               <a14:hiddenFill xmlns:a14="http://schemas.microsoft.com/office/drawing/2010/main">
                 <a:solidFill>
                   <a:schemeClr val="accent1"/>
                 </a:solidFill>
               </a14:hiddenFill>
             </a:ext>
-            <a:ext uri="{AF507438-7753-43E0-B8FC-AC1667EBCBE1}">
+            <a:ext uri="{AF507438-7753-43e0-B8FC-AC1667EBCBE1}">
               <a14:hiddenEffects xmlns:a14="http://schemas.microsoft.com/office/drawing/2010/main">
                 <a:effectLst>
                   <a:outerShdw dist="35921" dir="2700000" algn="ctr" rotWithShape="0">
@@ -10853,7 +11444,7 @@
   <p:clrMapOvr>
     <a:masterClrMapping/>
   </p:clrMapOvr>
-  <p:transition spd="slow">
+  <p:transition xmlns:p14="http://schemas.microsoft.com/office/powerpoint/2010/main" spd="slow">
     <p:cut/>
   </p:transition>
 </p:sld>
@@ -11230,7 +11821,7 @@
   <p:clrMapOvr>
     <a:masterClrMapping/>
   </p:clrMapOvr>
-  <p:transition spd="slow">
+  <p:transition xmlns:p14="http://schemas.microsoft.com/office/powerpoint/2010/main" spd="slow">
     <p:cut/>
   </p:transition>
 </p:sld>
@@ -11347,7 +11938,7 @@
   <p:clrMapOvr>
     <a:masterClrMapping/>
   </p:clrMapOvr>
-  <p:transition spd="slow">
+  <p:transition xmlns:p14="http://schemas.microsoft.com/office/powerpoint/2010/main" spd="slow">
     <p:cut/>
   </p:transition>
 </p:sld>
@@ -11497,7 +12088,7 @@
   <p:clrMapOvr>
     <a:masterClrMapping/>
   </p:clrMapOvr>
-  <p:transition spd="slow">
+  <p:transition xmlns:p14="http://schemas.microsoft.com/office/powerpoint/2010/main" spd="slow">
     <p:cut/>
   </p:transition>
 </p:sld>
@@ -11642,7 +12233,7 @@
   <p:clrMapOvr>
     <a:masterClrMapping/>
   </p:clrMapOvr>
-  <p:transition spd="slow">
+  <p:transition xmlns:p14="http://schemas.microsoft.com/office/powerpoint/2010/main" spd="slow">
     <p:cut/>
   </p:transition>
 </p:sld>
@@ -12118,7 +12709,7 @@
   <p:clrMapOvr>
     <a:masterClrMapping/>
   </p:clrMapOvr>
-  <p:transition spd="slow">
+  <p:transition xmlns:p14="http://schemas.microsoft.com/office/powerpoint/2010/main" spd="slow">
     <p:cut/>
   </p:transition>
 </p:sld>
@@ -12286,7 +12877,6 @@
               <a:rPr lang="en-US" dirty="0" smtClean="0"/>
               <a:t>De-facto framework for all WSO2 user facing applications </a:t>
             </a:r>
-            <a:endParaRPr lang="en-US" dirty="0" smtClean="0"/>
           </a:p>
         </p:txBody>
       </p:sp>
@@ -12300,7 +12890,7 @@
   <p:clrMapOvr>
     <a:masterClrMapping/>
   </p:clrMapOvr>
-  <p:transition spd="slow">
+  <p:transition xmlns:p14="http://schemas.microsoft.com/office/powerpoint/2010/main" spd="slow">
     <p:cut/>
   </p:transition>
 </p:sld>

--- a/slides/WebAppDevelopmentWithJavaScript.pptx
+++ b/slides/WebAppDevelopmentWithJavaScript.pptx
@@ -10375,11 +10375,43 @@
               <a:buNone/>
             </a:pPr>
             <a:r>
+              <a:rPr lang="pt-BR" sz="1500" dirty="0">
+                <a:latin typeface="Courier New"/>
+                <a:cs typeface="Courier New"/>
+                <a:hlinkClick r:id="rId3"/>
+              </a:rPr>
+              <a:t>http://localhost:9763/wso2coffeeshop/views/</a:t>
+            </a:r>
+            <a:r>
+              <a:rPr lang="pt-BR" sz="1500" dirty="0" smtClean="0">
+                <a:latin typeface="Courier New"/>
+                <a:cs typeface="Courier New"/>
+                <a:hlinkClick r:id="rId3"/>
+              </a:rPr>
+              <a:t>salesByCategory.html</a:t>
+            </a:r>
+            <a:endParaRPr lang="pt-BR" sz="1500" dirty="0" smtClean="0">
+              <a:latin typeface="Courier New"/>
+              <a:cs typeface="Courier New"/>
+            </a:endParaRPr>
+          </a:p>
+          <a:p>
+            <a:pPr marL="0" indent="0">
+              <a:buNone/>
+            </a:pPr>
+            <a:r>
+              <a:rPr lang="nb-NO" sz="1500" dirty="0" smtClean="0">
+                <a:latin typeface="Courier New"/>
+                <a:cs typeface="Courier New"/>
+              </a:rPr>
+              <a:t>&lt;</a:t>
+            </a:r>
+            <a:r>
               <a:rPr lang="nb-NO" sz="1500" dirty="0">
                 <a:latin typeface="Courier New"/>
                 <a:cs typeface="Courier New"/>
               </a:rPr>
-              <a:t>&lt;div&gt;</a:t>
+              <a:t>div&gt;</a:t>
             </a:r>
           </a:p>
           <a:p>
@@ -10427,11 +10459,18 @@
               <a:buNone/>
             </a:pPr>
             <a:r>
+              <a:rPr lang="nb-NO" sz="1500" dirty="0" smtClean="0">
+                <a:latin typeface="Courier New"/>
+                <a:cs typeface="Courier New"/>
+              </a:rPr>
+              <a:t>&lt;</a:t>
+            </a:r>
+            <a:r>
               <a:rPr lang="nb-NO" sz="1500" dirty="0">
                 <a:latin typeface="Courier New"/>
                 <a:cs typeface="Courier New"/>
               </a:rPr>
-              <a:t>  &lt;/div</a:t>
+              <a:t>/div</a:t>
             </a:r>
             <a:r>
               <a:rPr lang="nb-NO" sz="1500" dirty="0" smtClean="0">
@@ -10794,8 +10833,24 @@
                 <a:latin typeface="Courier New"/>
                 <a:cs typeface="Courier New"/>
               </a:rPr>
-              <a:t>    .call(chart);</a:t>
-            </a:r>
+              <a:t>    .call(chart)</a:t>
+            </a:r>
+            <a:r>
+              <a:rPr lang="en-US" sz="1500" dirty="0" smtClean="0">
+                <a:latin typeface="Courier New"/>
+                <a:cs typeface="Courier New"/>
+              </a:rPr>
+              <a:t>;</a:t>
+            </a:r>
+          </a:p>
+          <a:p>
+            <a:pPr marL="0" indent="0">
+              <a:buNone/>
+            </a:pPr>
+            <a:endParaRPr lang="en-US" sz="1500" dirty="0">
+              <a:latin typeface="Courier New"/>
+              <a:cs typeface="Courier New"/>
+            </a:endParaRPr>
           </a:p>
           <a:p>
             <a:pPr marL="0" indent="0">
@@ -10905,11 +10960,52 @@
               <a:buNone/>
             </a:pPr>
             <a:r>
+              <a:rPr lang="pt-BR" sz="1500" dirty="0">
+                <a:latin typeface="Courier New"/>
+                <a:cs typeface="Courier New"/>
+                <a:hlinkClick r:id="rId3"/>
+              </a:rPr>
+              <a:t>http://localhost:9763/wso2coffeeshop/views/</a:t>
+            </a:r>
+            <a:r>
+              <a:rPr lang="pt-BR" sz="1500" dirty="0" smtClean="0">
+                <a:latin typeface="Courier New"/>
+                <a:cs typeface="Courier New"/>
+                <a:hlinkClick r:id="rId3"/>
+              </a:rPr>
+              <a:t>salesRealTime.html</a:t>
+            </a:r>
+            <a:endParaRPr lang="pt-BR" sz="1500" dirty="0" smtClean="0">
+              <a:latin typeface="Courier New"/>
+              <a:cs typeface="Courier New"/>
+            </a:endParaRPr>
+          </a:p>
+          <a:p>
+            <a:pPr marL="0" indent="0">
+              <a:buNone/>
+            </a:pPr>
+            <a:endParaRPr lang="en-US" sz="1500" dirty="0" smtClean="0">
+              <a:latin typeface="Courier New"/>
+              <a:cs typeface="Courier New"/>
+            </a:endParaRPr>
+          </a:p>
+          <a:p>
+            <a:pPr marL="0" indent="0">
+              <a:buNone/>
+            </a:pPr>
+            <a:r>
+              <a:rPr lang="en-US" sz="1500" dirty="0" smtClean="0">
+                <a:latin typeface="Courier New"/>
+                <a:cs typeface="Courier New"/>
+              </a:rPr>
+              <a:t>&lt;</a:t>
+            </a:r>
+            <a:r>
               <a:rPr lang="en-US" sz="1500" dirty="0">
                 <a:latin typeface="Courier New"/>
                 <a:cs typeface="Courier New"/>
               </a:rPr>
-              <a:t>&lt;canvas id="tree" width="500" height="500"&gt;</a:t>
+              <a:t>canvas id="tree" width="500" height="500"&gt;</a:t>
             </a:r>
           </a:p>
           <a:p>

--- a/slides/WebAppDevelopmentWithJavaScript.pptx
+++ b/slides/WebAppDevelopmentWithJavaScript.pptx
@@ -12659,7 +12659,7 @@
         </p:nvSpPr>
         <p:spPr>
           <a:xfrm>
-            <a:off x="2057400" y="152400"/>
+            <a:off x="2057400" y="381000"/>
             <a:ext cx="6019800" cy="1143200"/>
           </a:xfrm>
           <a:prstGeom prst="rect">
@@ -12672,7 +12672,7 @@
           </a:bodyPr>
           <a:lstStyle/>
           <a:p>
-            <a:pPr lvl="0" rtl="0">
+            <a:pPr lvl="0" algn="ctr" rtl="0">
               <a:buNone/>
             </a:pPr>
             <a:r>
@@ -12689,7 +12689,7 @@
             </a:r>
             <a:r>
               <a:rPr lang="en-US" dirty="0" smtClean="0"/>
-              <a:t> </a:t>
+              <a:t> (Contd.) </a:t>
             </a:r>
             <a:endParaRPr lang="en" dirty="0"/>
           </a:p>
@@ -12707,7 +12707,7 @@
         </p:nvSpPr>
         <p:spPr>
           <a:xfrm>
-            <a:off x="1269395" y="1371600"/>
+            <a:off x="1295400" y="1676400"/>
             <a:ext cx="7848600" cy="4967599"/>
           </a:xfrm>
           <a:prstGeom prst="rect">
@@ -12876,7 +12876,7 @@
         <p:spPr>
           <a:xfrm>
             <a:off x="914400" y="1524000"/>
-            <a:ext cx="8229600" cy="4739000"/>
+            <a:ext cx="8077200" cy="4739000"/>
           </a:xfrm>
           <a:prstGeom prst="rect">
             <a:avLst/>
@@ -12914,7 +12914,19 @@
             </a:pPr>
             <a:r>
               <a:rPr lang="en" dirty="0" smtClean="0"/>
-              <a:t>Based on V8 </a:t>
+              <a:t>Based on </a:t>
+            </a:r>
+            <a:r>
+              <a:rPr lang="en-US" dirty="0" smtClean="0"/>
+              <a:t>Google </a:t>
+            </a:r>
+            <a:r>
+              <a:rPr lang="en" dirty="0" smtClean="0"/>
+              <a:t>V8 </a:t>
+            </a:r>
+            <a:r>
+              <a:rPr lang="en-US" dirty="0" smtClean="0"/>
+              <a:t>JS engine</a:t>
             </a:r>
             <a:endParaRPr lang="en" dirty="0"/>
           </a:p>
